--- a/Ch_01_Modelisation_Multiphysique/TP/TP_01_Modelisation_DR.pptx
+++ b/Ch_01_Modelisation_Multiphysique/TP/TP_01_Modelisation_DR.pptx
@@ -104,6 +104,11 @@
       </a:defRPr>
     </a:lvl9pPr>
   </p:defaultTextStyle>
+  <p:extLst>
+    <p:ext uri="{EFAFB233-063F-42B5-8137-9DF3F51BA10A}">
+      <p15:sldGuideLst xmlns:p15="http://schemas.microsoft.com/office/powerpoint/2012/main"/>
+    </p:ext>
+  </p:extLst>
 </p:presentation>
 </file>
 
@@ -238,7 +243,7 @@
           <a:p>
             <a:fld id="{EEC5A783-B6BC-4E65-9415-DD6FC716A3A0}" type="datetimeFigureOut">
               <a:rPr lang="fr-FR" smtClean="0"/>
-              <a:t>02/09/2020</a:t>
+              <a:t>08/09/2020</a:t>
             </a:fld>
             <a:endParaRPr lang="fr-FR"/>
           </a:p>
@@ -408,7 +413,7 @@
           <a:p>
             <a:fld id="{EEC5A783-B6BC-4E65-9415-DD6FC716A3A0}" type="datetimeFigureOut">
               <a:rPr lang="fr-FR" smtClean="0"/>
-              <a:t>02/09/2020</a:t>
+              <a:t>08/09/2020</a:t>
             </a:fld>
             <a:endParaRPr lang="fr-FR"/>
           </a:p>
@@ -588,7 +593,7 @@
           <a:p>
             <a:fld id="{EEC5A783-B6BC-4E65-9415-DD6FC716A3A0}" type="datetimeFigureOut">
               <a:rPr lang="fr-FR" smtClean="0"/>
-              <a:t>02/09/2020</a:t>
+              <a:t>08/09/2020</a:t>
             </a:fld>
             <a:endParaRPr lang="fr-FR"/>
           </a:p>
@@ -758,7 +763,7 @@
           <a:p>
             <a:fld id="{EEC5A783-B6BC-4E65-9415-DD6FC716A3A0}" type="datetimeFigureOut">
               <a:rPr lang="fr-FR" smtClean="0"/>
-              <a:t>02/09/2020</a:t>
+              <a:t>08/09/2020</a:t>
             </a:fld>
             <a:endParaRPr lang="fr-FR"/>
           </a:p>
@@ -1002,7 +1007,7 @@
           <a:p>
             <a:fld id="{EEC5A783-B6BC-4E65-9415-DD6FC716A3A0}" type="datetimeFigureOut">
               <a:rPr lang="fr-FR" smtClean="0"/>
-              <a:t>02/09/2020</a:t>
+              <a:t>08/09/2020</a:t>
             </a:fld>
             <a:endParaRPr lang="fr-FR"/>
           </a:p>
@@ -1234,7 +1239,7 @@
           <a:p>
             <a:fld id="{EEC5A783-B6BC-4E65-9415-DD6FC716A3A0}" type="datetimeFigureOut">
               <a:rPr lang="fr-FR" smtClean="0"/>
-              <a:t>02/09/2020</a:t>
+              <a:t>08/09/2020</a:t>
             </a:fld>
             <a:endParaRPr lang="fr-FR"/>
           </a:p>
@@ -1601,7 +1606,7 @@
           <a:p>
             <a:fld id="{EEC5A783-B6BC-4E65-9415-DD6FC716A3A0}" type="datetimeFigureOut">
               <a:rPr lang="fr-FR" smtClean="0"/>
-              <a:t>02/09/2020</a:t>
+              <a:t>08/09/2020</a:t>
             </a:fld>
             <a:endParaRPr lang="fr-FR"/>
           </a:p>
@@ -1719,7 +1724,7 @@
           <a:p>
             <a:fld id="{EEC5A783-B6BC-4E65-9415-DD6FC716A3A0}" type="datetimeFigureOut">
               <a:rPr lang="fr-FR" smtClean="0"/>
-              <a:t>02/09/2020</a:t>
+              <a:t>08/09/2020</a:t>
             </a:fld>
             <a:endParaRPr lang="fr-FR"/>
           </a:p>
@@ -1814,7 +1819,7 @@
           <a:p>
             <a:fld id="{EEC5A783-B6BC-4E65-9415-DD6FC716A3A0}" type="datetimeFigureOut">
               <a:rPr lang="fr-FR" smtClean="0"/>
-              <a:t>02/09/2020</a:t>
+              <a:t>08/09/2020</a:t>
             </a:fld>
             <a:endParaRPr lang="fr-FR"/>
           </a:p>
@@ -2091,7 +2096,7 @@
           <a:p>
             <a:fld id="{EEC5A783-B6BC-4E65-9415-DD6FC716A3A0}" type="datetimeFigureOut">
               <a:rPr lang="fr-FR" smtClean="0"/>
-              <a:t>02/09/2020</a:t>
+              <a:t>08/09/2020</a:t>
             </a:fld>
             <a:endParaRPr lang="fr-FR"/>
           </a:p>
@@ -2348,7 +2353,7 @@
           <a:p>
             <a:fld id="{EEC5A783-B6BC-4E65-9415-DD6FC716A3A0}" type="datetimeFigureOut">
               <a:rPr lang="fr-FR" smtClean="0"/>
-              <a:t>02/09/2020</a:t>
+              <a:t>08/09/2020</a:t>
             </a:fld>
             <a:endParaRPr lang="fr-FR"/>
           </a:p>
@@ -2561,7 +2566,7 @@
           <a:p>
             <a:fld id="{EEC5A783-B6BC-4E65-9415-DD6FC716A3A0}" type="datetimeFigureOut">
               <a:rPr lang="fr-FR" smtClean="0"/>
-              <a:t>02/09/2020</a:t>
+              <a:t>08/09/2020</a:t>
             </a:fld>
             <a:endParaRPr lang="fr-FR"/>
           </a:p>

--- a/Ch_01_Modelisation_Multiphysique/TP/TP_01_Modelisation_DR.pptx
+++ b/Ch_01_Modelisation_Multiphysique/TP/TP_01_Modelisation_DR.pptx
@@ -6,6 +6,7 @@
   </p:sldMasterIdLst>
   <p:sldIdLst>
     <p:sldId id="256" r:id="rId2"/>
+    <p:sldId id="257" r:id="rId3"/>
   </p:sldIdLst>
   <p:sldSz cx="15119350" cy="10691813"/>
   <p:notesSz cx="9144000" cy="6858000"/>
@@ -243,7 +244,7 @@
           <a:p>
             <a:fld id="{EEC5A783-B6BC-4E65-9415-DD6FC716A3A0}" type="datetimeFigureOut">
               <a:rPr lang="fr-FR" smtClean="0"/>
-              <a:t>08/09/2020</a:t>
+              <a:t>21/09/2020</a:t>
             </a:fld>
             <a:endParaRPr lang="fr-FR"/>
           </a:p>
@@ -413,7 +414,7 @@
           <a:p>
             <a:fld id="{EEC5A783-B6BC-4E65-9415-DD6FC716A3A0}" type="datetimeFigureOut">
               <a:rPr lang="fr-FR" smtClean="0"/>
-              <a:t>08/09/2020</a:t>
+              <a:t>21/09/2020</a:t>
             </a:fld>
             <a:endParaRPr lang="fr-FR"/>
           </a:p>
@@ -593,7 +594,7 @@
           <a:p>
             <a:fld id="{EEC5A783-B6BC-4E65-9415-DD6FC716A3A0}" type="datetimeFigureOut">
               <a:rPr lang="fr-FR" smtClean="0"/>
-              <a:t>08/09/2020</a:t>
+              <a:t>21/09/2020</a:t>
             </a:fld>
             <a:endParaRPr lang="fr-FR"/>
           </a:p>
@@ -763,7 +764,7 @@
           <a:p>
             <a:fld id="{EEC5A783-B6BC-4E65-9415-DD6FC716A3A0}" type="datetimeFigureOut">
               <a:rPr lang="fr-FR" smtClean="0"/>
-              <a:t>08/09/2020</a:t>
+              <a:t>21/09/2020</a:t>
             </a:fld>
             <a:endParaRPr lang="fr-FR"/>
           </a:p>
@@ -1007,7 +1008,7 @@
           <a:p>
             <a:fld id="{EEC5A783-B6BC-4E65-9415-DD6FC716A3A0}" type="datetimeFigureOut">
               <a:rPr lang="fr-FR" smtClean="0"/>
-              <a:t>08/09/2020</a:t>
+              <a:t>21/09/2020</a:t>
             </a:fld>
             <a:endParaRPr lang="fr-FR"/>
           </a:p>
@@ -1239,7 +1240,7 @@
           <a:p>
             <a:fld id="{EEC5A783-B6BC-4E65-9415-DD6FC716A3A0}" type="datetimeFigureOut">
               <a:rPr lang="fr-FR" smtClean="0"/>
-              <a:t>08/09/2020</a:t>
+              <a:t>21/09/2020</a:t>
             </a:fld>
             <a:endParaRPr lang="fr-FR"/>
           </a:p>
@@ -1606,7 +1607,7 @@
           <a:p>
             <a:fld id="{EEC5A783-B6BC-4E65-9415-DD6FC716A3A0}" type="datetimeFigureOut">
               <a:rPr lang="fr-FR" smtClean="0"/>
-              <a:t>08/09/2020</a:t>
+              <a:t>21/09/2020</a:t>
             </a:fld>
             <a:endParaRPr lang="fr-FR"/>
           </a:p>
@@ -1724,7 +1725,7 @@
           <a:p>
             <a:fld id="{EEC5A783-B6BC-4E65-9415-DD6FC716A3A0}" type="datetimeFigureOut">
               <a:rPr lang="fr-FR" smtClean="0"/>
-              <a:t>08/09/2020</a:t>
+              <a:t>21/09/2020</a:t>
             </a:fld>
             <a:endParaRPr lang="fr-FR"/>
           </a:p>
@@ -1819,7 +1820,7 @@
           <a:p>
             <a:fld id="{EEC5A783-B6BC-4E65-9415-DD6FC716A3A0}" type="datetimeFigureOut">
               <a:rPr lang="fr-FR" smtClean="0"/>
-              <a:t>08/09/2020</a:t>
+              <a:t>21/09/2020</a:t>
             </a:fld>
             <a:endParaRPr lang="fr-FR"/>
           </a:p>
@@ -2096,7 +2097,7 @@
           <a:p>
             <a:fld id="{EEC5A783-B6BC-4E65-9415-DD6FC716A3A0}" type="datetimeFigureOut">
               <a:rPr lang="fr-FR" smtClean="0"/>
-              <a:t>08/09/2020</a:t>
+              <a:t>21/09/2020</a:t>
             </a:fld>
             <a:endParaRPr lang="fr-FR"/>
           </a:p>
@@ -2353,7 +2354,7 @@
           <a:p>
             <a:fld id="{EEC5A783-B6BC-4E65-9415-DD6FC716A3A0}" type="datetimeFigureOut">
               <a:rPr lang="fr-FR" smtClean="0"/>
-              <a:t>08/09/2020</a:t>
+              <a:t>21/09/2020</a:t>
             </a:fld>
             <a:endParaRPr lang="fr-FR"/>
           </a:p>
@@ -2566,7 +2567,7 @@
           <a:p>
             <a:fld id="{EEC5A783-B6BC-4E65-9415-DD6FC716A3A0}" type="datetimeFigureOut">
               <a:rPr lang="fr-FR" smtClean="0"/>
-              <a:t>08/09/2020</a:t>
+              <a:t>21/09/2020</a:t>
             </a:fld>
             <a:endParaRPr lang="fr-FR"/>
           </a:p>
@@ -3062,7 +3063,7 @@
         </p:nvSpPr>
         <p:spPr>
           <a:xfrm>
-            <a:off x="1783827" y="369331"/>
+            <a:off x="1784971" y="738783"/>
             <a:ext cx="14594695" cy="369332"/>
           </a:xfrm>
           <a:prstGeom prst="rect">
@@ -3079,67 +3080,6 @@
             <a:r>
               <a:rPr lang="fr-FR" dirty="0"/>
               <a:t>Fonctionnement en BO – Grandeur commandée :							Grandeur mesurée :</a:t>
-            </a:r>
-          </a:p>
-        </p:txBody>
-      </p:sp>
-      <p:sp>
-        <p:nvSpPr>
-          <p:cNvPr id="9" name="ZoneTexte 8">
-            <a:extLst>
-              <a:ext uri="{FF2B5EF4-FFF2-40B4-BE49-F238E27FC236}">
-                <a16:creationId xmlns:a16="http://schemas.microsoft.com/office/drawing/2014/main" id="{52427274-5C4C-44DB-BE01-08188F1A8CF5}"/>
-              </a:ext>
-            </a:extLst>
-          </p:cNvPr>
-          <p:cNvSpPr txBox="1"/>
-          <p:nvPr/>
-        </p:nvSpPr>
-        <p:spPr>
-          <a:xfrm>
-            <a:off x="1783109" y="738662"/>
-            <a:ext cx="14594695" cy="1200329"/>
-          </a:xfrm>
-          <a:prstGeom prst="rect">
-            <a:avLst/>
-          </a:prstGeom>
-          <a:noFill/>
-        </p:spPr>
-        <p:txBody>
-          <a:bodyPr wrap="square" rtlCol="0">
-            <a:spAutoFit/>
-          </a:bodyPr>
-          <a:lstStyle/>
-          <a:p>
-            <a:r>
-              <a:rPr lang="fr-FR" dirty="0"/>
-              <a:t>Modes de fonctionnements alternatifs (Description et grandeur asservie)</a:t>
-            </a:r>
-          </a:p>
-          <a:p>
-            <a:pPr marL="342900" indent="-342900">
-              <a:buFont typeface="+mj-lt"/>
-              <a:buAutoNum type="arabicPeriod"/>
-            </a:pPr>
-            <a:r>
-              <a:rPr lang="fr-FR" dirty="0"/>
-              <a:t> </a:t>
-            </a:r>
-          </a:p>
-          <a:p>
-            <a:pPr marL="342900" indent="-342900">
-              <a:buFont typeface="+mj-lt"/>
-              <a:buAutoNum type="arabicPeriod"/>
-            </a:pPr>
-            <a:r>
-              <a:rPr lang="fr-FR" dirty="0"/>
-              <a:t> </a:t>
-            </a:r>
-          </a:p>
-          <a:p>
-            <a:r>
-              <a:rPr lang="fr-FR" dirty="0"/>
-              <a:t>   </a:t>
             </a:r>
           </a:p>
         </p:txBody>
@@ -5883,6 +5823,2944 @@
     <p:extLst>
       <p:ext uri="{BB962C8B-B14F-4D97-AF65-F5344CB8AC3E}">
         <p14:creationId xmlns:p14="http://schemas.microsoft.com/office/powerpoint/2010/main" val="406092441"/>
+      </p:ext>
+    </p:extLst>
+  </p:cSld>
+  <p:clrMapOvr>
+    <a:masterClrMapping/>
+  </p:clrMapOvr>
+</p:sld>
+</file>
+
+<file path=ppt/slides/slide2.xml><?xml version="1.0" encoding="utf-8"?>
+<p:sld xmlns:a="http://schemas.openxmlformats.org/drawingml/2006/main" xmlns:r="http://schemas.openxmlformats.org/officeDocument/2006/relationships" xmlns:p="http://schemas.openxmlformats.org/presentationml/2006/main">
+  <p:cSld>
+    <p:spTree>
+      <p:nvGrpSpPr>
+        <p:cNvPr id="1" name=""/>
+        <p:cNvGrpSpPr/>
+        <p:nvPr/>
+      </p:nvGrpSpPr>
+      <p:grpSpPr>
+        <a:xfrm>
+          <a:off x="0" y="0"/>
+          <a:ext cx="0" cy="0"/>
+          <a:chOff x="0" y="0"/>
+          <a:chExt cx="0" cy="0"/>
+        </a:xfrm>
+      </p:grpSpPr>
+      <p:sp>
+        <p:nvSpPr>
+          <p:cNvPr id="4" name="ZoneTexte 3">
+            <a:extLst>
+              <a:ext uri="{FF2B5EF4-FFF2-40B4-BE49-F238E27FC236}">
+                <a16:creationId xmlns:a16="http://schemas.microsoft.com/office/drawing/2014/main" id="{05DB4AE3-7E1A-45F5-80F4-0916155AE2DC}"/>
+              </a:ext>
+            </a:extLst>
+          </p:cNvPr>
+          <p:cNvSpPr txBox="1"/>
+          <p:nvPr/>
+        </p:nvSpPr>
+        <p:spPr>
+          <a:xfrm rot="16200000">
+            <a:off x="-5083579" y="5084297"/>
+            <a:ext cx="10691813" cy="523220"/>
+          </a:xfrm>
+          <a:prstGeom prst="rect">
+            <a:avLst/>
+          </a:prstGeom>
+          <a:solidFill>
+            <a:schemeClr val="accent1">
+              <a:lumMod val="60000"/>
+              <a:lumOff val="40000"/>
+            </a:schemeClr>
+          </a:solidFill>
+        </p:spPr>
+        <p:txBody>
+          <a:bodyPr wrap="square" rtlCol="0">
+            <a:spAutoFit/>
+          </a:bodyPr>
+          <a:lstStyle/>
+          <a:p>
+            <a:pPr algn="ctr"/>
+            <a:r>
+              <a:rPr lang="fr-FR" sz="2800" b="1" dirty="0" err="1"/>
+              <a:t>Control’X</a:t>
+            </a:r>
+            <a:endParaRPr lang="fr-FR" sz="2800" b="1" dirty="0"/>
+          </a:p>
+        </p:txBody>
+      </p:sp>
+      <p:sp>
+        <p:nvSpPr>
+          <p:cNvPr id="5" name="ZoneTexte 4">
+            <a:extLst>
+              <a:ext uri="{FF2B5EF4-FFF2-40B4-BE49-F238E27FC236}">
+                <a16:creationId xmlns:a16="http://schemas.microsoft.com/office/drawing/2014/main" id="{66F0031F-446B-4F7F-9CC7-7C15A923D095}"/>
+              </a:ext>
+            </a:extLst>
+          </p:cNvPr>
+          <p:cNvSpPr txBox="1"/>
+          <p:nvPr/>
+        </p:nvSpPr>
+        <p:spPr>
+          <a:xfrm>
+            <a:off x="1783110" y="-1"/>
+            <a:ext cx="14594695" cy="369332"/>
+          </a:xfrm>
+          <a:prstGeom prst="rect">
+            <a:avLst/>
+          </a:prstGeom>
+          <a:noFill/>
+        </p:spPr>
+        <p:txBody>
+          <a:bodyPr wrap="square" rtlCol="0">
+            <a:spAutoFit/>
+          </a:bodyPr>
+          <a:lstStyle/>
+          <a:p>
+            <a:r>
+              <a:rPr lang="fr-FR" dirty="0"/>
+              <a:t>Fonctionnement en BF – Grandeur asservie :								</a:t>
+            </a:r>
+          </a:p>
+        </p:txBody>
+      </p:sp>
+      <p:sp>
+        <p:nvSpPr>
+          <p:cNvPr id="8" name="ZoneTexte 7">
+            <a:extLst>
+              <a:ext uri="{FF2B5EF4-FFF2-40B4-BE49-F238E27FC236}">
+                <a16:creationId xmlns:a16="http://schemas.microsoft.com/office/drawing/2014/main" id="{D66373C0-C132-4FE8-AB0D-72CEE8711022}"/>
+              </a:ext>
+            </a:extLst>
+          </p:cNvPr>
+          <p:cNvSpPr txBox="1"/>
+          <p:nvPr/>
+        </p:nvSpPr>
+        <p:spPr>
+          <a:xfrm>
+            <a:off x="1783827" y="369331"/>
+            <a:ext cx="14594695" cy="369332"/>
+          </a:xfrm>
+          <a:prstGeom prst="rect">
+            <a:avLst/>
+          </a:prstGeom>
+          <a:noFill/>
+        </p:spPr>
+        <p:txBody>
+          <a:bodyPr wrap="square" rtlCol="0">
+            <a:spAutoFit/>
+          </a:bodyPr>
+          <a:lstStyle/>
+          <a:p>
+            <a:r>
+              <a:rPr lang="fr-FR" dirty="0"/>
+              <a:t>Fonctionnement en BO – Grandeur commandée :							Grandeur mesurée :</a:t>
+            </a:r>
+          </a:p>
+        </p:txBody>
+      </p:sp>
+      <p:sp>
+        <p:nvSpPr>
+          <p:cNvPr id="9" name="ZoneTexte 8">
+            <a:extLst>
+              <a:ext uri="{FF2B5EF4-FFF2-40B4-BE49-F238E27FC236}">
+                <a16:creationId xmlns:a16="http://schemas.microsoft.com/office/drawing/2014/main" id="{52427274-5C4C-44DB-BE01-08188F1A8CF5}"/>
+              </a:ext>
+            </a:extLst>
+          </p:cNvPr>
+          <p:cNvSpPr txBox="1"/>
+          <p:nvPr/>
+        </p:nvSpPr>
+        <p:spPr>
+          <a:xfrm>
+            <a:off x="1783109" y="738662"/>
+            <a:ext cx="14594695" cy="1200329"/>
+          </a:xfrm>
+          <a:prstGeom prst="rect">
+            <a:avLst/>
+          </a:prstGeom>
+          <a:noFill/>
+        </p:spPr>
+        <p:txBody>
+          <a:bodyPr wrap="square" rtlCol="0">
+            <a:spAutoFit/>
+          </a:bodyPr>
+          <a:lstStyle/>
+          <a:p>
+            <a:r>
+              <a:rPr lang="fr-FR" dirty="0"/>
+              <a:t>Modes de fonctionnements alternatifs (Description et grandeur asservie)</a:t>
+            </a:r>
+          </a:p>
+          <a:p>
+            <a:pPr marL="342900" indent="-342900">
+              <a:buFont typeface="+mj-lt"/>
+              <a:buAutoNum type="arabicPeriod"/>
+            </a:pPr>
+            <a:r>
+              <a:rPr lang="fr-FR" dirty="0"/>
+              <a:t> </a:t>
+            </a:r>
+          </a:p>
+          <a:p>
+            <a:pPr marL="342900" indent="-342900">
+              <a:buFont typeface="+mj-lt"/>
+              <a:buAutoNum type="arabicPeriod"/>
+            </a:pPr>
+            <a:r>
+              <a:rPr lang="fr-FR" dirty="0"/>
+              <a:t> </a:t>
+            </a:r>
+          </a:p>
+          <a:p>
+            <a:r>
+              <a:rPr lang="fr-FR" dirty="0"/>
+              <a:t>   </a:t>
+            </a:r>
+          </a:p>
+        </p:txBody>
+      </p:sp>
+      <p:sp>
+        <p:nvSpPr>
+          <p:cNvPr id="13" name="Flèche vers le bas 3">
+            <a:extLst>
+              <a:ext uri="{FF2B5EF4-FFF2-40B4-BE49-F238E27FC236}">
+                <a16:creationId xmlns:a16="http://schemas.microsoft.com/office/drawing/2014/main" id="{927A0572-9CDD-4441-9C9B-0B23B7AEA0A6}"/>
+              </a:ext>
+            </a:extLst>
+          </p:cNvPr>
+          <p:cNvSpPr/>
+          <p:nvPr/>
+        </p:nvSpPr>
+        <p:spPr>
+          <a:xfrm>
+            <a:off x="11853346" y="5217032"/>
+            <a:ext cx="405180" cy="642228"/>
+          </a:xfrm>
+          <a:prstGeom prst="downArrow">
+            <a:avLst/>
+          </a:prstGeom>
+          <a:solidFill>
+            <a:sysClr val="window" lastClr="FFFFFF"/>
+          </a:solidFill>
+          <a:ln w="25400" cap="flat" cmpd="sng" algn="ctr">
+            <a:solidFill>
+              <a:srgbClr val="C0504D"/>
+            </a:solidFill>
+            <a:prstDash val="solid"/>
+          </a:ln>
+          <a:effectLst/>
+        </p:spPr>
+        <p:txBody>
+          <a:bodyPr rtlCol="0" anchor="ctr"/>
+          <a:lstStyle/>
+          <a:p>
+            <a:pPr marL="0" marR="0" lvl="0" indent="0" algn="ctr" defTabSz="914400" eaLnBrk="1" fontAlgn="auto" latinLnBrk="0" hangingPunct="1">
+              <a:lnSpc>
+                <a:spcPct val="100000"/>
+              </a:lnSpc>
+              <a:spcBef>
+                <a:spcPts val="0"/>
+              </a:spcBef>
+              <a:spcAft>
+                <a:spcPts val="0"/>
+              </a:spcAft>
+              <a:buClrTx/>
+              <a:buSzTx/>
+              <a:buFontTx/>
+              <a:buNone/>
+              <a:tabLst/>
+              <a:defRPr/>
+            </a:pPr>
+            <a:endParaRPr kumimoji="0" lang="fr-FR" sz="1600" b="0" i="0" u="none" strike="noStrike" kern="0" cap="none" spc="0" normalizeH="0" baseline="0" noProof="0">
+              <a:ln>
+                <a:noFill/>
+              </a:ln>
+              <a:solidFill>
+                <a:prstClr val="black"/>
+              </a:solidFill>
+              <a:effectLst/>
+              <a:uLnTx/>
+              <a:uFillTx/>
+              <a:latin typeface="Calibri"/>
+              <a:ea typeface="+mn-ea"/>
+              <a:cs typeface="+mn-cs"/>
+            </a:endParaRPr>
+          </a:p>
+        </p:txBody>
+      </p:sp>
+      <p:sp>
+        <p:nvSpPr>
+          <p:cNvPr id="14" name="Rectangle à coins arrondis 4">
+            <a:extLst>
+              <a:ext uri="{FF2B5EF4-FFF2-40B4-BE49-F238E27FC236}">
+                <a16:creationId xmlns:a16="http://schemas.microsoft.com/office/drawing/2014/main" id="{20DF305C-5BDC-4310-9334-9CFC793F28D9}"/>
+              </a:ext>
+            </a:extLst>
+          </p:cNvPr>
+          <p:cNvSpPr/>
+          <p:nvPr/>
+        </p:nvSpPr>
+        <p:spPr>
+          <a:xfrm>
+            <a:off x="2743208" y="3735544"/>
+            <a:ext cx="10446944" cy="1254096"/>
+          </a:xfrm>
+          <a:prstGeom prst="roundRect">
+            <a:avLst/>
+          </a:prstGeom>
+          <a:solidFill>
+            <a:sysClr val="window" lastClr="FFFFFF"/>
+          </a:solidFill>
+          <a:ln w="25400" cap="flat" cmpd="sng" algn="ctr">
+            <a:solidFill>
+              <a:srgbClr val="C0504D"/>
+            </a:solidFill>
+            <a:prstDash val="solid"/>
+          </a:ln>
+          <a:effectLst/>
+        </p:spPr>
+        <p:txBody>
+          <a:bodyPr rtlCol="0" anchor="b"/>
+          <a:lstStyle/>
+          <a:p>
+            <a:pPr marL="0" marR="0" lvl="0" indent="0" algn="ctr" defTabSz="914400" eaLnBrk="1" fontAlgn="auto" latinLnBrk="0" hangingPunct="1">
+              <a:lnSpc>
+                <a:spcPct val="100000"/>
+              </a:lnSpc>
+              <a:spcBef>
+                <a:spcPts val="0"/>
+              </a:spcBef>
+              <a:spcAft>
+                <a:spcPts val="0"/>
+              </a:spcAft>
+              <a:buClrTx/>
+              <a:buSzTx/>
+              <a:buFontTx/>
+              <a:buNone/>
+              <a:tabLst/>
+              <a:defRPr/>
+            </a:pPr>
+            <a:r>
+              <a:rPr kumimoji="0" lang="fr-FR" sz="1400" b="0" i="1" u="none" strike="noStrike" kern="0" cap="none" spc="0" normalizeH="0" baseline="0" noProof="0" dirty="0">
+                <a:ln>
+                  <a:noFill/>
+                </a:ln>
+                <a:solidFill>
+                  <a:prstClr val="black"/>
+                </a:solidFill>
+                <a:effectLst/>
+                <a:uLnTx/>
+                <a:uFillTx/>
+                <a:latin typeface="Calibri"/>
+                <a:ea typeface="+mn-ea"/>
+                <a:cs typeface="+mn-cs"/>
+              </a:rPr>
+              <a:t>Chaîne d’énergie</a:t>
+            </a:r>
+          </a:p>
+        </p:txBody>
+      </p:sp>
+      <p:sp>
+        <p:nvSpPr>
+          <p:cNvPr id="15" name="Rectangle à coins arrondis 5">
+            <a:extLst>
+              <a:ext uri="{FF2B5EF4-FFF2-40B4-BE49-F238E27FC236}">
+                <a16:creationId xmlns:a16="http://schemas.microsoft.com/office/drawing/2014/main" id="{CEC2EBBC-4853-4474-91DE-4E09110AAB19}"/>
+              </a:ext>
+            </a:extLst>
+          </p:cNvPr>
+          <p:cNvSpPr/>
+          <p:nvPr/>
+        </p:nvSpPr>
+        <p:spPr>
+          <a:xfrm>
+            <a:off x="2743208" y="2193863"/>
+            <a:ext cx="6189637" cy="1121386"/>
+          </a:xfrm>
+          <a:prstGeom prst="roundRect">
+            <a:avLst/>
+          </a:prstGeom>
+          <a:solidFill>
+            <a:sysClr val="window" lastClr="FFFFFF"/>
+          </a:solidFill>
+          <a:ln w="25400" cap="flat" cmpd="sng" algn="ctr">
+            <a:solidFill>
+              <a:srgbClr val="4F81BD"/>
+            </a:solidFill>
+            <a:prstDash val="solid"/>
+          </a:ln>
+          <a:effectLst/>
+        </p:spPr>
+        <p:txBody>
+          <a:bodyPr rtlCol="0" anchor="t"/>
+          <a:lstStyle/>
+          <a:p>
+            <a:pPr marL="0" marR="0" lvl="0" indent="0" algn="ctr" defTabSz="914400" eaLnBrk="1" fontAlgn="auto" latinLnBrk="0" hangingPunct="1">
+              <a:lnSpc>
+                <a:spcPct val="100000"/>
+              </a:lnSpc>
+              <a:spcBef>
+                <a:spcPts val="0"/>
+              </a:spcBef>
+              <a:spcAft>
+                <a:spcPts val="0"/>
+              </a:spcAft>
+              <a:buClrTx/>
+              <a:buSzTx/>
+              <a:buFontTx/>
+              <a:buNone/>
+              <a:tabLst/>
+              <a:defRPr/>
+            </a:pPr>
+            <a:r>
+              <a:rPr kumimoji="0" lang="fr-FR" sz="1400" b="0" i="1" u="none" strike="noStrike" kern="0" cap="none" spc="0" normalizeH="0" baseline="0" noProof="0" dirty="0">
+                <a:ln>
+                  <a:noFill/>
+                </a:ln>
+                <a:solidFill>
+                  <a:prstClr val="black"/>
+                </a:solidFill>
+                <a:effectLst/>
+                <a:uLnTx/>
+                <a:uFillTx/>
+                <a:latin typeface="Calibri"/>
+                <a:ea typeface="+mn-ea"/>
+                <a:cs typeface="+mn-cs"/>
+              </a:rPr>
+              <a:t>Chaîne d’information</a:t>
+            </a:r>
+          </a:p>
+        </p:txBody>
+      </p:sp>
+      <p:sp>
+        <p:nvSpPr>
+          <p:cNvPr id="16" name="Rectangle 15">
+            <a:extLst>
+              <a:ext uri="{FF2B5EF4-FFF2-40B4-BE49-F238E27FC236}">
+                <a16:creationId xmlns:a16="http://schemas.microsoft.com/office/drawing/2014/main" id="{14F2C736-94BA-4F27-BFDA-C3C7AD0446AE}"/>
+              </a:ext>
+            </a:extLst>
+          </p:cNvPr>
+          <p:cNvSpPr/>
+          <p:nvPr/>
+        </p:nvSpPr>
+        <p:spPr>
+          <a:xfrm>
+            <a:off x="2946938" y="2511054"/>
+            <a:ext cx="1620000" cy="694102"/>
+          </a:xfrm>
+          <a:prstGeom prst="rect">
+            <a:avLst/>
+          </a:prstGeom>
+          <a:gradFill rotWithShape="1">
+            <a:gsLst>
+              <a:gs pos="0">
+                <a:srgbClr val="4F81BD">
+                  <a:tint val="50000"/>
+                  <a:satMod val="300000"/>
+                </a:srgbClr>
+              </a:gs>
+              <a:gs pos="35000">
+                <a:srgbClr val="4F81BD">
+                  <a:tint val="37000"/>
+                  <a:satMod val="300000"/>
+                </a:srgbClr>
+              </a:gs>
+              <a:gs pos="100000">
+                <a:srgbClr val="4F81BD">
+                  <a:tint val="15000"/>
+                  <a:satMod val="350000"/>
+                </a:srgbClr>
+              </a:gs>
+            </a:gsLst>
+            <a:lin ang="16200000" scaled="1"/>
+          </a:gradFill>
+          <a:ln w="9525" cap="flat" cmpd="sng" algn="ctr">
+            <a:solidFill>
+              <a:srgbClr val="4F81BD">
+                <a:shade val="95000"/>
+                <a:satMod val="105000"/>
+              </a:srgbClr>
+            </a:solidFill>
+            <a:prstDash val="solid"/>
+          </a:ln>
+          <a:effectLst>
+            <a:outerShdw blurRad="40000" dist="20000" dir="5400000" rotWithShape="0">
+              <a:srgbClr val="000000">
+                <a:alpha val="38000"/>
+              </a:srgbClr>
+            </a:outerShdw>
+          </a:effectLst>
+        </p:spPr>
+        <p:txBody>
+          <a:bodyPr rtlCol="0" anchor="t"/>
+          <a:lstStyle/>
+          <a:p>
+            <a:pPr marL="0" marR="0" lvl="0" indent="0" algn="ctr" defTabSz="914400" eaLnBrk="1" fontAlgn="auto" latinLnBrk="0" hangingPunct="1">
+              <a:lnSpc>
+                <a:spcPct val="100000"/>
+              </a:lnSpc>
+              <a:spcBef>
+                <a:spcPts val="0"/>
+              </a:spcBef>
+              <a:spcAft>
+                <a:spcPts val="0"/>
+              </a:spcAft>
+              <a:buClrTx/>
+              <a:buSzTx/>
+              <a:buFontTx/>
+              <a:buNone/>
+              <a:tabLst/>
+              <a:defRPr/>
+            </a:pPr>
+            <a:r>
+              <a:rPr kumimoji="0" lang="fr-FR" sz="1400" b="0" i="0" u="none" strike="noStrike" kern="0" cap="none" spc="0" normalizeH="0" baseline="0" noProof="0" dirty="0">
+                <a:ln>
+                  <a:noFill/>
+                </a:ln>
+                <a:solidFill>
+                  <a:prstClr val="black"/>
+                </a:solidFill>
+                <a:effectLst/>
+                <a:uLnTx/>
+                <a:uFillTx/>
+                <a:latin typeface="Calibri"/>
+                <a:ea typeface="+mn-ea"/>
+                <a:cs typeface="+mn-cs"/>
+              </a:rPr>
+              <a:t>ACQUERIR</a:t>
+            </a:r>
+          </a:p>
+        </p:txBody>
+      </p:sp>
+      <p:sp>
+        <p:nvSpPr>
+          <p:cNvPr id="17" name="Rectangle 16">
+            <a:extLst>
+              <a:ext uri="{FF2B5EF4-FFF2-40B4-BE49-F238E27FC236}">
+                <a16:creationId xmlns:a16="http://schemas.microsoft.com/office/drawing/2014/main" id="{350E394D-E25A-4447-B59A-3DC839DBA0C9}"/>
+              </a:ext>
+            </a:extLst>
+          </p:cNvPr>
+          <p:cNvSpPr/>
+          <p:nvPr/>
+        </p:nvSpPr>
+        <p:spPr>
+          <a:xfrm>
+            <a:off x="5053248" y="2511054"/>
+            <a:ext cx="1620000" cy="694102"/>
+          </a:xfrm>
+          <a:prstGeom prst="rect">
+            <a:avLst/>
+          </a:prstGeom>
+          <a:gradFill rotWithShape="1">
+            <a:gsLst>
+              <a:gs pos="0">
+                <a:srgbClr val="4F81BD">
+                  <a:tint val="50000"/>
+                  <a:satMod val="300000"/>
+                </a:srgbClr>
+              </a:gs>
+              <a:gs pos="35000">
+                <a:srgbClr val="4F81BD">
+                  <a:tint val="37000"/>
+                  <a:satMod val="300000"/>
+                </a:srgbClr>
+              </a:gs>
+              <a:gs pos="100000">
+                <a:srgbClr val="4F81BD">
+                  <a:tint val="15000"/>
+                  <a:satMod val="350000"/>
+                </a:srgbClr>
+              </a:gs>
+            </a:gsLst>
+            <a:lin ang="16200000" scaled="1"/>
+          </a:gradFill>
+          <a:ln w="9525" cap="flat" cmpd="sng" algn="ctr">
+            <a:solidFill>
+              <a:srgbClr val="4F81BD">
+                <a:shade val="95000"/>
+                <a:satMod val="105000"/>
+              </a:srgbClr>
+            </a:solidFill>
+            <a:prstDash val="solid"/>
+          </a:ln>
+          <a:effectLst>
+            <a:outerShdw blurRad="40000" dist="20000" dir="5400000" rotWithShape="0">
+              <a:srgbClr val="000000">
+                <a:alpha val="38000"/>
+              </a:srgbClr>
+            </a:outerShdw>
+          </a:effectLst>
+        </p:spPr>
+        <p:txBody>
+          <a:bodyPr rtlCol="0" anchor="t"/>
+          <a:lstStyle/>
+          <a:p>
+            <a:pPr marL="0" marR="0" lvl="0" indent="0" algn="ctr" defTabSz="914400" eaLnBrk="1" fontAlgn="auto" latinLnBrk="0" hangingPunct="1">
+              <a:lnSpc>
+                <a:spcPct val="100000"/>
+              </a:lnSpc>
+              <a:spcBef>
+                <a:spcPts val="0"/>
+              </a:spcBef>
+              <a:spcAft>
+                <a:spcPts val="0"/>
+              </a:spcAft>
+              <a:buClrTx/>
+              <a:buSzTx/>
+              <a:buFontTx/>
+              <a:buNone/>
+              <a:tabLst/>
+              <a:defRPr/>
+            </a:pPr>
+            <a:r>
+              <a:rPr kumimoji="0" lang="fr-FR" sz="1400" b="0" i="0" u="none" strike="noStrike" kern="0" cap="none" spc="0" normalizeH="0" baseline="0" noProof="0" dirty="0">
+                <a:ln>
+                  <a:noFill/>
+                </a:ln>
+                <a:solidFill>
+                  <a:prstClr val="black"/>
+                </a:solidFill>
+                <a:effectLst/>
+                <a:uLnTx/>
+                <a:uFillTx/>
+                <a:latin typeface="Calibri"/>
+                <a:ea typeface="+mn-ea"/>
+                <a:cs typeface="+mn-cs"/>
+              </a:rPr>
+              <a:t>TRAITER</a:t>
+            </a:r>
+          </a:p>
+        </p:txBody>
+      </p:sp>
+      <p:sp>
+        <p:nvSpPr>
+          <p:cNvPr id="18" name="Rectangle 17">
+            <a:extLst>
+              <a:ext uri="{FF2B5EF4-FFF2-40B4-BE49-F238E27FC236}">
+                <a16:creationId xmlns:a16="http://schemas.microsoft.com/office/drawing/2014/main" id="{C8EAA6CF-7989-4D62-9EF5-BF94B892E314}"/>
+              </a:ext>
+            </a:extLst>
+          </p:cNvPr>
+          <p:cNvSpPr/>
+          <p:nvPr/>
+        </p:nvSpPr>
+        <p:spPr>
+          <a:xfrm>
+            <a:off x="7157713" y="2511054"/>
+            <a:ext cx="1620000" cy="709738"/>
+          </a:xfrm>
+          <a:prstGeom prst="rect">
+            <a:avLst/>
+          </a:prstGeom>
+          <a:gradFill rotWithShape="1">
+            <a:gsLst>
+              <a:gs pos="0">
+                <a:srgbClr val="4F81BD">
+                  <a:tint val="50000"/>
+                  <a:satMod val="300000"/>
+                </a:srgbClr>
+              </a:gs>
+              <a:gs pos="35000">
+                <a:srgbClr val="4F81BD">
+                  <a:tint val="37000"/>
+                  <a:satMod val="300000"/>
+                </a:srgbClr>
+              </a:gs>
+              <a:gs pos="100000">
+                <a:srgbClr val="4F81BD">
+                  <a:tint val="15000"/>
+                  <a:satMod val="350000"/>
+                </a:srgbClr>
+              </a:gs>
+            </a:gsLst>
+            <a:lin ang="16200000" scaled="1"/>
+          </a:gradFill>
+          <a:ln w="9525" cap="flat" cmpd="sng" algn="ctr">
+            <a:solidFill>
+              <a:srgbClr val="4F81BD">
+                <a:shade val="95000"/>
+                <a:satMod val="105000"/>
+              </a:srgbClr>
+            </a:solidFill>
+            <a:prstDash val="solid"/>
+          </a:ln>
+          <a:effectLst>
+            <a:outerShdw blurRad="40000" dist="20000" dir="5400000" rotWithShape="0">
+              <a:srgbClr val="000000">
+                <a:alpha val="38000"/>
+              </a:srgbClr>
+            </a:outerShdw>
+          </a:effectLst>
+        </p:spPr>
+        <p:txBody>
+          <a:bodyPr rtlCol="0" anchor="t"/>
+          <a:lstStyle/>
+          <a:p>
+            <a:pPr marL="0" marR="0" lvl="0" indent="0" algn="ctr" defTabSz="914400" eaLnBrk="1" fontAlgn="auto" latinLnBrk="0" hangingPunct="1">
+              <a:lnSpc>
+                <a:spcPct val="100000"/>
+              </a:lnSpc>
+              <a:spcBef>
+                <a:spcPts val="0"/>
+              </a:spcBef>
+              <a:spcAft>
+                <a:spcPts val="0"/>
+              </a:spcAft>
+              <a:buClrTx/>
+              <a:buSzTx/>
+              <a:buFontTx/>
+              <a:buNone/>
+              <a:tabLst/>
+              <a:defRPr/>
+            </a:pPr>
+            <a:r>
+              <a:rPr kumimoji="0" lang="fr-FR" sz="1400" b="0" i="0" u="none" strike="noStrike" kern="0" cap="none" spc="0" normalizeH="0" baseline="0" noProof="0" dirty="0">
+                <a:ln>
+                  <a:noFill/>
+                </a:ln>
+                <a:solidFill>
+                  <a:prstClr val="black"/>
+                </a:solidFill>
+                <a:effectLst/>
+                <a:uLnTx/>
+                <a:uFillTx/>
+                <a:latin typeface="Calibri"/>
+                <a:ea typeface="+mn-ea"/>
+                <a:cs typeface="+mn-cs"/>
+              </a:rPr>
+              <a:t>COMMUNIQUER</a:t>
+            </a:r>
+          </a:p>
+        </p:txBody>
+      </p:sp>
+      <p:sp>
+        <p:nvSpPr>
+          <p:cNvPr id="19" name="Rectangle 18">
+            <a:extLst>
+              <a:ext uri="{FF2B5EF4-FFF2-40B4-BE49-F238E27FC236}">
+                <a16:creationId xmlns:a16="http://schemas.microsoft.com/office/drawing/2014/main" id="{5B3BCA64-8AFA-4E5E-9CDA-539981DEA2F7}"/>
+              </a:ext>
+            </a:extLst>
+          </p:cNvPr>
+          <p:cNvSpPr/>
+          <p:nvPr/>
+        </p:nvSpPr>
+        <p:spPr>
+          <a:xfrm>
+            <a:off x="2946938" y="3934966"/>
+            <a:ext cx="1620000" cy="687554"/>
+          </a:xfrm>
+          <a:prstGeom prst="rect">
+            <a:avLst/>
+          </a:prstGeom>
+          <a:gradFill rotWithShape="1">
+            <a:gsLst>
+              <a:gs pos="0">
+                <a:srgbClr val="C0504D">
+                  <a:tint val="50000"/>
+                  <a:satMod val="300000"/>
+                </a:srgbClr>
+              </a:gs>
+              <a:gs pos="35000">
+                <a:srgbClr val="C0504D">
+                  <a:tint val="37000"/>
+                  <a:satMod val="300000"/>
+                </a:srgbClr>
+              </a:gs>
+              <a:gs pos="100000">
+                <a:srgbClr val="C0504D">
+                  <a:tint val="15000"/>
+                  <a:satMod val="350000"/>
+                </a:srgbClr>
+              </a:gs>
+            </a:gsLst>
+            <a:lin ang="16200000" scaled="1"/>
+          </a:gradFill>
+          <a:ln w="9525" cap="flat" cmpd="sng" algn="ctr">
+            <a:solidFill>
+              <a:srgbClr val="C0504D">
+                <a:shade val="95000"/>
+                <a:satMod val="105000"/>
+              </a:srgbClr>
+            </a:solidFill>
+            <a:prstDash val="solid"/>
+          </a:ln>
+          <a:effectLst>
+            <a:outerShdw blurRad="40000" dist="20000" dir="5400000" rotWithShape="0">
+              <a:srgbClr val="000000">
+                <a:alpha val="38000"/>
+              </a:srgbClr>
+            </a:outerShdw>
+          </a:effectLst>
+        </p:spPr>
+        <p:txBody>
+          <a:bodyPr rtlCol="0" anchor="t"/>
+          <a:lstStyle/>
+          <a:p>
+            <a:pPr marL="0" marR="0" lvl="0" indent="0" algn="ctr" defTabSz="914400" eaLnBrk="1" fontAlgn="auto" latinLnBrk="0" hangingPunct="1">
+              <a:lnSpc>
+                <a:spcPct val="100000"/>
+              </a:lnSpc>
+              <a:spcBef>
+                <a:spcPts val="0"/>
+              </a:spcBef>
+              <a:spcAft>
+                <a:spcPts val="0"/>
+              </a:spcAft>
+              <a:buClrTx/>
+              <a:buSzTx/>
+              <a:buFontTx/>
+              <a:buNone/>
+              <a:tabLst/>
+              <a:defRPr/>
+            </a:pPr>
+            <a:r>
+              <a:rPr kumimoji="0" lang="fr-FR" sz="1400" b="0" i="0" u="none" strike="noStrike" kern="0" cap="none" spc="0" normalizeH="0" baseline="0" noProof="0" dirty="0">
+                <a:ln>
+                  <a:noFill/>
+                </a:ln>
+                <a:solidFill>
+                  <a:prstClr val="black"/>
+                </a:solidFill>
+                <a:effectLst/>
+                <a:uLnTx/>
+                <a:uFillTx/>
+                <a:latin typeface="Calibri"/>
+                <a:ea typeface="+mn-ea"/>
+                <a:cs typeface="+mn-cs"/>
+              </a:rPr>
+              <a:t>ALIMENTER</a:t>
+            </a:r>
+          </a:p>
+        </p:txBody>
+      </p:sp>
+      <p:sp>
+        <p:nvSpPr>
+          <p:cNvPr id="20" name="Rectangle 19">
+            <a:extLst>
+              <a:ext uri="{FF2B5EF4-FFF2-40B4-BE49-F238E27FC236}">
+                <a16:creationId xmlns:a16="http://schemas.microsoft.com/office/drawing/2014/main" id="{E9B69189-B2EF-4111-8F93-CC055A1C37AB}"/>
+              </a:ext>
+            </a:extLst>
+          </p:cNvPr>
+          <p:cNvSpPr/>
+          <p:nvPr/>
+        </p:nvSpPr>
+        <p:spPr>
+          <a:xfrm>
+            <a:off x="5053248" y="3934966"/>
+            <a:ext cx="1620000" cy="687554"/>
+          </a:xfrm>
+          <a:prstGeom prst="rect">
+            <a:avLst/>
+          </a:prstGeom>
+          <a:gradFill rotWithShape="1">
+            <a:gsLst>
+              <a:gs pos="0">
+                <a:srgbClr val="C0504D">
+                  <a:tint val="50000"/>
+                  <a:satMod val="300000"/>
+                </a:srgbClr>
+              </a:gs>
+              <a:gs pos="35000">
+                <a:srgbClr val="C0504D">
+                  <a:tint val="37000"/>
+                  <a:satMod val="300000"/>
+                </a:srgbClr>
+              </a:gs>
+              <a:gs pos="100000">
+                <a:srgbClr val="C0504D">
+                  <a:tint val="15000"/>
+                  <a:satMod val="350000"/>
+                </a:srgbClr>
+              </a:gs>
+            </a:gsLst>
+            <a:lin ang="16200000" scaled="1"/>
+          </a:gradFill>
+          <a:ln w="9525" cap="flat" cmpd="sng" algn="ctr">
+            <a:solidFill>
+              <a:srgbClr val="C0504D">
+                <a:shade val="95000"/>
+                <a:satMod val="105000"/>
+              </a:srgbClr>
+            </a:solidFill>
+            <a:prstDash val="solid"/>
+          </a:ln>
+          <a:effectLst>
+            <a:outerShdw blurRad="40000" dist="20000" dir="5400000" rotWithShape="0">
+              <a:srgbClr val="000000">
+                <a:alpha val="38000"/>
+              </a:srgbClr>
+            </a:outerShdw>
+          </a:effectLst>
+        </p:spPr>
+        <p:txBody>
+          <a:bodyPr rtlCol="0" anchor="t"/>
+          <a:lstStyle/>
+          <a:p>
+            <a:pPr marL="0" marR="0" lvl="0" indent="0" algn="ctr" defTabSz="914400" eaLnBrk="1" fontAlgn="auto" latinLnBrk="0" hangingPunct="1">
+              <a:lnSpc>
+                <a:spcPct val="100000"/>
+              </a:lnSpc>
+              <a:spcBef>
+                <a:spcPts val="0"/>
+              </a:spcBef>
+              <a:spcAft>
+                <a:spcPts val="0"/>
+              </a:spcAft>
+              <a:buClrTx/>
+              <a:buSzTx/>
+              <a:buFontTx/>
+              <a:buNone/>
+              <a:tabLst/>
+              <a:defRPr/>
+            </a:pPr>
+            <a:r>
+              <a:rPr kumimoji="0" lang="fr-FR" sz="1400" b="0" i="0" u="none" strike="noStrike" kern="0" cap="none" spc="0" normalizeH="0" baseline="0" noProof="0" dirty="0">
+                <a:ln>
+                  <a:noFill/>
+                </a:ln>
+                <a:solidFill>
+                  <a:prstClr val="black"/>
+                </a:solidFill>
+                <a:effectLst/>
+                <a:uLnTx/>
+                <a:uFillTx/>
+                <a:latin typeface="Calibri"/>
+                <a:ea typeface="+mn-ea"/>
+                <a:cs typeface="+mn-cs"/>
+              </a:rPr>
+              <a:t>DISTRIBUER</a:t>
+            </a:r>
+          </a:p>
+        </p:txBody>
+      </p:sp>
+      <p:sp>
+        <p:nvSpPr>
+          <p:cNvPr id="21" name="Rectangle 20">
+            <a:extLst>
+              <a:ext uri="{FF2B5EF4-FFF2-40B4-BE49-F238E27FC236}">
+                <a16:creationId xmlns:a16="http://schemas.microsoft.com/office/drawing/2014/main" id="{5DFC4BE2-563D-40D7-935A-6ECB7AA1F7A7}"/>
+              </a:ext>
+            </a:extLst>
+          </p:cNvPr>
+          <p:cNvSpPr/>
+          <p:nvPr/>
+        </p:nvSpPr>
+        <p:spPr>
+          <a:xfrm>
+            <a:off x="7157713" y="3934966"/>
+            <a:ext cx="1620000" cy="687554"/>
+          </a:xfrm>
+          <a:prstGeom prst="rect">
+            <a:avLst/>
+          </a:prstGeom>
+          <a:gradFill rotWithShape="1">
+            <a:gsLst>
+              <a:gs pos="0">
+                <a:srgbClr val="C0504D">
+                  <a:tint val="50000"/>
+                  <a:satMod val="300000"/>
+                </a:srgbClr>
+              </a:gs>
+              <a:gs pos="35000">
+                <a:srgbClr val="C0504D">
+                  <a:tint val="37000"/>
+                  <a:satMod val="300000"/>
+                </a:srgbClr>
+              </a:gs>
+              <a:gs pos="100000">
+                <a:srgbClr val="C0504D">
+                  <a:tint val="15000"/>
+                  <a:satMod val="350000"/>
+                </a:srgbClr>
+              </a:gs>
+            </a:gsLst>
+            <a:lin ang="16200000" scaled="1"/>
+          </a:gradFill>
+          <a:ln w="9525" cap="flat" cmpd="sng" algn="ctr">
+            <a:solidFill>
+              <a:srgbClr val="C0504D">
+                <a:shade val="95000"/>
+                <a:satMod val="105000"/>
+              </a:srgbClr>
+            </a:solidFill>
+            <a:prstDash val="solid"/>
+          </a:ln>
+          <a:effectLst>
+            <a:outerShdw blurRad="40000" dist="20000" dir="5400000" rotWithShape="0">
+              <a:srgbClr val="000000">
+                <a:alpha val="38000"/>
+              </a:srgbClr>
+            </a:outerShdw>
+          </a:effectLst>
+        </p:spPr>
+        <p:txBody>
+          <a:bodyPr rtlCol="0" anchor="t"/>
+          <a:lstStyle/>
+          <a:p>
+            <a:pPr marL="0" marR="0" lvl="0" indent="0" algn="ctr" defTabSz="914400" eaLnBrk="1" fontAlgn="auto" latinLnBrk="0" hangingPunct="1">
+              <a:lnSpc>
+                <a:spcPct val="100000"/>
+              </a:lnSpc>
+              <a:spcBef>
+                <a:spcPts val="0"/>
+              </a:spcBef>
+              <a:spcAft>
+                <a:spcPts val="0"/>
+              </a:spcAft>
+              <a:buClrTx/>
+              <a:buSzTx/>
+              <a:buFontTx/>
+              <a:buNone/>
+              <a:tabLst/>
+              <a:defRPr/>
+            </a:pPr>
+            <a:r>
+              <a:rPr kumimoji="0" lang="fr-FR" sz="1400" b="0" i="0" u="none" strike="noStrike" kern="0" cap="none" spc="0" normalizeH="0" baseline="0" noProof="0" dirty="0">
+                <a:ln>
+                  <a:noFill/>
+                </a:ln>
+                <a:solidFill>
+                  <a:prstClr val="black"/>
+                </a:solidFill>
+                <a:effectLst/>
+                <a:uLnTx/>
+                <a:uFillTx/>
+                <a:latin typeface="Calibri"/>
+                <a:ea typeface="+mn-ea"/>
+                <a:cs typeface="+mn-cs"/>
+              </a:rPr>
+              <a:t>CONVERTIR</a:t>
+            </a:r>
+          </a:p>
+        </p:txBody>
+      </p:sp>
+      <p:sp>
+        <p:nvSpPr>
+          <p:cNvPr id="22" name="Rectangle 21">
+            <a:extLst>
+              <a:ext uri="{FF2B5EF4-FFF2-40B4-BE49-F238E27FC236}">
+                <a16:creationId xmlns:a16="http://schemas.microsoft.com/office/drawing/2014/main" id="{4A9336DD-FA8E-4DCF-913B-43AF1DBE70A2}"/>
+              </a:ext>
+            </a:extLst>
+          </p:cNvPr>
+          <p:cNvSpPr/>
+          <p:nvPr/>
+        </p:nvSpPr>
+        <p:spPr>
+          <a:xfrm>
+            <a:off x="9216898" y="3934966"/>
+            <a:ext cx="1620000" cy="687554"/>
+          </a:xfrm>
+          <a:prstGeom prst="rect">
+            <a:avLst/>
+          </a:prstGeom>
+          <a:gradFill rotWithShape="1">
+            <a:gsLst>
+              <a:gs pos="0">
+                <a:srgbClr val="C0504D">
+                  <a:tint val="50000"/>
+                  <a:satMod val="300000"/>
+                </a:srgbClr>
+              </a:gs>
+              <a:gs pos="35000">
+                <a:srgbClr val="C0504D">
+                  <a:tint val="37000"/>
+                  <a:satMod val="300000"/>
+                </a:srgbClr>
+              </a:gs>
+              <a:gs pos="100000">
+                <a:srgbClr val="C0504D">
+                  <a:tint val="15000"/>
+                  <a:satMod val="350000"/>
+                </a:srgbClr>
+              </a:gs>
+            </a:gsLst>
+            <a:lin ang="16200000" scaled="1"/>
+          </a:gradFill>
+          <a:ln w="9525" cap="flat" cmpd="sng" algn="ctr">
+            <a:solidFill>
+              <a:srgbClr val="C0504D">
+                <a:shade val="95000"/>
+                <a:satMod val="105000"/>
+              </a:srgbClr>
+            </a:solidFill>
+            <a:prstDash val="solid"/>
+          </a:ln>
+          <a:effectLst>
+            <a:outerShdw blurRad="40000" dist="20000" dir="5400000" rotWithShape="0">
+              <a:srgbClr val="000000">
+                <a:alpha val="38000"/>
+              </a:srgbClr>
+            </a:outerShdw>
+          </a:effectLst>
+        </p:spPr>
+        <p:txBody>
+          <a:bodyPr rtlCol="0" anchor="t"/>
+          <a:lstStyle/>
+          <a:p>
+            <a:pPr marL="0" marR="0" lvl="0" indent="0" algn="ctr" defTabSz="914400" eaLnBrk="1" fontAlgn="auto" latinLnBrk="0" hangingPunct="1">
+              <a:lnSpc>
+                <a:spcPct val="100000"/>
+              </a:lnSpc>
+              <a:spcBef>
+                <a:spcPts val="0"/>
+              </a:spcBef>
+              <a:spcAft>
+                <a:spcPts val="0"/>
+              </a:spcAft>
+              <a:buClrTx/>
+              <a:buSzTx/>
+              <a:buFontTx/>
+              <a:buNone/>
+              <a:tabLst/>
+              <a:defRPr/>
+            </a:pPr>
+            <a:r>
+              <a:rPr kumimoji="0" lang="fr-FR" sz="1400" b="0" i="0" u="none" strike="noStrike" kern="0" cap="none" spc="0" normalizeH="0" baseline="0" noProof="0" dirty="0">
+                <a:ln>
+                  <a:noFill/>
+                </a:ln>
+                <a:solidFill>
+                  <a:prstClr val="black"/>
+                </a:solidFill>
+                <a:effectLst/>
+                <a:uLnTx/>
+                <a:uFillTx/>
+                <a:latin typeface="Calibri"/>
+                <a:ea typeface="+mn-ea"/>
+                <a:cs typeface="+mn-cs"/>
+              </a:rPr>
+              <a:t>TRANSMETTRE</a:t>
+            </a:r>
+          </a:p>
+        </p:txBody>
+      </p:sp>
+      <p:sp>
+        <p:nvSpPr>
+          <p:cNvPr id="23" name="Rectangle 22">
+            <a:extLst>
+              <a:ext uri="{FF2B5EF4-FFF2-40B4-BE49-F238E27FC236}">
+                <a16:creationId xmlns:a16="http://schemas.microsoft.com/office/drawing/2014/main" id="{FD4A7BAB-62AD-481C-9AF7-2A8B5EC966FD}"/>
+              </a:ext>
+            </a:extLst>
+          </p:cNvPr>
+          <p:cNvSpPr/>
+          <p:nvPr/>
+        </p:nvSpPr>
+        <p:spPr>
+          <a:xfrm>
+            <a:off x="11245936" y="3365829"/>
+            <a:ext cx="1620000" cy="1840580"/>
+          </a:xfrm>
+          <a:prstGeom prst="rect">
+            <a:avLst/>
+          </a:prstGeom>
+          <a:gradFill rotWithShape="1">
+            <a:gsLst>
+              <a:gs pos="0">
+                <a:srgbClr val="F79646">
+                  <a:tint val="50000"/>
+                  <a:satMod val="300000"/>
+                </a:srgbClr>
+              </a:gs>
+              <a:gs pos="35000">
+                <a:srgbClr val="F79646">
+                  <a:tint val="37000"/>
+                  <a:satMod val="300000"/>
+                </a:srgbClr>
+              </a:gs>
+              <a:gs pos="100000">
+                <a:srgbClr val="F79646">
+                  <a:tint val="15000"/>
+                  <a:satMod val="350000"/>
+                </a:srgbClr>
+              </a:gs>
+            </a:gsLst>
+            <a:lin ang="16200000" scaled="1"/>
+          </a:gradFill>
+          <a:ln w="9525" cap="flat" cmpd="sng" algn="ctr">
+            <a:solidFill>
+              <a:srgbClr val="F79646">
+                <a:shade val="95000"/>
+                <a:satMod val="105000"/>
+              </a:srgbClr>
+            </a:solidFill>
+            <a:prstDash val="solid"/>
+          </a:ln>
+          <a:effectLst>
+            <a:outerShdw blurRad="40000" dist="20000" dir="5400000" rotWithShape="0">
+              <a:srgbClr val="000000">
+                <a:alpha val="38000"/>
+              </a:srgbClr>
+            </a:outerShdw>
+          </a:effectLst>
+        </p:spPr>
+        <p:txBody>
+          <a:bodyPr rtlCol="0" anchor="ctr"/>
+          <a:lstStyle/>
+          <a:p>
+            <a:pPr marL="0" marR="0" lvl="0" indent="0" algn="ctr" defTabSz="914400" eaLnBrk="1" fontAlgn="auto" latinLnBrk="0" hangingPunct="1">
+              <a:lnSpc>
+                <a:spcPct val="100000"/>
+              </a:lnSpc>
+              <a:spcBef>
+                <a:spcPts val="0"/>
+              </a:spcBef>
+              <a:spcAft>
+                <a:spcPts val="0"/>
+              </a:spcAft>
+              <a:buClrTx/>
+              <a:buSzTx/>
+              <a:buFontTx/>
+              <a:buNone/>
+              <a:tabLst/>
+              <a:defRPr/>
+            </a:pPr>
+            <a:r>
+              <a:rPr kumimoji="0" lang="fr-FR" sz="1400" b="0" i="0" u="none" strike="noStrike" kern="0" cap="none" spc="0" normalizeH="0" baseline="0" noProof="0" dirty="0">
+                <a:ln>
+                  <a:noFill/>
+                </a:ln>
+                <a:solidFill>
+                  <a:prstClr val="black"/>
+                </a:solidFill>
+                <a:effectLst/>
+                <a:uLnTx/>
+                <a:uFillTx/>
+                <a:latin typeface="Calibri"/>
+                <a:ea typeface="+mn-ea"/>
+                <a:cs typeface="+mn-cs"/>
+              </a:rPr>
+              <a:t>ACTION</a:t>
+            </a:r>
+          </a:p>
+        </p:txBody>
+      </p:sp>
+      <p:cxnSp>
+        <p:nvCxnSpPr>
+          <p:cNvPr id="24" name="Connecteur droit avec flèche 23">
+            <a:extLst>
+              <a:ext uri="{FF2B5EF4-FFF2-40B4-BE49-F238E27FC236}">
+                <a16:creationId xmlns:a16="http://schemas.microsoft.com/office/drawing/2014/main" id="{5F27A41C-9140-4D16-A82E-D1DB427DC6A3}"/>
+              </a:ext>
+            </a:extLst>
+          </p:cNvPr>
+          <p:cNvCxnSpPr>
+            <a:cxnSpLocks/>
+          </p:cNvCxnSpPr>
+          <p:nvPr/>
+        </p:nvCxnSpPr>
+        <p:spPr>
+          <a:xfrm>
+            <a:off x="2460628" y="3078433"/>
+            <a:ext cx="486310" cy="0"/>
+          </a:xfrm>
+          <a:prstGeom prst="straightConnector1">
+            <a:avLst/>
+          </a:prstGeom>
+          <a:noFill/>
+          <a:ln w="28575" cap="flat" cmpd="sng" algn="ctr">
+            <a:solidFill>
+              <a:srgbClr val="4F81BD">
+                <a:shade val="95000"/>
+                <a:satMod val="105000"/>
+              </a:srgbClr>
+            </a:solidFill>
+            <a:prstDash val="solid"/>
+            <a:tailEnd type="arrow"/>
+          </a:ln>
+          <a:effectLst/>
+        </p:spPr>
+      </p:cxnSp>
+      <p:cxnSp>
+        <p:nvCxnSpPr>
+          <p:cNvPr id="25" name="Connecteur droit avec flèche 24">
+            <a:extLst>
+              <a:ext uri="{FF2B5EF4-FFF2-40B4-BE49-F238E27FC236}">
+                <a16:creationId xmlns:a16="http://schemas.microsoft.com/office/drawing/2014/main" id="{E4B05A1B-A360-4F3B-9AA9-B5B711A74016}"/>
+              </a:ext>
+            </a:extLst>
+          </p:cNvPr>
+          <p:cNvCxnSpPr>
+            <a:stCxn id="16" idx="3"/>
+            <a:endCxn id="17" idx="1"/>
+          </p:cNvCxnSpPr>
+          <p:nvPr/>
+        </p:nvCxnSpPr>
+        <p:spPr>
+          <a:xfrm>
+            <a:off x="4566938" y="2858105"/>
+            <a:ext cx="486310" cy="0"/>
+          </a:xfrm>
+          <a:prstGeom prst="straightConnector1">
+            <a:avLst/>
+          </a:prstGeom>
+          <a:noFill/>
+          <a:ln w="28575" cap="flat" cmpd="sng" algn="ctr">
+            <a:solidFill>
+              <a:srgbClr val="4F81BD">
+                <a:shade val="95000"/>
+                <a:satMod val="105000"/>
+              </a:srgbClr>
+            </a:solidFill>
+            <a:prstDash val="solid"/>
+            <a:tailEnd type="arrow"/>
+          </a:ln>
+          <a:effectLst/>
+        </p:spPr>
+      </p:cxnSp>
+      <p:cxnSp>
+        <p:nvCxnSpPr>
+          <p:cNvPr id="26" name="Connecteur droit avec flèche 25">
+            <a:extLst>
+              <a:ext uri="{FF2B5EF4-FFF2-40B4-BE49-F238E27FC236}">
+                <a16:creationId xmlns:a16="http://schemas.microsoft.com/office/drawing/2014/main" id="{273435B1-3176-4DE3-9EDB-371F6572D2D4}"/>
+              </a:ext>
+            </a:extLst>
+          </p:cNvPr>
+          <p:cNvCxnSpPr>
+            <a:stCxn id="17" idx="3"/>
+            <a:endCxn id="18" idx="1"/>
+          </p:cNvCxnSpPr>
+          <p:nvPr/>
+        </p:nvCxnSpPr>
+        <p:spPr>
+          <a:xfrm>
+            <a:off x="6673248" y="2858105"/>
+            <a:ext cx="484465" cy="7818"/>
+          </a:xfrm>
+          <a:prstGeom prst="straightConnector1">
+            <a:avLst/>
+          </a:prstGeom>
+          <a:noFill/>
+          <a:ln w="28575" cap="flat" cmpd="sng" algn="ctr">
+            <a:solidFill>
+              <a:srgbClr val="4F81BD">
+                <a:shade val="95000"/>
+                <a:satMod val="105000"/>
+              </a:srgbClr>
+            </a:solidFill>
+            <a:prstDash val="solid"/>
+            <a:tailEnd type="arrow"/>
+          </a:ln>
+          <a:effectLst/>
+        </p:spPr>
+      </p:cxnSp>
+      <p:cxnSp>
+        <p:nvCxnSpPr>
+          <p:cNvPr id="27" name="Connecteur droit avec flèche 26">
+            <a:extLst>
+              <a:ext uri="{FF2B5EF4-FFF2-40B4-BE49-F238E27FC236}">
+                <a16:creationId xmlns:a16="http://schemas.microsoft.com/office/drawing/2014/main" id="{123E4F42-80B8-4E1D-917C-B15FF5EF4A0B}"/>
+              </a:ext>
+            </a:extLst>
+          </p:cNvPr>
+          <p:cNvCxnSpPr>
+            <a:stCxn id="18" idx="3"/>
+          </p:cNvCxnSpPr>
+          <p:nvPr/>
+        </p:nvCxnSpPr>
+        <p:spPr>
+          <a:xfrm>
+            <a:off x="8777713" y="2865923"/>
+            <a:ext cx="1249185" cy="0"/>
+          </a:xfrm>
+          <a:prstGeom prst="straightConnector1">
+            <a:avLst/>
+          </a:prstGeom>
+          <a:noFill/>
+          <a:ln w="28575" cap="flat" cmpd="sng" algn="ctr">
+            <a:solidFill>
+              <a:srgbClr val="4F81BD">
+                <a:shade val="95000"/>
+                <a:satMod val="105000"/>
+              </a:srgbClr>
+            </a:solidFill>
+            <a:prstDash val="solid"/>
+            <a:tailEnd type="arrow"/>
+          </a:ln>
+          <a:effectLst/>
+        </p:spPr>
+      </p:cxnSp>
+      <p:cxnSp>
+        <p:nvCxnSpPr>
+          <p:cNvPr id="31" name="Connecteur droit 30">
+            <a:extLst>
+              <a:ext uri="{FF2B5EF4-FFF2-40B4-BE49-F238E27FC236}">
+                <a16:creationId xmlns:a16="http://schemas.microsoft.com/office/drawing/2014/main" id="{92217C9D-1B81-4A94-985F-8506A2A7EE34}"/>
+              </a:ext>
+            </a:extLst>
+          </p:cNvPr>
+          <p:cNvCxnSpPr>
+            <a:cxnSpLocks/>
+          </p:cNvCxnSpPr>
+          <p:nvPr/>
+        </p:nvCxnSpPr>
+        <p:spPr>
+          <a:xfrm flipV="1">
+            <a:off x="4810093" y="3315249"/>
+            <a:ext cx="0" cy="765542"/>
+          </a:xfrm>
+          <a:prstGeom prst="line">
+            <a:avLst/>
+          </a:prstGeom>
+          <a:noFill/>
+          <a:ln w="28575" cap="flat" cmpd="sng" algn="ctr">
+            <a:solidFill>
+              <a:srgbClr val="C0504D">
+                <a:shade val="95000"/>
+                <a:satMod val="105000"/>
+              </a:srgbClr>
+            </a:solidFill>
+            <a:prstDash val="solid"/>
+          </a:ln>
+          <a:effectLst/>
+        </p:spPr>
+      </p:cxnSp>
+      <p:cxnSp>
+        <p:nvCxnSpPr>
+          <p:cNvPr id="32" name="Connecteur droit 31">
+            <a:extLst>
+              <a:ext uri="{FF2B5EF4-FFF2-40B4-BE49-F238E27FC236}">
+                <a16:creationId xmlns:a16="http://schemas.microsoft.com/office/drawing/2014/main" id="{3C944A46-BA15-4A06-AE32-C4A56FC2AFAA}"/>
+              </a:ext>
+            </a:extLst>
+          </p:cNvPr>
+          <p:cNvCxnSpPr>
+            <a:cxnSpLocks/>
+          </p:cNvCxnSpPr>
+          <p:nvPr/>
+        </p:nvCxnSpPr>
+        <p:spPr>
+          <a:xfrm>
+            <a:off x="4810093" y="4080791"/>
+            <a:ext cx="243155" cy="0"/>
+          </a:xfrm>
+          <a:prstGeom prst="line">
+            <a:avLst/>
+          </a:prstGeom>
+          <a:noFill/>
+          <a:ln w="28575" cap="flat" cmpd="sng" algn="ctr">
+            <a:solidFill>
+              <a:srgbClr val="C0504D">
+                <a:shade val="95000"/>
+                <a:satMod val="105000"/>
+              </a:srgbClr>
+            </a:solidFill>
+            <a:prstDash val="solid"/>
+            <a:headEnd type="none" w="med" len="med"/>
+            <a:tailEnd type="arrow" w="med" len="med"/>
+          </a:ln>
+          <a:effectLst/>
+        </p:spPr>
+      </p:cxnSp>
+      <p:cxnSp>
+        <p:nvCxnSpPr>
+          <p:cNvPr id="33" name="Connecteur droit 32">
+            <a:extLst>
+              <a:ext uri="{FF2B5EF4-FFF2-40B4-BE49-F238E27FC236}">
+                <a16:creationId xmlns:a16="http://schemas.microsoft.com/office/drawing/2014/main" id="{81A2943E-F942-42D5-9842-C8A9C916D913}"/>
+              </a:ext>
+            </a:extLst>
+          </p:cNvPr>
+          <p:cNvCxnSpPr>
+            <a:stCxn id="19" idx="3"/>
+            <a:endCxn id="20" idx="1"/>
+          </p:cNvCxnSpPr>
+          <p:nvPr/>
+        </p:nvCxnSpPr>
+        <p:spPr>
+          <a:xfrm>
+            <a:off x="4566938" y="4278743"/>
+            <a:ext cx="486310" cy="0"/>
+          </a:xfrm>
+          <a:prstGeom prst="line">
+            <a:avLst/>
+          </a:prstGeom>
+          <a:noFill/>
+          <a:ln w="28575" cap="flat" cmpd="sng" algn="ctr">
+            <a:solidFill>
+              <a:srgbClr val="C0504D">
+                <a:shade val="95000"/>
+                <a:satMod val="105000"/>
+              </a:srgbClr>
+            </a:solidFill>
+            <a:prstDash val="solid"/>
+            <a:headEnd type="none" w="med" len="med"/>
+            <a:tailEnd type="arrow" w="med" len="med"/>
+          </a:ln>
+          <a:effectLst/>
+        </p:spPr>
+      </p:cxnSp>
+      <p:cxnSp>
+        <p:nvCxnSpPr>
+          <p:cNvPr id="34" name="Connecteur droit 33">
+            <a:extLst>
+              <a:ext uri="{FF2B5EF4-FFF2-40B4-BE49-F238E27FC236}">
+                <a16:creationId xmlns:a16="http://schemas.microsoft.com/office/drawing/2014/main" id="{5BBD142F-6083-4954-A15F-52E9A6A63A83}"/>
+              </a:ext>
+            </a:extLst>
+          </p:cNvPr>
+          <p:cNvCxnSpPr>
+            <a:stCxn id="20" idx="3"/>
+            <a:endCxn id="21" idx="1"/>
+          </p:cNvCxnSpPr>
+          <p:nvPr/>
+        </p:nvCxnSpPr>
+        <p:spPr>
+          <a:xfrm>
+            <a:off x="6673248" y="4278743"/>
+            <a:ext cx="484465" cy="0"/>
+          </a:xfrm>
+          <a:prstGeom prst="line">
+            <a:avLst/>
+          </a:prstGeom>
+          <a:noFill/>
+          <a:ln w="28575" cap="flat" cmpd="sng" algn="ctr">
+            <a:solidFill>
+              <a:srgbClr val="C0504D">
+                <a:shade val="95000"/>
+                <a:satMod val="105000"/>
+              </a:srgbClr>
+            </a:solidFill>
+            <a:prstDash val="solid"/>
+            <a:headEnd type="none" w="med" len="med"/>
+            <a:tailEnd type="arrow" w="med" len="med"/>
+          </a:ln>
+          <a:effectLst/>
+        </p:spPr>
+      </p:cxnSp>
+      <p:cxnSp>
+        <p:nvCxnSpPr>
+          <p:cNvPr id="35" name="Connecteur droit 34">
+            <a:extLst>
+              <a:ext uri="{FF2B5EF4-FFF2-40B4-BE49-F238E27FC236}">
+                <a16:creationId xmlns:a16="http://schemas.microsoft.com/office/drawing/2014/main" id="{4270298D-A902-465D-BEE3-C94B1803F788}"/>
+              </a:ext>
+            </a:extLst>
+          </p:cNvPr>
+          <p:cNvCxnSpPr>
+            <a:stCxn id="21" idx="3"/>
+            <a:endCxn id="22" idx="1"/>
+          </p:cNvCxnSpPr>
+          <p:nvPr/>
+        </p:nvCxnSpPr>
+        <p:spPr>
+          <a:xfrm>
+            <a:off x="8777713" y="4278743"/>
+            <a:ext cx="439185" cy="0"/>
+          </a:xfrm>
+          <a:prstGeom prst="line">
+            <a:avLst/>
+          </a:prstGeom>
+          <a:noFill/>
+          <a:ln w="28575" cap="flat" cmpd="sng" algn="ctr">
+            <a:solidFill>
+              <a:srgbClr val="C0504D">
+                <a:shade val="95000"/>
+                <a:satMod val="105000"/>
+              </a:srgbClr>
+            </a:solidFill>
+            <a:prstDash val="solid"/>
+            <a:headEnd type="none" w="med" len="med"/>
+            <a:tailEnd type="arrow" w="med" len="med"/>
+          </a:ln>
+          <a:effectLst/>
+        </p:spPr>
+      </p:cxnSp>
+      <p:cxnSp>
+        <p:nvCxnSpPr>
+          <p:cNvPr id="36" name="Connecteur droit 35">
+            <a:extLst>
+              <a:ext uri="{FF2B5EF4-FFF2-40B4-BE49-F238E27FC236}">
+                <a16:creationId xmlns:a16="http://schemas.microsoft.com/office/drawing/2014/main" id="{8E4D8189-F404-4230-A802-A02E5E356597}"/>
+              </a:ext>
+            </a:extLst>
+          </p:cNvPr>
+          <p:cNvCxnSpPr>
+            <a:cxnSpLocks/>
+            <a:stCxn id="22" idx="3"/>
+            <a:endCxn id="23" idx="1"/>
+          </p:cNvCxnSpPr>
+          <p:nvPr/>
+        </p:nvCxnSpPr>
+        <p:spPr>
+          <a:xfrm>
+            <a:off x="10836898" y="4278743"/>
+            <a:ext cx="409038" cy="7376"/>
+          </a:xfrm>
+          <a:prstGeom prst="line">
+            <a:avLst/>
+          </a:prstGeom>
+          <a:noFill/>
+          <a:ln w="28575" cap="flat" cmpd="sng" algn="ctr">
+            <a:solidFill>
+              <a:srgbClr val="C0504D">
+                <a:shade val="95000"/>
+                <a:satMod val="105000"/>
+              </a:srgbClr>
+            </a:solidFill>
+            <a:prstDash val="solid"/>
+            <a:headEnd type="none" w="med" len="med"/>
+            <a:tailEnd type="arrow" w="med" len="med"/>
+          </a:ln>
+          <a:effectLst/>
+        </p:spPr>
+      </p:cxnSp>
+      <p:cxnSp>
+        <p:nvCxnSpPr>
+          <p:cNvPr id="37" name="Connecteur droit 36">
+            <a:extLst>
+              <a:ext uri="{FF2B5EF4-FFF2-40B4-BE49-F238E27FC236}">
+                <a16:creationId xmlns:a16="http://schemas.microsoft.com/office/drawing/2014/main" id="{578546EE-400C-40E0-AE65-8A15AAC3E048}"/>
+              </a:ext>
+            </a:extLst>
+          </p:cNvPr>
+          <p:cNvCxnSpPr>
+            <a:cxnSpLocks/>
+          </p:cNvCxnSpPr>
+          <p:nvPr/>
+        </p:nvCxnSpPr>
+        <p:spPr>
+          <a:xfrm>
+            <a:off x="2460628" y="4278743"/>
+            <a:ext cx="486310" cy="0"/>
+          </a:xfrm>
+          <a:prstGeom prst="line">
+            <a:avLst/>
+          </a:prstGeom>
+          <a:noFill/>
+          <a:ln w="28575" cap="flat" cmpd="sng" algn="ctr">
+            <a:solidFill>
+              <a:srgbClr val="C0504D">
+                <a:shade val="95000"/>
+                <a:satMod val="105000"/>
+              </a:srgbClr>
+            </a:solidFill>
+            <a:prstDash val="solid"/>
+            <a:headEnd type="none" w="med" len="med"/>
+            <a:tailEnd type="arrow" w="med" len="med"/>
+          </a:ln>
+          <a:effectLst/>
+        </p:spPr>
+      </p:cxnSp>
+      <p:cxnSp>
+        <p:nvCxnSpPr>
+          <p:cNvPr id="38" name="Connecteur droit 37">
+            <a:extLst>
+              <a:ext uri="{FF2B5EF4-FFF2-40B4-BE49-F238E27FC236}">
+                <a16:creationId xmlns:a16="http://schemas.microsoft.com/office/drawing/2014/main" id="{282C3255-4151-4578-8E5D-2D7B78DC286F}"/>
+              </a:ext>
+            </a:extLst>
+          </p:cNvPr>
+          <p:cNvCxnSpPr>
+            <a:cxnSpLocks/>
+          </p:cNvCxnSpPr>
+          <p:nvPr/>
+        </p:nvCxnSpPr>
+        <p:spPr>
+          <a:xfrm flipV="1">
+            <a:off x="10630157" y="1887145"/>
+            <a:ext cx="0" cy="1840580"/>
+          </a:xfrm>
+          <a:prstGeom prst="line">
+            <a:avLst/>
+          </a:prstGeom>
+          <a:noFill/>
+          <a:ln w="28575" cap="flat" cmpd="sng" algn="ctr">
+            <a:solidFill>
+              <a:srgbClr val="92D050"/>
+            </a:solidFill>
+            <a:prstDash val="solid"/>
+          </a:ln>
+          <a:effectLst/>
+        </p:spPr>
+      </p:cxnSp>
+      <p:cxnSp>
+        <p:nvCxnSpPr>
+          <p:cNvPr id="39" name="Connecteur droit 38">
+            <a:extLst>
+              <a:ext uri="{FF2B5EF4-FFF2-40B4-BE49-F238E27FC236}">
+                <a16:creationId xmlns:a16="http://schemas.microsoft.com/office/drawing/2014/main" id="{9CFE3312-7FD0-4FBA-B81F-621772F4A246}"/>
+              </a:ext>
+            </a:extLst>
+          </p:cNvPr>
+          <p:cNvCxnSpPr>
+            <a:cxnSpLocks/>
+          </p:cNvCxnSpPr>
+          <p:nvPr/>
+        </p:nvCxnSpPr>
+        <p:spPr>
+          <a:xfrm flipH="1">
+            <a:off x="2460628" y="1887144"/>
+            <a:ext cx="8195247" cy="0"/>
+          </a:xfrm>
+          <a:prstGeom prst="line">
+            <a:avLst/>
+          </a:prstGeom>
+          <a:noFill/>
+          <a:ln w="28575" cap="flat" cmpd="sng" algn="ctr">
+            <a:solidFill>
+              <a:srgbClr val="92D050"/>
+            </a:solidFill>
+            <a:prstDash val="solid"/>
+          </a:ln>
+          <a:effectLst/>
+        </p:spPr>
+      </p:cxnSp>
+      <p:cxnSp>
+        <p:nvCxnSpPr>
+          <p:cNvPr id="40" name="Connecteur droit 39">
+            <a:extLst>
+              <a:ext uri="{FF2B5EF4-FFF2-40B4-BE49-F238E27FC236}">
+                <a16:creationId xmlns:a16="http://schemas.microsoft.com/office/drawing/2014/main" id="{725CDBAA-00DA-4016-9A63-34084FD0E113}"/>
+              </a:ext>
+            </a:extLst>
+          </p:cNvPr>
+          <p:cNvCxnSpPr>
+            <a:cxnSpLocks/>
+          </p:cNvCxnSpPr>
+          <p:nvPr/>
+        </p:nvCxnSpPr>
+        <p:spPr>
+          <a:xfrm>
+            <a:off x="2460628" y="2645981"/>
+            <a:ext cx="486310" cy="0"/>
+          </a:xfrm>
+          <a:prstGeom prst="line">
+            <a:avLst/>
+          </a:prstGeom>
+          <a:noFill/>
+          <a:ln w="28575" cap="flat" cmpd="sng" algn="ctr">
+            <a:solidFill>
+              <a:srgbClr val="92D050"/>
+            </a:solidFill>
+            <a:prstDash val="solid"/>
+            <a:headEnd type="none" w="med" len="med"/>
+            <a:tailEnd type="arrow" w="med" len="med"/>
+          </a:ln>
+          <a:effectLst/>
+        </p:spPr>
+      </p:cxnSp>
+      <p:cxnSp>
+        <p:nvCxnSpPr>
+          <p:cNvPr id="41" name="Connecteur droit 40">
+            <a:extLst>
+              <a:ext uri="{FF2B5EF4-FFF2-40B4-BE49-F238E27FC236}">
+                <a16:creationId xmlns:a16="http://schemas.microsoft.com/office/drawing/2014/main" id="{1A1DF33F-0D3A-4B30-8705-EDD22861E35C}"/>
+              </a:ext>
+            </a:extLst>
+          </p:cNvPr>
+          <p:cNvCxnSpPr>
+            <a:cxnSpLocks/>
+          </p:cNvCxnSpPr>
+          <p:nvPr/>
+        </p:nvCxnSpPr>
+        <p:spPr>
+          <a:xfrm flipV="1">
+            <a:off x="2460628" y="1887144"/>
+            <a:ext cx="0" cy="758838"/>
+          </a:xfrm>
+          <a:prstGeom prst="line">
+            <a:avLst/>
+          </a:prstGeom>
+          <a:noFill/>
+          <a:ln w="28575" cap="flat" cmpd="sng" algn="ctr">
+            <a:solidFill>
+              <a:srgbClr val="92D050"/>
+            </a:solidFill>
+            <a:prstDash val="solid"/>
+          </a:ln>
+          <a:effectLst/>
+        </p:spPr>
+      </p:cxnSp>
+      <p:cxnSp>
+        <p:nvCxnSpPr>
+          <p:cNvPr id="42" name="Connecteur droit 41">
+            <a:extLst>
+              <a:ext uri="{FF2B5EF4-FFF2-40B4-BE49-F238E27FC236}">
+                <a16:creationId xmlns:a16="http://schemas.microsoft.com/office/drawing/2014/main" id="{2ACDABC4-31F8-4BD9-A720-5802A8BAB497}"/>
+              </a:ext>
+            </a:extLst>
+          </p:cNvPr>
+          <p:cNvCxnSpPr>
+            <a:cxnSpLocks/>
+          </p:cNvCxnSpPr>
+          <p:nvPr/>
+        </p:nvCxnSpPr>
+        <p:spPr>
+          <a:xfrm>
+            <a:off x="12873762" y="3542167"/>
+            <a:ext cx="409038" cy="2542"/>
+          </a:xfrm>
+          <a:prstGeom prst="line">
+            <a:avLst/>
+          </a:prstGeom>
+          <a:noFill/>
+          <a:ln w="28575" cap="flat" cmpd="sng" algn="ctr">
+            <a:solidFill>
+              <a:srgbClr val="C0504D">
+                <a:shade val="95000"/>
+                <a:satMod val="105000"/>
+              </a:srgbClr>
+            </a:solidFill>
+            <a:prstDash val="solid"/>
+            <a:headEnd type="none" w="med" len="med"/>
+            <a:tailEnd type="arrow" w="med" len="med"/>
+          </a:ln>
+          <a:effectLst/>
+        </p:spPr>
+      </p:cxnSp>
+      <p:sp>
+        <p:nvSpPr>
+          <p:cNvPr id="43" name="Flèche vers le bas 33">
+            <a:extLst>
+              <a:ext uri="{FF2B5EF4-FFF2-40B4-BE49-F238E27FC236}">
+                <a16:creationId xmlns:a16="http://schemas.microsoft.com/office/drawing/2014/main" id="{F3468FBD-8897-4A42-9B06-CE4F01ED9F02}"/>
+              </a:ext>
+            </a:extLst>
+          </p:cNvPr>
+          <p:cNvSpPr/>
+          <p:nvPr/>
+        </p:nvSpPr>
+        <p:spPr>
+          <a:xfrm>
+            <a:off x="11853346" y="2563828"/>
+            <a:ext cx="405180" cy="819344"/>
+          </a:xfrm>
+          <a:prstGeom prst="downArrow">
+            <a:avLst/>
+          </a:prstGeom>
+          <a:solidFill>
+            <a:sysClr val="window" lastClr="FFFFFF"/>
+          </a:solidFill>
+          <a:ln w="25400" cap="flat" cmpd="sng" algn="ctr">
+            <a:solidFill>
+              <a:srgbClr val="C0504D"/>
+            </a:solidFill>
+            <a:prstDash val="solid"/>
+          </a:ln>
+          <a:effectLst/>
+        </p:spPr>
+        <p:txBody>
+          <a:bodyPr rtlCol="0" anchor="ctr"/>
+          <a:lstStyle/>
+          <a:p>
+            <a:pPr marL="0" marR="0" lvl="0" indent="0" algn="ctr" defTabSz="914400" eaLnBrk="1" fontAlgn="auto" latinLnBrk="0" hangingPunct="1">
+              <a:lnSpc>
+                <a:spcPct val="100000"/>
+              </a:lnSpc>
+              <a:spcBef>
+                <a:spcPts val="0"/>
+              </a:spcBef>
+              <a:spcAft>
+                <a:spcPts val="0"/>
+              </a:spcAft>
+              <a:buClrTx/>
+              <a:buSzTx/>
+              <a:buFontTx/>
+              <a:buNone/>
+              <a:tabLst/>
+              <a:defRPr/>
+            </a:pPr>
+            <a:endParaRPr kumimoji="0" lang="fr-FR" sz="1600" b="0" i="0" u="none" strike="noStrike" kern="0" cap="none" spc="0" normalizeH="0" baseline="0" noProof="0">
+              <a:ln>
+                <a:noFill/>
+              </a:ln>
+              <a:solidFill>
+                <a:prstClr val="black"/>
+              </a:solidFill>
+              <a:effectLst/>
+              <a:uLnTx/>
+              <a:uFillTx/>
+              <a:latin typeface="Calibri"/>
+              <a:ea typeface="+mn-ea"/>
+              <a:cs typeface="+mn-cs"/>
+            </a:endParaRPr>
+          </a:p>
+        </p:txBody>
+      </p:sp>
+      <p:sp>
+        <p:nvSpPr>
+          <p:cNvPr id="44" name="Rectangle 43">
+            <a:extLst>
+              <a:ext uri="{FF2B5EF4-FFF2-40B4-BE49-F238E27FC236}">
+                <a16:creationId xmlns:a16="http://schemas.microsoft.com/office/drawing/2014/main" id="{04B2C3EC-633C-4735-82B8-DC39A9D879EE}"/>
+              </a:ext>
+            </a:extLst>
+          </p:cNvPr>
+          <p:cNvSpPr/>
+          <p:nvPr/>
+        </p:nvSpPr>
+        <p:spPr>
+          <a:xfrm>
+            <a:off x="5980053" y="3318053"/>
+            <a:ext cx="1482684" cy="409672"/>
+          </a:xfrm>
+          <a:prstGeom prst="rect">
+            <a:avLst/>
+          </a:prstGeom>
+          <a:noFill/>
+          <a:ln w="9525" cap="flat" cmpd="sng" algn="ctr">
+            <a:noFill/>
+            <a:prstDash val="solid"/>
+          </a:ln>
+          <a:effectLst/>
+        </p:spPr>
+        <p:txBody>
+          <a:bodyPr rtlCol="0" anchor="ctr"/>
+          <a:lstStyle/>
+          <a:p>
+            <a:pPr marL="0" marR="0" lvl="0" indent="0" algn="ctr" defTabSz="914400" eaLnBrk="1" fontAlgn="auto" latinLnBrk="0" hangingPunct="1">
+              <a:lnSpc>
+                <a:spcPct val="100000"/>
+              </a:lnSpc>
+              <a:spcBef>
+                <a:spcPts val="0"/>
+              </a:spcBef>
+              <a:spcAft>
+                <a:spcPts val="0"/>
+              </a:spcAft>
+              <a:buClrTx/>
+              <a:buSzTx/>
+              <a:buFontTx/>
+              <a:buNone/>
+              <a:tabLst/>
+              <a:defRPr/>
+            </a:pPr>
+            <a:r>
+              <a:rPr kumimoji="0" lang="fr-FR" sz="1600" b="1" i="0" u="none" strike="noStrike" kern="0" cap="none" spc="0" normalizeH="0" baseline="0" noProof="0" dirty="0">
+                <a:ln>
+                  <a:noFill/>
+                </a:ln>
+                <a:solidFill>
+                  <a:srgbClr val="C00000"/>
+                </a:solidFill>
+                <a:effectLst/>
+                <a:uLnTx/>
+                <a:uFillTx/>
+                <a:latin typeface="Calibri"/>
+                <a:ea typeface="+mn-ea"/>
+                <a:cs typeface="+mn-cs"/>
+              </a:rPr>
+              <a:t>Ordres</a:t>
+            </a:r>
+          </a:p>
+        </p:txBody>
+      </p:sp>
+      <p:sp>
+        <p:nvSpPr>
+          <p:cNvPr id="45" name="Rectangle 44">
+            <a:extLst>
+              <a:ext uri="{FF2B5EF4-FFF2-40B4-BE49-F238E27FC236}">
+                <a16:creationId xmlns:a16="http://schemas.microsoft.com/office/drawing/2014/main" id="{67319993-505A-4042-AD65-168EC6EDDABF}"/>
+              </a:ext>
+            </a:extLst>
+          </p:cNvPr>
+          <p:cNvSpPr/>
+          <p:nvPr/>
+        </p:nvSpPr>
+        <p:spPr>
+          <a:xfrm>
+            <a:off x="10467491" y="1718966"/>
+            <a:ext cx="1482684" cy="949795"/>
+          </a:xfrm>
+          <a:prstGeom prst="rect">
+            <a:avLst/>
+          </a:prstGeom>
+          <a:noFill/>
+          <a:ln w="9525" cap="flat" cmpd="sng" algn="ctr">
+            <a:noFill/>
+            <a:prstDash val="solid"/>
+          </a:ln>
+          <a:effectLst/>
+        </p:spPr>
+        <p:txBody>
+          <a:bodyPr rtlCol="0" anchor="ctr"/>
+          <a:lstStyle/>
+          <a:p>
+            <a:pPr marL="0" marR="0" lvl="0" indent="0" algn="ctr" defTabSz="914400" eaLnBrk="1" fontAlgn="auto" latinLnBrk="0" hangingPunct="1">
+              <a:lnSpc>
+                <a:spcPct val="100000"/>
+              </a:lnSpc>
+              <a:spcBef>
+                <a:spcPts val="0"/>
+              </a:spcBef>
+              <a:spcAft>
+                <a:spcPts val="0"/>
+              </a:spcAft>
+              <a:buClrTx/>
+              <a:buSzTx/>
+              <a:buFontTx/>
+              <a:buNone/>
+              <a:tabLst/>
+              <a:defRPr/>
+            </a:pPr>
+            <a:r>
+              <a:rPr kumimoji="0" lang="fr-FR" sz="1400" b="1" i="0" u="none" strike="noStrike" kern="0" cap="none" spc="0" normalizeH="0" baseline="0" noProof="0" dirty="0">
+                <a:ln>
+                  <a:noFill/>
+                </a:ln>
+                <a:solidFill>
+                  <a:srgbClr val="92D050"/>
+                </a:solidFill>
+                <a:effectLst/>
+                <a:uLnTx/>
+                <a:uFillTx/>
+                <a:latin typeface="Calibri"/>
+                <a:ea typeface="+mn-ea"/>
+                <a:cs typeface="+mn-cs"/>
+              </a:rPr>
+              <a:t>Grandeurs physiques à acquérir</a:t>
+            </a:r>
+          </a:p>
+        </p:txBody>
+      </p:sp>
+      <p:sp>
+        <p:nvSpPr>
+          <p:cNvPr id="46" name="Rectangle 45">
+            <a:extLst>
+              <a:ext uri="{FF2B5EF4-FFF2-40B4-BE49-F238E27FC236}">
+                <a16:creationId xmlns:a16="http://schemas.microsoft.com/office/drawing/2014/main" id="{3782BBB0-4BB9-49D7-B70B-94BF2A96AFD1}"/>
+              </a:ext>
+            </a:extLst>
+          </p:cNvPr>
+          <p:cNvSpPr/>
+          <p:nvPr/>
+        </p:nvSpPr>
+        <p:spPr>
+          <a:xfrm>
+            <a:off x="9177183" y="1908310"/>
+            <a:ext cx="1452974" cy="949795"/>
+          </a:xfrm>
+          <a:prstGeom prst="rect">
+            <a:avLst/>
+          </a:prstGeom>
+          <a:noFill/>
+          <a:ln w="9525" cap="flat" cmpd="sng" algn="ctr">
+            <a:noFill/>
+            <a:prstDash val="solid"/>
+          </a:ln>
+          <a:effectLst/>
+        </p:spPr>
+        <p:txBody>
+          <a:bodyPr rtlCol="0" anchor="ctr"/>
+          <a:lstStyle/>
+          <a:p>
+            <a:pPr marL="0" marR="0" lvl="0" indent="0" algn="ctr" defTabSz="914400" eaLnBrk="1" fontAlgn="auto" latinLnBrk="0" hangingPunct="1">
+              <a:lnSpc>
+                <a:spcPct val="100000"/>
+              </a:lnSpc>
+              <a:spcBef>
+                <a:spcPts val="0"/>
+              </a:spcBef>
+              <a:spcAft>
+                <a:spcPts val="0"/>
+              </a:spcAft>
+              <a:buClrTx/>
+              <a:buSzTx/>
+              <a:buFontTx/>
+              <a:buNone/>
+              <a:tabLst/>
+              <a:defRPr/>
+            </a:pPr>
+            <a:r>
+              <a:rPr kumimoji="0" lang="fr-FR" sz="1200" b="1" i="0" u="none" strike="noStrike" kern="0" cap="none" spc="0" normalizeH="0" baseline="0" noProof="0" dirty="0">
+                <a:ln>
+                  <a:noFill/>
+                </a:ln>
+                <a:solidFill>
+                  <a:srgbClr val="00B0F0"/>
+                </a:solidFill>
+                <a:effectLst/>
+                <a:uLnTx/>
+                <a:uFillTx/>
+                <a:latin typeface="Calibri"/>
+                <a:ea typeface="+mn-ea"/>
+                <a:cs typeface="+mn-cs"/>
+              </a:rPr>
+              <a:t>Infos destinées à d’autres interfaces H/M</a:t>
+            </a:r>
+          </a:p>
+        </p:txBody>
+      </p:sp>
+      <p:sp>
+        <p:nvSpPr>
+          <p:cNvPr id="47" name="Rectangle 46">
+            <a:extLst>
+              <a:ext uri="{FF2B5EF4-FFF2-40B4-BE49-F238E27FC236}">
+                <a16:creationId xmlns:a16="http://schemas.microsoft.com/office/drawing/2014/main" id="{E3A8E074-50FA-4330-B2CC-A4E01D900625}"/>
+              </a:ext>
+            </a:extLst>
+          </p:cNvPr>
+          <p:cNvSpPr/>
+          <p:nvPr/>
+        </p:nvSpPr>
+        <p:spPr>
+          <a:xfrm>
+            <a:off x="1164816" y="2655070"/>
+            <a:ext cx="1452974" cy="949795"/>
+          </a:xfrm>
+          <a:prstGeom prst="rect">
+            <a:avLst/>
+          </a:prstGeom>
+          <a:noFill/>
+          <a:ln w="9525" cap="flat" cmpd="sng" algn="ctr">
+            <a:noFill/>
+            <a:prstDash val="solid"/>
+          </a:ln>
+          <a:effectLst/>
+        </p:spPr>
+        <p:txBody>
+          <a:bodyPr rtlCol="0" anchor="ctr"/>
+          <a:lstStyle/>
+          <a:p>
+            <a:pPr marL="0" marR="0" lvl="0" indent="0" algn="ctr" defTabSz="914400" eaLnBrk="1" fontAlgn="auto" latinLnBrk="0" hangingPunct="1">
+              <a:lnSpc>
+                <a:spcPct val="100000"/>
+              </a:lnSpc>
+              <a:spcBef>
+                <a:spcPts val="0"/>
+              </a:spcBef>
+              <a:spcAft>
+                <a:spcPts val="0"/>
+              </a:spcAft>
+              <a:buClrTx/>
+              <a:buSzTx/>
+              <a:buFontTx/>
+              <a:buNone/>
+              <a:tabLst/>
+              <a:defRPr/>
+            </a:pPr>
+            <a:r>
+              <a:rPr kumimoji="0" lang="fr-FR" sz="1200" b="1" i="0" u="none" strike="noStrike" kern="0" cap="none" spc="0" normalizeH="0" baseline="0" noProof="0" dirty="0">
+                <a:ln>
+                  <a:noFill/>
+                </a:ln>
+                <a:solidFill>
+                  <a:srgbClr val="00B0F0"/>
+                </a:solidFill>
+                <a:effectLst/>
+                <a:uLnTx/>
+                <a:uFillTx/>
+                <a:latin typeface="Calibri"/>
+                <a:ea typeface="+mn-ea"/>
+                <a:cs typeface="+mn-cs"/>
+              </a:rPr>
+              <a:t>Infos issues de d’autres interfaces H/M</a:t>
+            </a:r>
+          </a:p>
+        </p:txBody>
+      </p:sp>
+      <p:sp>
+        <p:nvSpPr>
+          <p:cNvPr id="48" name="Rectangle 47">
+            <a:extLst>
+              <a:ext uri="{FF2B5EF4-FFF2-40B4-BE49-F238E27FC236}">
+                <a16:creationId xmlns:a16="http://schemas.microsoft.com/office/drawing/2014/main" id="{A4613641-972A-40E3-875F-7959BA4CA987}"/>
+              </a:ext>
+            </a:extLst>
+          </p:cNvPr>
+          <p:cNvSpPr/>
+          <p:nvPr/>
+        </p:nvSpPr>
+        <p:spPr>
+          <a:xfrm>
+            <a:off x="11920465" y="1862255"/>
+            <a:ext cx="1794861" cy="379169"/>
+          </a:xfrm>
+          <a:prstGeom prst="rect">
+            <a:avLst/>
+          </a:prstGeom>
+          <a:noFill/>
+          <a:ln w="9525" cap="flat" cmpd="sng" algn="ctr">
+            <a:noFill/>
+            <a:prstDash val="solid"/>
+          </a:ln>
+          <a:effectLst/>
+        </p:spPr>
+        <p:txBody>
+          <a:bodyPr rtlCol="0" anchor="ctr"/>
+          <a:lstStyle/>
+          <a:p>
+            <a:pPr marL="0" marR="0" lvl="0" indent="0" algn="ctr" defTabSz="914400" eaLnBrk="1" fontAlgn="auto" latinLnBrk="0" hangingPunct="1">
+              <a:lnSpc>
+                <a:spcPct val="100000"/>
+              </a:lnSpc>
+              <a:spcBef>
+                <a:spcPts val="0"/>
+              </a:spcBef>
+              <a:spcAft>
+                <a:spcPts val="0"/>
+              </a:spcAft>
+              <a:buClrTx/>
+              <a:buSzTx/>
+              <a:buFontTx/>
+              <a:buNone/>
+              <a:tabLst/>
+              <a:defRPr/>
+            </a:pPr>
+            <a:r>
+              <a:rPr kumimoji="0" lang="fr-FR" sz="1200" b="1" i="0" u="none" strike="noStrike" kern="0" cap="none" spc="0" normalizeH="0" baseline="0" noProof="0" dirty="0">
+                <a:ln>
+                  <a:noFill/>
+                </a:ln>
+                <a:solidFill>
+                  <a:srgbClr val="00B0F0"/>
+                </a:solidFill>
+                <a:effectLst/>
+                <a:uLnTx/>
+                <a:uFillTx/>
+                <a:latin typeface="Calibri"/>
+                <a:ea typeface="+mn-ea"/>
+                <a:cs typeface="+mn-cs"/>
+              </a:rPr>
+              <a:t>H/M : Homme – Machine </a:t>
+            </a:r>
+          </a:p>
+        </p:txBody>
+      </p:sp>
+      <p:sp>
+        <p:nvSpPr>
+          <p:cNvPr id="49" name="Rectangle 48">
+            <a:extLst>
+              <a:ext uri="{FF2B5EF4-FFF2-40B4-BE49-F238E27FC236}">
+                <a16:creationId xmlns:a16="http://schemas.microsoft.com/office/drawing/2014/main" id="{FCA989E8-2F5C-4330-A910-27D160C36F19}"/>
+              </a:ext>
+            </a:extLst>
+          </p:cNvPr>
+          <p:cNvSpPr/>
+          <p:nvPr/>
+        </p:nvSpPr>
+        <p:spPr>
+          <a:xfrm>
+            <a:off x="11314594" y="2193863"/>
+            <a:ext cx="1482684" cy="409672"/>
+          </a:xfrm>
+          <a:prstGeom prst="rect">
+            <a:avLst/>
+          </a:prstGeom>
+          <a:noFill/>
+          <a:ln w="9525" cap="flat" cmpd="sng" algn="ctr">
+            <a:noFill/>
+            <a:prstDash val="solid"/>
+          </a:ln>
+          <a:effectLst/>
+        </p:spPr>
+        <p:txBody>
+          <a:bodyPr rtlCol="0" anchor="ctr"/>
+          <a:lstStyle/>
+          <a:p>
+            <a:pPr marL="0" marR="0" lvl="0" indent="0" algn="ctr" defTabSz="914400" eaLnBrk="1" fontAlgn="auto" latinLnBrk="0" hangingPunct="1">
+              <a:lnSpc>
+                <a:spcPct val="100000"/>
+              </a:lnSpc>
+              <a:spcBef>
+                <a:spcPts val="0"/>
+              </a:spcBef>
+              <a:spcAft>
+                <a:spcPts val="0"/>
+              </a:spcAft>
+              <a:buClrTx/>
+              <a:buSzTx/>
+              <a:buFontTx/>
+              <a:buNone/>
+              <a:tabLst/>
+              <a:defRPr/>
+            </a:pPr>
+            <a:endParaRPr kumimoji="0" lang="fr-FR" sz="1600" b="1" i="0" u="none" strike="noStrike" kern="0" cap="none" spc="0" normalizeH="0" baseline="0" noProof="0" dirty="0">
+              <a:ln>
+                <a:noFill/>
+              </a:ln>
+              <a:solidFill>
+                <a:srgbClr val="C00000"/>
+              </a:solidFill>
+              <a:effectLst/>
+              <a:uLnTx/>
+              <a:uFillTx/>
+              <a:latin typeface="Calibri"/>
+              <a:ea typeface="+mn-ea"/>
+              <a:cs typeface="+mn-cs"/>
+            </a:endParaRPr>
+          </a:p>
+        </p:txBody>
+      </p:sp>
+      <p:grpSp>
+        <p:nvGrpSpPr>
+          <p:cNvPr id="77" name="Groupe 76">
+            <a:extLst>
+              <a:ext uri="{FF2B5EF4-FFF2-40B4-BE49-F238E27FC236}">
+                <a16:creationId xmlns:a16="http://schemas.microsoft.com/office/drawing/2014/main" id="{457D46D3-EEBE-4E56-B8EE-D53CFB72D255}"/>
+              </a:ext>
+            </a:extLst>
+          </p:cNvPr>
+          <p:cNvGrpSpPr/>
+          <p:nvPr/>
+        </p:nvGrpSpPr>
+        <p:grpSpPr>
+          <a:xfrm>
+            <a:off x="523938" y="0"/>
+            <a:ext cx="504000" cy="5994188"/>
+            <a:chOff x="523938" y="0"/>
+            <a:chExt cx="504000" cy="5994188"/>
+          </a:xfrm>
+        </p:grpSpPr>
+        <p:sp>
+          <p:nvSpPr>
+            <p:cNvPr id="70" name="ZoneTexte 69">
+              <a:extLst>
+                <a:ext uri="{FF2B5EF4-FFF2-40B4-BE49-F238E27FC236}">
+                  <a16:creationId xmlns:a16="http://schemas.microsoft.com/office/drawing/2014/main" id="{B59EDDAC-DFDA-43F4-9825-964B975AA672}"/>
+                </a:ext>
+              </a:extLst>
+            </p:cNvPr>
+            <p:cNvSpPr txBox="1"/>
+            <p:nvPr/>
+          </p:nvSpPr>
+          <p:spPr>
+            <a:xfrm rot="16200000">
+              <a:off x="-88062" y="612000"/>
+              <a:ext cx="1728000" cy="504000"/>
+            </a:xfrm>
+            <a:prstGeom prst="rect">
+              <a:avLst/>
+            </a:prstGeom>
+            <a:solidFill>
+              <a:schemeClr val="accent1">
+                <a:lumMod val="20000"/>
+                <a:lumOff val="80000"/>
+              </a:schemeClr>
+            </a:solidFill>
+          </p:spPr>
+          <p:txBody>
+            <a:bodyPr wrap="square" lIns="0" tIns="0" rIns="0" bIns="0" rtlCol="0">
+              <a:spAutoFit/>
+            </a:bodyPr>
+            <a:lstStyle/>
+            <a:p>
+              <a:pPr algn="ctr"/>
+              <a:r>
+                <a:rPr lang="fr-FR" sz="2400" b="1" dirty="0"/>
+                <a:t>Découverte</a:t>
+              </a:r>
+            </a:p>
+          </p:txBody>
+        </p:sp>
+        <p:sp>
+          <p:nvSpPr>
+            <p:cNvPr id="75" name="ZoneTexte 74">
+              <a:extLst>
+                <a:ext uri="{FF2B5EF4-FFF2-40B4-BE49-F238E27FC236}">
+                  <a16:creationId xmlns:a16="http://schemas.microsoft.com/office/drawing/2014/main" id="{A583E446-C069-4E6A-8CC6-690556346DC2}"/>
+                </a:ext>
+              </a:extLst>
+            </p:cNvPr>
+            <p:cNvSpPr txBox="1"/>
+            <p:nvPr/>
+          </p:nvSpPr>
+          <p:spPr>
+            <a:xfrm rot="16200000">
+              <a:off x="-1357156" y="3609094"/>
+              <a:ext cx="4266188" cy="504000"/>
+            </a:xfrm>
+            <a:prstGeom prst="rect">
+              <a:avLst/>
+            </a:prstGeom>
+            <a:solidFill>
+              <a:schemeClr val="accent1">
+                <a:lumMod val="20000"/>
+                <a:lumOff val="80000"/>
+              </a:schemeClr>
+            </a:solidFill>
+          </p:spPr>
+          <p:txBody>
+            <a:bodyPr wrap="square" lIns="0" tIns="0" rIns="0" bIns="0" rtlCol="0">
+              <a:spAutoFit/>
+            </a:bodyPr>
+            <a:lstStyle/>
+            <a:p>
+              <a:pPr algn="ctr"/>
+              <a:r>
+                <a:rPr lang="fr-FR" sz="2400" b="1" dirty="0"/>
+                <a:t>Chaine fonctionnelle</a:t>
+              </a:r>
+            </a:p>
+          </p:txBody>
+        </p:sp>
+      </p:grpSp>
+      <p:cxnSp>
+        <p:nvCxnSpPr>
+          <p:cNvPr id="72" name="Connecteur droit 71">
+            <a:extLst>
+              <a:ext uri="{FF2B5EF4-FFF2-40B4-BE49-F238E27FC236}">
+                <a16:creationId xmlns:a16="http://schemas.microsoft.com/office/drawing/2014/main" id="{45A44BA3-10B3-4FE6-8D0E-E92C288247C4}"/>
+              </a:ext>
+            </a:extLst>
+          </p:cNvPr>
+          <p:cNvCxnSpPr>
+            <a:cxnSpLocks/>
+          </p:cNvCxnSpPr>
+          <p:nvPr/>
+        </p:nvCxnSpPr>
+        <p:spPr>
+          <a:xfrm>
+            <a:off x="523937" y="1718966"/>
+            <a:ext cx="14594696" cy="0"/>
+          </a:xfrm>
+          <a:prstGeom prst="line">
+            <a:avLst/>
+          </a:prstGeom>
+        </p:spPr>
+        <p:style>
+          <a:lnRef idx="1">
+            <a:schemeClr val="accent1"/>
+          </a:lnRef>
+          <a:fillRef idx="0">
+            <a:schemeClr val="accent1"/>
+          </a:fillRef>
+          <a:effectRef idx="0">
+            <a:schemeClr val="accent1"/>
+          </a:effectRef>
+          <a:fontRef idx="minor">
+            <a:schemeClr val="tx1"/>
+          </a:fontRef>
+        </p:style>
+      </p:cxnSp>
+      <p:cxnSp>
+        <p:nvCxnSpPr>
+          <p:cNvPr id="76" name="Connecteur droit 75">
+            <a:extLst>
+              <a:ext uri="{FF2B5EF4-FFF2-40B4-BE49-F238E27FC236}">
+                <a16:creationId xmlns:a16="http://schemas.microsoft.com/office/drawing/2014/main" id="{91B2922F-3DE4-4D32-B9AA-8BD8B5BB674B}"/>
+              </a:ext>
+            </a:extLst>
+          </p:cNvPr>
+          <p:cNvCxnSpPr>
+            <a:cxnSpLocks/>
+          </p:cNvCxnSpPr>
+          <p:nvPr/>
+        </p:nvCxnSpPr>
+        <p:spPr>
+          <a:xfrm>
+            <a:off x="523937" y="5994187"/>
+            <a:ext cx="14594696" cy="0"/>
+          </a:xfrm>
+          <a:prstGeom prst="line">
+            <a:avLst/>
+          </a:prstGeom>
+        </p:spPr>
+        <p:style>
+          <a:lnRef idx="1">
+            <a:schemeClr val="accent1"/>
+          </a:lnRef>
+          <a:fillRef idx="0">
+            <a:schemeClr val="accent1"/>
+          </a:fillRef>
+          <a:effectRef idx="0">
+            <a:schemeClr val="accent1"/>
+          </a:effectRef>
+          <a:fontRef idx="minor">
+            <a:schemeClr val="tx1"/>
+          </a:fontRef>
+        </p:style>
+      </p:cxnSp>
+      <p:sp>
+        <p:nvSpPr>
+          <p:cNvPr id="79" name="ZoneTexte 78">
+            <a:extLst>
+              <a:ext uri="{FF2B5EF4-FFF2-40B4-BE49-F238E27FC236}">
+                <a16:creationId xmlns:a16="http://schemas.microsoft.com/office/drawing/2014/main" id="{854598CD-977F-4600-B29C-75033871E02C}"/>
+              </a:ext>
+            </a:extLst>
+          </p:cNvPr>
+          <p:cNvSpPr txBox="1"/>
+          <p:nvPr/>
+        </p:nvSpPr>
+        <p:spPr>
+          <a:xfrm rot="16200000">
+            <a:off x="-1576142" y="8090998"/>
+            <a:ext cx="4697624" cy="504000"/>
+          </a:xfrm>
+          <a:prstGeom prst="rect">
+            <a:avLst/>
+          </a:prstGeom>
+          <a:solidFill>
+            <a:schemeClr val="accent1">
+              <a:lumMod val="20000"/>
+              <a:lumOff val="80000"/>
+            </a:schemeClr>
+          </a:solidFill>
+        </p:spPr>
+        <p:txBody>
+          <a:bodyPr wrap="square" lIns="0" tIns="0" rIns="0" bIns="0" rtlCol="0">
+            <a:spAutoFit/>
+          </a:bodyPr>
+          <a:lstStyle/>
+          <a:p>
+            <a:pPr algn="ctr"/>
+            <a:r>
+              <a:rPr lang="fr-FR" sz="2400" b="1" dirty="0"/>
+              <a:t>Modélisation</a:t>
+            </a:r>
+          </a:p>
+        </p:txBody>
+      </p:sp>
+      <p:sp>
+        <p:nvSpPr>
+          <p:cNvPr id="80" name="Rectangle 79">
+            <a:extLst>
+              <a:ext uri="{FF2B5EF4-FFF2-40B4-BE49-F238E27FC236}">
+                <a16:creationId xmlns:a16="http://schemas.microsoft.com/office/drawing/2014/main" id="{CAC86B23-75D6-40C6-8451-84212018E167}"/>
+              </a:ext>
+            </a:extLst>
+          </p:cNvPr>
+          <p:cNvSpPr/>
+          <p:nvPr/>
+        </p:nvSpPr>
+        <p:spPr>
+          <a:xfrm>
+            <a:off x="1435278" y="6175695"/>
+            <a:ext cx="3496392" cy="2072885"/>
+          </a:xfrm>
+          <a:prstGeom prst="rect">
+            <a:avLst/>
+          </a:prstGeom>
+          <a:noFill/>
+          <a:ln>
+            <a:solidFill>
+              <a:schemeClr val="accent1"/>
+            </a:solidFill>
+            <a:prstDash val="dash"/>
+          </a:ln>
+        </p:spPr>
+        <p:style>
+          <a:lnRef idx="2">
+            <a:schemeClr val="accent1">
+              <a:shade val="50000"/>
+            </a:schemeClr>
+          </a:lnRef>
+          <a:fillRef idx="1">
+            <a:schemeClr val="accent1"/>
+          </a:fillRef>
+          <a:effectRef idx="0">
+            <a:schemeClr val="accent1"/>
+          </a:effectRef>
+          <a:fontRef idx="minor">
+            <a:schemeClr val="lt1"/>
+          </a:fontRef>
+        </p:style>
+        <p:txBody>
+          <a:bodyPr rtlCol="0" anchor="ctr"/>
+          <a:lstStyle/>
+          <a:p>
+            <a:pPr algn="ctr"/>
+            <a:endParaRPr lang="fr-FR"/>
+          </a:p>
+        </p:txBody>
+      </p:sp>
+      <p:sp>
+        <p:nvSpPr>
+          <p:cNvPr id="82" name="ZoneTexte 81">
+            <a:extLst>
+              <a:ext uri="{FF2B5EF4-FFF2-40B4-BE49-F238E27FC236}">
+                <a16:creationId xmlns:a16="http://schemas.microsoft.com/office/drawing/2014/main" id="{2B4852CF-F717-4642-B4FE-1F482B8C1BC3}"/>
+              </a:ext>
+            </a:extLst>
+          </p:cNvPr>
+          <p:cNvSpPr txBox="1"/>
+          <p:nvPr/>
+        </p:nvSpPr>
+        <p:spPr>
+          <a:xfrm>
+            <a:off x="1435278" y="6198834"/>
+            <a:ext cx="3496392" cy="369332"/>
+          </a:xfrm>
+          <a:prstGeom prst="rect">
+            <a:avLst/>
+          </a:prstGeom>
+          <a:noFill/>
+        </p:spPr>
+        <p:txBody>
+          <a:bodyPr wrap="square" rtlCol="0">
+            <a:spAutoFit/>
+          </a:bodyPr>
+          <a:lstStyle/>
+          <a:p>
+            <a:pPr algn="ctr"/>
+            <a:r>
+              <a:rPr lang="fr-FR" b="1" dirty="0"/>
+              <a:t>Conditions expérimentales</a:t>
+            </a:r>
+          </a:p>
+        </p:txBody>
+      </p:sp>
+      <p:sp>
+        <p:nvSpPr>
+          <p:cNvPr id="83" name="Rectangle 82">
+            <a:extLst>
+              <a:ext uri="{FF2B5EF4-FFF2-40B4-BE49-F238E27FC236}">
+                <a16:creationId xmlns:a16="http://schemas.microsoft.com/office/drawing/2014/main" id="{E4E153B5-D706-4818-8125-673D8F37C389}"/>
+              </a:ext>
+            </a:extLst>
+          </p:cNvPr>
+          <p:cNvSpPr/>
+          <p:nvPr/>
+        </p:nvSpPr>
+        <p:spPr>
+          <a:xfrm>
+            <a:off x="1435278" y="8413429"/>
+            <a:ext cx="3496392" cy="2026168"/>
+          </a:xfrm>
+          <a:prstGeom prst="rect">
+            <a:avLst/>
+          </a:prstGeom>
+          <a:noFill/>
+          <a:ln>
+            <a:solidFill>
+              <a:schemeClr val="accent1"/>
+            </a:solidFill>
+            <a:prstDash val="dash"/>
+          </a:ln>
+        </p:spPr>
+        <p:style>
+          <a:lnRef idx="2">
+            <a:schemeClr val="accent1">
+              <a:shade val="50000"/>
+            </a:schemeClr>
+          </a:lnRef>
+          <a:fillRef idx="1">
+            <a:schemeClr val="accent1"/>
+          </a:fillRef>
+          <a:effectRef idx="0">
+            <a:schemeClr val="accent1"/>
+          </a:effectRef>
+          <a:fontRef idx="minor">
+            <a:schemeClr val="lt1"/>
+          </a:fontRef>
+        </p:style>
+        <p:txBody>
+          <a:bodyPr rtlCol="0" anchor="ctr"/>
+          <a:lstStyle/>
+          <a:p>
+            <a:pPr algn="ctr"/>
+            <a:endParaRPr lang="fr-FR"/>
+          </a:p>
+        </p:txBody>
+      </p:sp>
+      <p:sp>
+        <p:nvSpPr>
+          <p:cNvPr id="84" name="ZoneTexte 83">
+            <a:extLst>
+              <a:ext uri="{FF2B5EF4-FFF2-40B4-BE49-F238E27FC236}">
+                <a16:creationId xmlns:a16="http://schemas.microsoft.com/office/drawing/2014/main" id="{5C3FCBC9-279B-491B-9FDE-F97221E0721E}"/>
+              </a:ext>
+            </a:extLst>
+          </p:cNvPr>
+          <p:cNvSpPr txBox="1"/>
+          <p:nvPr/>
+        </p:nvSpPr>
+        <p:spPr>
+          <a:xfrm>
+            <a:off x="1435278" y="8436568"/>
+            <a:ext cx="3496392" cy="369332"/>
+          </a:xfrm>
+          <a:prstGeom prst="rect">
+            <a:avLst/>
+          </a:prstGeom>
+          <a:noFill/>
+        </p:spPr>
+        <p:txBody>
+          <a:bodyPr wrap="square" rtlCol="0">
+            <a:spAutoFit/>
+          </a:bodyPr>
+          <a:lstStyle/>
+          <a:p>
+            <a:pPr algn="ctr"/>
+            <a:r>
+              <a:rPr lang="fr-FR" b="1" dirty="0"/>
+              <a:t>Fonction de transfert/Schéma-bloc</a:t>
+            </a:r>
+          </a:p>
+        </p:txBody>
+      </p:sp>
+      <p:sp>
+        <p:nvSpPr>
+          <p:cNvPr id="85" name="Rectangle 84">
+            <a:extLst>
+              <a:ext uri="{FF2B5EF4-FFF2-40B4-BE49-F238E27FC236}">
+                <a16:creationId xmlns:a16="http://schemas.microsoft.com/office/drawing/2014/main" id="{7619BF8D-E205-49A8-BA96-B04728B5687C}"/>
+              </a:ext>
+            </a:extLst>
+          </p:cNvPr>
+          <p:cNvSpPr/>
+          <p:nvPr/>
+        </p:nvSpPr>
+        <p:spPr>
+          <a:xfrm>
+            <a:off x="5221925" y="6199935"/>
+            <a:ext cx="6023593" cy="4243459"/>
+          </a:xfrm>
+          <a:prstGeom prst="rect">
+            <a:avLst/>
+          </a:prstGeom>
+          <a:noFill/>
+          <a:ln>
+            <a:solidFill>
+              <a:schemeClr val="accent1"/>
+            </a:solidFill>
+            <a:prstDash val="dash"/>
+          </a:ln>
+        </p:spPr>
+        <p:style>
+          <a:lnRef idx="2">
+            <a:schemeClr val="accent1">
+              <a:shade val="50000"/>
+            </a:schemeClr>
+          </a:lnRef>
+          <a:fillRef idx="1">
+            <a:schemeClr val="accent1"/>
+          </a:fillRef>
+          <a:effectRef idx="0">
+            <a:schemeClr val="accent1"/>
+          </a:effectRef>
+          <a:fontRef idx="minor">
+            <a:schemeClr val="lt1"/>
+          </a:fontRef>
+        </p:style>
+        <p:txBody>
+          <a:bodyPr rtlCol="0" anchor="ctr"/>
+          <a:lstStyle/>
+          <a:p>
+            <a:pPr algn="ctr"/>
+            <a:endParaRPr lang="fr-FR"/>
+          </a:p>
+        </p:txBody>
+      </p:sp>
+      <p:sp>
+        <p:nvSpPr>
+          <p:cNvPr id="87" name="ZoneTexte 86">
+            <a:extLst>
+              <a:ext uri="{FF2B5EF4-FFF2-40B4-BE49-F238E27FC236}">
+                <a16:creationId xmlns:a16="http://schemas.microsoft.com/office/drawing/2014/main" id="{E5755DE0-3DC4-44C1-8BAE-509B85D403A2}"/>
+              </a:ext>
+            </a:extLst>
+          </p:cNvPr>
+          <p:cNvSpPr txBox="1"/>
+          <p:nvPr/>
+        </p:nvSpPr>
+        <p:spPr>
+          <a:xfrm>
+            <a:off x="5221924" y="6207294"/>
+            <a:ext cx="6023593" cy="369332"/>
+          </a:xfrm>
+          <a:prstGeom prst="rect">
+            <a:avLst/>
+          </a:prstGeom>
+          <a:noFill/>
+        </p:spPr>
+        <p:txBody>
+          <a:bodyPr wrap="square" rtlCol="0">
+            <a:spAutoFit/>
+          </a:bodyPr>
+          <a:lstStyle/>
+          <a:p>
+            <a:pPr algn="ctr"/>
+            <a:r>
+              <a:rPr lang="fr-FR" b="1" dirty="0"/>
+              <a:t>Courbes essai/modèle</a:t>
+            </a:r>
+          </a:p>
+        </p:txBody>
+      </p:sp>
+      <p:sp>
+        <p:nvSpPr>
+          <p:cNvPr id="88" name="Rectangle 87">
+            <a:extLst>
+              <a:ext uri="{FF2B5EF4-FFF2-40B4-BE49-F238E27FC236}">
+                <a16:creationId xmlns:a16="http://schemas.microsoft.com/office/drawing/2014/main" id="{B04CEC9D-AAFD-4A3A-9C6D-B09C947903CE}"/>
+              </a:ext>
+            </a:extLst>
+          </p:cNvPr>
+          <p:cNvSpPr/>
+          <p:nvPr/>
+        </p:nvSpPr>
+        <p:spPr>
+          <a:xfrm>
+            <a:off x="11535773" y="6206853"/>
+            <a:ext cx="3335259" cy="2041730"/>
+          </a:xfrm>
+          <a:prstGeom prst="rect">
+            <a:avLst/>
+          </a:prstGeom>
+          <a:noFill/>
+          <a:ln>
+            <a:solidFill>
+              <a:schemeClr val="accent1"/>
+            </a:solidFill>
+            <a:prstDash val="dash"/>
+          </a:ln>
+        </p:spPr>
+        <p:style>
+          <a:lnRef idx="2">
+            <a:schemeClr val="accent1">
+              <a:shade val="50000"/>
+            </a:schemeClr>
+          </a:lnRef>
+          <a:fillRef idx="1">
+            <a:schemeClr val="accent1"/>
+          </a:fillRef>
+          <a:effectRef idx="0">
+            <a:schemeClr val="accent1"/>
+          </a:effectRef>
+          <a:fontRef idx="minor">
+            <a:schemeClr val="lt1"/>
+          </a:fontRef>
+        </p:style>
+        <p:txBody>
+          <a:bodyPr rtlCol="0" anchor="ctr"/>
+          <a:lstStyle/>
+          <a:p>
+            <a:pPr algn="ctr"/>
+            <a:endParaRPr lang="fr-FR"/>
+          </a:p>
+        </p:txBody>
+      </p:sp>
+      <p:sp>
+        <p:nvSpPr>
+          <p:cNvPr id="89" name="ZoneTexte 88">
+            <a:extLst>
+              <a:ext uri="{FF2B5EF4-FFF2-40B4-BE49-F238E27FC236}">
+                <a16:creationId xmlns:a16="http://schemas.microsoft.com/office/drawing/2014/main" id="{6F050C5B-C6EE-4FF2-A55F-1344F3A6FED6}"/>
+              </a:ext>
+            </a:extLst>
+          </p:cNvPr>
+          <p:cNvSpPr txBox="1"/>
+          <p:nvPr/>
+        </p:nvSpPr>
+        <p:spPr>
+          <a:xfrm>
+            <a:off x="11535772" y="6214211"/>
+            <a:ext cx="3335259" cy="369332"/>
+          </a:xfrm>
+          <a:prstGeom prst="rect">
+            <a:avLst/>
+          </a:prstGeom>
+          <a:noFill/>
+        </p:spPr>
+        <p:txBody>
+          <a:bodyPr wrap="square" rtlCol="0">
+            <a:spAutoFit/>
+          </a:bodyPr>
+          <a:lstStyle/>
+          <a:p>
+            <a:pPr algn="ctr"/>
+            <a:r>
+              <a:rPr lang="fr-FR" b="1" dirty="0"/>
+              <a:t>Validation du CDCF</a:t>
+            </a:r>
+          </a:p>
+        </p:txBody>
+      </p:sp>
+      <p:sp>
+        <p:nvSpPr>
+          <p:cNvPr id="90" name="Rectangle 89">
+            <a:extLst>
+              <a:ext uri="{FF2B5EF4-FFF2-40B4-BE49-F238E27FC236}">
+                <a16:creationId xmlns:a16="http://schemas.microsoft.com/office/drawing/2014/main" id="{892001F3-9DFB-409B-9BF8-AAD079718D2E}"/>
+              </a:ext>
+            </a:extLst>
+          </p:cNvPr>
+          <p:cNvSpPr/>
+          <p:nvPr/>
+        </p:nvSpPr>
+        <p:spPr>
+          <a:xfrm>
+            <a:off x="11535773" y="8397867"/>
+            <a:ext cx="3335259" cy="2041730"/>
+          </a:xfrm>
+          <a:prstGeom prst="rect">
+            <a:avLst/>
+          </a:prstGeom>
+          <a:noFill/>
+          <a:ln>
+            <a:solidFill>
+              <a:schemeClr val="accent1"/>
+            </a:solidFill>
+            <a:prstDash val="dash"/>
+          </a:ln>
+        </p:spPr>
+        <p:style>
+          <a:lnRef idx="2">
+            <a:schemeClr val="accent1">
+              <a:shade val="50000"/>
+            </a:schemeClr>
+          </a:lnRef>
+          <a:fillRef idx="1">
+            <a:schemeClr val="accent1"/>
+          </a:fillRef>
+          <a:effectRef idx="0">
+            <a:schemeClr val="accent1"/>
+          </a:effectRef>
+          <a:fontRef idx="minor">
+            <a:schemeClr val="lt1"/>
+          </a:fontRef>
+        </p:style>
+        <p:txBody>
+          <a:bodyPr rtlCol="0" anchor="ctr"/>
+          <a:lstStyle/>
+          <a:p>
+            <a:pPr algn="ctr"/>
+            <a:endParaRPr lang="fr-FR"/>
+          </a:p>
+        </p:txBody>
+      </p:sp>
+      <p:sp>
+        <p:nvSpPr>
+          <p:cNvPr id="91" name="ZoneTexte 90">
+            <a:extLst>
+              <a:ext uri="{FF2B5EF4-FFF2-40B4-BE49-F238E27FC236}">
+                <a16:creationId xmlns:a16="http://schemas.microsoft.com/office/drawing/2014/main" id="{2A8E7ACE-8249-4DAE-8E20-8295FD03B98F}"/>
+              </a:ext>
+            </a:extLst>
+          </p:cNvPr>
+          <p:cNvSpPr txBox="1"/>
+          <p:nvPr/>
+        </p:nvSpPr>
+        <p:spPr>
+          <a:xfrm>
+            <a:off x="11535772" y="8405225"/>
+            <a:ext cx="3335259" cy="369332"/>
+          </a:xfrm>
+          <a:prstGeom prst="rect">
+            <a:avLst/>
+          </a:prstGeom>
+          <a:noFill/>
+        </p:spPr>
+        <p:txBody>
+          <a:bodyPr wrap="square" rtlCol="0">
+            <a:spAutoFit/>
+          </a:bodyPr>
+          <a:lstStyle/>
+          <a:p>
+            <a:pPr algn="ctr"/>
+            <a:r>
+              <a:rPr lang="fr-FR" b="1" dirty="0"/>
+              <a:t>Limites de cette modélisation</a:t>
+            </a:r>
+          </a:p>
+        </p:txBody>
+      </p:sp>
+    </p:spTree>
+    <p:extLst>
+      <p:ext uri="{BB962C8B-B14F-4D97-AF65-F5344CB8AC3E}">
+        <p14:creationId xmlns:p14="http://schemas.microsoft.com/office/powerpoint/2010/main" val="1560751849"/>
       </p:ext>
     </p:extLst>
   </p:cSld>

--- a/Ch_01_Modelisation_Multiphysique/TP/TP_01_Modelisation_DR.pptx
+++ b/Ch_01_Modelisation_Multiphysique/TP/TP_01_Modelisation_DR.pptx
@@ -5,8 +5,9 @@
     <p:sldMasterId id="2147483672" r:id="rId1"/>
   </p:sldMasterIdLst>
   <p:sldIdLst>
-    <p:sldId id="256" r:id="rId2"/>
-    <p:sldId id="257" r:id="rId3"/>
+    <p:sldId id="257" r:id="rId2"/>
+    <p:sldId id="256" r:id="rId3"/>
+    <p:sldId id="258" r:id="rId4"/>
   </p:sldIdLst>
   <p:sldSz cx="15119350" cy="10691813"/>
   <p:notesSz cx="9144000" cy="6858000"/>
@@ -3063,7 +3064,7 @@
         </p:nvSpPr>
         <p:spPr>
           <a:xfrm>
-            <a:off x="1784971" y="738783"/>
+            <a:off x="1783827" y="369331"/>
             <a:ext cx="14594695" cy="369332"/>
           </a:xfrm>
           <a:prstGeom prst="rect">
@@ -3080,6 +3081,67 @@
             <a:r>
               <a:rPr lang="fr-FR" dirty="0"/>
               <a:t>Fonctionnement en BO – Grandeur commandée :							Grandeur mesurée :</a:t>
+            </a:r>
+          </a:p>
+        </p:txBody>
+      </p:sp>
+      <p:sp>
+        <p:nvSpPr>
+          <p:cNvPr id="9" name="ZoneTexte 8">
+            <a:extLst>
+              <a:ext uri="{FF2B5EF4-FFF2-40B4-BE49-F238E27FC236}">
+                <a16:creationId xmlns:a16="http://schemas.microsoft.com/office/drawing/2014/main" id="{52427274-5C4C-44DB-BE01-08188F1A8CF5}"/>
+              </a:ext>
+            </a:extLst>
+          </p:cNvPr>
+          <p:cNvSpPr txBox="1"/>
+          <p:nvPr/>
+        </p:nvSpPr>
+        <p:spPr>
+          <a:xfrm>
+            <a:off x="1783109" y="738662"/>
+            <a:ext cx="14594695" cy="1200329"/>
+          </a:xfrm>
+          <a:prstGeom prst="rect">
+            <a:avLst/>
+          </a:prstGeom>
+          <a:noFill/>
+        </p:spPr>
+        <p:txBody>
+          <a:bodyPr wrap="square" rtlCol="0">
+            <a:spAutoFit/>
+          </a:bodyPr>
+          <a:lstStyle/>
+          <a:p>
+            <a:r>
+              <a:rPr lang="fr-FR" dirty="0"/>
+              <a:t>Modes de fonctionnements alternatifs (Description et grandeur asservie)</a:t>
+            </a:r>
+          </a:p>
+          <a:p>
+            <a:pPr marL="342900" indent="-342900">
+              <a:buFont typeface="+mj-lt"/>
+              <a:buAutoNum type="arabicPeriod"/>
+            </a:pPr>
+            <a:r>
+              <a:rPr lang="fr-FR" dirty="0"/>
+              <a:t> </a:t>
+            </a:r>
+          </a:p>
+          <a:p>
+            <a:pPr marL="342900" indent="-342900">
+              <a:buFont typeface="+mj-lt"/>
+              <a:buAutoNum type="arabicPeriod"/>
+            </a:pPr>
+            <a:r>
+              <a:rPr lang="fr-FR" dirty="0"/>
+              <a:t> </a:t>
+            </a:r>
+          </a:p>
+          <a:p>
+            <a:r>
+              <a:rPr lang="fr-FR" dirty="0"/>
+              <a:t>   </a:t>
             </a:r>
           </a:p>
         </p:txBody>
@@ -5822,7 +5884,7 @@
     </p:spTree>
     <p:extLst>
       <p:ext uri="{BB962C8B-B14F-4D97-AF65-F5344CB8AC3E}">
-        <p14:creationId xmlns:p14="http://schemas.microsoft.com/office/powerpoint/2010/main" val="406092441"/>
+        <p14:creationId xmlns:p14="http://schemas.microsoft.com/office/powerpoint/2010/main" val="1560751849"/>
       </p:ext>
     </p:extLst>
   </p:cSld>
@@ -5885,7 +5947,7 @@
             <a:pPr algn="ctr"/>
             <a:r>
               <a:rPr lang="fr-FR" sz="2800" b="1" dirty="0" err="1"/>
-              <a:t>Control’X</a:t>
+              <a:t>MaxPID</a:t>
             </a:r>
             <a:endParaRPr lang="fr-FR" sz="2800" b="1" dirty="0"/>
           </a:p>
@@ -5940,7 +6002,7 @@
         </p:nvSpPr>
         <p:spPr>
           <a:xfrm>
-            <a:off x="1783827" y="369331"/>
+            <a:off x="1784971" y="738783"/>
             <a:ext cx="14594695" cy="369332"/>
           </a:xfrm>
           <a:prstGeom prst="rect">
@@ -5957,67 +6019,6 @@
             <a:r>
               <a:rPr lang="fr-FR" dirty="0"/>
               <a:t>Fonctionnement en BO – Grandeur commandée :							Grandeur mesurée :</a:t>
-            </a:r>
-          </a:p>
-        </p:txBody>
-      </p:sp>
-      <p:sp>
-        <p:nvSpPr>
-          <p:cNvPr id="9" name="ZoneTexte 8">
-            <a:extLst>
-              <a:ext uri="{FF2B5EF4-FFF2-40B4-BE49-F238E27FC236}">
-                <a16:creationId xmlns:a16="http://schemas.microsoft.com/office/drawing/2014/main" id="{52427274-5C4C-44DB-BE01-08188F1A8CF5}"/>
-              </a:ext>
-            </a:extLst>
-          </p:cNvPr>
-          <p:cNvSpPr txBox="1"/>
-          <p:nvPr/>
-        </p:nvSpPr>
-        <p:spPr>
-          <a:xfrm>
-            <a:off x="1783109" y="738662"/>
-            <a:ext cx="14594695" cy="1200329"/>
-          </a:xfrm>
-          <a:prstGeom prst="rect">
-            <a:avLst/>
-          </a:prstGeom>
-          <a:noFill/>
-        </p:spPr>
-        <p:txBody>
-          <a:bodyPr wrap="square" rtlCol="0">
-            <a:spAutoFit/>
-          </a:bodyPr>
-          <a:lstStyle/>
-          <a:p>
-            <a:r>
-              <a:rPr lang="fr-FR" dirty="0"/>
-              <a:t>Modes de fonctionnements alternatifs (Description et grandeur asservie)</a:t>
-            </a:r>
-          </a:p>
-          <a:p>
-            <a:pPr marL="342900" indent="-342900">
-              <a:buFont typeface="+mj-lt"/>
-              <a:buAutoNum type="arabicPeriod"/>
-            </a:pPr>
-            <a:r>
-              <a:rPr lang="fr-FR" dirty="0"/>
-              <a:t> </a:t>
-            </a:r>
-          </a:p>
-          <a:p>
-            <a:pPr marL="342900" indent="-342900">
-              <a:buFont typeface="+mj-lt"/>
-              <a:buAutoNum type="arabicPeriod"/>
-            </a:pPr>
-            <a:r>
-              <a:rPr lang="fr-FR" dirty="0"/>
-              <a:t> </a:t>
-            </a:r>
-          </a:p>
-          <a:p>
-            <a:r>
-              <a:rPr lang="fr-FR" dirty="0"/>
-              <a:t>   </a:t>
             </a:r>
           </a:p>
         </p:txBody>
@@ -8760,7 +8761,2945 @@
     </p:spTree>
     <p:extLst>
       <p:ext uri="{BB962C8B-B14F-4D97-AF65-F5344CB8AC3E}">
-        <p14:creationId xmlns:p14="http://schemas.microsoft.com/office/powerpoint/2010/main" val="1560751849"/>
+        <p14:creationId xmlns:p14="http://schemas.microsoft.com/office/powerpoint/2010/main" val="406092441"/>
+      </p:ext>
+    </p:extLst>
+  </p:cSld>
+  <p:clrMapOvr>
+    <a:masterClrMapping/>
+  </p:clrMapOvr>
+</p:sld>
+</file>
+
+<file path=ppt/slides/slide3.xml><?xml version="1.0" encoding="utf-8"?>
+<p:sld xmlns:a="http://schemas.openxmlformats.org/drawingml/2006/main" xmlns:r="http://schemas.openxmlformats.org/officeDocument/2006/relationships" xmlns:p="http://schemas.openxmlformats.org/presentationml/2006/main">
+  <p:cSld>
+    <p:spTree>
+      <p:nvGrpSpPr>
+        <p:cNvPr id="1" name=""/>
+        <p:cNvGrpSpPr/>
+        <p:nvPr/>
+      </p:nvGrpSpPr>
+      <p:grpSpPr>
+        <a:xfrm>
+          <a:off x="0" y="0"/>
+          <a:ext cx="0" cy="0"/>
+          <a:chOff x="0" y="0"/>
+          <a:chExt cx="0" cy="0"/>
+        </a:xfrm>
+      </p:grpSpPr>
+      <p:sp>
+        <p:nvSpPr>
+          <p:cNvPr id="4" name="ZoneTexte 3">
+            <a:extLst>
+              <a:ext uri="{FF2B5EF4-FFF2-40B4-BE49-F238E27FC236}">
+                <a16:creationId xmlns:a16="http://schemas.microsoft.com/office/drawing/2014/main" id="{05DB4AE3-7E1A-45F5-80F4-0916155AE2DC}"/>
+              </a:ext>
+            </a:extLst>
+          </p:cNvPr>
+          <p:cNvSpPr txBox="1"/>
+          <p:nvPr/>
+        </p:nvSpPr>
+        <p:spPr>
+          <a:xfrm rot="16200000">
+            <a:off x="-5083579" y="5084297"/>
+            <a:ext cx="10691813" cy="523220"/>
+          </a:xfrm>
+          <a:prstGeom prst="rect">
+            <a:avLst/>
+          </a:prstGeom>
+          <a:solidFill>
+            <a:schemeClr val="accent1">
+              <a:lumMod val="60000"/>
+              <a:lumOff val="40000"/>
+            </a:schemeClr>
+          </a:solidFill>
+        </p:spPr>
+        <p:txBody>
+          <a:bodyPr wrap="square" rtlCol="0">
+            <a:spAutoFit/>
+          </a:bodyPr>
+          <a:lstStyle/>
+          <a:p>
+            <a:pPr algn="ctr"/>
+            <a:r>
+              <a:rPr lang="fr-FR" sz="2800" b="1"/>
+              <a:t>COMAX</a:t>
+            </a:r>
+            <a:endParaRPr lang="fr-FR" sz="2800" b="1" dirty="0"/>
+          </a:p>
+        </p:txBody>
+      </p:sp>
+      <p:sp>
+        <p:nvSpPr>
+          <p:cNvPr id="5" name="ZoneTexte 4">
+            <a:extLst>
+              <a:ext uri="{FF2B5EF4-FFF2-40B4-BE49-F238E27FC236}">
+                <a16:creationId xmlns:a16="http://schemas.microsoft.com/office/drawing/2014/main" id="{66F0031F-446B-4F7F-9CC7-7C15A923D095}"/>
+              </a:ext>
+            </a:extLst>
+          </p:cNvPr>
+          <p:cNvSpPr txBox="1"/>
+          <p:nvPr/>
+        </p:nvSpPr>
+        <p:spPr>
+          <a:xfrm>
+            <a:off x="1783110" y="-1"/>
+            <a:ext cx="14594695" cy="369332"/>
+          </a:xfrm>
+          <a:prstGeom prst="rect">
+            <a:avLst/>
+          </a:prstGeom>
+          <a:noFill/>
+        </p:spPr>
+        <p:txBody>
+          <a:bodyPr wrap="square" rtlCol="0">
+            <a:spAutoFit/>
+          </a:bodyPr>
+          <a:lstStyle/>
+          <a:p>
+            <a:r>
+              <a:rPr lang="fr-FR" dirty="0"/>
+              <a:t>Fonctionnement en BF – Grandeur asservie :								</a:t>
+            </a:r>
+          </a:p>
+        </p:txBody>
+      </p:sp>
+      <p:sp>
+        <p:nvSpPr>
+          <p:cNvPr id="8" name="ZoneTexte 7">
+            <a:extLst>
+              <a:ext uri="{FF2B5EF4-FFF2-40B4-BE49-F238E27FC236}">
+                <a16:creationId xmlns:a16="http://schemas.microsoft.com/office/drawing/2014/main" id="{D66373C0-C132-4FE8-AB0D-72CEE8711022}"/>
+              </a:ext>
+            </a:extLst>
+          </p:cNvPr>
+          <p:cNvSpPr txBox="1"/>
+          <p:nvPr/>
+        </p:nvSpPr>
+        <p:spPr>
+          <a:xfrm>
+            <a:off x="1783827" y="369331"/>
+            <a:ext cx="14594695" cy="369332"/>
+          </a:xfrm>
+          <a:prstGeom prst="rect">
+            <a:avLst/>
+          </a:prstGeom>
+          <a:noFill/>
+        </p:spPr>
+        <p:txBody>
+          <a:bodyPr wrap="square" rtlCol="0">
+            <a:spAutoFit/>
+          </a:bodyPr>
+          <a:lstStyle/>
+          <a:p>
+            <a:r>
+              <a:rPr lang="fr-FR" dirty="0"/>
+              <a:t>Fonctionnement en BO – Grandeur commandée :							Grandeur mesurée :</a:t>
+            </a:r>
+          </a:p>
+        </p:txBody>
+      </p:sp>
+      <p:sp>
+        <p:nvSpPr>
+          <p:cNvPr id="9" name="ZoneTexte 8">
+            <a:extLst>
+              <a:ext uri="{FF2B5EF4-FFF2-40B4-BE49-F238E27FC236}">
+                <a16:creationId xmlns:a16="http://schemas.microsoft.com/office/drawing/2014/main" id="{52427274-5C4C-44DB-BE01-08188F1A8CF5}"/>
+              </a:ext>
+            </a:extLst>
+          </p:cNvPr>
+          <p:cNvSpPr txBox="1"/>
+          <p:nvPr/>
+        </p:nvSpPr>
+        <p:spPr>
+          <a:xfrm>
+            <a:off x="1783109" y="738662"/>
+            <a:ext cx="14594695" cy="1200329"/>
+          </a:xfrm>
+          <a:prstGeom prst="rect">
+            <a:avLst/>
+          </a:prstGeom>
+          <a:noFill/>
+        </p:spPr>
+        <p:txBody>
+          <a:bodyPr wrap="square" rtlCol="0">
+            <a:spAutoFit/>
+          </a:bodyPr>
+          <a:lstStyle/>
+          <a:p>
+            <a:r>
+              <a:rPr lang="fr-FR" dirty="0"/>
+              <a:t>Modes de fonctionnements alternatifs (Description et grandeur asservie)</a:t>
+            </a:r>
+          </a:p>
+          <a:p>
+            <a:pPr marL="342900" indent="-342900">
+              <a:buFont typeface="+mj-lt"/>
+              <a:buAutoNum type="arabicPeriod"/>
+            </a:pPr>
+            <a:r>
+              <a:rPr lang="fr-FR" dirty="0"/>
+              <a:t> </a:t>
+            </a:r>
+          </a:p>
+          <a:p>
+            <a:pPr marL="342900" indent="-342900">
+              <a:buFont typeface="+mj-lt"/>
+              <a:buAutoNum type="arabicPeriod"/>
+            </a:pPr>
+            <a:r>
+              <a:rPr lang="fr-FR" dirty="0"/>
+              <a:t> </a:t>
+            </a:r>
+          </a:p>
+          <a:p>
+            <a:r>
+              <a:rPr lang="fr-FR" dirty="0"/>
+              <a:t>   </a:t>
+            </a:r>
+          </a:p>
+        </p:txBody>
+      </p:sp>
+      <p:sp>
+        <p:nvSpPr>
+          <p:cNvPr id="13" name="Flèche vers le bas 3">
+            <a:extLst>
+              <a:ext uri="{FF2B5EF4-FFF2-40B4-BE49-F238E27FC236}">
+                <a16:creationId xmlns:a16="http://schemas.microsoft.com/office/drawing/2014/main" id="{927A0572-9CDD-4441-9C9B-0B23B7AEA0A6}"/>
+              </a:ext>
+            </a:extLst>
+          </p:cNvPr>
+          <p:cNvSpPr/>
+          <p:nvPr/>
+        </p:nvSpPr>
+        <p:spPr>
+          <a:xfrm>
+            <a:off x="11853346" y="5217032"/>
+            <a:ext cx="405180" cy="642228"/>
+          </a:xfrm>
+          <a:prstGeom prst="downArrow">
+            <a:avLst/>
+          </a:prstGeom>
+          <a:solidFill>
+            <a:sysClr val="window" lastClr="FFFFFF"/>
+          </a:solidFill>
+          <a:ln w="25400" cap="flat" cmpd="sng" algn="ctr">
+            <a:solidFill>
+              <a:srgbClr val="C0504D"/>
+            </a:solidFill>
+            <a:prstDash val="solid"/>
+          </a:ln>
+          <a:effectLst/>
+        </p:spPr>
+        <p:txBody>
+          <a:bodyPr rtlCol="0" anchor="ctr"/>
+          <a:lstStyle/>
+          <a:p>
+            <a:pPr marL="0" marR="0" lvl="0" indent="0" algn="ctr" defTabSz="914400" eaLnBrk="1" fontAlgn="auto" latinLnBrk="0" hangingPunct="1">
+              <a:lnSpc>
+                <a:spcPct val="100000"/>
+              </a:lnSpc>
+              <a:spcBef>
+                <a:spcPts val="0"/>
+              </a:spcBef>
+              <a:spcAft>
+                <a:spcPts val="0"/>
+              </a:spcAft>
+              <a:buClrTx/>
+              <a:buSzTx/>
+              <a:buFontTx/>
+              <a:buNone/>
+              <a:tabLst/>
+              <a:defRPr/>
+            </a:pPr>
+            <a:endParaRPr kumimoji="0" lang="fr-FR" sz="1600" b="0" i="0" u="none" strike="noStrike" kern="0" cap="none" spc="0" normalizeH="0" baseline="0" noProof="0">
+              <a:ln>
+                <a:noFill/>
+              </a:ln>
+              <a:solidFill>
+                <a:prstClr val="black"/>
+              </a:solidFill>
+              <a:effectLst/>
+              <a:uLnTx/>
+              <a:uFillTx/>
+              <a:latin typeface="Calibri"/>
+              <a:ea typeface="+mn-ea"/>
+              <a:cs typeface="+mn-cs"/>
+            </a:endParaRPr>
+          </a:p>
+        </p:txBody>
+      </p:sp>
+      <p:sp>
+        <p:nvSpPr>
+          <p:cNvPr id="14" name="Rectangle à coins arrondis 4">
+            <a:extLst>
+              <a:ext uri="{FF2B5EF4-FFF2-40B4-BE49-F238E27FC236}">
+                <a16:creationId xmlns:a16="http://schemas.microsoft.com/office/drawing/2014/main" id="{20DF305C-5BDC-4310-9334-9CFC793F28D9}"/>
+              </a:ext>
+            </a:extLst>
+          </p:cNvPr>
+          <p:cNvSpPr/>
+          <p:nvPr/>
+        </p:nvSpPr>
+        <p:spPr>
+          <a:xfrm>
+            <a:off x="2743208" y="3735544"/>
+            <a:ext cx="10446944" cy="1254096"/>
+          </a:xfrm>
+          <a:prstGeom prst="roundRect">
+            <a:avLst/>
+          </a:prstGeom>
+          <a:solidFill>
+            <a:sysClr val="window" lastClr="FFFFFF"/>
+          </a:solidFill>
+          <a:ln w="25400" cap="flat" cmpd="sng" algn="ctr">
+            <a:solidFill>
+              <a:srgbClr val="C0504D"/>
+            </a:solidFill>
+            <a:prstDash val="solid"/>
+          </a:ln>
+          <a:effectLst/>
+        </p:spPr>
+        <p:txBody>
+          <a:bodyPr rtlCol="0" anchor="b"/>
+          <a:lstStyle/>
+          <a:p>
+            <a:pPr marL="0" marR="0" lvl="0" indent="0" algn="ctr" defTabSz="914400" eaLnBrk="1" fontAlgn="auto" latinLnBrk="0" hangingPunct="1">
+              <a:lnSpc>
+                <a:spcPct val="100000"/>
+              </a:lnSpc>
+              <a:spcBef>
+                <a:spcPts val="0"/>
+              </a:spcBef>
+              <a:spcAft>
+                <a:spcPts val="0"/>
+              </a:spcAft>
+              <a:buClrTx/>
+              <a:buSzTx/>
+              <a:buFontTx/>
+              <a:buNone/>
+              <a:tabLst/>
+              <a:defRPr/>
+            </a:pPr>
+            <a:r>
+              <a:rPr kumimoji="0" lang="fr-FR" sz="1400" b="0" i="1" u="none" strike="noStrike" kern="0" cap="none" spc="0" normalizeH="0" baseline="0" noProof="0" dirty="0">
+                <a:ln>
+                  <a:noFill/>
+                </a:ln>
+                <a:solidFill>
+                  <a:prstClr val="black"/>
+                </a:solidFill>
+                <a:effectLst/>
+                <a:uLnTx/>
+                <a:uFillTx/>
+                <a:latin typeface="Calibri"/>
+                <a:ea typeface="+mn-ea"/>
+                <a:cs typeface="+mn-cs"/>
+              </a:rPr>
+              <a:t>Chaîne d’énergie</a:t>
+            </a:r>
+          </a:p>
+        </p:txBody>
+      </p:sp>
+      <p:sp>
+        <p:nvSpPr>
+          <p:cNvPr id="15" name="Rectangle à coins arrondis 5">
+            <a:extLst>
+              <a:ext uri="{FF2B5EF4-FFF2-40B4-BE49-F238E27FC236}">
+                <a16:creationId xmlns:a16="http://schemas.microsoft.com/office/drawing/2014/main" id="{CEC2EBBC-4853-4474-91DE-4E09110AAB19}"/>
+              </a:ext>
+            </a:extLst>
+          </p:cNvPr>
+          <p:cNvSpPr/>
+          <p:nvPr/>
+        </p:nvSpPr>
+        <p:spPr>
+          <a:xfrm>
+            <a:off x="2743208" y="2193863"/>
+            <a:ext cx="6189637" cy="1121386"/>
+          </a:xfrm>
+          <a:prstGeom prst="roundRect">
+            <a:avLst/>
+          </a:prstGeom>
+          <a:solidFill>
+            <a:sysClr val="window" lastClr="FFFFFF"/>
+          </a:solidFill>
+          <a:ln w="25400" cap="flat" cmpd="sng" algn="ctr">
+            <a:solidFill>
+              <a:srgbClr val="4F81BD"/>
+            </a:solidFill>
+            <a:prstDash val="solid"/>
+          </a:ln>
+          <a:effectLst/>
+        </p:spPr>
+        <p:txBody>
+          <a:bodyPr rtlCol="0" anchor="t"/>
+          <a:lstStyle/>
+          <a:p>
+            <a:pPr marL="0" marR="0" lvl="0" indent="0" algn="ctr" defTabSz="914400" eaLnBrk="1" fontAlgn="auto" latinLnBrk="0" hangingPunct="1">
+              <a:lnSpc>
+                <a:spcPct val="100000"/>
+              </a:lnSpc>
+              <a:spcBef>
+                <a:spcPts val="0"/>
+              </a:spcBef>
+              <a:spcAft>
+                <a:spcPts val="0"/>
+              </a:spcAft>
+              <a:buClrTx/>
+              <a:buSzTx/>
+              <a:buFontTx/>
+              <a:buNone/>
+              <a:tabLst/>
+              <a:defRPr/>
+            </a:pPr>
+            <a:r>
+              <a:rPr kumimoji="0" lang="fr-FR" sz="1400" b="0" i="1" u="none" strike="noStrike" kern="0" cap="none" spc="0" normalizeH="0" baseline="0" noProof="0" dirty="0">
+                <a:ln>
+                  <a:noFill/>
+                </a:ln>
+                <a:solidFill>
+                  <a:prstClr val="black"/>
+                </a:solidFill>
+                <a:effectLst/>
+                <a:uLnTx/>
+                <a:uFillTx/>
+                <a:latin typeface="Calibri"/>
+                <a:ea typeface="+mn-ea"/>
+                <a:cs typeface="+mn-cs"/>
+              </a:rPr>
+              <a:t>Chaîne d’information</a:t>
+            </a:r>
+          </a:p>
+        </p:txBody>
+      </p:sp>
+      <p:sp>
+        <p:nvSpPr>
+          <p:cNvPr id="16" name="Rectangle 15">
+            <a:extLst>
+              <a:ext uri="{FF2B5EF4-FFF2-40B4-BE49-F238E27FC236}">
+                <a16:creationId xmlns:a16="http://schemas.microsoft.com/office/drawing/2014/main" id="{14F2C736-94BA-4F27-BFDA-C3C7AD0446AE}"/>
+              </a:ext>
+            </a:extLst>
+          </p:cNvPr>
+          <p:cNvSpPr/>
+          <p:nvPr/>
+        </p:nvSpPr>
+        <p:spPr>
+          <a:xfrm>
+            <a:off x="2946938" y="2511054"/>
+            <a:ext cx="1620000" cy="694102"/>
+          </a:xfrm>
+          <a:prstGeom prst="rect">
+            <a:avLst/>
+          </a:prstGeom>
+          <a:gradFill rotWithShape="1">
+            <a:gsLst>
+              <a:gs pos="0">
+                <a:srgbClr val="4F81BD">
+                  <a:tint val="50000"/>
+                  <a:satMod val="300000"/>
+                </a:srgbClr>
+              </a:gs>
+              <a:gs pos="35000">
+                <a:srgbClr val="4F81BD">
+                  <a:tint val="37000"/>
+                  <a:satMod val="300000"/>
+                </a:srgbClr>
+              </a:gs>
+              <a:gs pos="100000">
+                <a:srgbClr val="4F81BD">
+                  <a:tint val="15000"/>
+                  <a:satMod val="350000"/>
+                </a:srgbClr>
+              </a:gs>
+            </a:gsLst>
+            <a:lin ang="16200000" scaled="1"/>
+          </a:gradFill>
+          <a:ln w="9525" cap="flat" cmpd="sng" algn="ctr">
+            <a:solidFill>
+              <a:srgbClr val="4F81BD">
+                <a:shade val="95000"/>
+                <a:satMod val="105000"/>
+              </a:srgbClr>
+            </a:solidFill>
+            <a:prstDash val="solid"/>
+          </a:ln>
+          <a:effectLst>
+            <a:outerShdw blurRad="40000" dist="20000" dir="5400000" rotWithShape="0">
+              <a:srgbClr val="000000">
+                <a:alpha val="38000"/>
+              </a:srgbClr>
+            </a:outerShdw>
+          </a:effectLst>
+        </p:spPr>
+        <p:txBody>
+          <a:bodyPr rtlCol="0" anchor="t"/>
+          <a:lstStyle/>
+          <a:p>
+            <a:pPr marL="0" marR="0" lvl="0" indent="0" algn="ctr" defTabSz="914400" eaLnBrk="1" fontAlgn="auto" latinLnBrk="0" hangingPunct="1">
+              <a:lnSpc>
+                <a:spcPct val="100000"/>
+              </a:lnSpc>
+              <a:spcBef>
+                <a:spcPts val="0"/>
+              </a:spcBef>
+              <a:spcAft>
+                <a:spcPts val="0"/>
+              </a:spcAft>
+              <a:buClrTx/>
+              <a:buSzTx/>
+              <a:buFontTx/>
+              <a:buNone/>
+              <a:tabLst/>
+              <a:defRPr/>
+            </a:pPr>
+            <a:r>
+              <a:rPr kumimoji="0" lang="fr-FR" sz="1400" b="0" i="0" u="none" strike="noStrike" kern="0" cap="none" spc="0" normalizeH="0" baseline="0" noProof="0" dirty="0">
+                <a:ln>
+                  <a:noFill/>
+                </a:ln>
+                <a:solidFill>
+                  <a:prstClr val="black"/>
+                </a:solidFill>
+                <a:effectLst/>
+                <a:uLnTx/>
+                <a:uFillTx/>
+                <a:latin typeface="Calibri"/>
+                <a:ea typeface="+mn-ea"/>
+                <a:cs typeface="+mn-cs"/>
+              </a:rPr>
+              <a:t>ACQUERIR</a:t>
+            </a:r>
+          </a:p>
+        </p:txBody>
+      </p:sp>
+      <p:sp>
+        <p:nvSpPr>
+          <p:cNvPr id="17" name="Rectangle 16">
+            <a:extLst>
+              <a:ext uri="{FF2B5EF4-FFF2-40B4-BE49-F238E27FC236}">
+                <a16:creationId xmlns:a16="http://schemas.microsoft.com/office/drawing/2014/main" id="{350E394D-E25A-4447-B59A-3DC839DBA0C9}"/>
+              </a:ext>
+            </a:extLst>
+          </p:cNvPr>
+          <p:cNvSpPr/>
+          <p:nvPr/>
+        </p:nvSpPr>
+        <p:spPr>
+          <a:xfrm>
+            <a:off x="5053248" y="2511054"/>
+            <a:ext cx="1620000" cy="694102"/>
+          </a:xfrm>
+          <a:prstGeom prst="rect">
+            <a:avLst/>
+          </a:prstGeom>
+          <a:gradFill rotWithShape="1">
+            <a:gsLst>
+              <a:gs pos="0">
+                <a:srgbClr val="4F81BD">
+                  <a:tint val="50000"/>
+                  <a:satMod val="300000"/>
+                </a:srgbClr>
+              </a:gs>
+              <a:gs pos="35000">
+                <a:srgbClr val="4F81BD">
+                  <a:tint val="37000"/>
+                  <a:satMod val="300000"/>
+                </a:srgbClr>
+              </a:gs>
+              <a:gs pos="100000">
+                <a:srgbClr val="4F81BD">
+                  <a:tint val="15000"/>
+                  <a:satMod val="350000"/>
+                </a:srgbClr>
+              </a:gs>
+            </a:gsLst>
+            <a:lin ang="16200000" scaled="1"/>
+          </a:gradFill>
+          <a:ln w="9525" cap="flat" cmpd="sng" algn="ctr">
+            <a:solidFill>
+              <a:srgbClr val="4F81BD">
+                <a:shade val="95000"/>
+                <a:satMod val="105000"/>
+              </a:srgbClr>
+            </a:solidFill>
+            <a:prstDash val="solid"/>
+          </a:ln>
+          <a:effectLst>
+            <a:outerShdw blurRad="40000" dist="20000" dir="5400000" rotWithShape="0">
+              <a:srgbClr val="000000">
+                <a:alpha val="38000"/>
+              </a:srgbClr>
+            </a:outerShdw>
+          </a:effectLst>
+        </p:spPr>
+        <p:txBody>
+          <a:bodyPr rtlCol="0" anchor="t"/>
+          <a:lstStyle/>
+          <a:p>
+            <a:pPr marL="0" marR="0" lvl="0" indent="0" algn="ctr" defTabSz="914400" eaLnBrk="1" fontAlgn="auto" latinLnBrk="0" hangingPunct="1">
+              <a:lnSpc>
+                <a:spcPct val="100000"/>
+              </a:lnSpc>
+              <a:spcBef>
+                <a:spcPts val="0"/>
+              </a:spcBef>
+              <a:spcAft>
+                <a:spcPts val="0"/>
+              </a:spcAft>
+              <a:buClrTx/>
+              <a:buSzTx/>
+              <a:buFontTx/>
+              <a:buNone/>
+              <a:tabLst/>
+              <a:defRPr/>
+            </a:pPr>
+            <a:r>
+              <a:rPr kumimoji="0" lang="fr-FR" sz="1400" b="0" i="0" u="none" strike="noStrike" kern="0" cap="none" spc="0" normalizeH="0" baseline="0" noProof="0" dirty="0">
+                <a:ln>
+                  <a:noFill/>
+                </a:ln>
+                <a:solidFill>
+                  <a:prstClr val="black"/>
+                </a:solidFill>
+                <a:effectLst/>
+                <a:uLnTx/>
+                <a:uFillTx/>
+                <a:latin typeface="Calibri"/>
+                <a:ea typeface="+mn-ea"/>
+                <a:cs typeface="+mn-cs"/>
+              </a:rPr>
+              <a:t>TRAITER</a:t>
+            </a:r>
+          </a:p>
+        </p:txBody>
+      </p:sp>
+      <p:sp>
+        <p:nvSpPr>
+          <p:cNvPr id="18" name="Rectangle 17">
+            <a:extLst>
+              <a:ext uri="{FF2B5EF4-FFF2-40B4-BE49-F238E27FC236}">
+                <a16:creationId xmlns:a16="http://schemas.microsoft.com/office/drawing/2014/main" id="{C8EAA6CF-7989-4D62-9EF5-BF94B892E314}"/>
+              </a:ext>
+            </a:extLst>
+          </p:cNvPr>
+          <p:cNvSpPr/>
+          <p:nvPr/>
+        </p:nvSpPr>
+        <p:spPr>
+          <a:xfrm>
+            <a:off x="7157713" y="2511054"/>
+            <a:ext cx="1620000" cy="709738"/>
+          </a:xfrm>
+          <a:prstGeom prst="rect">
+            <a:avLst/>
+          </a:prstGeom>
+          <a:gradFill rotWithShape="1">
+            <a:gsLst>
+              <a:gs pos="0">
+                <a:srgbClr val="4F81BD">
+                  <a:tint val="50000"/>
+                  <a:satMod val="300000"/>
+                </a:srgbClr>
+              </a:gs>
+              <a:gs pos="35000">
+                <a:srgbClr val="4F81BD">
+                  <a:tint val="37000"/>
+                  <a:satMod val="300000"/>
+                </a:srgbClr>
+              </a:gs>
+              <a:gs pos="100000">
+                <a:srgbClr val="4F81BD">
+                  <a:tint val="15000"/>
+                  <a:satMod val="350000"/>
+                </a:srgbClr>
+              </a:gs>
+            </a:gsLst>
+            <a:lin ang="16200000" scaled="1"/>
+          </a:gradFill>
+          <a:ln w="9525" cap="flat" cmpd="sng" algn="ctr">
+            <a:solidFill>
+              <a:srgbClr val="4F81BD">
+                <a:shade val="95000"/>
+                <a:satMod val="105000"/>
+              </a:srgbClr>
+            </a:solidFill>
+            <a:prstDash val="solid"/>
+          </a:ln>
+          <a:effectLst>
+            <a:outerShdw blurRad="40000" dist="20000" dir="5400000" rotWithShape="0">
+              <a:srgbClr val="000000">
+                <a:alpha val="38000"/>
+              </a:srgbClr>
+            </a:outerShdw>
+          </a:effectLst>
+        </p:spPr>
+        <p:txBody>
+          <a:bodyPr rtlCol="0" anchor="t"/>
+          <a:lstStyle/>
+          <a:p>
+            <a:pPr marL="0" marR="0" lvl="0" indent="0" algn="ctr" defTabSz="914400" eaLnBrk="1" fontAlgn="auto" latinLnBrk="0" hangingPunct="1">
+              <a:lnSpc>
+                <a:spcPct val="100000"/>
+              </a:lnSpc>
+              <a:spcBef>
+                <a:spcPts val="0"/>
+              </a:spcBef>
+              <a:spcAft>
+                <a:spcPts val="0"/>
+              </a:spcAft>
+              <a:buClrTx/>
+              <a:buSzTx/>
+              <a:buFontTx/>
+              <a:buNone/>
+              <a:tabLst/>
+              <a:defRPr/>
+            </a:pPr>
+            <a:r>
+              <a:rPr kumimoji="0" lang="fr-FR" sz="1400" b="0" i="0" u="none" strike="noStrike" kern="0" cap="none" spc="0" normalizeH="0" baseline="0" noProof="0" dirty="0">
+                <a:ln>
+                  <a:noFill/>
+                </a:ln>
+                <a:solidFill>
+                  <a:prstClr val="black"/>
+                </a:solidFill>
+                <a:effectLst/>
+                <a:uLnTx/>
+                <a:uFillTx/>
+                <a:latin typeface="Calibri"/>
+                <a:ea typeface="+mn-ea"/>
+                <a:cs typeface="+mn-cs"/>
+              </a:rPr>
+              <a:t>COMMUNIQUER</a:t>
+            </a:r>
+          </a:p>
+        </p:txBody>
+      </p:sp>
+      <p:sp>
+        <p:nvSpPr>
+          <p:cNvPr id="19" name="Rectangle 18">
+            <a:extLst>
+              <a:ext uri="{FF2B5EF4-FFF2-40B4-BE49-F238E27FC236}">
+                <a16:creationId xmlns:a16="http://schemas.microsoft.com/office/drawing/2014/main" id="{5B3BCA64-8AFA-4E5E-9CDA-539981DEA2F7}"/>
+              </a:ext>
+            </a:extLst>
+          </p:cNvPr>
+          <p:cNvSpPr/>
+          <p:nvPr/>
+        </p:nvSpPr>
+        <p:spPr>
+          <a:xfrm>
+            <a:off x="2946938" y="3934966"/>
+            <a:ext cx="1620000" cy="687554"/>
+          </a:xfrm>
+          <a:prstGeom prst="rect">
+            <a:avLst/>
+          </a:prstGeom>
+          <a:gradFill rotWithShape="1">
+            <a:gsLst>
+              <a:gs pos="0">
+                <a:srgbClr val="C0504D">
+                  <a:tint val="50000"/>
+                  <a:satMod val="300000"/>
+                </a:srgbClr>
+              </a:gs>
+              <a:gs pos="35000">
+                <a:srgbClr val="C0504D">
+                  <a:tint val="37000"/>
+                  <a:satMod val="300000"/>
+                </a:srgbClr>
+              </a:gs>
+              <a:gs pos="100000">
+                <a:srgbClr val="C0504D">
+                  <a:tint val="15000"/>
+                  <a:satMod val="350000"/>
+                </a:srgbClr>
+              </a:gs>
+            </a:gsLst>
+            <a:lin ang="16200000" scaled="1"/>
+          </a:gradFill>
+          <a:ln w="9525" cap="flat" cmpd="sng" algn="ctr">
+            <a:solidFill>
+              <a:srgbClr val="C0504D">
+                <a:shade val="95000"/>
+                <a:satMod val="105000"/>
+              </a:srgbClr>
+            </a:solidFill>
+            <a:prstDash val="solid"/>
+          </a:ln>
+          <a:effectLst>
+            <a:outerShdw blurRad="40000" dist="20000" dir="5400000" rotWithShape="0">
+              <a:srgbClr val="000000">
+                <a:alpha val="38000"/>
+              </a:srgbClr>
+            </a:outerShdw>
+          </a:effectLst>
+        </p:spPr>
+        <p:txBody>
+          <a:bodyPr rtlCol="0" anchor="t"/>
+          <a:lstStyle/>
+          <a:p>
+            <a:pPr marL="0" marR="0" lvl="0" indent="0" algn="ctr" defTabSz="914400" eaLnBrk="1" fontAlgn="auto" latinLnBrk="0" hangingPunct="1">
+              <a:lnSpc>
+                <a:spcPct val="100000"/>
+              </a:lnSpc>
+              <a:spcBef>
+                <a:spcPts val="0"/>
+              </a:spcBef>
+              <a:spcAft>
+                <a:spcPts val="0"/>
+              </a:spcAft>
+              <a:buClrTx/>
+              <a:buSzTx/>
+              <a:buFontTx/>
+              <a:buNone/>
+              <a:tabLst/>
+              <a:defRPr/>
+            </a:pPr>
+            <a:r>
+              <a:rPr kumimoji="0" lang="fr-FR" sz="1400" b="0" i="0" u="none" strike="noStrike" kern="0" cap="none" spc="0" normalizeH="0" baseline="0" noProof="0" dirty="0">
+                <a:ln>
+                  <a:noFill/>
+                </a:ln>
+                <a:solidFill>
+                  <a:prstClr val="black"/>
+                </a:solidFill>
+                <a:effectLst/>
+                <a:uLnTx/>
+                <a:uFillTx/>
+                <a:latin typeface="Calibri"/>
+                <a:ea typeface="+mn-ea"/>
+                <a:cs typeface="+mn-cs"/>
+              </a:rPr>
+              <a:t>ALIMENTER</a:t>
+            </a:r>
+          </a:p>
+        </p:txBody>
+      </p:sp>
+      <p:sp>
+        <p:nvSpPr>
+          <p:cNvPr id="20" name="Rectangle 19">
+            <a:extLst>
+              <a:ext uri="{FF2B5EF4-FFF2-40B4-BE49-F238E27FC236}">
+                <a16:creationId xmlns:a16="http://schemas.microsoft.com/office/drawing/2014/main" id="{E9B69189-B2EF-4111-8F93-CC055A1C37AB}"/>
+              </a:ext>
+            </a:extLst>
+          </p:cNvPr>
+          <p:cNvSpPr/>
+          <p:nvPr/>
+        </p:nvSpPr>
+        <p:spPr>
+          <a:xfrm>
+            <a:off x="5053248" y="3934966"/>
+            <a:ext cx="1620000" cy="687554"/>
+          </a:xfrm>
+          <a:prstGeom prst="rect">
+            <a:avLst/>
+          </a:prstGeom>
+          <a:gradFill rotWithShape="1">
+            <a:gsLst>
+              <a:gs pos="0">
+                <a:srgbClr val="C0504D">
+                  <a:tint val="50000"/>
+                  <a:satMod val="300000"/>
+                </a:srgbClr>
+              </a:gs>
+              <a:gs pos="35000">
+                <a:srgbClr val="C0504D">
+                  <a:tint val="37000"/>
+                  <a:satMod val="300000"/>
+                </a:srgbClr>
+              </a:gs>
+              <a:gs pos="100000">
+                <a:srgbClr val="C0504D">
+                  <a:tint val="15000"/>
+                  <a:satMod val="350000"/>
+                </a:srgbClr>
+              </a:gs>
+            </a:gsLst>
+            <a:lin ang="16200000" scaled="1"/>
+          </a:gradFill>
+          <a:ln w="9525" cap="flat" cmpd="sng" algn="ctr">
+            <a:solidFill>
+              <a:srgbClr val="C0504D">
+                <a:shade val="95000"/>
+                <a:satMod val="105000"/>
+              </a:srgbClr>
+            </a:solidFill>
+            <a:prstDash val="solid"/>
+          </a:ln>
+          <a:effectLst>
+            <a:outerShdw blurRad="40000" dist="20000" dir="5400000" rotWithShape="0">
+              <a:srgbClr val="000000">
+                <a:alpha val="38000"/>
+              </a:srgbClr>
+            </a:outerShdw>
+          </a:effectLst>
+        </p:spPr>
+        <p:txBody>
+          <a:bodyPr rtlCol="0" anchor="t"/>
+          <a:lstStyle/>
+          <a:p>
+            <a:pPr marL="0" marR="0" lvl="0" indent="0" algn="ctr" defTabSz="914400" eaLnBrk="1" fontAlgn="auto" latinLnBrk="0" hangingPunct="1">
+              <a:lnSpc>
+                <a:spcPct val="100000"/>
+              </a:lnSpc>
+              <a:spcBef>
+                <a:spcPts val="0"/>
+              </a:spcBef>
+              <a:spcAft>
+                <a:spcPts val="0"/>
+              </a:spcAft>
+              <a:buClrTx/>
+              <a:buSzTx/>
+              <a:buFontTx/>
+              <a:buNone/>
+              <a:tabLst/>
+              <a:defRPr/>
+            </a:pPr>
+            <a:r>
+              <a:rPr kumimoji="0" lang="fr-FR" sz="1400" b="0" i="0" u="none" strike="noStrike" kern="0" cap="none" spc="0" normalizeH="0" baseline="0" noProof="0" dirty="0">
+                <a:ln>
+                  <a:noFill/>
+                </a:ln>
+                <a:solidFill>
+                  <a:prstClr val="black"/>
+                </a:solidFill>
+                <a:effectLst/>
+                <a:uLnTx/>
+                <a:uFillTx/>
+                <a:latin typeface="Calibri"/>
+                <a:ea typeface="+mn-ea"/>
+                <a:cs typeface="+mn-cs"/>
+              </a:rPr>
+              <a:t>DISTRIBUER</a:t>
+            </a:r>
+          </a:p>
+        </p:txBody>
+      </p:sp>
+      <p:sp>
+        <p:nvSpPr>
+          <p:cNvPr id="21" name="Rectangle 20">
+            <a:extLst>
+              <a:ext uri="{FF2B5EF4-FFF2-40B4-BE49-F238E27FC236}">
+                <a16:creationId xmlns:a16="http://schemas.microsoft.com/office/drawing/2014/main" id="{5DFC4BE2-563D-40D7-935A-6ECB7AA1F7A7}"/>
+              </a:ext>
+            </a:extLst>
+          </p:cNvPr>
+          <p:cNvSpPr/>
+          <p:nvPr/>
+        </p:nvSpPr>
+        <p:spPr>
+          <a:xfrm>
+            <a:off x="7157713" y="3934966"/>
+            <a:ext cx="1620000" cy="687554"/>
+          </a:xfrm>
+          <a:prstGeom prst="rect">
+            <a:avLst/>
+          </a:prstGeom>
+          <a:gradFill rotWithShape="1">
+            <a:gsLst>
+              <a:gs pos="0">
+                <a:srgbClr val="C0504D">
+                  <a:tint val="50000"/>
+                  <a:satMod val="300000"/>
+                </a:srgbClr>
+              </a:gs>
+              <a:gs pos="35000">
+                <a:srgbClr val="C0504D">
+                  <a:tint val="37000"/>
+                  <a:satMod val="300000"/>
+                </a:srgbClr>
+              </a:gs>
+              <a:gs pos="100000">
+                <a:srgbClr val="C0504D">
+                  <a:tint val="15000"/>
+                  <a:satMod val="350000"/>
+                </a:srgbClr>
+              </a:gs>
+            </a:gsLst>
+            <a:lin ang="16200000" scaled="1"/>
+          </a:gradFill>
+          <a:ln w="9525" cap="flat" cmpd="sng" algn="ctr">
+            <a:solidFill>
+              <a:srgbClr val="C0504D">
+                <a:shade val="95000"/>
+                <a:satMod val="105000"/>
+              </a:srgbClr>
+            </a:solidFill>
+            <a:prstDash val="solid"/>
+          </a:ln>
+          <a:effectLst>
+            <a:outerShdw blurRad="40000" dist="20000" dir="5400000" rotWithShape="0">
+              <a:srgbClr val="000000">
+                <a:alpha val="38000"/>
+              </a:srgbClr>
+            </a:outerShdw>
+          </a:effectLst>
+        </p:spPr>
+        <p:txBody>
+          <a:bodyPr rtlCol="0" anchor="t"/>
+          <a:lstStyle/>
+          <a:p>
+            <a:pPr marL="0" marR="0" lvl="0" indent="0" algn="ctr" defTabSz="914400" eaLnBrk="1" fontAlgn="auto" latinLnBrk="0" hangingPunct="1">
+              <a:lnSpc>
+                <a:spcPct val="100000"/>
+              </a:lnSpc>
+              <a:spcBef>
+                <a:spcPts val="0"/>
+              </a:spcBef>
+              <a:spcAft>
+                <a:spcPts val="0"/>
+              </a:spcAft>
+              <a:buClrTx/>
+              <a:buSzTx/>
+              <a:buFontTx/>
+              <a:buNone/>
+              <a:tabLst/>
+              <a:defRPr/>
+            </a:pPr>
+            <a:r>
+              <a:rPr kumimoji="0" lang="fr-FR" sz="1400" b="0" i="0" u="none" strike="noStrike" kern="0" cap="none" spc="0" normalizeH="0" baseline="0" noProof="0" dirty="0">
+                <a:ln>
+                  <a:noFill/>
+                </a:ln>
+                <a:solidFill>
+                  <a:prstClr val="black"/>
+                </a:solidFill>
+                <a:effectLst/>
+                <a:uLnTx/>
+                <a:uFillTx/>
+                <a:latin typeface="Calibri"/>
+                <a:ea typeface="+mn-ea"/>
+                <a:cs typeface="+mn-cs"/>
+              </a:rPr>
+              <a:t>CONVERTIR</a:t>
+            </a:r>
+          </a:p>
+        </p:txBody>
+      </p:sp>
+      <p:sp>
+        <p:nvSpPr>
+          <p:cNvPr id="22" name="Rectangle 21">
+            <a:extLst>
+              <a:ext uri="{FF2B5EF4-FFF2-40B4-BE49-F238E27FC236}">
+                <a16:creationId xmlns:a16="http://schemas.microsoft.com/office/drawing/2014/main" id="{4A9336DD-FA8E-4DCF-913B-43AF1DBE70A2}"/>
+              </a:ext>
+            </a:extLst>
+          </p:cNvPr>
+          <p:cNvSpPr/>
+          <p:nvPr/>
+        </p:nvSpPr>
+        <p:spPr>
+          <a:xfrm>
+            <a:off x="9216898" y="3934966"/>
+            <a:ext cx="1620000" cy="687554"/>
+          </a:xfrm>
+          <a:prstGeom prst="rect">
+            <a:avLst/>
+          </a:prstGeom>
+          <a:gradFill rotWithShape="1">
+            <a:gsLst>
+              <a:gs pos="0">
+                <a:srgbClr val="C0504D">
+                  <a:tint val="50000"/>
+                  <a:satMod val="300000"/>
+                </a:srgbClr>
+              </a:gs>
+              <a:gs pos="35000">
+                <a:srgbClr val="C0504D">
+                  <a:tint val="37000"/>
+                  <a:satMod val="300000"/>
+                </a:srgbClr>
+              </a:gs>
+              <a:gs pos="100000">
+                <a:srgbClr val="C0504D">
+                  <a:tint val="15000"/>
+                  <a:satMod val="350000"/>
+                </a:srgbClr>
+              </a:gs>
+            </a:gsLst>
+            <a:lin ang="16200000" scaled="1"/>
+          </a:gradFill>
+          <a:ln w="9525" cap="flat" cmpd="sng" algn="ctr">
+            <a:solidFill>
+              <a:srgbClr val="C0504D">
+                <a:shade val="95000"/>
+                <a:satMod val="105000"/>
+              </a:srgbClr>
+            </a:solidFill>
+            <a:prstDash val="solid"/>
+          </a:ln>
+          <a:effectLst>
+            <a:outerShdw blurRad="40000" dist="20000" dir="5400000" rotWithShape="0">
+              <a:srgbClr val="000000">
+                <a:alpha val="38000"/>
+              </a:srgbClr>
+            </a:outerShdw>
+          </a:effectLst>
+        </p:spPr>
+        <p:txBody>
+          <a:bodyPr rtlCol="0" anchor="t"/>
+          <a:lstStyle/>
+          <a:p>
+            <a:pPr marL="0" marR="0" lvl="0" indent="0" algn="ctr" defTabSz="914400" eaLnBrk="1" fontAlgn="auto" latinLnBrk="0" hangingPunct="1">
+              <a:lnSpc>
+                <a:spcPct val="100000"/>
+              </a:lnSpc>
+              <a:spcBef>
+                <a:spcPts val="0"/>
+              </a:spcBef>
+              <a:spcAft>
+                <a:spcPts val="0"/>
+              </a:spcAft>
+              <a:buClrTx/>
+              <a:buSzTx/>
+              <a:buFontTx/>
+              <a:buNone/>
+              <a:tabLst/>
+              <a:defRPr/>
+            </a:pPr>
+            <a:r>
+              <a:rPr kumimoji="0" lang="fr-FR" sz="1400" b="0" i="0" u="none" strike="noStrike" kern="0" cap="none" spc="0" normalizeH="0" baseline="0" noProof="0" dirty="0">
+                <a:ln>
+                  <a:noFill/>
+                </a:ln>
+                <a:solidFill>
+                  <a:prstClr val="black"/>
+                </a:solidFill>
+                <a:effectLst/>
+                <a:uLnTx/>
+                <a:uFillTx/>
+                <a:latin typeface="Calibri"/>
+                <a:ea typeface="+mn-ea"/>
+                <a:cs typeface="+mn-cs"/>
+              </a:rPr>
+              <a:t>TRANSMETTRE</a:t>
+            </a:r>
+          </a:p>
+        </p:txBody>
+      </p:sp>
+      <p:sp>
+        <p:nvSpPr>
+          <p:cNvPr id="23" name="Rectangle 22">
+            <a:extLst>
+              <a:ext uri="{FF2B5EF4-FFF2-40B4-BE49-F238E27FC236}">
+                <a16:creationId xmlns:a16="http://schemas.microsoft.com/office/drawing/2014/main" id="{FD4A7BAB-62AD-481C-9AF7-2A8B5EC966FD}"/>
+              </a:ext>
+            </a:extLst>
+          </p:cNvPr>
+          <p:cNvSpPr/>
+          <p:nvPr/>
+        </p:nvSpPr>
+        <p:spPr>
+          <a:xfrm>
+            <a:off x="11245936" y="3365829"/>
+            <a:ext cx="1620000" cy="1840580"/>
+          </a:xfrm>
+          <a:prstGeom prst="rect">
+            <a:avLst/>
+          </a:prstGeom>
+          <a:gradFill rotWithShape="1">
+            <a:gsLst>
+              <a:gs pos="0">
+                <a:srgbClr val="F79646">
+                  <a:tint val="50000"/>
+                  <a:satMod val="300000"/>
+                </a:srgbClr>
+              </a:gs>
+              <a:gs pos="35000">
+                <a:srgbClr val="F79646">
+                  <a:tint val="37000"/>
+                  <a:satMod val="300000"/>
+                </a:srgbClr>
+              </a:gs>
+              <a:gs pos="100000">
+                <a:srgbClr val="F79646">
+                  <a:tint val="15000"/>
+                  <a:satMod val="350000"/>
+                </a:srgbClr>
+              </a:gs>
+            </a:gsLst>
+            <a:lin ang="16200000" scaled="1"/>
+          </a:gradFill>
+          <a:ln w="9525" cap="flat" cmpd="sng" algn="ctr">
+            <a:solidFill>
+              <a:srgbClr val="F79646">
+                <a:shade val="95000"/>
+                <a:satMod val="105000"/>
+              </a:srgbClr>
+            </a:solidFill>
+            <a:prstDash val="solid"/>
+          </a:ln>
+          <a:effectLst>
+            <a:outerShdw blurRad="40000" dist="20000" dir="5400000" rotWithShape="0">
+              <a:srgbClr val="000000">
+                <a:alpha val="38000"/>
+              </a:srgbClr>
+            </a:outerShdw>
+          </a:effectLst>
+        </p:spPr>
+        <p:txBody>
+          <a:bodyPr rtlCol="0" anchor="ctr"/>
+          <a:lstStyle/>
+          <a:p>
+            <a:pPr marL="0" marR="0" lvl="0" indent="0" algn="ctr" defTabSz="914400" eaLnBrk="1" fontAlgn="auto" latinLnBrk="0" hangingPunct="1">
+              <a:lnSpc>
+                <a:spcPct val="100000"/>
+              </a:lnSpc>
+              <a:spcBef>
+                <a:spcPts val="0"/>
+              </a:spcBef>
+              <a:spcAft>
+                <a:spcPts val="0"/>
+              </a:spcAft>
+              <a:buClrTx/>
+              <a:buSzTx/>
+              <a:buFontTx/>
+              <a:buNone/>
+              <a:tabLst/>
+              <a:defRPr/>
+            </a:pPr>
+            <a:r>
+              <a:rPr kumimoji="0" lang="fr-FR" sz="1400" b="0" i="0" u="none" strike="noStrike" kern="0" cap="none" spc="0" normalizeH="0" baseline="0" noProof="0" dirty="0">
+                <a:ln>
+                  <a:noFill/>
+                </a:ln>
+                <a:solidFill>
+                  <a:prstClr val="black"/>
+                </a:solidFill>
+                <a:effectLst/>
+                <a:uLnTx/>
+                <a:uFillTx/>
+                <a:latin typeface="Calibri"/>
+                <a:ea typeface="+mn-ea"/>
+                <a:cs typeface="+mn-cs"/>
+              </a:rPr>
+              <a:t>ACTION</a:t>
+            </a:r>
+          </a:p>
+        </p:txBody>
+      </p:sp>
+      <p:cxnSp>
+        <p:nvCxnSpPr>
+          <p:cNvPr id="24" name="Connecteur droit avec flèche 23">
+            <a:extLst>
+              <a:ext uri="{FF2B5EF4-FFF2-40B4-BE49-F238E27FC236}">
+                <a16:creationId xmlns:a16="http://schemas.microsoft.com/office/drawing/2014/main" id="{5F27A41C-9140-4D16-A82E-D1DB427DC6A3}"/>
+              </a:ext>
+            </a:extLst>
+          </p:cNvPr>
+          <p:cNvCxnSpPr>
+            <a:cxnSpLocks/>
+          </p:cNvCxnSpPr>
+          <p:nvPr/>
+        </p:nvCxnSpPr>
+        <p:spPr>
+          <a:xfrm>
+            <a:off x="2460628" y="3078433"/>
+            <a:ext cx="486310" cy="0"/>
+          </a:xfrm>
+          <a:prstGeom prst="straightConnector1">
+            <a:avLst/>
+          </a:prstGeom>
+          <a:noFill/>
+          <a:ln w="28575" cap="flat" cmpd="sng" algn="ctr">
+            <a:solidFill>
+              <a:srgbClr val="4F81BD">
+                <a:shade val="95000"/>
+                <a:satMod val="105000"/>
+              </a:srgbClr>
+            </a:solidFill>
+            <a:prstDash val="solid"/>
+            <a:tailEnd type="arrow"/>
+          </a:ln>
+          <a:effectLst/>
+        </p:spPr>
+      </p:cxnSp>
+      <p:cxnSp>
+        <p:nvCxnSpPr>
+          <p:cNvPr id="25" name="Connecteur droit avec flèche 24">
+            <a:extLst>
+              <a:ext uri="{FF2B5EF4-FFF2-40B4-BE49-F238E27FC236}">
+                <a16:creationId xmlns:a16="http://schemas.microsoft.com/office/drawing/2014/main" id="{E4B05A1B-A360-4F3B-9AA9-B5B711A74016}"/>
+              </a:ext>
+            </a:extLst>
+          </p:cNvPr>
+          <p:cNvCxnSpPr>
+            <a:stCxn id="16" idx="3"/>
+            <a:endCxn id="17" idx="1"/>
+          </p:cNvCxnSpPr>
+          <p:nvPr/>
+        </p:nvCxnSpPr>
+        <p:spPr>
+          <a:xfrm>
+            <a:off x="4566938" y="2858105"/>
+            <a:ext cx="486310" cy="0"/>
+          </a:xfrm>
+          <a:prstGeom prst="straightConnector1">
+            <a:avLst/>
+          </a:prstGeom>
+          <a:noFill/>
+          <a:ln w="28575" cap="flat" cmpd="sng" algn="ctr">
+            <a:solidFill>
+              <a:srgbClr val="4F81BD">
+                <a:shade val="95000"/>
+                <a:satMod val="105000"/>
+              </a:srgbClr>
+            </a:solidFill>
+            <a:prstDash val="solid"/>
+            <a:tailEnd type="arrow"/>
+          </a:ln>
+          <a:effectLst/>
+        </p:spPr>
+      </p:cxnSp>
+      <p:cxnSp>
+        <p:nvCxnSpPr>
+          <p:cNvPr id="26" name="Connecteur droit avec flèche 25">
+            <a:extLst>
+              <a:ext uri="{FF2B5EF4-FFF2-40B4-BE49-F238E27FC236}">
+                <a16:creationId xmlns:a16="http://schemas.microsoft.com/office/drawing/2014/main" id="{273435B1-3176-4DE3-9EDB-371F6572D2D4}"/>
+              </a:ext>
+            </a:extLst>
+          </p:cNvPr>
+          <p:cNvCxnSpPr>
+            <a:stCxn id="17" idx="3"/>
+            <a:endCxn id="18" idx="1"/>
+          </p:cNvCxnSpPr>
+          <p:nvPr/>
+        </p:nvCxnSpPr>
+        <p:spPr>
+          <a:xfrm>
+            <a:off x="6673248" y="2858105"/>
+            <a:ext cx="484465" cy="7818"/>
+          </a:xfrm>
+          <a:prstGeom prst="straightConnector1">
+            <a:avLst/>
+          </a:prstGeom>
+          <a:noFill/>
+          <a:ln w="28575" cap="flat" cmpd="sng" algn="ctr">
+            <a:solidFill>
+              <a:srgbClr val="4F81BD">
+                <a:shade val="95000"/>
+                <a:satMod val="105000"/>
+              </a:srgbClr>
+            </a:solidFill>
+            <a:prstDash val="solid"/>
+            <a:tailEnd type="arrow"/>
+          </a:ln>
+          <a:effectLst/>
+        </p:spPr>
+      </p:cxnSp>
+      <p:cxnSp>
+        <p:nvCxnSpPr>
+          <p:cNvPr id="27" name="Connecteur droit avec flèche 26">
+            <a:extLst>
+              <a:ext uri="{FF2B5EF4-FFF2-40B4-BE49-F238E27FC236}">
+                <a16:creationId xmlns:a16="http://schemas.microsoft.com/office/drawing/2014/main" id="{123E4F42-80B8-4E1D-917C-B15FF5EF4A0B}"/>
+              </a:ext>
+            </a:extLst>
+          </p:cNvPr>
+          <p:cNvCxnSpPr>
+            <a:stCxn id="18" idx="3"/>
+          </p:cNvCxnSpPr>
+          <p:nvPr/>
+        </p:nvCxnSpPr>
+        <p:spPr>
+          <a:xfrm>
+            <a:off x="8777713" y="2865923"/>
+            <a:ext cx="1249185" cy="0"/>
+          </a:xfrm>
+          <a:prstGeom prst="straightConnector1">
+            <a:avLst/>
+          </a:prstGeom>
+          <a:noFill/>
+          <a:ln w="28575" cap="flat" cmpd="sng" algn="ctr">
+            <a:solidFill>
+              <a:srgbClr val="4F81BD">
+                <a:shade val="95000"/>
+                <a:satMod val="105000"/>
+              </a:srgbClr>
+            </a:solidFill>
+            <a:prstDash val="solid"/>
+            <a:tailEnd type="arrow"/>
+          </a:ln>
+          <a:effectLst/>
+        </p:spPr>
+      </p:cxnSp>
+      <p:cxnSp>
+        <p:nvCxnSpPr>
+          <p:cNvPr id="31" name="Connecteur droit 30">
+            <a:extLst>
+              <a:ext uri="{FF2B5EF4-FFF2-40B4-BE49-F238E27FC236}">
+                <a16:creationId xmlns:a16="http://schemas.microsoft.com/office/drawing/2014/main" id="{92217C9D-1B81-4A94-985F-8506A2A7EE34}"/>
+              </a:ext>
+            </a:extLst>
+          </p:cNvPr>
+          <p:cNvCxnSpPr>
+            <a:cxnSpLocks/>
+          </p:cNvCxnSpPr>
+          <p:nvPr/>
+        </p:nvCxnSpPr>
+        <p:spPr>
+          <a:xfrm flipV="1">
+            <a:off x="4810093" y="3315249"/>
+            <a:ext cx="0" cy="765542"/>
+          </a:xfrm>
+          <a:prstGeom prst="line">
+            <a:avLst/>
+          </a:prstGeom>
+          <a:noFill/>
+          <a:ln w="28575" cap="flat" cmpd="sng" algn="ctr">
+            <a:solidFill>
+              <a:srgbClr val="C0504D">
+                <a:shade val="95000"/>
+                <a:satMod val="105000"/>
+              </a:srgbClr>
+            </a:solidFill>
+            <a:prstDash val="solid"/>
+          </a:ln>
+          <a:effectLst/>
+        </p:spPr>
+      </p:cxnSp>
+      <p:cxnSp>
+        <p:nvCxnSpPr>
+          <p:cNvPr id="32" name="Connecteur droit 31">
+            <a:extLst>
+              <a:ext uri="{FF2B5EF4-FFF2-40B4-BE49-F238E27FC236}">
+                <a16:creationId xmlns:a16="http://schemas.microsoft.com/office/drawing/2014/main" id="{3C944A46-BA15-4A06-AE32-C4A56FC2AFAA}"/>
+              </a:ext>
+            </a:extLst>
+          </p:cNvPr>
+          <p:cNvCxnSpPr>
+            <a:cxnSpLocks/>
+          </p:cNvCxnSpPr>
+          <p:nvPr/>
+        </p:nvCxnSpPr>
+        <p:spPr>
+          <a:xfrm>
+            <a:off x="4810093" y="4080791"/>
+            <a:ext cx="243155" cy="0"/>
+          </a:xfrm>
+          <a:prstGeom prst="line">
+            <a:avLst/>
+          </a:prstGeom>
+          <a:noFill/>
+          <a:ln w="28575" cap="flat" cmpd="sng" algn="ctr">
+            <a:solidFill>
+              <a:srgbClr val="C0504D">
+                <a:shade val="95000"/>
+                <a:satMod val="105000"/>
+              </a:srgbClr>
+            </a:solidFill>
+            <a:prstDash val="solid"/>
+            <a:headEnd type="none" w="med" len="med"/>
+            <a:tailEnd type="arrow" w="med" len="med"/>
+          </a:ln>
+          <a:effectLst/>
+        </p:spPr>
+      </p:cxnSp>
+      <p:cxnSp>
+        <p:nvCxnSpPr>
+          <p:cNvPr id="33" name="Connecteur droit 32">
+            <a:extLst>
+              <a:ext uri="{FF2B5EF4-FFF2-40B4-BE49-F238E27FC236}">
+                <a16:creationId xmlns:a16="http://schemas.microsoft.com/office/drawing/2014/main" id="{81A2943E-F942-42D5-9842-C8A9C916D913}"/>
+              </a:ext>
+            </a:extLst>
+          </p:cNvPr>
+          <p:cNvCxnSpPr>
+            <a:stCxn id="19" idx="3"/>
+            <a:endCxn id="20" idx="1"/>
+          </p:cNvCxnSpPr>
+          <p:nvPr/>
+        </p:nvCxnSpPr>
+        <p:spPr>
+          <a:xfrm>
+            <a:off x="4566938" y="4278743"/>
+            <a:ext cx="486310" cy="0"/>
+          </a:xfrm>
+          <a:prstGeom prst="line">
+            <a:avLst/>
+          </a:prstGeom>
+          <a:noFill/>
+          <a:ln w="28575" cap="flat" cmpd="sng" algn="ctr">
+            <a:solidFill>
+              <a:srgbClr val="C0504D">
+                <a:shade val="95000"/>
+                <a:satMod val="105000"/>
+              </a:srgbClr>
+            </a:solidFill>
+            <a:prstDash val="solid"/>
+            <a:headEnd type="none" w="med" len="med"/>
+            <a:tailEnd type="arrow" w="med" len="med"/>
+          </a:ln>
+          <a:effectLst/>
+        </p:spPr>
+      </p:cxnSp>
+      <p:cxnSp>
+        <p:nvCxnSpPr>
+          <p:cNvPr id="34" name="Connecteur droit 33">
+            <a:extLst>
+              <a:ext uri="{FF2B5EF4-FFF2-40B4-BE49-F238E27FC236}">
+                <a16:creationId xmlns:a16="http://schemas.microsoft.com/office/drawing/2014/main" id="{5BBD142F-6083-4954-A15F-52E9A6A63A83}"/>
+              </a:ext>
+            </a:extLst>
+          </p:cNvPr>
+          <p:cNvCxnSpPr>
+            <a:stCxn id="20" idx="3"/>
+            <a:endCxn id="21" idx="1"/>
+          </p:cNvCxnSpPr>
+          <p:nvPr/>
+        </p:nvCxnSpPr>
+        <p:spPr>
+          <a:xfrm>
+            <a:off x="6673248" y="4278743"/>
+            <a:ext cx="484465" cy="0"/>
+          </a:xfrm>
+          <a:prstGeom prst="line">
+            <a:avLst/>
+          </a:prstGeom>
+          <a:noFill/>
+          <a:ln w="28575" cap="flat" cmpd="sng" algn="ctr">
+            <a:solidFill>
+              <a:srgbClr val="C0504D">
+                <a:shade val="95000"/>
+                <a:satMod val="105000"/>
+              </a:srgbClr>
+            </a:solidFill>
+            <a:prstDash val="solid"/>
+            <a:headEnd type="none" w="med" len="med"/>
+            <a:tailEnd type="arrow" w="med" len="med"/>
+          </a:ln>
+          <a:effectLst/>
+        </p:spPr>
+      </p:cxnSp>
+      <p:cxnSp>
+        <p:nvCxnSpPr>
+          <p:cNvPr id="35" name="Connecteur droit 34">
+            <a:extLst>
+              <a:ext uri="{FF2B5EF4-FFF2-40B4-BE49-F238E27FC236}">
+                <a16:creationId xmlns:a16="http://schemas.microsoft.com/office/drawing/2014/main" id="{4270298D-A902-465D-BEE3-C94B1803F788}"/>
+              </a:ext>
+            </a:extLst>
+          </p:cNvPr>
+          <p:cNvCxnSpPr>
+            <a:stCxn id="21" idx="3"/>
+            <a:endCxn id="22" idx="1"/>
+          </p:cNvCxnSpPr>
+          <p:nvPr/>
+        </p:nvCxnSpPr>
+        <p:spPr>
+          <a:xfrm>
+            <a:off x="8777713" y="4278743"/>
+            <a:ext cx="439185" cy="0"/>
+          </a:xfrm>
+          <a:prstGeom prst="line">
+            <a:avLst/>
+          </a:prstGeom>
+          <a:noFill/>
+          <a:ln w="28575" cap="flat" cmpd="sng" algn="ctr">
+            <a:solidFill>
+              <a:srgbClr val="C0504D">
+                <a:shade val="95000"/>
+                <a:satMod val="105000"/>
+              </a:srgbClr>
+            </a:solidFill>
+            <a:prstDash val="solid"/>
+            <a:headEnd type="none" w="med" len="med"/>
+            <a:tailEnd type="arrow" w="med" len="med"/>
+          </a:ln>
+          <a:effectLst/>
+        </p:spPr>
+      </p:cxnSp>
+      <p:cxnSp>
+        <p:nvCxnSpPr>
+          <p:cNvPr id="36" name="Connecteur droit 35">
+            <a:extLst>
+              <a:ext uri="{FF2B5EF4-FFF2-40B4-BE49-F238E27FC236}">
+                <a16:creationId xmlns:a16="http://schemas.microsoft.com/office/drawing/2014/main" id="{8E4D8189-F404-4230-A802-A02E5E356597}"/>
+              </a:ext>
+            </a:extLst>
+          </p:cNvPr>
+          <p:cNvCxnSpPr>
+            <a:cxnSpLocks/>
+            <a:stCxn id="22" idx="3"/>
+            <a:endCxn id="23" idx="1"/>
+          </p:cNvCxnSpPr>
+          <p:nvPr/>
+        </p:nvCxnSpPr>
+        <p:spPr>
+          <a:xfrm>
+            <a:off x="10836898" y="4278743"/>
+            <a:ext cx="409038" cy="7376"/>
+          </a:xfrm>
+          <a:prstGeom prst="line">
+            <a:avLst/>
+          </a:prstGeom>
+          <a:noFill/>
+          <a:ln w="28575" cap="flat" cmpd="sng" algn="ctr">
+            <a:solidFill>
+              <a:srgbClr val="C0504D">
+                <a:shade val="95000"/>
+                <a:satMod val="105000"/>
+              </a:srgbClr>
+            </a:solidFill>
+            <a:prstDash val="solid"/>
+            <a:headEnd type="none" w="med" len="med"/>
+            <a:tailEnd type="arrow" w="med" len="med"/>
+          </a:ln>
+          <a:effectLst/>
+        </p:spPr>
+      </p:cxnSp>
+      <p:cxnSp>
+        <p:nvCxnSpPr>
+          <p:cNvPr id="37" name="Connecteur droit 36">
+            <a:extLst>
+              <a:ext uri="{FF2B5EF4-FFF2-40B4-BE49-F238E27FC236}">
+                <a16:creationId xmlns:a16="http://schemas.microsoft.com/office/drawing/2014/main" id="{578546EE-400C-40E0-AE65-8A15AAC3E048}"/>
+              </a:ext>
+            </a:extLst>
+          </p:cNvPr>
+          <p:cNvCxnSpPr>
+            <a:cxnSpLocks/>
+          </p:cNvCxnSpPr>
+          <p:nvPr/>
+        </p:nvCxnSpPr>
+        <p:spPr>
+          <a:xfrm>
+            <a:off x="2460628" y="4278743"/>
+            <a:ext cx="486310" cy="0"/>
+          </a:xfrm>
+          <a:prstGeom prst="line">
+            <a:avLst/>
+          </a:prstGeom>
+          <a:noFill/>
+          <a:ln w="28575" cap="flat" cmpd="sng" algn="ctr">
+            <a:solidFill>
+              <a:srgbClr val="C0504D">
+                <a:shade val="95000"/>
+                <a:satMod val="105000"/>
+              </a:srgbClr>
+            </a:solidFill>
+            <a:prstDash val="solid"/>
+            <a:headEnd type="none" w="med" len="med"/>
+            <a:tailEnd type="arrow" w="med" len="med"/>
+          </a:ln>
+          <a:effectLst/>
+        </p:spPr>
+      </p:cxnSp>
+      <p:cxnSp>
+        <p:nvCxnSpPr>
+          <p:cNvPr id="38" name="Connecteur droit 37">
+            <a:extLst>
+              <a:ext uri="{FF2B5EF4-FFF2-40B4-BE49-F238E27FC236}">
+                <a16:creationId xmlns:a16="http://schemas.microsoft.com/office/drawing/2014/main" id="{282C3255-4151-4578-8E5D-2D7B78DC286F}"/>
+              </a:ext>
+            </a:extLst>
+          </p:cNvPr>
+          <p:cNvCxnSpPr>
+            <a:cxnSpLocks/>
+          </p:cNvCxnSpPr>
+          <p:nvPr/>
+        </p:nvCxnSpPr>
+        <p:spPr>
+          <a:xfrm flipV="1">
+            <a:off x="10630157" y="1887145"/>
+            <a:ext cx="0" cy="1840580"/>
+          </a:xfrm>
+          <a:prstGeom prst="line">
+            <a:avLst/>
+          </a:prstGeom>
+          <a:noFill/>
+          <a:ln w="28575" cap="flat" cmpd="sng" algn="ctr">
+            <a:solidFill>
+              <a:srgbClr val="92D050"/>
+            </a:solidFill>
+            <a:prstDash val="solid"/>
+          </a:ln>
+          <a:effectLst/>
+        </p:spPr>
+      </p:cxnSp>
+      <p:cxnSp>
+        <p:nvCxnSpPr>
+          <p:cNvPr id="39" name="Connecteur droit 38">
+            <a:extLst>
+              <a:ext uri="{FF2B5EF4-FFF2-40B4-BE49-F238E27FC236}">
+                <a16:creationId xmlns:a16="http://schemas.microsoft.com/office/drawing/2014/main" id="{9CFE3312-7FD0-4FBA-B81F-621772F4A246}"/>
+              </a:ext>
+            </a:extLst>
+          </p:cNvPr>
+          <p:cNvCxnSpPr>
+            <a:cxnSpLocks/>
+          </p:cNvCxnSpPr>
+          <p:nvPr/>
+        </p:nvCxnSpPr>
+        <p:spPr>
+          <a:xfrm flipH="1">
+            <a:off x="2460628" y="1887144"/>
+            <a:ext cx="8195247" cy="0"/>
+          </a:xfrm>
+          <a:prstGeom prst="line">
+            <a:avLst/>
+          </a:prstGeom>
+          <a:noFill/>
+          <a:ln w="28575" cap="flat" cmpd="sng" algn="ctr">
+            <a:solidFill>
+              <a:srgbClr val="92D050"/>
+            </a:solidFill>
+            <a:prstDash val="solid"/>
+          </a:ln>
+          <a:effectLst/>
+        </p:spPr>
+      </p:cxnSp>
+      <p:cxnSp>
+        <p:nvCxnSpPr>
+          <p:cNvPr id="40" name="Connecteur droit 39">
+            <a:extLst>
+              <a:ext uri="{FF2B5EF4-FFF2-40B4-BE49-F238E27FC236}">
+                <a16:creationId xmlns:a16="http://schemas.microsoft.com/office/drawing/2014/main" id="{725CDBAA-00DA-4016-9A63-34084FD0E113}"/>
+              </a:ext>
+            </a:extLst>
+          </p:cNvPr>
+          <p:cNvCxnSpPr>
+            <a:cxnSpLocks/>
+          </p:cNvCxnSpPr>
+          <p:nvPr/>
+        </p:nvCxnSpPr>
+        <p:spPr>
+          <a:xfrm>
+            <a:off x="2460628" y="2645981"/>
+            <a:ext cx="486310" cy="0"/>
+          </a:xfrm>
+          <a:prstGeom prst="line">
+            <a:avLst/>
+          </a:prstGeom>
+          <a:noFill/>
+          <a:ln w="28575" cap="flat" cmpd="sng" algn="ctr">
+            <a:solidFill>
+              <a:srgbClr val="92D050"/>
+            </a:solidFill>
+            <a:prstDash val="solid"/>
+            <a:headEnd type="none" w="med" len="med"/>
+            <a:tailEnd type="arrow" w="med" len="med"/>
+          </a:ln>
+          <a:effectLst/>
+        </p:spPr>
+      </p:cxnSp>
+      <p:cxnSp>
+        <p:nvCxnSpPr>
+          <p:cNvPr id="41" name="Connecteur droit 40">
+            <a:extLst>
+              <a:ext uri="{FF2B5EF4-FFF2-40B4-BE49-F238E27FC236}">
+                <a16:creationId xmlns:a16="http://schemas.microsoft.com/office/drawing/2014/main" id="{1A1DF33F-0D3A-4B30-8705-EDD22861E35C}"/>
+              </a:ext>
+            </a:extLst>
+          </p:cNvPr>
+          <p:cNvCxnSpPr>
+            <a:cxnSpLocks/>
+          </p:cNvCxnSpPr>
+          <p:nvPr/>
+        </p:nvCxnSpPr>
+        <p:spPr>
+          <a:xfrm flipV="1">
+            <a:off x="2460628" y="1887144"/>
+            <a:ext cx="0" cy="758838"/>
+          </a:xfrm>
+          <a:prstGeom prst="line">
+            <a:avLst/>
+          </a:prstGeom>
+          <a:noFill/>
+          <a:ln w="28575" cap="flat" cmpd="sng" algn="ctr">
+            <a:solidFill>
+              <a:srgbClr val="92D050"/>
+            </a:solidFill>
+            <a:prstDash val="solid"/>
+          </a:ln>
+          <a:effectLst/>
+        </p:spPr>
+      </p:cxnSp>
+      <p:cxnSp>
+        <p:nvCxnSpPr>
+          <p:cNvPr id="42" name="Connecteur droit 41">
+            <a:extLst>
+              <a:ext uri="{FF2B5EF4-FFF2-40B4-BE49-F238E27FC236}">
+                <a16:creationId xmlns:a16="http://schemas.microsoft.com/office/drawing/2014/main" id="{2ACDABC4-31F8-4BD9-A720-5802A8BAB497}"/>
+              </a:ext>
+            </a:extLst>
+          </p:cNvPr>
+          <p:cNvCxnSpPr>
+            <a:cxnSpLocks/>
+          </p:cNvCxnSpPr>
+          <p:nvPr/>
+        </p:nvCxnSpPr>
+        <p:spPr>
+          <a:xfrm>
+            <a:off x="12873762" y="3542167"/>
+            <a:ext cx="409038" cy="2542"/>
+          </a:xfrm>
+          <a:prstGeom prst="line">
+            <a:avLst/>
+          </a:prstGeom>
+          <a:noFill/>
+          <a:ln w="28575" cap="flat" cmpd="sng" algn="ctr">
+            <a:solidFill>
+              <a:srgbClr val="C0504D">
+                <a:shade val="95000"/>
+                <a:satMod val="105000"/>
+              </a:srgbClr>
+            </a:solidFill>
+            <a:prstDash val="solid"/>
+            <a:headEnd type="none" w="med" len="med"/>
+            <a:tailEnd type="arrow" w="med" len="med"/>
+          </a:ln>
+          <a:effectLst/>
+        </p:spPr>
+      </p:cxnSp>
+      <p:sp>
+        <p:nvSpPr>
+          <p:cNvPr id="43" name="Flèche vers le bas 33">
+            <a:extLst>
+              <a:ext uri="{FF2B5EF4-FFF2-40B4-BE49-F238E27FC236}">
+                <a16:creationId xmlns:a16="http://schemas.microsoft.com/office/drawing/2014/main" id="{F3468FBD-8897-4A42-9B06-CE4F01ED9F02}"/>
+              </a:ext>
+            </a:extLst>
+          </p:cNvPr>
+          <p:cNvSpPr/>
+          <p:nvPr/>
+        </p:nvSpPr>
+        <p:spPr>
+          <a:xfrm>
+            <a:off x="11853346" y="2563828"/>
+            <a:ext cx="405180" cy="819344"/>
+          </a:xfrm>
+          <a:prstGeom prst="downArrow">
+            <a:avLst/>
+          </a:prstGeom>
+          <a:solidFill>
+            <a:sysClr val="window" lastClr="FFFFFF"/>
+          </a:solidFill>
+          <a:ln w="25400" cap="flat" cmpd="sng" algn="ctr">
+            <a:solidFill>
+              <a:srgbClr val="C0504D"/>
+            </a:solidFill>
+            <a:prstDash val="solid"/>
+          </a:ln>
+          <a:effectLst/>
+        </p:spPr>
+        <p:txBody>
+          <a:bodyPr rtlCol="0" anchor="ctr"/>
+          <a:lstStyle/>
+          <a:p>
+            <a:pPr marL="0" marR="0" lvl="0" indent="0" algn="ctr" defTabSz="914400" eaLnBrk="1" fontAlgn="auto" latinLnBrk="0" hangingPunct="1">
+              <a:lnSpc>
+                <a:spcPct val="100000"/>
+              </a:lnSpc>
+              <a:spcBef>
+                <a:spcPts val="0"/>
+              </a:spcBef>
+              <a:spcAft>
+                <a:spcPts val="0"/>
+              </a:spcAft>
+              <a:buClrTx/>
+              <a:buSzTx/>
+              <a:buFontTx/>
+              <a:buNone/>
+              <a:tabLst/>
+              <a:defRPr/>
+            </a:pPr>
+            <a:endParaRPr kumimoji="0" lang="fr-FR" sz="1600" b="0" i="0" u="none" strike="noStrike" kern="0" cap="none" spc="0" normalizeH="0" baseline="0" noProof="0">
+              <a:ln>
+                <a:noFill/>
+              </a:ln>
+              <a:solidFill>
+                <a:prstClr val="black"/>
+              </a:solidFill>
+              <a:effectLst/>
+              <a:uLnTx/>
+              <a:uFillTx/>
+              <a:latin typeface="Calibri"/>
+              <a:ea typeface="+mn-ea"/>
+              <a:cs typeface="+mn-cs"/>
+            </a:endParaRPr>
+          </a:p>
+        </p:txBody>
+      </p:sp>
+      <p:sp>
+        <p:nvSpPr>
+          <p:cNvPr id="44" name="Rectangle 43">
+            <a:extLst>
+              <a:ext uri="{FF2B5EF4-FFF2-40B4-BE49-F238E27FC236}">
+                <a16:creationId xmlns:a16="http://schemas.microsoft.com/office/drawing/2014/main" id="{04B2C3EC-633C-4735-82B8-DC39A9D879EE}"/>
+              </a:ext>
+            </a:extLst>
+          </p:cNvPr>
+          <p:cNvSpPr/>
+          <p:nvPr/>
+        </p:nvSpPr>
+        <p:spPr>
+          <a:xfrm>
+            <a:off x="5980053" y="3318053"/>
+            <a:ext cx="1482684" cy="409672"/>
+          </a:xfrm>
+          <a:prstGeom prst="rect">
+            <a:avLst/>
+          </a:prstGeom>
+          <a:noFill/>
+          <a:ln w="9525" cap="flat" cmpd="sng" algn="ctr">
+            <a:noFill/>
+            <a:prstDash val="solid"/>
+          </a:ln>
+          <a:effectLst/>
+        </p:spPr>
+        <p:txBody>
+          <a:bodyPr rtlCol="0" anchor="ctr"/>
+          <a:lstStyle/>
+          <a:p>
+            <a:pPr marL="0" marR="0" lvl="0" indent="0" algn="ctr" defTabSz="914400" eaLnBrk="1" fontAlgn="auto" latinLnBrk="0" hangingPunct="1">
+              <a:lnSpc>
+                <a:spcPct val="100000"/>
+              </a:lnSpc>
+              <a:spcBef>
+                <a:spcPts val="0"/>
+              </a:spcBef>
+              <a:spcAft>
+                <a:spcPts val="0"/>
+              </a:spcAft>
+              <a:buClrTx/>
+              <a:buSzTx/>
+              <a:buFontTx/>
+              <a:buNone/>
+              <a:tabLst/>
+              <a:defRPr/>
+            </a:pPr>
+            <a:r>
+              <a:rPr kumimoji="0" lang="fr-FR" sz="1600" b="1" i="0" u="none" strike="noStrike" kern="0" cap="none" spc="0" normalizeH="0" baseline="0" noProof="0" dirty="0">
+                <a:ln>
+                  <a:noFill/>
+                </a:ln>
+                <a:solidFill>
+                  <a:srgbClr val="C00000"/>
+                </a:solidFill>
+                <a:effectLst/>
+                <a:uLnTx/>
+                <a:uFillTx/>
+                <a:latin typeface="Calibri"/>
+                <a:ea typeface="+mn-ea"/>
+                <a:cs typeface="+mn-cs"/>
+              </a:rPr>
+              <a:t>Ordres</a:t>
+            </a:r>
+          </a:p>
+        </p:txBody>
+      </p:sp>
+      <p:sp>
+        <p:nvSpPr>
+          <p:cNvPr id="45" name="Rectangle 44">
+            <a:extLst>
+              <a:ext uri="{FF2B5EF4-FFF2-40B4-BE49-F238E27FC236}">
+                <a16:creationId xmlns:a16="http://schemas.microsoft.com/office/drawing/2014/main" id="{67319993-505A-4042-AD65-168EC6EDDABF}"/>
+              </a:ext>
+            </a:extLst>
+          </p:cNvPr>
+          <p:cNvSpPr/>
+          <p:nvPr/>
+        </p:nvSpPr>
+        <p:spPr>
+          <a:xfrm>
+            <a:off x="10467491" y="1718966"/>
+            <a:ext cx="1482684" cy="949795"/>
+          </a:xfrm>
+          <a:prstGeom prst="rect">
+            <a:avLst/>
+          </a:prstGeom>
+          <a:noFill/>
+          <a:ln w="9525" cap="flat" cmpd="sng" algn="ctr">
+            <a:noFill/>
+            <a:prstDash val="solid"/>
+          </a:ln>
+          <a:effectLst/>
+        </p:spPr>
+        <p:txBody>
+          <a:bodyPr rtlCol="0" anchor="ctr"/>
+          <a:lstStyle/>
+          <a:p>
+            <a:pPr marL="0" marR="0" lvl="0" indent="0" algn="ctr" defTabSz="914400" eaLnBrk="1" fontAlgn="auto" latinLnBrk="0" hangingPunct="1">
+              <a:lnSpc>
+                <a:spcPct val="100000"/>
+              </a:lnSpc>
+              <a:spcBef>
+                <a:spcPts val="0"/>
+              </a:spcBef>
+              <a:spcAft>
+                <a:spcPts val="0"/>
+              </a:spcAft>
+              <a:buClrTx/>
+              <a:buSzTx/>
+              <a:buFontTx/>
+              <a:buNone/>
+              <a:tabLst/>
+              <a:defRPr/>
+            </a:pPr>
+            <a:r>
+              <a:rPr kumimoji="0" lang="fr-FR" sz="1400" b="1" i="0" u="none" strike="noStrike" kern="0" cap="none" spc="0" normalizeH="0" baseline="0" noProof="0" dirty="0">
+                <a:ln>
+                  <a:noFill/>
+                </a:ln>
+                <a:solidFill>
+                  <a:srgbClr val="92D050"/>
+                </a:solidFill>
+                <a:effectLst/>
+                <a:uLnTx/>
+                <a:uFillTx/>
+                <a:latin typeface="Calibri"/>
+                <a:ea typeface="+mn-ea"/>
+                <a:cs typeface="+mn-cs"/>
+              </a:rPr>
+              <a:t>Grandeurs physiques à acquérir</a:t>
+            </a:r>
+          </a:p>
+        </p:txBody>
+      </p:sp>
+      <p:sp>
+        <p:nvSpPr>
+          <p:cNvPr id="46" name="Rectangle 45">
+            <a:extLst>
+              <a:ext uri="{FF2B5EF4-FFF2-40B4-BE49-F238E27FC236}">
+                <a16:creationId xmlns:a16="http://schemas.microsoft.com/office/drawing/2014/main" id="{3782BBB0-4BB9-49D7-B70B-94BF2A96AFD1}"/>
+              </a:ext>
+            </a:extLst>
+          </p:cNvPr>
+          <p:cNvSpPr/>
+          <p:nvPr/>
+        </p:nvSpPr>
+        <p:spPr>
+          <a:xfrm>
+            <a:off x="9177183" y="1908310"/>
+            <a:ext cx="1452974" cy="949795"/>
+          </a:xfrm>
+          <a:prstGeom prst="rect">
+            <a:avLst/>
+          </a:prstGeom>
+          <a:noFill/>
+          <a:ln w="9525" cap="flat" cmpd="sng" algn="ctr">
+            <a:noFill/>
+            <a:prstDash val="solid"/>
+          </a:ln>
+          <a:effectLst/>
+        </p:spPr>
+        <p:txBody>
+          <a:bodyPr rtlCol="0" anchor="ctr"/>
+          <a:lstStyle/>
+          <a:p>
+            <a:pPr marL="0" marR="0" lvl="0" indent="0" algn="ctr" defTabSz="914400" eaLnBrk="1" fontAlgn="auto" latinLnBrk="0" hangingPunct="1">
+              <a:lnSpc>
+                <a:spcPct val="100000"/>
+              </a:lnSpc>
+              <a:spcBef>
+                <a:spcPts val="0"/>
+              </a:spcBef>
+              <a:spcAft>
+                <a:spcPts val="0"/>
+              </a:spcAft>
+              <a:buClrTx/>
+              <a:buSzTx/>
+              <a:buFontTx/>
+              <a:buNone/>
+              <a:tabLst/>
+              <a:defRPr/>
+            </a:pPr>
+            <a:r>
+              <a:rPr kumimoji="0" lang="fr-FR" sz="1200" b="1" i="0" u="none" strike="noStrike" kern="0" cap="none" spc="0" normalizeH="0" baseline="0" noProof="0" dirty="0">
+                <a:ln>
+                  <a:noFill/>
+                </a:ln>
+                <a:solidFill>
+                  <a:srgbClr val="00B0F0"/>
+                </a:solidFill>
+                <a:effectLst/>
+                <a:uLnTx/>
+                <a:uFillTx/>
+                <a:latin typeface="Calibri"/>
+                <a:ea typeface="+mn-ea"/>
+                <a:cs typeface="+mn-cs"/>
+              </a:rPr>
+              <a:t>Infos destinées à d’autres interfaces H/M</a:t>
+            </a:r>
+          </a:p>
+        </p:txBody>
+      </p:sp>
+      <p:sp>
+        <p:nvSpPr>
+          <p:cNvPr id="47" name="Rectangle 46">
+            <a:extLst>
+              <a:ext uri="{FF2B5EF4-FFF2-40B4-BE49-F238E27FC236}">
+                <a16:creationId xmlns:a16="http://schemas.microsoft.com/office/drawing/2014/main" id="{E3A8E074-50FA-4330-B2CC-A4E01D900625}"/>
+              </a:ext>
+            </a:extLst>
+          </p:cNvPr>
+          <p:cNvSpPr/>
+          <p:nvPr/>
+        </p:nvSpPr>
+        <p:spPr>
+          <a:xfrm>
+            <a:off x="1164816" y="2655070"/>
+            <a:ext cx="1452974" cy="949795"/>
+          </a:xfrm>
+          <a:prstGeom prst="rect">
+            <a:avLst/>
+          </a:prstGeom>
+          <a:noFill/>
+          <a:ln w="9525" cap="flat" cmpd="sng" algn="ctr">
+            <a:noFill/>
+            <a:prstDash val="solid"/>
+          </a:ln>
+          <a:effectLst/>
+        </p:spPr>
+        <p:txBody>
+          <a:bodyPr rtlCol="0" anchor="ctr"/>
+          <a:lstStyle/>
+          <a:p>
+            <a:pPr marL="0" marR="0" lvl="0" indent="0" algn="ctr" defTabSz="914400" eaLnBrk="1" fontAlgn="auto" latinLnBrk="0" hangingPunct="1">
+              <a:lnSpc>
+                <a:spcPct val="100000"/>
+              </a:lnSpc>
+              <a:spcBef>
+                <a:spcPts val="0"/>
+              </a:spcBef>
+              <a:spcAft>
+                <a:spcPts val="0"/>
+              </a:spcAft>
+              <a:buClrTx/>
+              <a:buSzTx/>
+              <a:buFontTx/>
+              <a:buNone/>
+              <a:tabLst/>
+              <a:defRPr/>
+            </a:pPr>
+            <a:r>
+              <a:rPr kumimoji="0" lang="fr-FR" sz="1200" b="1" i="0" u="none" strike="noStrike" kern="0" cap="none" spc="0" normalizeH="0" baseline="0" noProof="0" dirty="0">
+                <a:ln>
+                  <a:noFill/>
+                </a:ln>
+                <a:solidFill>
+                  <a:srgbClr val="00B0F0"/>
+                </a:solidFill>
+                <a:effectLst/>
+                <a:uLnTx/>
+                <a:uFillTx/>
+                <a:latin typeface="Calibri"/>
+                <a:ea typeface="+mn-ea"/>
+                <a:cs typeface="+mn-cs"/>
+              </a:rPr>
+              <a:t>Infos issues de d’autres interfaces H/M</a:t>
+            </a:r>
+          </a:p>
+        </p:txBody>
+      </p:sp>
+      <p:sp>
+        <p:nvSpPr>
+          <p:cNvPr id="48" name="Rectangle 47">
+            <a:extLst>
+              <a:ext uri="{FF2B5EF4-FFF2-40B4-BE49-F238E27FC236}">
+                <a16:creationId xmlns:a16="http://schemas.microsoft.com/office/drawing/2014/main" id="{A4613641-972A-40E3-875F-7959BA4CA987}"/>
+              </a:ext>
+            </a:extLst>
+          </p:cNvPr>
+          <p:cNvSpPr/>
+          <p:nvPr/>
+        </p:nvSpPr>
+        <p:spPr>
+          <a:xfrm>
+            <a:off x="11920465" y="1862255"/>
+            <a:ext cx="1794861" cy="379169"/>
+          </a:xfrm>
+          <a:prstGeom prst="rect">
+            <a:avLst/>
+          </a:prstGeom>
+          <a:noFill/>
+          <a:ln w="9525" cap="flat" cmpd="sng" algn="ctr">
+            <a:noFill/>
+            <a:prstDash val="solid"/>
+          </a:ln>
+          <a:effectLst/>
+        </p:spPr>
+        <p:txBody>
+          <a:bodyPr rtlCol="0" anchor="ctr"/>
+          <a:lstStyle/>
+          <a:p>
+            <a:pPr marL="0" marR="0" lvl="0" indent="0" algn="ctr" defTabSz="914400" eaLnBrk="1" fontAlgn="auto" latinLnBrk="0" hangingPunct="1">
+              <a:lnSpc>
+                <a:spcPct val="100000"/>
+              </a:lnSpc>
+              <a:spcBef>
+                <a:spcPts val="0"/>
+              </a:spcBef>
+              <a:spcAft>
+                <a:spcPts val="0"/>
+              </a:spcAft>
+              <a:buClrTx/>
+              <a:buSzTx/>
+              <a:buFontTx/>
+              <a:buNone/>
+              <a:tabLst/>
+              <a:defRPr/>
+            </a:pPr>
+            <a:r>
+              <a:rPr kumimoji="0" lang="fr-FR" sz="1200" b="1" i="0" u="none" strike="noStrike" kern="0" cap="none" spc="0" normalizeH="0" baseline="0" noProof="0" dirty="0">
+                <a:ln>
+                  <a:noFill/>
+                </a:ln>
+                <a:solidFill>
+                  <a:srgbClr val="00B0F0"/>
+                </a:solidFill>
+                <a:effectLst/>
+                <a:uLnTx/>
+                <a:uFillTx/>
+                <a:latin typeface="Calibri"/>
+                <a:ea typeface="+mn-ea"/>
+                <a:cs typeface="+mn-cs"/>
+              </a:rPr>
+              <a:t>H/M : Homme – Machine </a:t>
+            </a:r>
+          </a:p>
+        </p:txBody>
+      </p:sp>
+      <p:sp>
+        <p:nvSpPr>
+          <p:cNvPr id="49" name="Rectangle 48">
+            <a:extLst>
+              <a:ext uri="{FF2B5EF4-FFF2-40B4-BE49-F238E27FC236}">
+                <a16:creationId xmlns:a16="http://schemas.microsoft.com/office/drawing/2014/main" id="{FCA989E8-2F5C-4330-A910-27D160C36F19}"/>
+              </a:ext>
+            </a:extLst>
+          </p:cNvPr>
+          <p:cNvSpPr/>
+          <p:nvPr/>
+        </p:nvSpPr>
+        <p:spPr>
+          <a:xfrm>
+            <a:off x="11314594" y="2193863"/>
+            <a:ext cx="1482684" cy="409672"/>
+          </a:xfrm>
+          <a:prstGeom prst="rect">
+            <a:avLst/>
+          </a:prstGeom>
+          <a:noFill/>
+          <a:ln w="9525" cap="flat" cmpd="sng" algn="ctr">
+            <a:noFill/>
+            <a:prstDash val="solid"/>
+          </a:ln>
+          <a:effectLst/>
+        </p:spPr>
+        <p:txBody>
+          <a:bodyPr rtlCol="0" anchor="ctr"/>
+          <a:lstStyle/>
+          <a:p>
+            <a:pPr marL="0" marR="0" lvl="0" indent="0" algn="ctr" defTabSz="914400" eaLnBrk="1" fontAlgn="auto" latinLnBrk="0" hangingPunct="1">
+              <a:lnSpc>
+                <a:spcPct val="100000"/>
+              </a:lnSpc>
+              <a:spcBef>
+                <a:spcPts val="0"/>
+              </a:spcBef>
+              <a:spcAft>
+                <a:spcPts val="0"/>
+              </a:spcAft>
+              <a:buClrTx/>
+              <a:buSzTx/>
+              <a:buFontTx/>
+              <a:buNone/>
+              <a:tabLst/>
+              <a:defRPr/>
+            </a:pPr>
+            <a:endParaRPr kumimoji="0" lang="fr-FR" sz="1600" b="1" i="0" u="none" strike="noStrike" kern="0" cap="none" spc="0" normalizeH="0" baseline="0" noProof="0" dirty="0">
+              <a:ln>
+                <a:noFill/>
+              </a:ln>
+              <a:solidFill>
+                <a:srgbClr val="C00000"/>
+              </a:solidFill>
+              <a:effectLst/>
+              <a:uLnTx/>
+              <a:uFillTx/>
+              <a:latin typeface="Calibri"/>
+              <a:ea typeface="+mn-ea"/>
+              <a:cs typeface="+mn-cs"/>
+            </a:endParaRPr>
+          </a:p>
+        </p:txBody>
+      </p:sp>
+      <p:grpSp>
+        <p:nvGrpSpPr>
+          <p:cNvPr id="77" name="Groupe 76">
+            <a:extLst>
+              <a:ext uri="{FF2B5EF4-FFF2-40B4-BE49-F238E27FC236}">
+                <a16:creationId xmlns:a16="http://schemas.microsoft.com/office/drawing/2014/main" id="{457D46D3-EEBE-4E56-B8EE-D53CFB72D255}"/>
+              </a:ext>
+            </a:extLst>
+          </p:cNvPr>
+          <p:cNvGrpSpPr/>
+          <p:nvPr/>
+        </p:nvGrpSpPr>
+        <p:grpSpPr>
+          <a:xfrm>
+            <a:off x="523938" y="0"/>
+            <a:ext cx="504000" cy="5994188"/>
+            <a:chOff x="523938" y="0"/>
+            <a:chExt cx="504000" cy="5994188"/>
+          </a:xfrm>
+        </p:grpSpPr>
+        <p:sp>
+          <p:nvSpPr>
+            <p:cNvPr id="70" name="ZoneTexte 69">
+              <a:extLst>
+                <a:ext uri="{FF2B5EF4-FFF2-40B4-BE49-F238E27FC236}">
+                  <a16:creationId xmlns:a16="http://schemas.microsoft.com/office/drawing/2014/main" id="{B59EDDAC-DFDA-43F4-9825-964B975AA672}"/>
+                </a:ext>
+              </a:extLst>
+            </p:cNvPr>
+            <p:cNvSpPr txBox="1"/>
+            <p:nvPr/>
+          </p:nvSpPr>
+          <p:spPr>
+            <a:xfrm rot="16200000">
+              <a:off x="-88062" y="612000"/>
+              <a:ext cx="1728000" cy="504000"/>
+            </a:xfrm>
+            <a:prstGeom prst="rect">
+              <a:avLst/>
+            </a:prstGeom>
+            <a:solidFill>
+              <a:schemeClr val="accent1">
+                <a:lumMod val="20000"/>
+                <a:lumOff val="80000"/>
+              </a:schemeClr>
+            </a:solidFill>
+          </p:spPr>
+          <p:txBody>
+            <a:bodyPr wrap="square" lIns="0" tIns="0" rIns="0" bIns="0" rtlCol="0">
+              <a:spAutoFit/>
+            </a:bodyPr>
+            <a:lstStyle/>
+            <a:p>
+              <a:pPr algn="ctr"/>
+              <a:r>
+                <a:rPr lang="fr-FR" sz="2400" b="1" dirty="0"/>
+                <a:t>Découverte</a:t>
+              </a:r>
+            </a:p>
+          </p:txBody>
+        </p:sp>
+        <p:sp>
+          <p:nvSpPr>
+            <p:cNvPr id="75" name="ZoneTexte 74">
+              <a:extLst>
+                <a:ext uri="{FF2B5EF4-FFF2-40B4-BE49-F238E27FC236}">
+                  <a16:creationId xmlns:a16="http://schemas.microsoft.com/office/drawing/2014/main" id="{A583E446-C069-4E6A-8CC6-690556346DC2}"/>
+                </a:ext>
+              </a:extLst>
+            </p:cNvPr>
+            <p:cNvSpPr txBox="1"/>
+            <p:nvPr/>
+          </p:nvSpPr>
+          <p:spPr>
+            <a:xfrm rot="16200000">
+              <a:off x="-1357156" y="3609094"/>
+              <a:ext cx="4266188" cy="504000"/>
+            </a:xfrm>
+            <a:prstGeom prst="rect">
+              <a:avLst/>
+            </a:prstGeom>
+            <a:solidFill>
+              <a:schemeClr val="accent1">
+                <a:lumMod val="20000"/>
+                <a:lumOff val="80000"/>
+              </a:schemeClr>
+            </a:solidFill>
+          </p:spPr>
+          <p:txBody>
+            <a:bodyPr wrap="square" lIns="0" tIns="0" rIns="0" bIns="0" rtlCol="0">
+              <a:spAutoFit/>
+            </a:bodyPr>
+            <a:lstStyle/>
+            <a:p>
+              <a:pPr algn="ctr"/>
+              <a:r>
+                <a:rPr lang="fr-FR" sz="2400" b="1" dirty="0"/>
+                <a:t>Chaine fonctionnelle</a:t>
+              </a:r>
+            </a:p>
+          </p:txBody>
+        </p:sp>
+      </p:grpSp>
+      <p:cxnSp>
+        <p:nvCxnSpPr>
+          <p:cNvPr id="72" name="Connecteur droit 71">
+            <a:extLst>
+              <a:ext uri="{FF2B5EF4-FFF2-40B4-BE49-F238E27FC236}">
+                <a16:creationId xmlns:a16="http://schemas.microsoft.com/office/drawing/2014/main" id="{45A44BA3-10B3-4FE6-8D0E-E92C288247C4}"/>
+              </a:ext>
+            </a:extLst>
+          </p:cNvPr>
+          <p:cNvCxnSpPr>
+            <a:cxnSpLocks/>
+          </p:cNvCxnSpPr>
+          <p:nvPr/>
+        </p:nvCxnSpPr>
+        <p:spPr>
+          <a:xfrm>
+            <a:off x="523937" y="1718966"/>
+            <a:ext cx="14594696" cy="0"/>
+          </a:xfrm>
+          <a:prstGeom prst="line">
+            <a:avLst/>
+          </a:prstGeom>
+        </p:spPr>
+        <p:style>
+          <a:lnRef idx="1">
+            <a:schemeClr val="accent1"/>
+          </a:lnRef>
+          <a:fillRef idx="0">
+            <a:schemeClr val="accent1"/>
+          </a:fillRef>
+          <a:effectRef idx="0">
+            <a:schemeClr val="accent1"/>
+          </a:effectRef>
+          <a:fontRef idx="minor">
+            <a:schemeClr val="tx1"/>
+          </a:fontRef>
+        </p:style>
+      </p:cxnSp>
+      <p:cxnSp>
+        <p:nvCxnSpPr>
+          <p:cNvPr id="76" name="Connecteur droit 75">
+            <a:extLst>
+              <a:ext uri="{FF2B5EF4-FFF2-40B4-BE49-F238E27FC236}">
+                <a16:creationId xmlns:a16="http://schemas.microsoft.com/office/drawing/2014/main" id="{91B2922F-3DE4-4D32-B9AA-8BD8B5BB674B}"/>
+              </a:ext>
+            </a:extLst>
+          </p:cNvPr>
+          <p:cNvCxnSpPr>
+            <a:cxnSpLocks/>
+          </p:cNvCxnSpPr>
+          <p:nvPr/>
+        </p:nvCxnSpPr>
+        <p:spPr>
+          <a:xfrm>
+            <a:off x="523937" y="5994187"/>
+            <a:ext cx="14594696" cy="0"/>
+          </a:xfrm>
+          <a:prstGeom prst="line">
+            <a:avLst/>
+          </a:prstGeom>
+        </p:spPr>
+        <p:style>
+          <a:lnRef idx="1">
+            <a:schemeClr val="accent1"/>
+          </a:lnRef>
+          <a:fillRef idx="0">
+            <a:schemeClr val="accent1"/>
+          </a:fillRef>
+          <a:effectRef idx="0">
+            <a:schemeClr val="accent1"/>
+          </a:effectRef>
+          <a:fontRef idx="minor">
+            <a:schemeClr val="tx1"/>
+          </a:fontRef>
+        </p:style>
+      </p:cxnSp>
+      <p:sp>
+        <p:nvSpPr>
+          <p:cNvPr id="79" name="ZoneTexte 78">
+            <a:extLst>
+              <a:ext uri="{FF2B5EF4-FFF2-40B4-BE49-F238E27FC236}">
+                <a16:creationId xmlns:a16="http://schemas.microsoft.com/office/drawing/2014/main" id="{854598CD-977F-4600-B29C-75033871E02C}"/>
+              </a:ext>
+            </a:extLst>
+          </p:cNvPr>
+          <p:cNvSpPr txBox="1"/>
+          <p:nvPr/>
+        </p:nvSpPr>
+        <p:spPr>
+          <a:xfrm rot="16200000">
+            <a:off x="-1576142" y="8090998"/>
+            <a:ext cx="4697624" cy="504000"/>
+          </a:xfrm>
+          <a:prstGeom prst="rect">
+            <a:avLst/>
+          </a:prstGeom>
+          <a:solidFill>
+            <a:schemeClr val="accent1">
+              <a:lumMod val="20000"/>
+              <a:lumOff val="80000"/>
+            </a:schemeClr>
+          </a:solidFill>
+        </p:spPr>
+        <p:txBody>
+          <a:bodyPr wrap="square" lIns="0" tIns="0" rIns="0" bIns="0" rtlCol="0">
+            <a:spAutoFit/>
+          </a:bodyPr>
+          <a:lstStyle/>
+          <a:p>
+            <a:pPr algn="ctr"/>
+            <a:r>
+              <a:rPr lang="fr-FR" sz="2400" b="1" dirty="0"/>
+              <a:t>Modélisation</a:t>
+            </a:r>
+          </a:p>
+        </p:txBody>
+      </p:sp>
+      <p:sp>
+        <p:nvSpPr>
+          <p:cNvPr id="80" name="Rectangle 79">
+            <a:extLst>
+              <a:ext uri="{FF2B5EF4-FFF2-40B4-BE49-F238E27FC236}">
+                <a16:creationId xmlns:a16="http://schemas.microsoft.com/office/drawing/2014/main" id="{CAC86B23-75D6-40C6-8451-84212018E167}"/>
+              </a:ext>
+            </a:extLst>
+          </p:cNvPr>
+          <p:cNvSpPr/>
+          <p:nvPr/>
+        </p:nvSpPr>
+        <p:spPr>
+          <a:xfrm>
+            <a:off x="1435278" y="6175695"/>
+            <a:ext cx="3496392" cy="2072885"/>
+          </a:xfrm>
+          <a:prstGeom prst="rect">
+            <a:avLst/>
+          </a:prstGeom>
+          <a:noFill/>
+          <a:ln>
+            <a:solidFill>
+              <a:schemeClr val="accent1"/>
+            </a:solidFill>
+            <a:prstDash val="dash"/>
+          </a:ln>
+        </p:spPr>
+        <p:style>
+          <a:lnRef idx="2">
+            <a:schemeClr val="accent1">
+              <a:shade val="50000"/>
+            </a:schemeClr>
+          </a:lnRef>
+          <a:fillRef idx="1">
+            <a:schemeClr val="accent1"/>
+          </a:fillRef>
+          <a:effectRef idx="0">
+            <a:schemeClr val="accent1"/>
+          </a:effectRef>
+          <a:fontRef idx="minor">
+            <a:schemeClr val="lt1"/>
+          </a:fontRef>
+        </p:style>
+        <p:txBody>
+          <a:bodyPr rtlCol="0" anchor="ctr"/>
+          <a:lstStyle/>
+          <a:p>
+            <a:pPr algn="ctr"/>
+            <a:endParaRPr lang="fr-FR"/>
+          </a:p>
+        </p:txBody>
+      </p:sp>
+      <p:sp>
+        <p:nvSpPr>
+          <p:cNvPr id="82" name="ZoneTexte 81">
+            <a:extLst>
+              <a:ext uri="{FF2B5EF4-FFF2-40B4-BE49-F238E27FC236}">
+                <a16:creationId xmlns:a16="http://schemas.microsoft.com/office/drawing/2014/main" id="{2B4852CF-F717-4642-B4FE-1F482B8C1BC3}"/>
+              </a:ext>
+            </a:extLst>
+          </p:cNvPr>
+          <p:cNvSpPr txBox="1"/>
+          <p:nvPr/>
+        </p:nvSpPr>
+        <p:spPr>
+          <a:xfrm>
+            <a:off x="1435278" y="6198834"/>
+            <a:ext cx="3496392" cy="369332"/>
+          </a:xfrm>
+          <a:prstGeom prst="rect">
+            <a:avLst/>
+          </a:prstGeom>
+          <a:noFill/>
+        </p:spPr>
+        <p:txBody>
+          <a:bodyPr wrap="square" rtlCol="0">
+            <a:spAutoFit/>
+          </a:bodyPr>
+          <a:lstStyle/>
+          <a:p>
+            <a:pPr algn="ctr"/>
+            <a:r>
+              <a:rPr lang="fr-FR" b="1" dirty="0"/>
+              <a:t>Conditions expérimentales</a:t>
+            </a:r>
+          </a:p>
+        </p:txBody>
+      </p:sp>
+      <p:sp>
+        <p:nvSpPr>
+          <p:cNvPr id="83" name="Rectangle 82">
+            <a:extLst>
+              <a:ext uri="{FF2B5EF4-FFF2-40B4-BE49-F238E27FC236}">
+                <a16:creationId xmlns:a16="http://schemas.microsoft.com/office/drawing/2014/main" id="{E4E153B5-D706-4818-8125-673D8F37C389}"/>
+              </a:ext>
+            </a:extLst>
+          </p:cNvPr>
+          <p:cNvSpPr/>
+          <p:nvPr/>
+        </p:nvSpPr>
+        <p:spPr>
+          <a:xfrm>
+            <a:off x="1435278" y="8413429"/>
+            <a:ext cx="3496392" cy="2026168"/>
+          </a:xfrm>
+          <a:prstGeom prst="rect">
+            <a:avLst/>
+          </a:prstGeom>
+          <a:noFill/>
+          <a:ln>
+            <a:solidFill>
+              <a:schemeClr val="accent1"/>
+            </a:solidFill>
+            <a:prstDash val="dash"/>
+          </a:ln>
+        </p:spPr>
+        <p:style>
+          <a:lnRef idx="2">
+            <a:schemeClr val="accent1">
+              <a:shade val="50000"/>
+            </a:schemeClr>
+          </a:lnRef>
+          <a:fillRef idx="1">
+            <a:schemeClr val="accent1"/>
+          </a:fillRef>
+          <a:effectRef idx="0">
+            <a:schemeClr val="accent1"/>
+          </a:effectRef>
+          <a:fontRef idx="minor">
+            <a:schemeClr val="lt1"/>
+          </a:fontRef>
+        </p:style>
+        <p:txBody>
+          <a:bodyPr rtlCol="0" anchor="ctr"/>
+          <a:lstStyle/>
+          <a:p>
+            <a:pPr algn="ctr"/>
+            <a:endParaRPr lang="fr-FR"/>
+          </a:p>
+        </p:txBody>
+      </p:sp>
+      <p:sp>
+        <p:nvSpPr>
+          <p:cNvPr id="84" name="ZoneTexte 83">
+            <a:extLst>
+              <a:ext uri="{FF2B5EF4-FFF2-40B4-BE49-F238E27FC236}">
+                <a16:creationId xmlns:a16="http://schemas.microsoft.com/office/drawing/2014/main" id="{5C3FCBC9-279B-491B-9FDE-F97221E0721E}"/>
+              </a:ext>
+            </a:extLst>
+          </p:cNvPr>
+          <p:cNvSpPr txBox="1"/>
+          <p:nvPr/>
+        </p:nvSpPr>
+        <p:spPr>
+          <a:xfrm>
+            <a:off x="1435278" y="8436568"/>
+            <a:ext cx="3496392" cy="369332"/>
+          </a:xfrm>
+          <a:prstGeom prst="rect">
+            <a:avLst/>
+          </a:prstGeom>
+          <a:noFill/>
+        </p:spPr>
+        <p:txBody>
+          <a:bodyPr wrap="square" rtlCol="0">
+            <a:spAutoFit/>
+          </a:bodyPr>
+          <a:lstStyle/>
+          <a:p>
+            <a:pPr algn="ctr"/>
+            <a:r>
+              <a:rPr lang="fr-FR" b="1" dirty="0"/>
+              <a:t>Fonction de transfert/Schéma-bloc</a:t>
+            </a:r>
+          </a:p>
+        </p:txBody>
+      </p:sp>
+      <p:sp>
+        <p:nvSpPr>
+          <p:cNvPr id="85" name="Rectangle 84">
+            <a:extLst>
+              <a:ext uri="{FF2B5EF4-FFF2-40B4-BE49-F238E27FC236}">
+                <a16:creationId xmlns:a16="http://schemas.microsoft.com/office/drawing/2014/main" id="{7619BF8D-E205-49A8-BA96-B04728B5687C}"/>
+              </a:ext>
+            </a:extLst>
+          </p:cNvPr>
+          <p:cNvSpPr/>
+          <p:nvPr/>
+        </p:nvSpPr>
+        <p:spPr>
+          <a:xfrm>
+            <a:off x="5221925" y="6199935"/>
+            <a:ext cx="6023593" cy="4243459"/>
+          </a:xfrm>
+          <a:prstGeom prst="rect">
+            <a:avLst/>
+          </a:prstGeom>
+          <a:noFill/>
+          <a:ln>
+            <a:solidFill>
+              <a:schemeClr val="accent1"/>
+            </a:solidFill>
+            <a:prstDash val="dash"/>
+          </a:ln>
+        </p:spPr>
+        <p:style>
+          <a:lnRef idx="2">
+            <a:schemeClr val="accent1">
+              <a:shade val="50000"/>
+            </a:schemeClr>
+          </a:lnRef>
+          <a:fillRef idx="1">
+            <a:schemeClr val="accent1"/>
+          </a:fillRef>
+          <a:effectRef idx="0">
+            <a:schemeClr val="accent1"/>
+          </a:effectRef>
+          <a:fontRef idx="minor">
+            <a:schemeClr val="lt1"/>
+          </a:fontRef>
+        </p:style>
+        <p:txBody>
+          <a:bodyPr rtlCol="0" anchor="ctr"/>
+          <a:lstStyle/>
+          <a:p>
+            <a:pPr algn="ctr"/>
+            <a:endParaRPr lang="fr-FR"/>
+          </a:p>
+        </p:txBody>
+      </p:sp>
+      <p:sp>
+        <p:nvSpPr>
+          <p:cNvPr id="87" name="ZoneTexte 86">
+            <a:extLst>
+              <a:ext uri="{FF2B5EF4-FFF2-40B4-BE49-F238E27FC236}">
+                <a16:creationId xmlns:a16="http://schemas.microsoft.com/office/drawing/2014/main" id="{E5755DE0-3DC4-44C1-8BAE-509B85D403A2}"/>
+              </a:ext>
+            </a:extLst>
+          </p:cNvPr>
+          <p:cNvSpPr txBox="1"/>
+          <p:nvPr/>
+        </p:nvSpPr>
+        <p:spPr>
+          <a:xfrm>
+            <a:off x="5221924" y="6207294"/>
+            <a:ext cx="6023593" cy="369332"/>
+          </a:xfrm>
+          <a:prstGeom prst="rect">
+            <a:avLst/>
+          </a:prstGeom>
+          <a:noFill/>
+        </p:spPr>
+        <p:txBody>
+          <a:bodyPr wrap="square" rtlCol="0">
+            <a:spAutoFit/>
+          </a:bodyPr>
+          <a:lstStyle/>
+          <a:p>
+            <a:pPr algn="ctr"/>
+            <a:r>
+              <a:rPr lang="fr-FR" b="1" dirty="0"/>
+              <a:t>Courbes essai/modèle</a:t>
+            </a:r>
+          </a:p>
+        </p:txBody>
+      </p:sp>
+      <p:sp>
+        <p:nvSpPr>
+          <p:cNvPr id="88" name="Rectangle 87">
+            <a:extLst>
+              <a:ext uri="{FF2B5EF4-FFF2-40B4-BE49-F238E27FC236}">
+                <a16:creationId xmlns:a16="http://schemas.microsoft.com/office/drawing/2014/main" id="{B04CEC9D-AAFD-4A3A-9C6D-B09C947903CE}"/>
+              </a:ext>
+            </a:extLst>
+          </p:cNvPr>
+          <p:cNvSpPr/>
+          <p:nvPr/>
+        </p:nvSpPr>
+        <p:spPr>
+          <a:xfrm>
+            <a:off x="11535773" y="6206853"/>
+            <a:ext cx="3335259" cy="2041730"/>
+          </a:xfrm>
+          <a:prstGeom prst="rect">
+            <a:avLst/>
+          </a:prstGeom>
+          <a:noFill/>
+          <a:ln>
+            <a:solidFill>
+              <a:schemeClr val="accent1"/>
+            </a:solidFill>
+            <a:prstDash val="dash"/>
+          </a:ln>
+        </p:spPr>
+        <p:style>
+          <a:lnRef idx="2">
+            <a:schemeClr val="accent1">
+              <a:shade val="50000"/>
+            </a:schemeClr>
+          </a:lnRef>
+          <a:fillRef idx="1">
+            <a:schemeClr val="accent1"/>
+          </a:fillRef>
+          <a:effectRef idx="0">
+            <a:schemeClr val="accent1"/>
+          </a:effectRef>
+          <a:fontRef idx="minor">
+            <a:schemeClr val="lt1"/>
+          </a:fontRef>
+        </p:style>
+        <p:txBody>
+          <a:bodyPr rtlCol="0" anchor="ctr"/>
+          <a:lstStyle/>
+          <a:p>
+            <a:pPr algn="ctr"/>
+            <a:endParaRPr lang="fr-FR"/>
+          </a:p>
+        </p:txBody>
+      </p:sp>
+      <p:sp>
+        <p:nvSpPr>
+          <p:cNvPr id="89" name="ZoneTexte 88">
+            <a:extLst>
+              <a:ext uri="{FF2B5EF4-FFF2-40B4-BE49-F238E27FC236}">
+                <a16:creationId xmlns:a16="http://schemas.microsoft.com/office/drawing/2014/main" id="{6F050C5B-C6EE-4FF2-A55F-1344F3A6FED6}"/>
+              </a:ext>
+            </a:extLst>
+          </p:cNvPr>
+          <p:cNvSpPr txBox="1"/>
+          <p:nvPr/>
+        </p:nvSpPr>
+        <p:spPr>
+          <a:xfrm>
+            <a:off x="11535772" y="6214211"/>
+            <a:ext cx="3335259" cy="369332"/>
+          </a:xfrm>
+          <a:prstGeom prst="rect">
+            <a:avLst/>
+          </a:prstGeom>
+          <a:noFill/>
+        </p:spPr>
+        <p:txBody>
+          <a:bodyPr wrap="square" rtlCol="0">
+            <a:spAutoFit/>
+          </a:bodyPr>
+          <a:lstStyle/>
+          <a:p>
+            <a:pPr algn="ctr"/>
+            <a:r>
+              <a:rPr lang="fr-FR" b="1" dirty="0"/>
+              <a:t>Validation du CDCF</a:t>
+            </a:r>
+          </a:p>
+        </p:txBody>
+      </p:sp>
+      <p:sp>
+        <p:nvSpPr>
+          <p:cNvPr id="90" name="Rectangle 89">
+            <a:extLst>
+              <a:ext uri="{FF2B5EF4-FFF2-40B4-BE49-F238E27FC236}">
+                <a16:creationId xmlns:a16="http://schemas.microsoft.com/office/drawing/2014/main" id="{892001F3-9DFB-409B-9BF8-AAD079718D2E}"/>
+              </a:ext>
+            </a:extLst>
+          </p:cNvPr>
+          <p:cNvSpPr/>
+          <p:nvPr/>
+        </p:nvSpPr>
+        <p:spPr>
+          <a:xfrm>
+            <a:off x="11535773" y="8397867"/>
+            <a:ext cx="3335259" cy="2041730"/>
+          </a:xfrm>
+          <a:prstGeom prst="rect">
+            <a:avLst/>
+          </a:prstGeom>
+          <a:noFill/>
+          <a:ln>
+            <a:solidFill>
+              <a:schemeClr val="accent1"/>
+            </a:solidFill>
+            <a:prstDash val="dash"/>
+          </a:ln>
+        </p:spPr>
+        <p:style>
+          <a:lnRef idx="2">
+            <a:schemeClr val="accent1">
+              <a:shade val="50000"/>
+            </a:schemeClr>
+          </a:lnRef>
+          <a:fillRef idx="1">
+            <a:schemeClr val="accent1"/>
+          </a:fillRef>
+          <a:effectRef idx="0">
+            <a:schemeClr val="accent1"/>
+          </a:effectRef>
+          <a:fontRef idx="minor">
+            <a:schemeClr val="lt1"/>
+          </a:fontRef>
+        </p:style>
+        <p:txBody>
+          <a:bodyPr rtlCol="0" anchor="ctr"/>
+          <a:lstStyle/>
+          <a:p>
+            <a:pPr algn="ctr"/>
+            <a:endParaRPr lang="fr-FR"/>
+          </a:p>
+        </p:txBody>
+      </p:sp>
+      <p:sp>
+        <p:nvSpPr>
+          <p:cNvPr id="91" name="ZoneTexte 90">
+            <a:extLst>
+              <a:ext uri="{FF2B5EF4-FFF2-40B4-BE49-F238E27FC236}">
+                <a16:creationId xmlns:a16="http://schemas.microsoft.com/office/drawing/2014/main" id="{2A8E7ACE-8249-4DAE-8E20-8295FD03B98F}"/>
+              </a:ext>
+            </a:extLst>
+          </p:cNvPr>
+          <p:cNvSpPr txBox="1"/>
+          <p:nvPr/>
+        </p:nvSpPr>
+        <p:spPr>
+          <a:xfrm>
+            <a:off x="11535772" y="8405225"/>
+            <a:ext cx="3335259" cy="369332"/>
+          </a:xfrm>
+          <a:prstGeom prst="rect">
+            <a:avLst/>
+          </a:prstGeom>
+          <a:noFill/>
+        </p:spPr>
+        <p:txBody>
+          <a:bodyPr wrap="square" rtlCol="0">
+            <a:spAutoFit/>
+          </a:bodyPr>
+          <a:lstStyle/>
+          <a:p>
+            <a:pPr algn="ctr"/>
+            <a:r>
+              <a:rPr lang="fr-FR" b="1" dirty="0"/>
+              <a:t>Limites de cette modélisation</a:t>
+            </a:r>
+          </a:p>
+        </p:txBody>
+      </p:sp>
+    </p:spTree>
+    <p:extLst>
+      <p:ext uri="{BB962C8B-B14F-4D97-AF65-F5344CB8AC3E}">
+        <p14:creationId xmlns:p14="http://schemas.microsoft.com/office/powerpoint/2010/main" val="665748079"/>
       </p:ext>
     </p:extLst>
   </p:cSld>

--- a/Ch_01_Modelisation_Multiphysique/TP/TP_01_Modelisation_DR.pptx
+++ b/Ch_01_Modelisation_Multiphysique/TP/TP_01_Modelisation_DR.pptx
@@ -8,6 +8,7 @@
     <p:sldId id="257" r:id="rId2"/>
     <p:sldId id="256" r:id="rId3"/>
     <p:sldId id="258" r:id="rId4"/>
+    <p:sldId id="259" r:id="rId5"/>
   </p:sldIdLst>
   <p:sldSz cx="15119350" cy="10691813"/>
   <p:notesSz cx="9144000" cy="6858000"/>
@@ -245,7 +246,7 @@
           <a:p>
             <a:fld id="{EEC5A783-B6BC-4E65-9415-DD6FC716A3A0}" type="datetimeFigureOut">
               <a:rPr lang="fr-FR" smtClean="0"/>
-              <a:t>21/09/2020</a:t>
+              <a:t>24/09/2020</a:t>
             </a:fld>
             <a:endParaRPr lang="fr-FR"/>
           </a:p>
@@ -415,7 +416,7 @@
           <a:p>
             <a:fld id="{EEC5A783-B6BC-4E65-9415-DD6FC716A3A0}" type="datetimeFigureOut">
               <a:rPr lang="fr-FR" smtClean="0"/>
-              <a:t>21/09/2020</a:t>
+              <a:t>24/09/2020</a:t>
             </a:fld>
             <a:endParaRPr lang="fr-FR"/>
           </a:p>
@@ -595,7 +596,7 @@
           <a:p>
             <a:fld id="{EEC5A783-B6BC-4E65-9415-DD6FC716A3A0}" type="datetimeFigureOut">
               <a:rPr lang="fr-FR" smtClean="0"/>
-              <a:t>21/09/2020</a:t>
+              <a:t>24/09/2020</a:t>
             </a:fld>
             <a:endParaRPr lang="fr-FR"/>
           </a:p>
@@ -765,7 +766,7 @@
           <a:p>
             <a:fld id="{EEC5A783-B6BC-4E65-9415-DD6FC716A3A0}" type="datetimeFigureOut">
               <a:rPr lang="fr-FR" smtClean="0"/>
-              <a:t>21/09/2020</a:t>
+              <a:t>24/09/2020</a:t>
             </a:fld>
             <a:endParaRPr lang="fr-FR"/>
           </a:p>
@@ -1009,7 +1010,7 @@
           <a:p>
             <a:fld id="{EEC5A783-B6BC-4E65-9415-DD6FC716A3A0}" type="datetimeFigureOut">
               <a:rPr lang="fr-FR" smtClean="0"/>
-              <a:t>21/09/2020</a:t>
+              <a:t>24/09/2020</a:t>
             </a:fld>
             <a:endParaRPr lang="fr-FR"/>
           </a:p>
@@ -1241,7 +1242,7 @@
           <a:p>
             <a:fld id="{EEC5A783-B6BC-4E65-9415-DD6FC716A3A0}" type="datetimeFigureOut">
               <a:rPr lang="fr-FR" smtClean="0"/>
-              <a:t>21/09/2020</a:t>
+              <a:t>24/09/2020</a:t>
             </a:fld>
             <a:endParaRPr lang="fr-FR"/>
           </a:p>
@@ -1608,7 +1609,7 @@
           <a:p>
             <a:fld id="{EEC5A783-B6BC-4E65-9415-DD6FC716A3A0}" type="datetimeFigureOut">
               <a:rPr lang="fr-FR" smtClean="0"/>
-              <a:t>21/09/2020</a:t>
+              <a:t>24/09/2020</a:t>
             </a:fld>
             <a:endParaRPr lang="fr-FR"/>
           </a:p>
@@ -1726,7 +1727,7 @@
           <a:p>
             <a:fld id="{EEC5A783-B6BC-4E65-9415-DD6FC716A3A0}" type="datetimeFigureOut">
               <a:rPr lang="fr-FR" smtClean="0"/>
-              <a:t>21/09/2020</a:t>
+              <a:t>24/09/2020</a:t>
             </a:fld>
             <a:endParaRPr lang="fr-FR"/>
           </a:p>
@@ -1821,7 +1822,7 @@
           <a:p>
             <a:fld id="{EEC5A783-B6BC-4E65-9415-DD6FC716A3A0}" type="datetimeFigureOut">
               <a:rPr lang="fr-FR" smtClean="0"/>
-              <a:t>21/09/2020</a:t>
+              <a:t>24/09/2020</a:t>
             </a:fld>
             <a:endParaRPr lang="fr-FR"/>
           </a:p>
@@ -2098,7 +2099,7 @@
           <a:p>
             <a:fld id="{EEC5A783-B6BC-4E65-9415-DD6FC716A3A0}" type="datetimeFigureOut">
               <a:rPr lang="fr-FR" smtClean="0"/>
-              <a:t>21/09/2020</a:t>
+              <a:t>24/09/2020</a:t>
             </a:fld>
             <a:endParaRPr lang="fr-FR"/>
           </a:p>
@@ -2355,7 +2356,7 @@
           <a:p>
             <a:fld id="{EEC5A783-B6BC-4E65-9415-DD6FC716A3A0}" type="datetimeFigureOut">
               <a:rPr lang="fr-FR" smtClean="0"/>
-              <a:t>21/09/2020</a:t>
+              <a:t>24/09/2020</a:t>
             </a:fld>
             <a:endParaRPr lang="fr-FR"/>
           </a:p>
@@ -2568,7 +2569,7 @@
           <a:p>
             <a:fld id="{EEC5A783-B6BC-4E65-9415-DD6FC716A3A0}" type="datetimeFigureOut">
               <a:rPr lang="fr-FR" smtClean="0"/>
-              <a:t>21/09/2020</a:t>
+              <a:t>24/09/2020</a:t>
             </a:fld>
             <a:endParaRPr lang="fr-FR"/>
           </a:p>
@@ -5881,6 +5882,45 @@
           </a:p>
         </p:txBody>
       </p:sp>
+      <p:sp>
+        <p:nvSpPr>
+          <p:cNvPr id="2" name="ZoneTexte 1"/>
+          <p:cNvSpPr txBox="1"/>
+          <p:nvPr/>
+        </p:nvSpPr>
+        <p:spPr>
+          <a:xfrm rot="20700000">
+            <a:off x="4114796" y="3273081"/>
+            <a:ext cx="6105352" cy="954107"/>
+          </a:xfrm>
+          <a:prstGeom prst="rect">
+            <a:avLst/>
+          </a:prstGeom>
+          <a:noFill/>
+        </p:spPr>
+        <p:txBody>
+          <a:bodyPr wrap="square" rtlCol="0">
+            <a:spAutoFit/>
+          </a:bodyPr>
+          <a:lstStyle/>
+          <a:p>
+            <a:pPr algn="ctr"/>
+            <a:r>
+              <a:rPr lang="fr-FR" sz="2800" b="1" dirty="0" smtClean="0">
+                <a:solidFill>
+                  <a:srgbClr val="FF7C80"/>
+                </a:solidFill>
+              </a:rPr>
+              <a:t>ARCHITECTURE MODIFIABLE EN FONCTION DU SYSTEME</a:t>
+            </a:r>
+            <a:endParaRPr lang="fr-FR" sz="2800" b="1" dirty="0">
+              <a:solidFill>
+                <a:srgbClr val="FF7C80"/>
+              </a:solidFill>
+            </a:endParaRPr>
+          </a:p>
+        </p:txBody>
+      </p:sp>
     </p:spTree>
     <p:extLst>
       <p:ext uri="{BB962C8B-B14F-4D97-AF65-F5344CB8AC3E}">
@@ -8758,6 +8798,45 @@
           </a:p>
         </p:txBody>
       </p:sp>
+      <p:sp>
+        <p:nvSpPr>
+          <p:cNvPr id="55" name="ZoneTexte 54"/>
+          <p:cNvSpPr txBox="1"/>
+          <p:nvPr/>
+        </p:nvSpPr>
+        <p:spPr>
+          <a:xfrm rot="20700000">
+            <a:off x="4114796" y="3273081"/>
+            <a:ext cx="6105352" cy="954107"/>
+          </a:xfrm>
+          <a:prstGeom prst="rect">
+            <a:avLst/>
+          </a:prstGeom>
+          <a:noFill/>
+        </p:spPr>
+        <p:txBody>
+          <a:bodyPr wrap="square" rtlCol="0">
+            <a:spAutoFit/>
+          </a:bodyPr>
+          <a:lstStyle/>
+          <a:p>
+            <a:pPr algn="ctr"/>
+            <a:r>
+              <a:rPr lang="fr-FR" sz="2800" b="1" dirty="0" smtClean="0">
+                <a:solidFill>
+                  <a:srgbClr val="FF7C80"/>
+                </a:solidFill>
+              </a:rPr>
+              <a:t>ARCHITECTURE MODIFIABLE EN FONCTION DU SYSTEME</a:t>
+            </a:r>
+            <a:endParaRPr lang="fr-FR" sz="2800" b="1" dirty="0">
+              <a:solidFill>
+                <a:srgbClr val="FF7C80"/>
+              </a:solidFill>
+            </a:endParaRPr>
+          </a:p>
+        </p:txBody>
+      </p:sp>
     </p:spTree>
     <p:extLst>
       <p:ext uri="{BB962C8B-B14F-4D97-AF65-F5344CB8AC3E}">
@@ -11696,10 +11775,3026 @@
           </a:p>
         </p:txBody>
       </p:sp>
+      <p:sp>
+        <p:nvSpPr>
+          <p:cNvPr id="56" name="ZoneTexte 55"/>
+          <p:cNvSpPr txBox="1"/>
+          <p:nvPr/>
+        </p:nvSpPr>
+        <p:spPr>
+          <a:xfrm rot="20700000">
+            <a:off x="4114796" y="3273081"/>
+            <a:ext cx="6105352" cy="954107"/>
+          </a:xfrm>
+          <a:prstGeom prst="rect">
+            <a:avLst/>
+          </a:prstGeom>
+          <a:noFill/>
+        </p:spPr>
+        <p:txBody>
+          <a:bodyPr wrap="square" rtlCol="0">
+            <a:spAutoFit/>
+          </a:bodyPr>
+          <a:lstStyle/>
+          <a:p>
+            <a:pPr algn="ctr"/>
+            <a:r>
+              <a:rPr lang="fr-FR" sz="2800" b="1" dirty="0" smtClean="0">
+                <a:solidFill>
+                  <a:srgbClr val="FF7C80"/>
+                </a:solidFill>
+              </a:rPr>
+              <a:t>ARCHITECTURE MODIFIABLE EN FONCTION DU SYSTEME</a:t>
+            </a:r>
+            <a:endParaRPr lang="fr-FR" sz="2800" b="1" dirty="0">
+              <a:solidFill>
+                <a:srgbClr val="FF7C80"/>
+              </a:solidFill>
+            </a:endParaRPr>
+          </a:p>
+        </p:txBody>
+      </p:sp>
     </p:spTree>
     <p:extLst>
       <p:ext uri="{BB962C8B-B14F-4D97-AF65-F5344CB8AC3E}">
         <p14:creationId xmlns:p14="http://schemas.microsoft.com/office/powerpoint/2010/main" val="665748079"/>
+      </p:ext>
+    </p:extLst>
+  </p:cSld>
+  <p:clrMapOvr>
+    <a:masterClrMapping/>
+  </p:clrMapOvr>
+</p:sld>
+</file>
+
+<file path=ppt/slides/slide4.xml><?xml version="1.0" encoding="utf-8"?>
+<p:sld xmlns:a="http://schemas.openxmlformats.org/drawingml/2006/main" xmlns:r="http://schemas.openxmlformats.org/officeDocument/2006/relationships" xmlns:p="http://schemas.openxmlformats.org/presentationml/2006/main">
+  <p:cSld>
+    <p:spTree>
+      <p:nvGrpSpPr>
+        <p:cNvPr id="1" name=""/>
+        <p:cNvGrpSpPr/>
+        <p:nvPr/>
+      </p:nvGrpSpPr>
+      <p:grpSpPr>
+        <a:xfrm>
+          <a:off x="0" y="0"/>
+          <a:ext cx="0" cy="0"/>
+          <a:chOff x="0" y="0"/>
+          <a:chExt cx="0" cy="0"/>
+        </a:xfrm>
+      </p:grpSpPr>
+      <p:sp>
+        <p:nvSpPr>
+          <p:cNvPr id="4" name="ZoneTexte 3">
+            <a:extLst>
+              <a:ext uri="{FF2B5EF4-FFF2-40B4-BE49-F238E27FC236}">
+                <a16:creationId xmlns:a16="http://schemas.microsoft.com/office/drawing/2014/main" id="{05DB4AE3-7E1A-45F5-80F4-0916155AE2DC}"/>
+              </a:ext>
+            </a:extLst>
+          </p:cNvPr>
+          <p:cNvSpPr txBox="1"/>
+          <p:nvPr/>
+        </p:nvSpPr>
+        <p:spPr>
+          <a:xfrm rot="16200000">
+            <a:off x="-5083579" y="5084297"/>
+            <a:ext cx="10691813" cy="523220"/>
+          </a:xfrm>
+          <a:prstGeom prst="rect">
+            <a:avLst/>
+          </a:prstGeom>
+          <a:solidFill>
+            <a:schemeClr val="accent1">
+              <a:lumMod val="60000"/>
+              <a:lumOff val="40000"/>
+            </a:schemeClr>
+          </a:solidFill>
+        </p:spPr>
+        <p:txBody>
+          <a:bodyPr wrap="square" rtlCol="0">
+            <a:spAutoFit/>
+          </a:bodyPr>
+          <a:lstStyle/>
+          <a:p>
+            <a:pPr algn="ctr"/>
+            <a:r>
+              <a:rPr lang="fr-FR" sz="2800" b="1" dirty="0" smtClean="0"/>
+              <a:t>BGR-300</a:t>
+            </a:r>
+            <a:endParaRPr lang="fr-FR" sz="2800" b="1" dirty="0"/>
+          </a:p>
+        </p:txBody>
+      </p:sp>
+      <p:sp>
+        <p:nvSpPr>
+          <p:cNvPr id="5" name="ZoneTexte 4">
+            <a:extLst>
+              <a:ext uri="{FF2B5EF4-FFF2-40B4-BE49-F238E27FC236}">
+                <a16:creationId xmlns:a16="http://schemas.microsoft.com/office/drawing/2014/main" id="{66F0031F-446B-4F7F-9CC7-7C15A923D095}"/>
+              </a:ext>
+            </a:extLst>
+          </p:cNvPr>
+          <p:cNvSpPr txBox="1"/>
+          <p:nvPr/>
+        </p:nvSpPr>
+        <p:spPr>
+          <a:xfrm>
+            <a:off x="1783110" y="-1"/>
+            <a:ext cx="14594695" cy="369332"/>
+          </a:xfrm>
+          <a:prstGeom prst="rect">
+            <a:avLst/>
+          </a:prstGeom>
+          <a:noFill/>
+        </p:spPr>
+        <p:txBody>
+          <a:bodyPr wrap="square" rtlCol="0">
+            <a:spAutoFit/>
+          </a:bodyPr>
+          <a:lstStyle/>
+          <a:p>
+            <a:r>
+              <a:rPr lang="fr-FR" dirty="0"/>
+              <a:t>Fonctionnement en BF – Grandeur asservie :								</a:t>
+            </a:r>
+          </a:p>
+        </p:txBody>
+      </p:sp>
+      <p:sp>
+        <p:nvSpPr>
+          <p:cNvPr id="8" name="ZoneTexte 7">
+            <a:extLst>
+              <a:ext uri="{FF2B5EF4-FFF2-40B4-BE49-F238E27FC236}">
+                <a16:creationId xmlns:a16="http://schemas.microsoft.com/office/drawing/2014/main" id="{D66373C0-C132-4FE8-AB0D-72CEE8711022}"/>
+              </a:ext>
+            </a:extLst>
+          </p:cNvPr>
+          <p:cNvSpPr txBox="1"/>
+          <p:nvPr/>
+        </p:nvSpPr>
+        <p:spPr>
+          <a:xfrm>
+            <a:off x="1783827" y="369331"/>
+            <a:ext cx="14594695" cy="369332"/>
+          </a:xfrm>
+          <a:prstGeom prst="rect">
+            <a:avLst/>
+          </a:prstGeom>
+          <a:noFill/>
+        </p:spPr>
+        <p:txBody>
+          <a:bodyPr wrap="square" rtlCol="0">
+            <a:spAutoFit/>
+          </a:bodyPr>
+          <a:lstStyle/>
+          <a:p>
+            <a:r>
+              <a:rPr lang="fr-FR" dirty="0"/>
+              <a:t>Fonctionnement en BO – Grandeur commandée :							Grandeur mesurée :</a:t>
+            </a:r>
+          </a:p>
+        </p:txBody>
+      </p:sp>
+      <p:sp>
+        <p:nvSpPr>
+          <p:cNvPr id="9" name="ZoneTexte 8">
+            <a:extLst>
+              <a:ext uri="{FF2B5EF4-FFF2-40B4-BE49-F238E27FC236}">
+                <a16:creationId xmlns:a16="http://schemas.microsoft.com/office/drawing/2014/main" id="{52427274-5C4C-44DB-BE01-08188F1A8CF5}"/>
+              </a:ext>
+            </a:extLst>
+          </p:cNvPr>
+          <p:cNvSpPr txBox="1"/>
+          <p:nvPr/>
+        </p:nvSpPr>
+        <p:spPr>
+          <a:xfrm>
+            <a:off x="1783109" y="738662"/>
+            <a:ext cx="14594695" cy="1200329"/>
+          </a:xfrm>
+          <a:prstGeom prst="rect">
+            <a:avLst/>
+          </a:prstGeom>
+          <a:noFill/>
+        </p:spPr>
+        <p:txBody>
+          <a:bodyPr wrap="square" rtlCol="0">
+            <a:spAutoFit/>
+          </a:bodyPr>
+          <a:lstStyle/>
+          <a:p>
+            <a:r>
+              <a:rPr lang="fr-FR" dirty="0"/>
+              <a:t>Modes de fonctionnements alternatifs (Description et grandeur asservie)</a:t>
+            </a:r>
+          </a:p>
+          <a:p>
+            <a:pPr marL="342900" indent="-342900">
+              <a:buFont typeface="+mj-lt"/>
+              <a:buAutoNum type="arabicPeriod"/>
+            </a:pPr>
+            <a:r>
+              <a:rPr lang="fr-FR" dirty="0"/>
+              <a:t> </a:t>
+            </a:r>
+          </a:p>
+          <a:p>
+            <a:pPr marL="342900" indent="-342900">
+              <a:buFont typeface="+mj-lt"/>
+              <a:buAutoNum type="arabicPeriod"/>
+            </a:pPr>
+            <a:r>
+              <a:rPr lang="fr-FR" dirty="0"/>
+              <a:t> </a:t>
+            </a:r>
+          </a:p>
+          <a:p>
+            <a:r>
+              <a:rPr lang="fr-FR" dirty="0"/>
+              <a:t>   </a:t>
+            </a:r>
+          </a:p>
+        </p:txBody>
+      </p:sp>
+      <p:sp>
+        <p:nvSpPr>
+          <p:cNvPr id="13" name="Flèche vers le bas 3">
+            <a:extLst>
+              <a:ext uri="{FF2B5EF4-FFF2-40B4-BE49-F238E27FC236}">
+                <a16:creationId xmlns:a16="http://schemas.microsoft.com/office/drawing/2014/main" id="{927A0572-9CDD-4441-9C9B-0B23B7AEA0A6}"/>
+              </a:ext>
+            </a:extLst>
+          </p:cNvPr>
+          <p:cNvSpPr/>
+          <p:nvPr/>
+        </p:nvSpPr>
+        <p:spPr>
+          <a:xfrm>
+            <a:off x="11853346" y="5217032"/>
+            <a:ext cx="405180" cy="642228"/>
+          </a:xfrm>
+          <a:prstGeom prst="downArrow">
+            <a:avLst/>
+          </a:prstGeom>
+          <a:solidFill>
+            <a:sysClr val="window" lastClr="FFFFFF"/>
+          </a:solidFill>
+          <a:ln w="25400" cap="flat" cmpd="sng" algn="ctr">
+            <a:solidFill>
+              <a:srgbClr val="C0504D"/>
+            </a:solidFill>
+            <a:prstDash val="solid"/>
+          </a:ln>
+          <a:effectLst/>
+        </p:spPr>
+        <p:txBody>
+          <a:bodyPr rtlCol="0" anchor="ctr"/>
+          <a:lstStyle/>
+          <a:p>
+            <a:pPr marL="0" marR="0" lvl="0" indent="0" algn="ctr" defTabSz="914400" eaLnBrk="1" fontAlgn="auto" latinLnBrk="0" hangingPunct="1">
+              <a:lnSpc>
+                <a:spcPct val="100000"/>
+              </a:lnSpc>
+              <a:spcBef>
+                <a:spcPts val="0"/>
+              </a:spcBef>
+              <a:spcAft>
+                <a:spcPts val="0"/>
+              </a:spcAft>
+              <a:buClrTx/>
+              <a:buSzTx/>
+              <a:buFontTx/>
+              <a:buNone/>
+              <a:tabLst/>
+              <a:defRPr/>
+            </a:pPr>
+            <a:endParaRPr kumimoji="0" lang="fr-FR" sz="1600" b="0" i="0" u="none" strike="noStrike" kern="0" cap="none" spc="0" normalizeH="0" baseline="0" noProof="0">
+              <a:ln>
+                <a:noFill/>
+              </a:ln>
+              <a:solidFill>
+                <a:prstClr val="black"/>
+              </a:solidFill>
+              <a:effectLst/>
+              <a:uLnTx/>
+              <a:uFillTx/>
+              <a:latin typeface="Calibri"/>
+              <a:ea typeface="+mn-ea"/>
+              <a:cs typeface="+mn-cs"/>
+            </a:endParaRPr>
+          </a:p>
+        </p:txBody>
+      </p:sp>
+      <p:sp>
+        <p:nvSpPr>
+          <p:cNvPr id="14" name="Rectangle à coins arrondis 4">
+            <a:extLst>
+              <a:ext uri="{FF2B5EF4-FFF2-40B4-BE49-F238E27FC236}">
+                <a16:creationId xmlns:a16="http://schemas.microsoft.com/office/drawing/2014/main" id="{20DF305C-5BDC-4310-9334-9CFC793F28D9}"/>
+              </a:ext>
+            </a:extLst>
+          </p:cNvPr>
+          <p:cNvSpPr/>
+          <p:nvPr/>
+        </p:nvSpPr>
+        <p:spPr>
+          <a:xfrm>
+            <a:off x="2743208" y="3735544"/>
+            <a:ext cx="10446944" cy="1254096"/>
+          </a:xfrm>
+          <a:prstGeom prst="roundRect">
+            <a:avLst/>
+          </a:prstGeom>
+          <a:solidFill>
+            <a:sysClr val="window" lastClr="FFFFFF"/>
+          </a:solidFill>
+          <a:ln w="25400" cap="flat" cmpd="sng" algn="ctr">
+            <a:solidFill>
+              <a:srgbClr val="C0504D"/>
+            </a:solidFill>
+            <a:prstDash val="solid"/>
+          </a:ln>
+          <a:effectLst/>
+        </p:spPr>
+        <p:txBody>
+          <a:bodyPr rtlCol="0" anchor="b"/>
+          <a:lstStyle/>
+          <a:p>
+            <a:pPr marL="0" marR="0" lvl="0" indent="0" algn="ctr" defTabSz="914400" eaLnBrk="1" fontAlgn="auto" latinLnBrk="0" hangingPunct="1">
+              <a:lnSpc>
+                <a:spcPct val="100000"/>
+              </a:lnSpc>
+              <a:spcBef>
+                <a:spcPts val="0"/>
+              </a:spcBef>
+              <a:spcAft>
+                <a:spcPts val="0"/>
+              </a:spcAft>
+              <a:buClrTx/>
+              <a:buSzTx/>
+              <a:buFontTx/>
+              <a:buNone/>
+              <a:tabLst/>
+              <a:defRPr/>
+            </a:pPr>
+            <a:r>
+              <a:rPr kumimoji="0" lang="fr-FR" sz="1400" b="0" i="1" u="none" strike="noStrike" kern="0" cap="none" spc="0" normalizeH="0" baseline="0" noProof="0" dirty="0">
+                <a:ln>
+                  <a:noFill/>
+                </a:ln>
+                <a:solidFill>
+                  <a:prstClr val="black"/>
+                </a:solidFill>
+                <a:effectLst/>
+                <a:uLnTx/>
+                <a:uFillTx/>
+                <a:latin typeface="Calibri"/>
+                <a:ea typeface="+mn-ea"/>
+                <a:cs typeface="+mn-cs"/>
+              </a:rPr>
+              <a:t>Chaîne d’énergie</a:t>
+            </a:r>
+          </a:p>
+        </p:txBody>
+      </p:sp>
+      <p:sp>
+        <p:nvSpPr>
+          <p:cNvPr id="15" name="Rectangle à coins arrondis 5">
+            <a:extLst>
+              <a:ext uri="{FF2B5EF4-FFF2-40B4-BE49-F238E27FC236}">
+                <a16:creationId xmlns:a16="http://schemas.microsoft.com/office/drawing/2014/main" id="{CEC2EBBC-4853-4474-91DE-4E09110AAB19}"/>
+              </a:ext>
+            </a:extLst>
+          </p:cNvPr>
+          <p:cNvSpPr/>
+          <p:nvPr/>
+        </p:nvSpPr>
+        <p:spPr>
+          <a:xfrm>
+            <a:off x="2743208" y="2193863"/>
+            <a:ext cx="6189637" cy="1121386"/>
+          </a:xfrm>
+          <a:prstGeom prst="roundRect">
+            <a:avLst/>
+          </a:prstGeom>
+          <a:solidFill>
+            <a:sysClr val="window" lastClr="FFFFFF"/>
+          </a:solidFill>
+          <a:ln w="25400" cap="flat" cmpd="sng" algn="ctr">
+            <a:solidFill>
+              <a:srgbClr val="4F81BD"/>
+            </a:solidFill>
+            <a:prstDash val="solid"/>
+          </a:ln>
+          <a:effectLst/>
+        </p:spPr>
+        <p:txBody>
+          <a:bodyPr rtlCol="0" anchor="t"/>
+          <a:lstStyle/>
+          <a:p>
+            <a:pPr marL="0" marR="0" lvl="0" indent="0" algn="ctr" defTabSz="914400" eaLnBrk="1" fontAlgn="auto" latinLnBrk="0" hangingPunct="1">
+              <a:lnSpc>
+                <a:spcPct val="100000"/>
+              </a:lnSpc>
+              <a:spcBef>
+                <a:spcPts val="0"/>
+              </a:spcBef>
+              <a:spcAft>
+                <a:spcPts val="0"/>
+              </a:spcAft>
+              <a:buClrTx/>
+              <a:buSzTx/>
+              <a:buFontTx/>
+              <a:buNone/>
+              <a:tabLst/>
+              <a:defRPr/>
+            </a:pPr>
+            <a:r>
+              <a:rPr kumimoji="0" lang="fr-FR" sz="1400" b="0" i="1" u="none" strike="noStrike" kern="0" cap="none" spc="0" normalizeH="0" baseline="0" noProof="0" dirty="0">
+                <a:ln>
+                  <a:noFill/>
+                </a:ln>
+                <a:solidFill>
+                  <a:prstClr val="black"/>
+                </a:solidFill>
+                <a:effectLst/>
+                <a:uLnTx/>
+                <a:uFillTx/>
+                <a:latin typeface="Calibri"/>
+                <a:ea typeface="+mn-ea"/>
+                <a:cs typeface="+mn-cs"/>
+              </a:rPr>
+              <a:t>Chaîne d’information</a:t>
+            </a:r>
+          </a:p>
+        </p:txBody>
+      </p:sp>
+      <p:sp>
+        <p:nvSpPr>
+          <p:cNvPr id="16" name="Rectangle 15">
+            <a:extLst>
+              <a:ext uri="{FF2B5EF4-FFF2-40B4-BE49-F238E27FC236}">
+                <a16:creationId xmlns:a16="http://schemas.microsoft.com/office/drawing/2014/main" id="{14F2C736-94BA-4F27-BFDA-C3C7AD0446AE}"/>
+              </a:ext>
+            </a:extLst>
+          </p:cNvPr>
+          <p:cNvSpPr/>
+          <p:nvPr/>
+        </p:nvSpPr>
+        <p:spPr>
+          <a:xfrm>
+            <a:off x="2946938" y="2511054"/>
+            <a:ext cx="1620000" cy="694102"/>
+          </a:xfrm>
+          <a:prstGeom prst="rect">
+            <a:avLst/>
+          </a:prstGeom>
+          <a:gradFill rotWithShape="1">
+            <a:gsLst>
+              <a:gs pos="0">
+                <a:srgbClr val="4F81BD">
+                  <a:tint val="50000"/>
+                  <a:satMod val="300000"/>
+                </a:srgbClr>
+              </a:gs>
+              <a:gs pos="35000">
+                <a:srgbClr val="4F81BD">
+                  <a:tint val="37000"/>
+                  <a:satMod val="300000"/>
+                </a:srgbClr>
+              </a:gs>
+              <a:gs pos="100000">
+                <a:srgbClr val="4F81BD">
+                  <a:tint val="15000"/>
+                  <a:satMod val="350000"/>
+                </a:srgbClr>
+              </a:gs>
+            </a:gsLst>
+            <a:lin ang="16200000" scaled="1"/>
+          </a:gradFill>
+          <a:ln w="9525" cap="flat" cmpd="sng" algn="ctr">
+            <a:solidFill>
+              <a:srgbClr val="4F81BD">
+                <a:shade val="95000"/>
+                <a:satMod val="105000"/>
+              </a:srgbClr>
+            </a:solidFill>
+            <a:prstDash val="solid"/>
+          </a:ln>
+          <a:effectLst>
+            <a:outerShdw blurRad="40000" dist="20000" dir="5400000" rotWithShape="0">
+              <a:srgbClr val="000000">
+                <a:alpha val="38000"/>
+              </a:srgbClr>
+            </a:outerShdw>
+          </a:effectLst>
+        </p:spPr>
+        <p:txBody>
+          <a:bodyPr rtlCol="0" anchor="t"/>
+          <a:lstStyle/>
+          <a:p>
+            <a:pPr marL="0" marR="0" lvl="0" indent="0" algn="ctr" defTabSz="914400" eaLnBrk="1" fontAlgn="auto" latinLnBrk="0" hangingPunct="1">
+              <a:lnSpc>
+                <a:spcPct val="100000"/>
+              </a:lnSpc>
+              <a:spcBef>
+                <a:spcPts val="0"/>
+              </a:spcBef>
+              <a:spcAft>
+                <a:spcPts val="0"/>
+              </a:spcAft>
+              <a:buClrTx/>
+              <a:buSzTx/>
+              <a:buFontTx/>
+              <a:buNone/>
+              <a:tabLst/>
+              <a:defRPr/>
+            </a:pPr>
+            <a:r>
+              <a:rPr kumimoji="0" lang="fr-FR" sz="1400" b="0" i="0" u="none" strike="noStrike" kern="0" cap="none" spc="0" normalizeH="0" baseline="0" noProof="0" dirty="0">
+                <a:ln>
+                  <a:noFill/>
+                </a:ln>
+                <a:solidFill>
+                  <a:prstClr val="black"/>
+                </a:solidFill>
+                <a:effectLst/>
+                <a:uLnTx/>
+                <a:uFillTx/>
+                <a:latin typeface="Calibri"/>
+                <a:ea typeface="+mn-ea"/>
+                <a:cs typeface="+mn-cs"/>
+              </a:rPr>
+              <a:t>ACQUERIR</a:t>
+            </a:r>
+          </a:p>
+        </p:txBody>
+      </p:sp>
+      <p:sp>
+        <p:nvSpPr>
+          <p:cNvPr id="17" name="Rectangle 16">
+            <a:extLst>
+              <a:ext uri="{FF2B5EF4-FFF2-40B4-BE49-F238E27FC236}">
+                <a16:creationId xmlns:a16="http://schemas.microsoft.com/office/drawing/2014/main" id="{350E394D-E25A-4447-B59A-3DC839DBA0C9}"/>
+              </a:ext>
+            </a:extLst>
+          </p:cNvPr>
+          <p:cNvSpPr/>
+          <p:nvPr/>
+        </p:nvSpPr>
+        <p:spPr>
+          <a:xfrm>
+            <a:off x="5053248" y="2511054"/>
+            <a:ext cx="1620000" cy="694102"/>
+          </a:xfrm>
+          <a:prstGeom prst="rect">
+            <a:avLst/>
+          </a:prstGeom>
+          <a:gradFill rotWithShape="1">
+            <a:gsLst>
+              <a:gs pos="0">
+                <a:srgbClr val="4F81BD">
+                  <a:tint val="50000"/>
+                  <a:satMod val="300000"/>
+                </a:srgbClr>
+              </a:gs>
+              <a:gs pos="35000">
+                <a:srgbClr val="4F81BD">
+                  <a:tint val="37000"/>
+                  <a:satMod val="300000"/>
+                </a:srgbClr>
+              </a:gs>
+              <a:gs pos="100000">
+                <a:srgbClr val="4F81BD">
+                  <a:tint val="15000"/>
+                  <a:satMod val="350000"/>
+                </a:srgbClr>
+              </a:gs>
+            </a:gsLst>
+            <a:lin ang="16200000" scaled="1"/>
+          </a:gradFill>
+          <a:ln w="9525" cap="flat" cmpd="sng" algn="ctr">
+            <a:solidFill>
+              <a:srgbClr val="4F81BD">
+                <a:shade val="95000"/>
+                <a:satMod val="105000"/>
+              </a:srgbClr>
+            </a:solidFill>
+            <a:prstDash val="solid"/>
+          </a:ln>
+          <a:effectLst>
+            <a:outerShdw blurRad="40000" dist="20000" dir="5400000" rotWithShape="0">
+              <a:srgbClr val="000000">
+                <a:alpha val="38000"/>
+              </a:srgbClr>
+            </a:outerShdw>
+          </a:effectLst>
+        </p:spPr>
+        <p:txBody>
+          <a:bodyPr rtlCol="0" anchor="t"/>
+          <a:lstStyle/>
+          <a:p>
+            <a:pPr marL="0" marR="0" lvl="0" indent="0" algn="ctr" defTabSz="914400" eaLnBrk="1" fontAlgn="auto" latinLnBrk="0" hangingPunct="1">
+              <a:lnSpc>
+                <a:spcPct val="100000"/>
+              </a:lnSpc>
+              <a:spcBef>
+                <a:spcPts val="0"/>
+              </a:spcBef>
+              <a:spcAft>
+                <a:spcPts val="0"/>
+              </a:spcAft>
+              <a:buClrTx/>
+              <a:buSzTx/>
+              <a:buFontTx/>
+              <a:buNone/>
+              <a:tabLst/>
+              <a:defRPr/>
+            </a:pPr>
+            <a:r>
+              <a:rPr kumimoji="0" lang="fr-FR" sz="1400" b="0" i="0" u="none" strike="noStrike" kern="0" cap="none" spc="0" normalizeH="0" baseline="0" noProof="0" dirty="0">
+                <a:ln>
+                  <a:noFill/>
+                </a:ln>
+                <a:solidFill>
+                  <a:prstClr val="black"/>
+                </a:solidFill>
+                <a:effectLst/>
+                <a:uLnTx/>
+                <a:uFillTx/>
+                <a:latin typeface="Calibri"/>
+                <a:ea typeface="+mn-ea"/>
+                <a:cs typeface="+mn-cs"/>
+              </a:rPr>
+              <a:t>TRAITER</a:t>
+            </a:r>
+          </a:p>
+        </p:txBody>
+      </p:sp>
+      <p:sp>
+        <p:nvSpPr>
+          <p:cNvPr id="18" name="Rectangle 17">
+            <a:extLst>
+              <a:ext uri="{FF2B5EF4-FFF2-40B4-BE49-F238E27FC236}">
+                <a16:creationId xmlns:a16="http://schemas.microsoft.com/office/drawing/2014/main" id="{C8EAA6CF-7989-4D62-9EF5-BF94B892E314}"/>
+              </a:ext>
+            </a:extLst>
+          </p:cNvPr>
+          <p:cNvSpPr/>
+          <p:nvPr/>
+        </p:nvSpPr>
+        <p:spPr>
+          <a:xfrm>
+            <a:off x="7157713" y="2511054"/>
+            <a:ext cx="1620000" cy="709738"/>
+          </a:xfrm>
+          <a:prstGeom prst="rect">
+            <a:avLst/>
+          </a:prstGeom>
+          <a:gradFill rotWithShape="1">
+            <a:gsLst>
+              <a:gs pos="0">
+                <a:srgbClr val="4F81BD">
+                  <a:tint val="50000"/>
+                  <a:satMod val="300000"/>
+                </a:srgbClr>
+              </a:gs>
+              <a:gs pos="35000">
+                <a:srgbClr val="4F81BD">
+                  <a:tint val="37000"/>
+                  <a:satMod val="300000"/>
+                </a:srgbClr>
+              </a:gs>
+              <a:gs pos="100000">
+                <a:srgbClr val="4F81BD">
+                  <a:tint val="15000"/>
+                  <a:satMod val="350000"/>
+                </a:srgbClr>
+              </a:gs>
+            </a:gsLst>
+            <a:lin ang="16200000" scaled="1"/>
+          </a:gradFill>
+          <a:ln w="9525" cap="flat" cmpd="sng" algn="ctr">
+            <a:solidFill>
+              <a:srgbClr val="4F81BD">
+                <a:shade val="95000"/>
+                <a:satMod val="105000"/>
+              </a:srgbClr>
+            </a:solidFill>
+            <a:prstDash val="solid"/>
+          </a:ln>
+          <a:effectLst>
+            <a:outerShdw blurRad="40000" dist="20000" dir="5400000" rotWithShape="0">
+              <a:srgbClr val="000000">
+                <a:alpha val="38000"/>
+              </a:srgbClr>
+            </a:outerShdw>
+          </a:effectLst>
+        </p:spPr>
+        <p:txBody>
+          <a:bodyPr rtlCol="0" anchor="t"/>
+          <a:lstStyle/>
+          <a:p>
+            <a:pPr marL="0" marR="0" lvl="0" indent="0" algn="ctr" defTabSz="914400" eaLnBrk="1" fontAlgn="auto" latinLnBrk="0" hangingPunct="1">
+              <a:lnSpc>
+                <a:spcPct val="100000"/>
+              </a:lnSpc>
+              <a:spcBef>
+                <a:spcPts val="0"/>
+              </a:spcBef>
+              <a:spcAft>
+                <a:spcPts val="0"/>
+              </a:spcAft>
+              <a:buClrTx/>
+              <a:buSzTx/>
+              <a:buFontTx/>
+              <a:buNone/>
+              <a:tabLst/>
+              <a:defRPr/>
+            </a:pPr>
+            <a:r>
+              <a:rPr kumimoji="0" lang="fr-FR" sz="1400" b="0" i="0" u="none" strike="noStrike" kern="0" cap="none" spc="0" normalizeH="0" baseline="0" noProof="0" dirty="0">
+                <a:ln>
+                  <a:noFill/>
+                </a:ln>
+                <a:solidFill>
+                  <a:prstClr val="black"/>
+                </a:solidFill>
+                <a:effectLst/>
+                <a:uLnTx/>
+                <a:uFillTx/>
+                <a:latin typeface="Calibri"/>
+                <a:ea typeface="+mn-ea"/>
+                <a:cs typeface="+mn-cs"/>
+              </a:rPr>
+              <a:t>COMMUNIQUER</a:t>
+            </a:r>
+          </a:p>
+        </p:txBody>
+      </p:sp>
+      <p:sp>
+        <p:nvSpPr>
+          <p:cNvPr id="19" name="Rectangle 18">
+            <a:extLst>
+              <a:ext uri="{FF2B5EF4-FFF2-40B4-BE49-F238E27FC236}">
+                <a16:creationId xmlns:a16="http://schemas.microsoft.com/office/drawing/2014/main" id="{5B3BCA64-8AFA-4E5E-9CDA-539981DEA2F7}"/>
+              </a:ext>
+            </a:extLst>
+          </p:cNvPr>
+          <p:cNvSpPr/>
+          <p:nvPr/>
+        </p:nvSpPr>
+        <p:spPr>
+          <a:xfrm>
+            <a:off x="2946938" y="3934966"/>
+            <a:ext cx="1620000" cy="687554"/>
+          </a:xfrm>
+          <a:prstGeom prst="rect">
+            <a:avLst/>
+          </a:prstGeom>
+          <a:gradFill rotWithShape="1">
+            <a:gsLst>
+              <a:gs pos="0">
+                <a:srgbClr val="C0504D">
+                  <a:tint val="50000"/>
+                  <a:satMod val="300000"/>
+                </a:srgbClr>
+              </a:gs>
+              <a:gs pos="35000">
+                <a:srgbClr val="C0504D">
+                  <a:tint val="37000"/>
+                  <a:satMod val="300000"/>
+                </a:srgbClr>
+              </a:gs>
+              <a:gs pos="100000">
+                <a:srgbClr val="C0504D">
+                  <a:tint val="15000"/>
+                  <a:satMod val="350000"/>
+                </a:srgbClr>
+              </a:gs>
+            </a:gsLst>
+            <a:lin ang="16200000" scaled="1"/>
+          </a:gradFill>
+          <a:ln w="9525" cap="flat" cmpd="sng" algn="ctr">
+            <a:solidFill>
+              <a:srgbClr val="C0504D">
+                <a:shade val="95000"/>
+                <a:satMod val="105000"/>
+              </a:srgbClr>
+            </a:solidFill>
+            <a:prstDash val="solid"/>
+          </a:ln>
+          <a:effectLst>
+            <a:outerShdw blurRad="40000" dist="20000" dir="5400000" rotWithShape="0">
+              <a:srgbClr val="000000">
+                <a:alpha val="38000"/>
+              </a:srgbClr>
+            </a:outerShdw>
+          </a:effectLst>
+        </p:spPr>
+        <p:txBody>
+          <a:bodyPr rtlCol="0" anchor="t"/>
+          <a:lstStyle/>
+          <a:p>
+            <a:pPr marL="0" marR="0" lvl="0" indent="0" algn="ctr" defTabSz="914400" eaLnBrk="1" fontAlgn="auto" latinLnBrk="0" hangingPunct="1">
+              <a:lnSpc>
+                <a:spcPct val="100000"/>
+              </a:lnSpc>
+              <a:spcBef>
+                <a:spcPts val="0"/>
+              </a:spcBef>
+              <a:spcAft>
+                <a:spcPts val="0"/>
+              </a:spcAft>
+              <a:buClrTx/>
+              <a:buSzTx/>
+              <a:buFontTx/>
+              <a:buNone/>
+              <a:tabLst/>
+              <a:defRPr/>
+            </a:pPr>
+            <a:r>
+              <a:rPr kumimoji="0" lang="fr-FR" sz="1400" b="0" i="0" u="none" strike="noStrike" kern="0" cap="none" spc="0" normalizeH="0" baseline="0" noProof="0" dirty="0">
+                <a:ln>
+                  <a:noFill/>
+                </a:ln>
+                <a:solidFill>
+                  <a:prstClr val="black"/>
+                </a:solidFill>
+                <a:effectLst/>
+                <a:uLnTx/>
+                <a:uFillTx/>
+                <a:latin typeface="Calibri"/>
+                <a:ea typeface="+mn-ea"/>
+                <a:cs typeface="+mn-cs"/>
+              </a:rPr>
+              <a:t>ALIMENTER</a:t>
+            </a:r>
+          </a:p>
+        </p:txBody>
+      </p:sp>
+      <p:sp>
+        <p:nvSpPr>
+          <p:cNvPr id="20" name="Rectangle 19">
+            <a:extLst>
+              <a:ext uri="{FF2B5EF4-FFF2-40B4-BE49-F238E27FC236}">
+                <a16:creationId xmlns:a16="http://schemas.microsoft.com/office/drawing/2014/main" id="{E9B69189-B2EF-4111-8F93-CC055A1C37AB}"/>
+              </a:ext>
+            </a:extLst>
+          </p:cNvPr>
+          <p:cNvSpPr/>
+          <p:nvPr/>
+        </p:nvSpPr>
+        <p:spPr>
+          <a:xfrm>
+            <a:off x="5053248" y="3934966"/>
+            <a:ext cx="1620000" cy="687554"/>
+          </a:xfrm>
+          <a:prstGeom prst="rect">
+            <a:avLst/>
+          </a:prstGeom>
+          <a:gradFill rotWithShape="1">
+            <a:gsLst>
+              <a:gs pos="0">
+                <a:srgbClr val="C0504D">
+                  <a:tint val="50000"/>
+                  <a:satMod val="300000"/>
+                </a:srgbClr>
+              </a:gs>
+              <a:gs pos="35000">
+                <a:srgbClr val="C0504D">
+                  <a:tint val="37000"/>
+                  <a:satMod val="300000"/>
+                </a:srgbClr>
+              </a:gs>
+              <a:gs pos="100000">
+                <a:srgbClr val="C0504D">
+                  <a:tint val="15000"/>
+                  <a:satMod val="350000"/>
+                </a:srgbClr>
+              </a:gs>
+            </a:gsLst>
+            <a:lin ang="16200000" scaled="1"/>
+          </a:gradFill>
+          <a:ln w="9525" cap="flat" cmpd="sng" algn="ctr">
+            <a:solidFill>
+              <a:srgbClr val="C0504D">
+                <a:shade val="95000"/>
+                <a:satMod val="105000"/>
+              </a:srgbClr>
+            </a:solidFill>
+            <a:prstDash val="solid"/>
+          </a:ln>
+          <a:effectLst>
+            <a:outerShdw blurRad="40000" dist="20000" dir="5400000" rotWithShape="0">
+              <a:srgbClr val="000000">
+                <a:alpha val="38000"/>
+              </a:srgbClr>
+            </a:outerShdw>
+          </a:effectLst>
+        </p:spPr>
+        <p:txBody>
+          <a:bodyPr rtlCol="0" anchor="t"/>
+          <a:lstStyle/>
+          <a:p>
+            <a:pPr marL="0" marR="0" lvl="0" indent="0" algn="ctr" defTabSz="914400" eaLnBrk="1" fontAlgn="auto" latinLnBrk="0" hangingPunct="1">
+              <a:lnSpc>
+                <a:spcPct val="100000"/>
+              </a:lnSpc>
+              <a:spcBef>
+                <a:spcPts val="0"/>
+              </a:spcBef>
+              <a:spcAft>
+                <a:spcPts val="0"/>
+              </a:spcAft>
+              <a:buClrTx/>
+              <a:buSzTx/>
+              <a:buFontTx/>
+              <a:buNone/>
+              <a:tabLst/>
+              <a:defRPr/>
+            </a:pPr>
+            <a:r>
+              <a:rPr kumimoji="0" lang="fr-FR" sz="1400" b="0" i="0" u="none" strike="noStrike" kern="0" cap="none" spc="0" normalizeH="0" baseline="0" noProof="0" dirty="0">
+                <a:ln>
+                  <a:noFill/>
+                </a:ln>
+                <a:solidFill>
+                  <a:prstClr val="black"/>
+                </a:solidFill>
+                <a:effectLst/>
+                <a:uLnTx/>
+                <a:uFillTx/>
+                <a:latin typeface="Calibri"/>
+                <a:ea typeface="+mn-ea"/>
+                <a:cs typeface="+mn-cs"/>
+              </a:rPr>
+              <a:t>DISTRIBUER</a:t>
+            </a:r>
+          </a:p>
+        </p:txBody>
+      </p:sp>
+      <p:sp>
+        <p:nvSpPr>
+          <p:cNvPr id="21" name="Rectangle 20">
+            <a:extLst>
+              <a:ext uri="{FF2B5EF4-FFF2-40B4-BE49-F238E27FC236}">
+                <a16:creationId xmlns:a16="http://schemas.microsoft.com/office/drawing/2014/main" id="{5DFC4BE2-563D-40D7-935A-6ECB7AA1F7A7}"/>
+              </a:ext>
+            </a:extLst>
+          </p:cNvPr>
+          <p:cNvSpPr/>
+          <p:nvPr/>
+        </p:nvSpPr>
+        <p:spPr>
+          <a:xfrm>
+            <a:off x="7157713" y="3934966"/>
+            <a:ext cx="1620000" cy="687554"/>
+          </a:xfrm>
+          <a:prstGeom prst="rect">
+            <a:avLst/>
+          </a:prstGeom>
+          <a:gradFill rotWithShape="1">
+            <a:gsLst>
+              <a:gs pos="0">
+                <a:srgbClr val="C0504D">
+                  <a:tint val="50000"/>
+                  <a:satMod val="300000"/>
+                </a:srgbClr>
+              </a:gs>
+              <a:gs pos="35000">
+                <a:srgbClr val="C0504D">
+                  <a:tint val="37000"/>
+                  <a:satMod val="300000"/>
+                </a:srgbClr>
+              </a:gs>
+              <a:gs pos="100000">
+                <a:srgbClr val="C0504D">
+                  <a:tint val="15000"/>
+                  <a:satMod val="350000"/>
+                </a:srgbClr>
+              </a:gs>
+            </a:gsLst>
+            <a:lin ang="16200000" scaled="1"/>
+          </a:gradFill>
+          <a:ln w="9525" cap="flat" cmpd="sng" algn="ctr">
+            <a:solidFill>
+              <a:srgbClr val="C0504D">
+                <a:shade val="95000"/>
+                <a:satMod val="105000"/>
+              </a:srgbClr>
+            </a:solidFill>
+            <a:prstDash val="solid"/>
+          </a:ln>
+          <a:effectLst>
+            <a:outerShdw blurRad="40000" dist="20000" dir="5400000" rotWithShape="0">
+              <a:srgbClr val="000000">
+                <a:alpha val="38000"/>
+              </a:srgbClr>
+            </a:outerShdw>
+          </a:effectLst>
+        </p:spPr>
+        <p:txBody>
+          <a:bodyPr rtlCol="0" anchor="t"/>
+          <a:lstStyle/>
+          <a:p>
+            <a:pPr marL="0" marR="0" lvl="0" indent="0" algn="ctr" defTabSz="914400" eaLnBrk="1" fontAlgn="auto" latinLnBrk="0" hangingPunct="1">
+              <a:lnSpc>
+                <a:spcPct val="100000"/>
+              </a:lnSpc>
+              <a:spcBef>
+                <a:spcPts val="0"/>
+              </a:spcBef>
+              <a:spcAft>
+                <a:spcPts val="0"/>
+              </a:spcAft>
+              <a:buClrTx/>
+              <a:buSzTx/>
+              <a:buFontTx/>
+              <a:buNone/>
+              <a:tabLst/>
+              <a:defRPr/>
+            </a:pPr>
+            <a:r>
+              <a:rPr kumimoji="0" lang="fr-FR" sz="1400" b="0" i="0" u="none" strike="noStrike" kern="0" cap="none" spc="0" normalizeH="0" baseline="0" noProof="0" dirty="0">
+                <a:ln>
+                  <a:noFill/>
+                </a:ln>
+                <a:solidFill>
+                  <a:prstClr val="black"/>
+                </a:solidFill>
+                <a:effectLst/>
+                <a:uLnTx/>
+                <a:uFillTx/>
+                <a:latin typeface="Calibri"/>
+                <a:ea typeface="+mn-ea"/>
+                <a:cs typeface="+mn-cs"/>
+              </a:rPr>
+              <a:t>CONVERTIR</a:t>
+            </a:r>
+          </a:p>
+        </p:txBody>
+      </p:sp>
+      <p:sp>
+        <p:nvSpPr>
+          <p:cNvPr id="22" name="Rectangle 21">
+            <a:extLst>
+              <a:ext uri="{FF2B5EF4-FFF2-40B4-BE49-F238E27FC236}">
+                <a16:creationId xmlns:a16="http://schemas.microsoft.com/office/drawing/2014/main" id="{4A9336DD-FA8E-4DCF-913B-43AF1DBE70A2}"/>
+              </a:ext>
+            </a:extLst>
+          </p:cNvPr>
+          <p:cNvSpPr/>
+          <p:nvPr/>
+        </p:nvSpPr>
+        <p:spPr>
+          <a:xfrm>
+            <a:off x="9216898" y="3934966"/>
+            <a:ext cx="1620000" cy="687554"/>
+          </a:xfrm>
+          <a:prstGeom prst="rect">
+            <a:avLst/>
+          </a:prstGeom>
+          <a:gradFill rotWithShape="1">
+            <a:gsLst>
+              <a:gs pos="0">
+                <a:srgbClr val="C0504D">
+                  <a:tint val="50000"/>
+                  <a:satMod val="300000"/>
+                </a:srgbClr>
+              </a:gs>
+              <a:gs pos="35000">
+                <a:srgbClr val="C0504D">
+                  <a:tint val="37000"/>
+                  <a:satMod val="300000"/>
+                </a:srgbClr>
+              </a:gs>
+              <a:gs pos="100000">
+                <a:srgbClr val="C0504D">
+                  <a:tint val="15000"/>
+                  <a:satMod val="350000"/>
+                </a:srgbClr>
+              </a:gs>
+            </a:gsLst>
+            <a:lin ang="16200000" scaled="1"/>
+          </a:gradFill>
+          <a:ln w="9525" cap="flat" cmpd="sng" algn="ctr">
+            <a:solidFill>
+              <a:srgbClr val="C0504D">
+                <a:shade val="95000"/>
+                <a:satMod val="105000"/>
+              </a:srgbClr>
+            </a:solidFill>
+            <a:prstDash val="solid"/>
+          </a:ln>
+          <a:effectLst>
+            <a:outerShdw blurRad="40000" dist="20000" dir="5400000" rotWithShape="0">
+              <a:srgbClr val="000000">
+                <a:alpha val="38000"/>
+              </a:srgbClr>
+            </a:outerShdw>
+          </a:effectLst>
+        </p:spPr>
+        <p:txBody>
+          <a:bodyPr rtlCol="0" anchor="t"/>
+          <a:lstStyle/>
+          <a:p>
+            <a:pPr marL="0" marR="0" lvl="0" indent="0" algn="ctr" defTabSz="914400" eaLnBrk="1" fontAlgn="auto" latinLnBrk="0" hangingPunct="1">
+              <a:lnSpc>
+                <a:spcPct val="100000"/>
+              </a:lnSpc>
+              <a:spcBef>
+                <a:spcPts val="0"/>
+              </a:spcBef>
+              <a:spcAft>
+                <a:spcPts val="0"/>
+              </a:spcAft>
+              <a:buClrTx/>
+              <a:buSzTx/>
+              <a:buFontTx/>
+              <a:buNone/>
+              <a:tabLst/>
+              <a:defRPr/>
+            </a:pPr>
+            <a:r>
+              <a:rPr kumimoji="0" lang="fr-FR" sz="1400" b="0" i="0" u="none" strike="noStrike" kern="0" cap="none" spc="0" normalizeH="0" baseline="0" noProof="0" dirty="0">
+                <a:ln>
+                  <a:noFill/>
+                </a:ln>
+                <a:solidFill>
+                  <a:prstClr val="black"/>
+                </a:solidFill>
+                <a:effectLst/>
+                <a:uLnTx/>
+                <a:uFillTx/>
+                <a:latin typeface="Calibri"/>
+                <a:ea typeface="+mn-ea"/>
+                <a:cs typeface="+mn-cs"/>
+              </a:rPr>
+              <a:t>TRANSMETTRE</a:t>
+            </a:r>
+          </a:p>
+        </p:txBody>
+      </p:sp>
+      <p:sp>
+        <p:nvSpPr>
+          <p:cNvPr id="23" name="Rectangle 22">
+            <a:extLst>
+              <a:ext uri="{FF2B5EF4-FFF2-40B4-BE49-F238E27FC236}">
+                <a16:creationId xmlns:a16="http://schemas.microsoft.com/office/drawing/2014/main" id="{FD4A7BAB-62AD-481C-9AF7-2A8B5EC966FD}"/>
+              </a:ext>
+            </a:extLst>
+          </p:cNvPr>
+          <p:cNvSpPr/>
+          <p:nvPr/>
+        </p:nvSpPr>
+        <p:spPr>
+          <a:xfrm>
+            <a:off x="11245936" y="3365829"/>
+            <a:ext cx="1620000" cy="1840580"/>
+          </a:xfrm>
+          <a:prstGeom prst="rect">
+            <a:avLst/>
+          </a:prstGeom>
+          <a:gradFill rotWithShape="1">
+            <a:gsLst>
+              <a:gs pos="0">
+                <a:srgbClr val="F79646">
+                  <a:tint val="50000"/>
+                  <a:satMod val="300000"/>
+                </a:srgbClr>
+              </a:gs>
+              <a:gs pos="35000">
+                <a:srgbClr val="F79646">
+                  <a:tint val="37000"/>
+                  <a:satMod val="300000"/>
+                </a:srgbClr>
+              </a:gs>
+              <a:gs pos="100000">
+                <a:srgbClr val="F79646">
+                  <a:tint val="15000"/>
+                  <a:satMod val="350000"/>
+                </a:srgbClr>
+              </a:gs>
+            </a:gsLst>
+            <a:lin ang="16200000" scaled="1"/>
+          </a:gradFill>
+          <a:ln w="9525" cap="flat" cmpd="sng" algn="ctr">
+            <a:solidFill>
+              <a:srgbClr val="F79646">
+                <a:shade val="95000"/>
+                <a:satMod val="105000"/>
+              </a:srgbClr>
+            </a:solidFill>
+            <a:prstDash val="solid"/>
+          </a:ln>
+          <a:effectLst>
+            <a:outerShdw blurRad="40000" dist="20000" dir="5400000" rotWithShape="0">
+              <a:srgbClr val="000000">
+                <a:alpha val="38000"/>
+              </a:srgbClr>
+            </a:outerShdw>
+          </a:effectLst>
+        </p:spPr>
+        <p:txBody>
+          <a:bodyPr rtlCol="0" anchor="ctr"/>
+          <a:lstStyle/>
+          <a:p>
+            <a:pPr marL="0" marR="0" lvl="0" indent="0" algn="ctr" defTabSz="914400" eaLnBrk="1" fontAlgn="auto" latinLnBrk="0" hangingPunct="1">
+              <a:lnSpc>
+                <a:spcPct val="100000"/>
+              </a:lnSpc>
+              <a:spcBef>
+                <a:spcPts val="0"/>
+              </a:spcBef>
+              <a:spcAft>
+                <a:spcPts val="0"/>
+              </a:spcAft>
+              <a:buClrTx/>
+              <a:buSzTx/>
+              <a:buFontTx/>
+              <a:buNone/>
+              <a:tabLst/>
+              <a:defRPr/>
+            </a:pPr>
+            <a:r>
+              <a:rPr kumimoji="0" lang="fr-FR" sz="1400" b="0" i="0" u="none" strike="noStrike" kern="0" cap="none" spc="0" normalizeH="0" baseline="0" noProof="0" dirty="0">
+                <a:ln>
+                  <a:noFill/>
+                </a:ln>
+                <a:solidFill>
+                  <a:prstClr val="black"/>
+                </a:solidFill>
+                <a:effectLst/>
+                <a:uLnTx/>
+                <a:uFillTx/>
+                <a:latin typeface="Calibri"/>
+                <a:ea typeface="+mn-ea"/>
+                <a:cs typeface="+mn-cs"/>
+              </a:rPr>
+              <a:t>ACTION</a:t>
+            </a:r>
+          </a:p>
+        </p:txBody>
+      </p:sp>
+      <p:cxnSp>
+        <p:nvCxnSpPr>
+          <p:cNvPr id="24" name="Connecteur droit avec flèche 23">
+            <a:extLst>
+              <a:ext uri="{FF2B5EF4-FFF2-40B4-BE49-F238E27FC236}">
+                <a16:creationId xmlns:a16="http://schemas.microsoft.com/office/drawing/2014/main" id="{5F27A41C-9140-4D16-A82E-D1DB427DC6A3}"/>
+              </a:ext>
+            </a:extLst>
+          </p:cNvPr>
+          <p:cNvCxnSpPr>
+            <a:cxnSpLocks/>
+          </p:cNvCxnSpPr>
+          <p:nvPr/>
+        </p:nvCxnSpPr>
+        <p:spPr>
+          <a:xfrm>
+            <a:off x="2460628" y="3078433"/>
+            <a:ext cx="486310" cy="0"/>
+          </a:xfrm>
+          <a:prstGeom prst="straightConnector1">
+            <a:avLst/>
+          </a:prstGeom>
+          <a:noFill/>
+          <a:ln w="28575" cap="flat" cmpd="sng" algn="ctr">
+            <a:solidFill>
+              <a:srgbClr val="4F81BD">
+                <a:shade val="95000"/>
+                <a:satMod val="105000"/>
+              </a:srgbClr>
+            </a:solidFill>
+            <a:prstDash val="solid"/>
+            <a:tailEnd type="arrow"/>
+          </a:ln>
+          <a:effectLst/>
+        </p:spPr>
+      </p:cxnSp>
+      <p:cxnSp>
+        <p:nvCxnSpPr>
+          <p:cNvPr id="25" name="Connecteur droit avec flèche 24">
+            <a:extLst>
+              <a:ext uri="{FF2B5EF4-FFF2-40B4-BE49-F238E27FC236}">
+                <a16:creationId xmlns:a16="http://schemas.microsoft.com/office/drawing/2014/main" id="{E4B05A1B-A360-4F3B-9AA9-B5B711A74016}"/>
+              </a:ext>
+            </a:extLst>
+          </p:cNvPr>
+          <p:cNvCxnSpPr>
+            <a:stCxn id="16" idx="3"/>
+            <a:endCxn id="17" idx="1"/>
+          </p:cNvCxnSpPr>
+          <p:nvPr/>
+        </p:nvCxnSpPr>
+        <p:spPr>
+          <a:xfrm>
+            <a:off x="4566938" y="2858105"/>
+            <a:ext cx="486310" cy="0"/>
+          </a:xfrm>
+          <a:prstGeom prst="straightConnector1">
+            <a:avLst/>
+          </a:prstGeom>
+          <a:noFill/>
+          <a:ln w="28575" cap="flat" cmpd="sng" algn="ctr">
+            <a:solidFill>
+              <a:srgbClr val="4F81BD">
+                <a:shade val="95000"/>
+                <a:satMod val="105000"/>
+              </a:srgbClr>
+            </a:solidFill>
+            <a:prstDash val="solid"/>
+            <a:tailEnd type="arrow"/>
+          </a:ln>
+          <a:effectLst/>
+        </p:spPr>
+      </p:cxnSp>
+      <p:cxnSp>
+        <p:nvCxnSpPr>
+          <p:cNvPr id="26" name="Connecteur droit avec flèche 25">
+            <a:extLst>
+              <a:ext uri="{FF2B5EF4-FFF2-40B4-BE49-F238E27FC236}">
+                <a16:creationId xmlns:a16="http://schemas.microsoft.com/office/drawing/2014/main" id="{273435B1-3176-4DE3-9EDB-371F6572D2D4}"/>
+              </a:ext>
+            </a:extLst>
+          </p:cNvPr>
+          <p:cNvCxnSpPr>
+            <a:stCxn id="17" idx="3"/>
+            <a:endCxn id="18" idx="1"/>
+          </p:cNvCxnSpPr>
+          <p:nvPr/>
+        </p:nvCxnSpPr>
+        <p:spPr>
+          <a:xfrm>
+            <a:off x="6673248" y="2858105"/>
+            <a:ext cx="484465" cy="7818"/>
+          </a:xfrm>
+          <a:prstGeom prst="straightConnector1">
+            <a:avLst/>
+          </a:prstGeom>
+          <a:noFill/>
+          <a:ln w="28575" cap="flat" cmpd="sng" algn="ctr">
+            <a:solidFill>
+              <a:srgbClr val="4F81BD">
+                <a:shade val="95000"/>
+                <a:satMod val="105000"/>
+              </a:srgbClr>
+            </a:solidFill>
+            <a:prstDash val="solid"/>
+            <a:tailEnd type="arrow"/>
+          </a:ln>
+          <a:effectLst/>
+        </p:spPr>
+      </p:cxnSp>
+      <p:cxnSp>
+        <p:nvCxnSpPr>
+          <p:cNvPr id="27" name="Connecteur droit avec flèche 26">
+            <a:extLst>
+              <a:ext uri="{FF2B5EF4-FFF2-40B4-BE49-F238E27FC236}">
+                <a16:creationId xmlns:a16="http://schemas.microsoft.com/office/drawing/2014/main" id="{123E4F42-80B8-4E1D-917C-B15FF5EF4A0B}"/>
+              </a:ext>
+            </a:extLst>
+          </p:cNvPr>
+          <p:cNvCxnSpPr>
+            <a:stCxn id="18" idx="3"/>
+          </p:cNvCxnSpPr>
+          <p:nvPr/>
+        </p:nvCxnSpPr>
+        <p:spPr>
+          <a:xfrm>
+            <a:off x="8777713" y="2865923"/>
+            <a:ext cx="1249185" cy="0"/>
+          </a:xfrm>
+          <a:prstGeom prst="straightConnector1">
+            <a:avLst/>
+          </a:prstGeom>
+          <a:noFill/>
+          <a:ln w="28575" cap="flat" cmpd="sng" algn="ctr">
+            <a:solidFill>
+              <a:srgbClr val="4F81BD">
+                <a:shade val="95000"/>
+                <a:satMod val="105000"/>
+              </a:srgbClr>
+            </a:solidFill>
+            <a:prstDash val="solid"/>
+            <a:tailEnd type="arrow"/>
+          </a:ln>
+          <a:effectLst/>
+        </p:spPr>
+      </p:cxnSp>
+      <p:cxnSp>
+        <p:nvCxnSpPr>
+          <p:cNvPr id="31" name="Connecteur droit 30">
+            <a:extLst>
+              <a:ext uri="{FF2B5EF4-FFF2-40B4-BE49-F238E27FC236}">
+                <a16:creationId xmlns:a16="http://schemas.microsoft.com/office/drawing/2014/main" id="{92217C9D-1B81-4A94-985F-8506A2A7EE34}"/>
+              </a:ext>
+            </a:extLst>
+          </p:cNvPr>
+          <p:cNvCxnSpPr>
+            <a:cxnSpLocks/>
+          </p:cNvCxnSpPr>
+          <p:nvPr/>
+        </p:nvCxnSpPr>
+        <p:spPr>
+          <a:xfrm flipV="1">
+            <a:off x="4810093" y="3315249"/>
+            <a:ext cx="0" cy="765542"/>
+          </a:xfrm>
+          <a:prstGeom prst="line">
+            <a:avLst/>
+          </a:prstGeom>
+          <a:noFill/>
+          <a:ln w="28575" cap="flat" cmpd="sng" algn="ctr">
+            <a:solidFill>
+              <a:srgbClr val="C0504D">
+                <a:shade val="95000"/>
+                <a:satMod val="105000"/>
+              </a:srgbClr>
+            </a:solidFill>
+            <a:prstDash val="solid"/>
+          </a:ln>
+          <a:effectLst/>
+        </p:spPr>
+      </p:cxnSp>
+      <p:cxnSp>
+        <p:nvCxnSpPr>
+          <p:cNvPr id="32" name="Connecteur droit 31">
+            <a:extLst>
+              <a:ext uri="{FF2B5EF4-FFF2-40B4-BE49-F238E27FC236}">
+                <a16:creationId xmlns:a16="http://schemas.microsoft.com/office/drawing/2014/main" id="{3C944A46-BA15-4A06-AE32-C4A56FC2AFAA}"/>
+              </a:ext>
+            </a:extLst>
+          </p:cNvPr>
+          <p:cNvCxnSpPr>
+            <a:cxnSpLocks/>
+          </p:cNvCxnSpPr>
+          <p:nvPr/>
+        </p:nvCxnSpPr>
+        <p:spPr>
+          <a:xfrm>
+            <a:off x="4810093" y="4080791"/>
+            <a:ext cx="243155" cy="0"/>
+          </a:xfrm>
+          <a:prstGeom prst="line">
+            <a:avLst/>
+          </a:prstGeom>
+          <a:noFill/>
+          <a:ln w="28575" cap="flat" cmpd="sng" algn="ctr">
+            <a:solidFill>
+              <a:srgbClr val="C0504D">
+                <a:shade val="95000"/>
+                <a:satMod val="105000"/>
+              </a:srgbClr>
+            </a:solidFill>
+            <a:prstDash val="solid"/>
+            <a:headEnd type="none" w="med" len="med"/>
+            <a:tailEnd type="arrow" w="med" len="med"/>
+          </a:ln>
+          <a:effectLst/>
+        </p:spPr>
+      </p:cxnSp>
+      <p:cxnSp>
+        <p:nvCxnSpPr>
+          <p:cNvPr id="33" name="Connecteur droit 32">
+            <a:extLst>
+              <a:ext uri="{FF2B5EF4-FFF2-40B4-BE49-F238E27FC236}">
+                <a16:creationId xmlns:a16="http://schemas.microsoft.com/office/drawing/2014/main" id="{81A2943E-F942-42D5-9842-C8A9C916D913}"/>
+              </a:ext>
+            </a:extLst>
+          </p:cNvPr>
+          <p:cNvCxnSpPr>
+            <a:stCxn id="19" idx="3"/>
+            <a:endCxn id="20" idx="1"/>
+          </p:cNvCxnSpPr>
+          <p:nvPr/>
+        </p:nvCxnSpPr>
+        <p:spPr>
+          <a:xfrm>
+            <a:off x="4566938" y="4278743"/>
+            <a:ext cx="486310" cy="0"/>
+          </a:xfrm>
+          <a:prstGeom prst="line">
+            <a:avLst/>
+          </a:prstGeom>
+          <a:noFill/>
+          <a:ln w="28575" cap="flat" cmpd="sng" algn="ctr">
+            <a:solidFill>
+              <a:srgbClr val="C0504D">
+                <a:shade val="95000"/>
+                <a:satMod val="105000"/>
+              </a:srgbClr>
+            </a:solidFill>
+            <a:prstDash val="solid"/>
+            <a:headEnd type="none" w="med" len="med"/>
+            <a:tailEnd type="arrow" w="med" len="med"/>
+          </a:ln>
+          <a:effectLst/>
+        </p:spPr>
+      </p:cxnSp>
+      <p:cxnSp>
+        <p:nvCxnSpPr>
+          <p:cNvPr id="34" name="Connecteur droit 33">
+            <a:extLst>
+              <a:ext uri="{FF2B5EF4-FFF2-40B4-BE49-F238E27FC236}">
+                <a16:creationId xmlns:a16="http://schemas.microsoft.com/office/drawing/2014/main" id="{5BBD142F-6083-4954-A15F-52E9A6A63A83}"/>
+              </a:ext>
+            </a:extLst>
+          </p:cNvPr>
+          <p:cNvCxnSpPr>
+            <a:stCxn id="20" idx="3"/>
+            <a:endCxn id="21" idx="1"/>
+          </p:cNvCxnSpPr>
+          <p:nvPr/>
+        </p:nvCxnSpPr>
+        <p:spPr>
+          <a:xfrm>
+            <a:off x="6673248" y="4278743"/>
+            <a:ext cx="484465" cy="0"/>
+          </a:xfrm>
+          <a:prstGeom prst="line">
+            <a:avLst/>
+          </a:prstGeom>
+          <a:noFill/>
+          <a:ln w="28575" cap="flat" cmpd="sng" algn="ctr">
+            <a:solidFill>
+              <a:srgbClr val="C0504D">
+                <a:shade val="95000"/>
+                <a:satMod val="105000"/>
+              </a:srgbClr>
+            </a:solidFill>
+            <a:prstDash val="solid"/>
+            <a:headEnd type="none" w="med" len="med"/>
+            <a:tailEnd type="arrow" w="med" len="med"/>
+          </a:ln>
+          <a:effectLst/>
+        </p:spPr>
+      </p:cxnSp>
+      <p:cxnSp>
+        <p:nvCxnSpPr>
+          <p:cNvPr id="35" name="Connecteur droit 34">
+            <a:extLst>
+              <a:ext uri="{FF2B5EF4-FFF2-40B4-BE49-F238E27FC236}">
+                <a16:creationId xmlns:a16="http://schemas.microsoft.com/office/drawing/2014/main" id="{4270298D-A902-465D-BEE3-C94B1803F788}"/>
+              </a:ext>
+            </a:extLst>
+          </p:cNvPr>
+          <p:cNvCxnSpPr>
+            <a:stCxn id="21" idx="3"/>
+            <a:endCxn id="22" idx="1"/>
+          </p:cNvCxnSpPr>
+          <p:nvPr/>
+        </p:nvCxnSpPr>
+        <p:spPr>
+          <a:xfrm>
+            <a:off x="8777713" y="4278743"/>
+            <a:ext cx="439185" cy="0"/>
+          </a:xfrm>
+          <a:prstGeom prst="line">
+            <a:avLst/>
+          </a:prstGeom>
+          <a:noFill/>
+          <a:ln w="28575" cap="flat" cmpd="sng" algn="ctr">
+            <a:solidFill>
+              <a:srgbClr val="C0504D">
+                <a:shade val="95000"/>
+                <a:satMod val="105000"/>
+              </a:srgbClr>
+            </a:solidFill>
+            <a:prstDash val="solid"/>
+            <a:headEnd type="none" w="med" len="med"/>
+            <a:tailEnd type="arrow" w="med" len="med"/>
+          </a:ln>
+          <a:effectLst/>
+        </p:spPr>
+      </p:cxnSp>
+      <p:cxnSp>
+        <p:nvCxnSpPr>
+          <p:cNvPr id="36" name="Connecteur droit 35">
+            <a:extLst>
+              <a:ext uri="{FF2B5EF4-FFF2-40B4-BE49-F238E27FC236}">
+                <a16:creationId xmlns:a16="http://schemas.microsoft.com/office/drawing/2014/main" id="{8E4D8189-F404-4230-A802-A02E5E356597}"/>
+              </a:ext>
+            </a:extLst>
+          </p:cNvPr>
+          <p:cNvCxnSpPr>
+            <a:cxnSpLocks/>
+            <a:stCxn id="22" idx="3"/>
+            <a:endCxn id="23" idx="1"/>
+          </p:cNvCxnSpPr>
+          <p:nvPr/>
+        </p:nvCxnSpPr>
+        <p:spPr>
+          <a:xfrm>
+            <a:off x="10836898" y="4278743"/>
+            <a:ext cx="409038" cy="7376"/>
+          </a:xfrm>
+          <a:prstGeom prst="line">
+            <a:avLst/>
+          </a:prstGeom>
+          <a:noFill/>
+          <a:ln w="28575" cap="flat" cmpd="sng" algn="ctr">
+            <a:solidFill>
+              <a:srgbClr val="C0504D">
+                <a:shade val="95000"/>
+                <a:satMod val="105000"/>
+              </a:srgbClr>
+            </a:solidFill>
+            <a:prstDash val="solid"/>
+            <a:headEnd type="none" w="med" len="med"/>
+            <a:tailEnd type="arrow" w="med" len="med"/>
+          </a:ln>
+          <a:effectLst/>
+        </p:spPr>
+      </p:cxnSp>
+      <p:cxnSp>
+        <p:nvCxnSpPr>
+          <p:cNvPr id="37" name="Connecteur droit 36">
+            <a:extLst>
+              <a:ext uri="{FF2B5EF4-FFF2-40B4-BE49-F238E27FC236}">
+                <a16:creationId xmlns:a16="http://schemas.microsoft.com/office/drawing/2014/main" id="{578546EE-400C-40E0-AE65-8A15AAC3E048}"/>
+              </a:ext>
+            </a:extLst>
+          </p:cNvPr>
+          <p:cNvCxnSpPr>
+            <a:cxnSpLocks/>
+          </p:cNvCxnSpPr>
+          <p:nvPr/>
+        </p:nvCxnSpPr>
+        <p:spPr>
+          <a:xfrm>
+            <a:off x="2460628" y="4278743"/>
+            <a:ext cx="486310" cy="0"/>
+          </a:xfrm>
+          <a:prstGeom prst="line">
+            <a:avLst/>
+          </a:prstGeom>
+          <a:noFill/>
+          <a:ln w="28575" cap="flat" cmpd="sng" algn="ctr">
+            <a:solidFill>
+              <a:srgbClr val="C0504D">
+                <a:shade val="95000"/>
+                <a:satMod val="105000"/>
+              </a:srgbClr>
+            </a:solidFill>
+            <a:prstDash val="solid"/>
+            <a:headEnd type="none" w="med" len="med"/>
+            <a:tailEnd type="arrow" w="med" len="med"/>
+          </a:ln>
+          <a:effectLst/>
+        </p:spPr>
+      </p:cxnSp>
+      <p:cxnSp>
+        <p:nvCxnSpPr>
+          <p:cNvPr id="38" name="Connecteur droit 37">
+            <a:extLst>
+              <a:ext uri="{FF2B5EF4-FFF2-40B4-BE49-F238E27FC236}">
+                <a16:creationId xmlns:a16="http://schemas.microsoft.com/office/drawing/2014/main" id="{282C3255-4151-4578-8E5D-2D7B78DC286F}"/>
+              </a:ext>
+            </a:extLst>
+          </p:cNvPr>
+          <p:cNvCxnSpPr>
+            <a:cxnSpLocks/>
+          </p:cNvCxnSpPr>
+          <p:nvPr/>
+        </p:nvCxnSpPr>
+        <p:spPr>
+          <a:xfrm flipV="1">
+            <a:off x="10630157" y="1887145"/>
+            <a:ext cx="0" cy="1840580"/>
+          </a:xfrm>
+          <a:prstGeom prst="line">
+            <a:avLst/>
+          </a:prstGeom>
+          <a:noFill/>
+          <a:ln w="28575" cap="flat" cmpd="sng" algn="ctr">
+            <a:solidFill>
+              <a:srgbClr val="92D050"/>
+            </a:solidFill>
+            <a:prstDash val="solid"/>
+          </a:ln>
+          <a:effectLst/>
+        </p:spPr>
+      </p:cxnSp>
+      <p:cxnSp>
+        <p:nvCxnSpPr>
+          <p:cNvPr id="39" name="Connecteur droit 38">
+            <a:extLst>
+              <a:ext uri="{FF2B5EF4-FFF2-40B4-BE49-F238E27FC236}">
+                <a16:creationId xmlns:a16="http://schemas.microsoft.com/office/drawing/2014/main" id="{9CFE3312-7FD0-4FBA-B81F-621772F4A246}"/>
+              </a:ext>
+            </a:extLst>
+          </p:cNvPr>
+          <p:cNvCxnSpPr>
+            <a:cxnSpLocks/>
+          </p:cNvCxnSpPr>
+          <p:nvPr/>
+        </p:nvCxnSpPr>
+        <p:spPr>
+          <a:xfrm flipH="1">
+            <a:off x="2460628" y="1887144"/>
+            <a:ext cx="8195247" cy="0"/>
+          </a:xfrm>
+          <a:prstGeom prst="line">
+            <a:avLst/>
+          </a:prstGeom>
+          <a:noFill/>
+          <a:ln w="28575" cap="flat" cmpd="sng" algn="ctr">
+            <a:solidFill>
+              <a:srgbClr val="92D050"/>
+            </a:solidFill>
+            <a:prstDash val="solid"/>
+          </a:ln>
+          <a:effectLst/>
+        </p:spPr>
+      </p:cxnSp>
+      <p:cxnSp>
+        <p:nvCxnSpPr>
+          <p:cNvPr id="40" name="Connecteur droit 39">
+            <a:extLst>
+              <a:ext uri="{FF2B5EF4-FFF2-40B4-BE49-F238E27FC236}">
+                <a16:creationId xmlns:a16="http://schemas.microsoft.com/office/drawing/2014/main" id="{725CDBAA-00DA-4016-9A63-34084FD0E113}"/>
+              </a:ext>
+            </a:extLst>
+          </p:cNvPr>
+          <p:cNvCxnSpPr>
+            <a:cxnSpLocks/>
+          </p:cNvCxnSpPr>
+          <p:nvPr/>
+        </p:nvCxnSpPr>
+        <p:spPr>
+          <a:xfrm>
+            <a:off x="2460628" y="2645981"/>
+            <a:ext cx="486310" cy="0"/>
+          </a:xfrm>
+          <a:prstGeom prst="line">
+            <a:avLst/>
+          </a:prstGeom>
+          <a:noFill/>
+          <a:ln w="28575" cap="flat" cmpd="sng" algn="ctr">
+            <a:solidFill>
+              <a:srgbClr val="92D050"/>
+            </a:solidFill>
+            <a:prstDash val="solid"/>
+            <a:headEnd type="none" w="med" len="med"/>
+            <a:tailEnd type="arrow" w="med" len="med"/>
+          </a:ln>
+          <a:effectLst/>
+        </p:spPr>
+      </p:cxnSp>
+      <p:cxnSp>
+        <p:nvCxnSpPr>
+          <p:cNvPr id="41" name="Connecteur droit 40">
+            <a:extLst>
+              <a:ext uri="{FF2B5EF4-FFF2-40B4-BE49-F238E27FC236}">
+                <a16:creationId xmlns:a16="http://schemas.microsoft.com/office/drawing/2014/main" id="{1A1DF33F-0D3A-4B30-8705-EDD22861E35C}"/>
+              </a:ext>
+            </a:extLst>
+          </p:cNvPr>
+          <p:cNvCxnSpPr>
+            <a:cxnSpLocks/>
+          </p:cNvCxnSpPr>
+          <p:nvPr/>
+        </p:nvCxnSpPr>
+        <p:spPr>
+          <a:xfrm flipV="1">
+            <a:off x="2460628" y="1887144"/>
+            <a:ext cx="0" cy="758838"/>
+          </a:xfrm>
+          <a:prstGeom prst="line">
+            <a:avLst/>
+          </a:prstGeom>
+          <a:noFill/>
+          <a:ln w="28575" cap="flat" cmpd="sng" algn="ctr">
+            <a:solidFill>
+              <a:srgbClr val="92D050"/>
+            </a:solidFill>
+            <a:prstDash val="solid"/>
+          </a:ln>
+          <a:effectLst/>
+        </p:spPr>
+      </p:cxnSp>
+      <p:cxnSp>
+        <p:nvCxnSpPr>
+          <p:cNvPr id="42" name="Connecteur droit 41">
+            <a:extLst>
+              <a:ext uri="{FF2B5EF4-FFF2-40B4-BE49-F238E27FC236}">
+                <a16:creationId xmlns:a16="http://schemas.microsoft.com/office/drawing/2014/main" id="{2ACDABC4-31F8-4BD9-A720-5802A8BAB497}"/>
+              </a:ext>
+            </a:extLst>
+          </p:cNvPr>
+          <p:cNvCxnSpPr>
+            <a:cxnSpLocks/>
+          </p:cNvCxnSpPr>
+          <p:nvPr/>
+        </p:nvCxnSpPr>
+        <p:spPr>
+          <a:xfrm>
+            <a:off x="12873762" y="3542167"/>
+            <a:ext cx="409038" cy="2542"/>
+          </a:xfrm>
+          <a:prstGeom prst="line">
+            <a:avLst/>
+          </a:prstGeom>
+          <a:noFill/>
+          <a:ln w="28575" cap="flat" cmpd="sng" algn="ctr">
+            <a:solidFill>
+              <a:srgbClr val="C0504D">
+                <a:shade val="95000"/>
+                <a:satMod val="105000"/>
+              </a:srgbClr>
+            </a:solidFill>
+            <a:prstDash val="solid"/>
+            <a:headEnd type="none" w="med" len="med"/>
+            <a:tailEnd type="arrow" w="med" len="med"/>
+          </a:ln>
+          <a:effectLst/>
+        </p:spPr>
+      </p:cxnSp>
+      <p:sp>
+        <p:nvSpPr>
+          <p:cNvPr id="43" name="Flèche vers le bas 33">
+            <a:extLst>
+              <a:ext uri="{FF2B5EF4-FFF2-40B4-BE49-F238E27FC236}">
+                <a16:creationId xmlns:a16="http://schemas.microsoft.com/office/drawing/2014/main" id="{F3468FBD-8897-4A42-9B06-CE4F01ED9F02}"/>
+              </a:ext>
+            </a:extLst>
+          </p:cNvPr>
+          <p:cNvSpPr/>
+          <p:nvPr/>
+        </p:nvSpPr>
+        <p:spPr>
+          <a:xfrm>
+            <a:off x="11853346" y="2563828"/>
+            <a:ext cx="405180" cy="819344"/>
+          </a:xfrm>
+          <a:prstGeom prst="downArrow">
+            <a:avLst/>
+          </a:prstGeom>
+          <a:solidFill>
+            <a:sysClr val="window" lastClr="FFFFFF"/>
+          </a:solidFill>
+          <a:ln w="25400" cap="flat" cmpd="sng" algn="ctr">
+            <a:solidFill>
+              <a:srgbClr val="C0504D"/>
+            </a:solidFill>
+            <a:prstDash val="solid"/>
+          </a:ln>
+          <a:effectLst/>
+        </p:spPr>
+        <p:txBody>
+          <a:bodyPr rtlCol="0" anchor="ctr"/>
+          <a:lstStyle/>
+          <a:p>
+            <a:pPr marL="0" marR="0" lvl="0" indent="0" algn="ctr" defTabSz="914400" eaLnBrk="1" fontAlgn="auto" latinLnBrk="0" hangingPunct="1">
+              <a:lnSpc>
+                <a:spcPct val="100000"/>
+              </a:lnSpc>
+              <a:spcBef>
+                <a:spcPts val="0"/>
+              </a:spcBef>
+              <a:spcAft>
+                <a:spcPts val="0"/>
+              </a:spcAft>
+              <a:buClrTx/>
+              <a:buSzTx/>
+              <a:buFontTx/>
+              <a:buNone/>
+              <a:tabLst/>
+              <a:defRPr/>
+            </a:pPr>
+            <a:endParaRPr kumimoji="0" lang="fr-FR" sz="1600" b="0" i="0" u="none" strike="noStrike" kern="0" cap="none" spc="0" normalizeH="0" baseline="0" noProof="0">
+              <a:ln>
+                <a:noFill/>
+              </a:ln>
+              <a:solidFill>
+                <a:prstClr val="black"/>
+              </a:solidFill>
+              <a:effectLst/>
+              <a:uLnTx/>
+              <a:uFillTx/>
+              <a:latin typeface="Calibri"/>
+              <a:ea typeface="+mn-ea"/>
+              <a:cs typeface="+mn-cs"/>
+            </a:endParaRPr>
+          </a:p>
+        </p:txBody>
+      </p:sp>
+      <p:sp>
+        <p:nvSpPr>
+          <p:cNvPr id="44" name="Rectangle 43">
+            <a:extLst>
+              <a:ext uri="{FF2B5EF4-FFF2-40B4-BE49-F238E27FC236}">
+                <a16:creationId xmlns:a16="http://schemas.microsoft.com/office/drawing/2014/main" id="{04B2C3EC-633C-4735-82B8-DC39A9D879EE}"/>
+              </a:ext>
+            </a:extLst>
+          </p:cNvPr>
+          <p:cNvSpPr/>
+          <p:nvPr/>
+        </p:nvSpPr>
+        <p:spPr>
+          <a:xfrm>
+            <a:off x="5980053" y="3318053"/>
+            <a:ext cx="1482684" cy="409672"/>
+          </a:xfrm>
+          <a:prstGeom prst="rect">
+            <a:avLst/>
+          </a:prstGeom>
+          <a:noFill/>
+          <a:ln w="9525" cap="flat" cmpd="sng" algn="ctr">
+            <a:noFill/>
+            <a:prstDash val="solid"/>
+          </a:ln>
+          <a:effectLst/>
+        </p:spPr>
+        <p:txBody>
+          <a:bodyPr rtlCol="0" anchor="ctr"/>
+          <a:lstStyle/>
+          <a:p>
+            <a:pPr marL="0" marR="0" lvl="0" indent="0" algn="ctr" defTabSz="914400" eaLnBrk="1" fontAlgn="auto" latinLnBrk="0" hangingPunct="1">
+              <a:lnSpc>
+                <a:spcPct val="100000"/>
+              </a:lnSpc>
+              <a:spcBef>
+                <a:spcPts val="0"/>
+              </a:spcBef>
+              <a:spcAft>
+                <a:spcPts val="0"/>
+              </a:spcAft>
+              <a:buClrTx/>
+              <a:buSzTx/>
+              <a:buFontTx/>
+              <a:buNone/>
+              <a:tabLst/>
+              <a:defRPr/>
+            </a:pPr>
+            <a:r>
+              <a:rPr kumimoji="0" lang="fr-FR" sz="1600" b="1" i="0" u="none" strike="noStrike" kern="0" cap="none" spc="0" normalizeH="0" baseline="0" noProof="0" dirty="0">
+                <a:ln>
+                  <a:noFill/>
+                </a:ln>
+                <a:solidFill>
+                  <a:srgbClr val="C00000"/>
+                </a:solidFill>
+                <a:effectLst/>
+                <a:uLnTx/>
+                <a:uFillTx/>
+                <a:latin typeface="Calibri"/>
+                <a:ea typeface="+mn-ea"/>
+                <a:cs typeface="+mn-cs"/>
+              </a:rPr>
+              <a:t>Ordres</a:t>
+            </a:r>
+          </a:p>
+        </p:txBody>
+      </p:sp>
+      <p:sp>
+        <p:nvSpPr>
+          <p:cNvPr id="45" name="Rectangle 44">
+            <a:extLst>
+              <a:ext uri="{FF2B5EF4-FFF2-40B4-BE49-F238E27FC236}">
+                <a16:creationId xmlns:a16="http://schemas.microsoft.com/office/drawing/2014/main" id="{67319993-505A-4042-AD65-168EC6EDDABF}"/>
+              </a:ext>
+            </a:extLst>
+          </p:cNvPr>
+          <p:cNvSpPr/>
+          <p:nvPr/>
+        </p:nvSpPr>
+        <p:spPr>
+          <a:xfrm>
+            <a:off x="10467491" y="1718966"/>
+            <a:ext cx="1482684" cy="949795"/>
+          </a:xfrm>
+          <a:prstGeom prst="rect">
+            <a:avLst/>
+          </a:prstGeom>
+          <a:noFill/>
+          <a:ln w="9525" cap="flat" cmpd="sng" algn="ctr">
+            <a:noFill/>
+            <a:prstDash val="solid"/>
+          </a:ln>
+          <a:effectLst/>
+        </p:spPr>
+        <p:txBody>
+          <a:bodyPr rtlCol="0" anchor="ctr"/>
+          <a:lstStyle/>
+          <a:p>
+            <a:pPr marL="0" marR="0" lvl="0" indent="0" algn="ctr" defTabSz="914400" eaLnBrk="1" fontAlgn="auto" latinLnBrk="0" hangingPunct="1">
+              <a:lnSpc>
+                <a:spcPct val="100000"/>
+              </a:lnSpc>
+              <a:spcBef>
+                <a:spcPts val="0"/>
+              </a:spcBef>
+              <a:spcAft>
+                <a:spcPts val="0"/>
+              </a:spcAft>
+              <a:buClrTx/>
+              <a:buSzTx/>
+              <a:buFontTx/>
+              <a:buNone/>
+              <a:tabLst/>
+              <a:defRPr/>
+            </a:pPr>
+            <a:r>
+              <a:rPr kumimoji="0" lang="fr-FR" sz="1400" b="1" i="0" u="none" strike="noStrike" kern="0" cap="none" spc="0" normalizeH="0" baseline="0" noProof="0" dirty="0">
+                <a:ln>
+                  <a:noFill/>
+                </a:ln>
+                <a:solidFill>
+                  <a:srgbClr val="92D050"/>
+                </a:solidFill>
+                <a:effectLst/>
+                <a:uLnTx/>
+                <a:uFillTx/>
+                <a:latin typeface="Calibri"/>
+                <a:ea typeface="+mn-ea"/>
+                <a:cs typeface="+mn-cs"/>
+              </a:rPr>
+              <a:t>Grandeurs physiques à acquérir</a:t>
+            </a:r>
+          </a:p>
+        </p:txBody>
+      </p:sp>
+      <p:sp>
+        <p:nvSpPr>
+          <p:cNvPr id="46" name="Rectangle 45">
+            <a:extLst>
+              <a:ext uri="{FF2B5EF4-FFF2-40B4-BE49-F238E27FC236}">
+                <a16:creationId xmlns:a16="http://schemas.microsoft.com/office/drawing/2014/main" id="{3782BBB0-4BB9-49D7-B70B-94BF2A96AFD1}"/>
+              </a:ext>
+            </a:extLst>
+          </p:cNvPr>
+          <p:cNvSpPr/>
+          <p:nvPr/>
+        </p:nvSpPr>
+        <p:spPr>
+          <a:xfrm>
+            <a:off x="9177183" y="1908310"/>
+            <a:ext cx="1452974" cy="949795"/>
+          </a:xfrm>
+          <a:prstGeom prst="rect">
+            <a:avLst/>
+          </a:prstGeom>
+          <a:noFill/>
+          <a:ln w="9525" cap="flat" cmpd="sng" algn="ctr">
+            <a:noFill/>
+            <a:prstDash val="solid"/>
+          </a:ln>
+          <a:effectLst/>
+        </p:spPr>
+        <p:txBody>
+          <a:bodyPr rtlCol="0" anchor="ctr"/>
+          <a:lstStyle/>
+          <a:p>
+            <a:pPr marL="0" marR="0" lvl="0" indent="0" algn="ctr" defTabSz="914400" eaLnBrk="1" fontAlgn="auto" latinLnBrk="0" hangingPunct="1">
+              <a:lnSpc>
+                <a:spcPct val="100000"/>
+              </a:lnSpc>
+              <a:spcBef>
+                <a:spcPts val="0"/>
+              </a:spcBef>
+              <a:spcAft>
+                <a:spcPts val="0"/>
+              </a:spcAft>
+              <a:buClrTx/>
+              <a:buSzTx/>
+              <a:buFontTx/>
+              <a:buNone/>
+              <a:tabLst/>
+              <a:defRPr/>
+            </a:pPr>
+            <a:r>
+              <a:rPr kumimoji="0" lang="fr-FR" sz="1200" b="1" i="0" u="none" strike="noStrike" kern="0" cap="none" spc="0" normalizeH="0" baseline="0" noProof="0" dirty="0">
+                <a:ln>
+                  <a:noFill/>
+                </a:ln>
+                <a:solidFill>
+                  <a:srgbClr val="00B0F0"/>
+                </a:solidFill>
+                <a:effectLst/>
+                <a:uLnTx/>
+                <a:uFillTx/>
+                <a:latin typeface="Calibri"/>
+                <a:ea typeface="+mn-ea"/>
+                <a:cs typeface="+mn-cs"/>
+              </a:rPr>
+              <a:t>Infos destinées à d’autres interfaces H/M</a:t>
+            </a:r>
+          </a:p>
+        </p:txBody>
+      </p:sp>
+      <p:sp>
+        <p:nvSpPr>
+          <p:cNvPr id="47" name="Rectangle 46">
+            <a:extLst>
+              <a:ext uri="{FF2B5EF4-FFF2-40B4-BE49-F238E27FC236}">
+                <a16:creationId xmlns:a16="http://schemas.microsoft.com/office/drawing/2014/main" id="{E3A8E074-50FA-4330-B2CC-A4E01D900625}"/>
+              </a:ext>
+            </a:extLst>
+          </p:cNvPr>
+          <p:cNvSpPr/>
+          <p:nvPr/>
+        </p:nvSpPr>
+        <p:spPr>
+          <a:xfrm>
+            <a:off x="1164816" y="2655070"/>
+            <a:ext cx="1452974" cy="949795"/>
+          </a:xfrm>
+          <a:prstGeom prst="rect">
+            <a:avLst/>
+          </a:prstGeom>
+          <a:noFill/>
+          <a:ln w="9525" cap="flat" cmpd="sng" algn="ctr">
+            <a:noFill/>
+            <a:prstDash val="solid"/>
+          </a:ln>
+          <a:effectLst/>
+        </p:spPr>
+        <p:txBody>
+          <a:bodyPr rtlCol="0" anchor="ctr"/>
+          <a:lstStyle/>
+          <a:p>
+            <a:pPr marL="0" marR="0" lvl="0" indent="0" algn="ctr" defTabSz="914400" eaLnBrk="1" fontAlgn="auto" latinLnBrk="0" hangingPunct="1">
+              <a:lnSpc>
+                <a:spcPct val="100000"/>
+              </a:lnSpc>
+              <a:spcBef>
+                <a:spcPts val="0"/>
+              </a:spcBef>
+              <a:spcAft>
+                <a:spcPts val="0"/>
+              </a:spcAft>
+              <a:buClrTx/>
+              <a:buSzTx/>
+              <a:buFontTx/>
+              <a:buNone/>
+              <a:tabLst/>
+              <a:defRPr/>
+            </a:pPr>
+            <a:r>
+              <a:rPr kumimoji="0" lang="fr-FR" sz="1200" b="1" i="0" u="none" strike="noStrike" kern="0" cap="none" spc="0" normalizeH="0" baseline="0" noProof="0" dirty="0">
+                <a:ln>
+                  <a:noFill/>
+                </a:ln>
+                <a:solidFill>
+                  <a:srgbClr val="00B0F0"/>
+                </a:solidFill>
+                <a:effectLst/>
+                <a:uLnTx/>
+                <a:uFillTx/>
+                <a:latin typeface="Calibri"/>
+                <a:ea typeface="+mn-ea"/>
+                <a:cs typeface="+mn-cs"/>
+              </a:rPr>
+              <a:t>Infos issues de d’autres interfaces H/M</a:t>
+            </a:r>
+          </a:p>
+        </p:txBody>
+      </p:sp>
+      <p:sp>
+        <p:nvSpPr>
+          <p:cNvPr id="48" name="Rectangle 47">
+            <a:extLst>
+              <a:ext uri="{FF2B5EF4-FFF2-40B4-BE49-F238E27FC236}">
+                <a16:creationId xmlns:a16="http://schemas.microsoft.com/office/drawing/2014/main" id="{A4613641-972A-40E3-875F-7959BA4CA987}"/>
+              </a:ext>
+            </a:extLst>
+          </p:cNvPr>
+          <p:cNvSpPr/>
+          <p:nvPr/>
+        </p:nvSpPr>
+        <p:spPr>
+          <a:xfrm>
+            <a:off x="11920465" y="1862255"/>
+            <a:ext cx="1794861" cy="379169"/>
+          </a:xfrm>
+          <a:prstGeom prst="rect">
+            <a:avLst/>
+          </a:prstGeom>
+          <a:noFill/>
+          <a:ln w="9525" cap="flat" cmpd="sng" algn="ctr">
+            <a:noFill/>
+            <a:prstDash val="solid"/>
+          </a:ln>
+          <a:effectLst/>
+        </p:spPr>
+        <p:txBody>
+          <a:bodyPr rtlCol="0" anchor="ctr"/>
+          <a:lstStyle/>
+          <a:p>
+            <a:pPr marL="0" marR="0" lvl="0" indent="0" algn="ctr" defTabSz="914400" eaLnBrk="1" fontAlgn="auto" latinLnBrk="0" hangingPunct="1">
+              <a:lnSpc>
+                <a:spcPct val="100000"/>
+              </a:lnSpc>
+              <a:spcBef>
+                <a:spcPts val="0"/>
+              </a:spcBef>
+              <a:spcAft>
+                <a:spcPts val="0"/>
+              </a:spcAft>
+              <a:buClrTx/>
+              <a:buSzTx/>
+              <a:buFontTx/>
+              <a:buNone/>
+              <a:tabLst/>
+              <a:defRPr/>
+            </a:pPr>
+            <a:r>
+              <a:rPr kumimoji="0" lang="fr-FR" sz="1200" b="1" i="0" u="none" strike="noStrike" kern="0" cap="none" spc="0" normalizeH="0" baseline="0" noProof="0" dirty="0">
+                <a:ln>
+                  <a:noFill/>
+                </a:ln>
+                <a:solidFill>
+                  <a:srgbClr val="00B0F0"/>
+                </a:solidFill>
+                <a:effectLst/>
+                <a:uLnTx/>
+                <a:uFillTx/>
+                <a:latin typeface="Calibri"/>
+                <a:ea typeface="+mn-ea"/>
+                <a:cs typeface="+mn-cs"/>
+              </a:rPr>
+              <a:t>H/M : Homme – Machine </a:t>
+            </a:r>
+          </a:p>
+        </p:txBody>
+      </p:sp>
+      <p:sp>
+        <p:nvSpPr>
+          <p:cNvPr id="49" name="Rectangle 48">
+            <a:extLst>
+              <a:ext uri="{FF2B5EF4-FFF2-40B4-BE49-F238E27FC236}">
+                <a16:creationId xmlns:a16="http://schemas.microsoft.com/office/drawing/2014/main" id="{FCA989E8-2F5C-4330-A910-27D160C36F19}"/>
+              </a:ext>
+            </a:extLst>
+          </p:cNvPr>
+          <p:cNvSpPr/>
+          <p:nvPr/>
+        </p:nvSpPr>
+        <p:spPr>
+          <a:xfrm>
+            <a:off x="11314594" y="2193863"/>
+            <a:ext cx="1482684" cy="409672"/>
+          </a:xfrm>
+          <a:prstGeom prst="rect">
+            <a:avLst/>
+          </a:prstGeom>
+          <a:noFill/>
+          <a:ln w="9525" cap="flat" cmpd="sng" algn="ctr">
+            <a:noFill/>
+            <a:prstDash val="solid"/>
+          </a:ln>
+          <a:effectLst/>
+        </p:spPr>
+        <p:txBody>
+          <a:bodyPr rtlCol="0" anchor="ctr"/>
+          <a:lstStyle/>
+          <a:p>
+            <a:pPr marL="0" marR="0" lvl="0" indent="0" algn="ctr" defTabSz="914400" eaLnBrk="1" fontAlgn="auto" latinLnBrk="0" hangingPunct="1">
+              <a:lnSpc>
+                <a:spcPct val="100000"/>
+              </a:lnSpc>
+              <a:spcBef>
+                <a:spcPts val="0"/>
+              </a:spcBef>
+              <a:spcAft>
+                <a:spcPts val="0"/>
+              </a:spcAft>
+              <a:buClrTx/>
+              <a:buSzTx/>
+              <a:buFontTx/>
+              <a:buNone/>
+              <a:tabLst/>
+              <a:defRPr/>
+            </a:pPr>
+            <a:endParaRPr kumimoji="0" lang="fr-FR" sz="1600" b="1" i="0" u="none" strike="noStrike" kern="0" cap="none" spc="0" normalizeH="0" baseline="0" noProof="0" dirty="0">
+              <a:ln>
+                <a:noFill/>
+              </a:ln>
+              <a:solidFill>
+                <a:srgbClr val="C00000"/>
+              </a:solidFill>
+              <a:effectLst/>
+              <a:uLnTx/>
+              <a:uFillTx/>
+              <a:latin typeface="Calibri"/>
+              <a:ea typeface="+mn-ea"/>
+              <a:cs typeface="+mn-cs"/>
+            </a:endParaRPr>
+          </a:p>
+        </p:txBody>
+      </p:sp>
+      <p:grpSp>
+        <p:nvGrpSpPr>
+          <p:cNvPr id="77" name="Groupe 76">
+            <a:extLst>
+              <a:ext uri="{FF2B5EF4-FFF2-40B4-BE49-F238E27FC236}">
+                <a16:creationId xmlns:a16="http://schemas.microsoft.com/office/drawing/2014/main" id="{457D46D3-EEBE-4E56-B8EE-D53CFB72D255}"/>
+              </a:ext>
+            </a:extLst>
+          </p:cNvPr>
+          <p:cNvGrpSpPr/>
+          <p:nvPr/>
+        </p:nvGrpSpPr>
+        <p:grpSpPr>
+          <a:xfrm>
+            <a:off x="523938" y="0"/>
+            <a:ext cx="504000" cy="5994188"/>
+            <a:chOff x="523938" y="0"/>
+            <a:chExt cx="504000" cy="5994188"/>
+          </a:xfrm>
+        </p:grpSpPr>
+        <p:sp>
+          <p:nvSpPr>
+            <p:cNvPr id="70" name="ZoneTexte 69">
+              <a:extLst>
+                <a:ext uri="{FF2B5EF4-FFF2-40B4-BE49-F238E27FC236}">
+                  <a16:creationId xmlns:a16="http://schemas.microsoft.com/office/drawing/2014/main" id="{B59EDDAC-DFDA-43F4-9825-964B975AA672}"/>
+                </a:ext>
+              </a:extLst>
+            </p:cNvPr>
+            <p:cNvSpPr txBox="1"/>
+            <p:nvPr/>
+          </p:nvSpPr>
+          <p:spPr>
+            <a:xfrm rot="16200000">
+              <a:off x="-88062" y="612000"/>
+              <a:ext cx="1728000" cy="504000"/>
+            </a:xfrm>
+            <a:prstGeom prst="rect">
+              <a:avLst/>
+            </a:prstGeom>
+            <a:solidFill>
+              <a:schemeClr val="accent1">
+                <a:lumMod val="20000"/>
+                <a:lumOff val="80000"/>
+              </a:schemeClr>
+            </a:solidFill>
+          </p:spPr>
+          <p:txBody>
+            <a:bodyPr wrap="square" lIns="0" tIns="0" rIns="0" bIns="0" rtlCol="0">
+              <a:spAutoFit/>
+            </a:bodyPr>
+            <a:lstStyle/>
+            <a:p>
+              <a:pPr algn="ctr"/>
+              <a:r>
+                <a:rPr lang="fr-FR" sz="2400" b="1" dirty="0"/>
+                <a:t>Découverte</a:t>
+              </a:r>
+            </a:p>
+          </p:txBody>
+        </p:sp>
+        <p:sp>
+          <p:nvSpPr>
+            <p:cNvPr id="75" name="ZoneTexte 74">
+              <a:extLst>
+                <a:ext uri="{FF2B5EF4-FFF2-40B4-BE49-F238E27FC236}">
+                  <a16:creationId xmlns:a16="http://schemas.microsoft.com/office/drawing/2014/main" id="{A583E446-C069-4E6A-8CC6-690556346DC2}"/>
+                </a:ext>
+              </a:extLst>
+            </p:cNvPr>
+            <p:cNvSpPr txBox="1"/>
+            <p:nvPr/>
+          </p:nvSpPr>
+          <p:spPr>
+            <a:xfrm rot="16200000">
+              <a:off x="-1357156" y="3609094"/>
+              <a:ext cx="4266188" cy="504000"/>
+            </a:xfrm>
+            <a:prstGeom prst="rect">
+              <a:avLst/>
+            </a:prstGeom>
+            <a:solidFill>
+              <a:schemeClr val="accent1">
+                <a:lumMod val="20000"/>
+                <a:lumOff val="80000"/>
+              </a:schemeClr>
+            </a:solidFill>
+          </p:spPr>
+          <p:txBody>
+            <a:bodyPr wrap="square" lIns="0" tIns="0" rIns="0" bIns="0" rtlCol="0">
+              <a:spAutoFit/>
+            </a:bodyPr>
+            <a:lstStyle/>
+            <a:p>
+              <a:pPr algn="ctr"/>
+              <a:r>
+                <a:rPr lang="fr-FR" sz="2400" b="1" dirty="0"/>
+                <a:t>Chaine fonctionnelle</a:t>
+              </a:r>
+            </a:p>
+          </p:txBody>
+        </p:sp>
+      </p:grpSp>
+      <p:cxnSp>
+        <p:nvCxnSpPr>
+          <p:cNvPr id="72" name="Connecteur droit 71">
+            <a:extLst>
+              <a:ext uri="{FF2B5EF4-FFF2-40B4-BE49-F238E27FC236}">
+                <a16:creationId xmlns:a16="http://schemas.microsoft.com/office/drawing/2014/main" id="{45A44BA3-10B3-4FE6-8D0E-E92C288247C4}"/>
+              </a:ext>
+            </a:extLst>
+          </p:cNvPr>
+          <p:cNvCxnSpPr>
+            <a:cxnSpLocks/>
+          </p:cNvCxnSpPr>
+          <p:nvPr/>
+        </p:nvCxnSpPr>
+        <p:spPr>
+          <a:xfrm>
+            <a:off x="523937" y="1718966"/>
+            <a:ext cx="14594696" cy="0"/>
+          </a:xfrm>
+          <a:prstGeom prst="line">
+            <a:avLst/>
+          </a:prstGeom>
+        </p:spPr>
+        <p:style>
+          <a:lnRef idx="1">
+            <a:schemeClr val="accent1"/>
+          </a:lnRef>
+          <a:fillRef idx="0">
+            <a:schemeClr val="accent1"/>
+          </a:fillRef>
+          <a:effectRef idx="0">
+            <a:schemeClr val="accent1"/>
+          </a:effectRef>
+          <a:fontRef idx="minor">
+            <a:schemeClr val="tx1"/>
+          </a:fontRef>
+        </p:style>
+      </p:cxnSp>
+      <p:cxnSp>
+        <p:nvCxnSpPr>
+          <p:cNvPr id="76" name="Connecteur droit 75">
+            <a:extLst>
+              <a:ext uri="{FF2B5EF4-FFF2-40B4-BE49-F238E27FC236}">
+                <a16:creationId xmlns:a16="http://schemas.microsoft.com/office/drawing/2014/main" id="{91B2922F-3DE4-4D32-B9AA-8BD8B5BB674B}"/>
+              </a:ext>
+            </a:extLst>
+          </p:cNvPr>
+          <p:cNvCxnSpPr>
+            <a:cxnSpLocks/>
+          </p:cNvCxnSpPr>
+          <p:nvPr/>
+        </p:nvCxnSpPr>
+        <p:spPr>
+          <a:xfrm>
+            <a:off x="523937" y="5994187"/>
+            <a:ext cx="14594696" cy="0"/>
+          </a:xfrm>
+          <a:prstGeom prst="line">
+            <a:avLst/>
+          </a:prstGeom>
+        </p:spPr>
+        <p:style>
+          <a:lnRef idx="1">
+            <a:schemeClr val="accent1"/>
+          </a:lnRef>
+          <a:fillRef idx="0">
+            <a:schemeClr val="accent1"/>
+          </a:fillRef>
+          <a:effectRef idx="0">
+            <a:schemeClr val="accent1"/>
+          </a:effectRef>
+          <a:fontRef idx="minor">
+            <a:schemeClr val="tx1"/>
+          </a:fontRef>
+        </p:style>
+      </p:cxnSp>
+      <p:sp>
+        <p:nvSpPr>
+          <p:cNvPr id="79" name="ZoneTexte 78">
+            <a:extLst>
+              <a:ext uri="{FF2B5EF4-FFF2-40B4-BE49-F238E27FC236}">
+                <a16:creationId xmlns:a16="http://schemas.microsoft.com/office/drawing/2014/main" id="{854598CD-977F-4600-B29C-75033871E02C}"/>
+              </a:ext>
+            </a:extLst>
+          </p:cNvPr>
+          <p:cNvSpPr txBox="1"/>
+          <p:nvPr/>
+        </p:nvSpPr>
+        <p:spPr>
+          <a:xfrm rot="16200000">
+            <a:off x="-1576142" y="8090998"/>
+            <a:ext cx="4697624" cy="504000"/>
+          </a:xfrm>
+          <a:prstGeom prst="rect">
+            <a:avLst/>
+          </a:prstGeom>
+          <a:solidFill>
+            <a:schemeClr val="accent1">
+              <a:lumMod val="20000"/>
+              <a:lumOff val="80000"/>
+            </a:schemeClr>
+          </a:solidFill>
+        </p:spPr>
+        <p:txBody>
+          <a:bodyPr wrap="square" lIns="0" tIns="0" rIns="0" bIns="0" rtlCol="0">
+            <a:spAutoFit/>
+          </a:bodyPr>
+          <a:lstStyle/>
+          <a:p>
+            <a:pPr algn="ctr"/>
+            <a:r>
+              <a:rPr lang="fr-FR" sz="2400" b="1" dirty="0"/>
+              <a:t>Modélisation</a:t>
+            </a:r>
+          </a:p>
+        </p:txBody>
+      </p:sp>
+      <p:sp>
+        <p:nvSpPr>
+          <p:cNvPr id="80" name="Rectangle 79">
+            <a:extLst>
+              <a:ext uri="{FF2B5EF4-FFF2-40B4-BE49-F238E27FC236}">
+                <a16:creationId xmlns:a16="http://schemas.microsoft.com/office/drawing/2014/main" id="{CAC86B23-75D6-40C6-8451-84212018E167}"/>
+              </a:ext>
+            </a:extLst>
+          </p:cNvPr>
+          <p:cNvSpPr/>
+          <p:nvPr/>
+        </p:nvSpPr>
+        <p:spPr>
+          <a:xfrm>
+            <a:off x="1435278" y="6175695"/>
+            <a:ext cx="3496392" cy="2072885"/>
+          </a:xfrm>
+          <a:prstGeom prst="rect">
+            <a:avLst/>
+          </a:prstGeom>
+          <a:noFill/>
+          <a:ln>
+            <a:solidFill>
+              <a:schemeClr val="accent1"/>
+            </a:solidFill>
+            <a:prstDash val="dash"/>
+          </a:ln>
+        </p:spPr>
+        <p:style>
+          <a:lnRef idx="2">
+            <a:schemeClr val="accent1">
+              <a:shade val="50000"/>
+            </a:schemeClr>
+          </a:lnRef>
+          <a:fillRef idx="1">
+            <a:schemeClr val="accent1"/>
+          </a:fillRef>
+          <a:effectRef idx="0">
+            <a:schemeClr val="accent1"/>
+          </a:effectRef>
+          <a:fontRef idx="minor">
+            <a:schemeClr val="lt1"/>
+          </a:fontRef>
+        </p:style>
+        <p:txBody>
+          <a:bodyPr rtlCol="0" anchor="ctr"/>
+          <a:lstStyle/>
+          <a:p>
+            <a:pPr algn="ctr"/>
+            <a:endParaRPr lang="fr-FR"/>
+          </a:p>
+        </p:txBody>
+      </p:sp>
+      <p:sp>
+        <p:nvSpPr>
+          <p:cNvPr id="82" name="ZoneTexte 81">
+            <a:extLst>
+              <a:ext uri="{FF2B5EF4-FFF2-40B4-BE49-F238E27FC236}">
+                <a16:creationId xmlns:a16="http://schemas.microsoft.com/office/drawing/2014/main" id="{2B4852CF-F717-4642-B4FE-1F482B8C1BC3}"/>
+              </a:ext>
+            </a:extLst>
+          </p:cNvPr>
+          <p:cNvSpPr txBox="1"/>
+          <p:nvPr/>
+        </p:nvSpPr>
+        <p:spPr>
+          <a:xfrm>
+            <a:off x="1435278" y="6198834"/>
+            <a:ext cx="3496392" cy="369332"/>
+          </a:xfrm>
+          <a:prstGeom prst="rect">
+            <a:avLst/>
+          </a:prstGeom>
+          <a:noFill/>
+        </p:spPr>
+        <p:txBody>
+          <a:bodyPr wrap="square" rtlCol="0">
+            <a:spAutoFit/>
+          </a:bodyPr>
+          <a:lstStyle/>
+          <a:p>
+            <a:pPr algn="ctr"/>
+            <a:r>
+              <a:rPr lang="fr-FR" b="1" dirty="0"/>
+              <a:t>Conditions expérimentales</a:t>
+            </a:r>
+          </a:p>
+        </p:txBody>
+      </p:sp>
+      <p:sp>
+        <p:nvSpPr>
+          <p:cNvPr id="83" name="Rectangle 82">
+            <a:extLst>
+              <a:ext uri="{FF2B5EF4-FFF2-40B4-BE49-F238E27FC236}">
+                <a16:creationId xmlns:a16="http://schemas.microsoft.com/office/drawing/2014/main" id="{E4E153B5-D706-4818-8125-673D8F37C389}"/>
+              </a:ext>
+            </a:extLst>
+          </p:cNvPr>
+          <p:cNvSpPr/>
+          <p:nvPr/>
+        </p:nvSpPr>
+        <p:spPr>
+          <a:xfrm>
+            <a:off x="1435278" y="8413429"/>
+            <a:ext cx="3496392" cy="2026168"/>
+          </a:xfrm>
+          <a:prstGeom prst="rect">
+            <a:avLst/>
+          </a:prstGeom>
+          <a:noFill/>
+          <a:ln>
+            <a:solidFill>
+              <a:schemeClr val="accent1"/>
+            </a:solidFill>
+            <a:prstDash val="dash"/>
+          </a:ln>
+        </p:spPr>
+        <p:style>
+          <a:lnRef idx="2">
+            <a:schemeClr val="accent1">
+              <a:shade val="50000"/>
+            </a:schemeClr>
+          </a:lnRef>
+          <a:fillRef idx="1">
+            <a:schemeClr val="accent1"/>
+          </a:fillRef>
+          <a:effectRef idx="0">
+            <a:schemeClr val="accent1"/>
+          </a:effectRef>
+          <a:fontRef idx="minor">
+            <a:schemeClr val="lt1"/>
+          </a:fontRef>
+        </p:style>
+        <p:txBody>
+          <a:bodyPr rtlCol="0" anchor="ctr"/>
+          <a:lstStyle/>
+          <a:p>
+            <a:pPr algn="ctr"/>
+            <a:endParaRPr lang="fr-FR"/>
+          </a:p>
+        </p:txBody>
+      </p:sp>
+      <p:sp>
+        <p:nvSpPr>
+          <p:cNvPr id="84" name="ZoneTexte 83">
+            <a:extLst>
+              <a:ext uri="{FF2B5EF4-FFF2-40B4-BE49-F238E27FC236}">
+                <a16:creationId xmlns:a16="http://schemas.microsoft.com/office/drawing/2014/main" id="{5C3FCBC9-279B-491B-9FDE-F97221E0721E}"/>
+              </a:ext>
+            </a:extLst>
+          </p:cNvPr>
+          <p:cNvSpPr txBox="1"/>
+          <p:nvPr/>
+        </p:nvSpPr>
+        <p:spPr>
+          <a:xfrm>
+            <a:off x="1435278" y="8436568"/>
+            <a:ext cx="3496392" cy="369332"/>
+          </a:xfrm>
+          <a:prstGeom prst="rect">
+            <a:avLst/>
+          </a:prstGeom>
+          <a:noFill/>
+        </p:spPr>
+        <p:txBody>
+          <a:bodyPr wrap="square" rtlCol="0">
+            <a:spAutoFit/>
+          </a:bodyPr>
+          <a:lstStyle/>
+          <a:p>
+            <a:pPr algn="ctr"/>
+            <a:r>
+              <a:rPr lang="fr-FR" b="1" dirty="0"/>
+              <a:t>Fonction de transfert/Schéma-bloc</a:t>
+            </a:r>
+          </a:p>
+        </p:txBody>
+      </p:sp>
+      <p:sp>
+        <p:nvSpPr>
+          <p:cNvPr id="85" name="Rectangle 84">
+            <a:extLst>
+              <a:ext uri="{FF2B5EF4-FFF2-40B4-BE49-F238E27FC236}">
+                <a16:creationId xmlns:a16="http://schemas.microsoft.com/office/drawing/2014/main" id="{7619BF8D-E205-49A8-BA96-B04728B5687C}"/>
+              </a:ext>
+            </a:extLst>
+          </p:cNvPr>
+          <p:cNvSpPr/>
+          <p:nvPr/>
+        </p:nvSpPr>
+        <p:spPr>
+          <a:xfrm>
+            <a:off x="5221925" y="6199935"/>
+            <a:ext cx="6023593" cy="4243459"/>
+          </a:xfrm>
+          <a:prstGeom prst="rect">
+            <a:avLst/>
+          </a:prstGeom>
+          <a:noFill/>
+          <a:ln>
+            <a:solidFill>
+              <a:schemeClr val="accent1"/>
+            </a:solidFill>
+            <a:prstDash val="dash"/>
+          </a:ln>
+        </p:spPr>
+        <p:style>
+          <a:lnRef idx="2">
+            <a:schemeClr val="accent1">
+              <a:shade val="50000"/>
+            </a:schemeClr>
+          </a:lnRef>
+          <a:fillRef idx="1">
+            <a:schemeClr val="accent1"/>
+          </a:fillRef>
+          <a:effectRef idx="0">
+            <a:schemeClr val="accent1"/>
+          </a:effectRef>
+          <a:fontRef idx="minor">
+            <a:schemeClr val="lt1"/>
+          </a:fontRef>
+        </p:style>
+        <p:txBody>
+          <a:bodyPr rtlCol="0" anchor="ctr"/>
+          <a:lstStyle/>
+          <a:p>
+            <a:pPr algn="ctr"/>
+            <a:endParaRPr lang="fr-FR"/>
+          </a:p>
+        </p:txBody>
+      </p:sp>
+      <p:sp>
+        <p:nvSpPr>
+          <p:cNvPr id="87" name="ZoneTexte 86">
+            <a:extLst>
+              <a:ext uri="{FF2B5EF4-FFF2-40B4-BE49-F238E27FC236}">
+                <a16:creationId xmlns:a16="http://schemas.microsoft.com/office/drawing/2014/main" id="{E5755DE0-3DC4-44C1-8BAE-509B85D403A2}"/>
+              </a:ext>
+            </a:extLst>
+          </p:cNvPr>
+          <p:cNvSpPr txBox="1"/>
+          <p:nvPr/>
+        </p:nvSpPr>
+        <p:spPr>
+          <a:xfrm>
+            <a:off x="5221924" y="6207294"/>
+            <a:ext cx="6023593" cy="369332"/>
+          </a:xfrm>
+          <a:prstGeom prst="rect">
+            <a:avLst/>
+          </a:prstGeom>
+          <a:noFill/>
+        </p:spPr>
+        <p:txBody>
+          <a:bodyPr wrap="square" rtlCol="0">
+            <a:spAutoFit/>
+          </a:bodyPr>
+          <a:lstStyle/>
+          <a:p>
+            <a:pPr algn="ctr"/>
+            <a:r>
+              <a:rPr lang="fr-FR" b="1" dirty="0"/>
+              <a:t>Courbes essai/modèle</a:t>
+            </a:r>
+          </a:p>
+        </p:txBody>
+      </p:sp>
+      <p:sp>
+        <p:nvSpPr>
+          <p:cNvPr id="88" name="Rectangle 87">
+            <a:extLst>
+              <a:ext uri="{FF2B5EF4-FFF2-40B4-BE49-F238E27FC236}">
+                <a16:creationId xmlns:a16="http://schemas.microsoft.com/office/drawing/2014/main" id="{B04CEC9D-AAFD-4A3A-9C6D-B09C947903CE}"/>
+              </a:ext>
+            </a:extLst>
+          </p:cNvPr>
+          <p:cNvSpPr/>
+          <p:nvPr/>
+        </p:nvSpPr>
+        <p:spPr>
+          <a:xfrm>
+            <a:off x="11535773" y="6206853"/>
+            <a:ext cx="3335259" cy="2041730"/>
+          </a:xfrm>
+          <a:prstGeom prst="rect">
+            <a:avLst/>
+          </a:prstGeom>
+          <a:noFill/>
+          <a:ln>
+            <a:solidFill>
+              <a:schemeClr val="accent1"/>
+            </a:solidFill>
+            <a:prstDash val="dash"/>
+          </a:ln>
+        </p:spPr>
+        <p:style>
+          <a:lnRef idx="2">
+            <a:schemeClr val="accent1">
+              <a:shade val="50000"/>
+            </a:schemeClr>
+          </a:lnRef>
+          <a:fillRef idx="1">
+            <a:schemeClr val="accent1"/>
+          </a:fillRef>
+          <a:effectRef idx="0">
+            <a:schemeClr val="accent1"/>
+          </a:effectRef>
+          <a:fontRef idx="minor">
+            <a:schemeClr val="lt1"/>
+          </a:fontRef>
+        </p:style>
+        <p:txBody>
+          <a:bodyPr rtlCol="0" anchor="ctr"/>
+          <a:lstStyle/>
+          <a:p>
+            <a:pPr algn="ctr"/>
+            <a:endParaRPr lang="fr-FR"/>
+          </a:p>
+        </p:txBody>
+      </p:sp>
+      <p:sp>
+        <p:nvSpPr>
+          <p:cNvPr id="89" name="ZoneTexte 88">
+            <a:extLst>
+              <a:ext uri="{FF2B5EF4-FFF2-40B4-BE49-F238E27FC236}">
+                <a16:creationId xmlns:a16="http://schemas.microsoft.com/office/drawing/2014/main" id="{6F050C5B-C6EE-4FF2-A55F-1344F3A6FED6}"/>
+              </a:ext>
+            </a:extLst>
+          </p:cNvPr>
+          <p:cNvSpPr txBox="1"/>
+          <p:nvPr/>
+        </p:nvSpPr>
+        <p:spPr>
+          <a:xfrm>
+            <a:off x="11535772" y="6214211"/>
+            <a:ext cx="3335259" cy="369332"/>
+          </a:xfrm>
+          <a:prstGeom prst="rect">
+            <a:avLst/>
+          </a:prstGeom>
+          <a:noFill/>
+        </p:spPr>
+        <p:txBody>
+          <a:bodyPr wrap="square" rtlCol="0">
+            <a:spAutoFit/>
+          </a:bodyPr>
+          <a:lstStyle/>
+          <a:p>
+            <a:pPr algn="ctr"/>
+            <a:r>
+              <a:rPr lang="fr-FR" b="1" dirty="0"/>
+              <a:t>Validation du CDCF</a:t>
+            </a:r>
+          </a:p>
+        </p:txBody>
+      </p:sp>
+      <p:sp>
+        <p:nvSpPr>
+          <p:cNvPr id="90" name="Rectangle 89">
+            <a:extLst>
+              <a:ext uri="{FF2B5EF4-FFF2-40B4-BE49-F238E27FC236}">
+                <a16:creationId xmlns:a16="http://schemas.microsoft.com/office/drawing/2014/main" id="{892001F3-9DFB-409B-9BF8-AAD079718D2E}"/>
+              </a:ext>
+            </a:extLst>
+          </p:cNvPr>
+          <p:cNvSpPr/>
+          <p:nvPr/>
+        </p:nvSpPr>
+        <p:spPr>
+          <a:xfrm>
+            <a:off x="11535773" y="8397867"/>
+            <a:ext cx="3335259" cy="2041730"/>
+          </a:xfrm>
+          <a:prstGeom prst="rect">
+            <a:avLst/>
+          </a:prstGeom>
+          <a:noFill/>
+          <a:ln>
+            <a:solidFill>
+              <a:schemeClr val="accent1"/>
+            </a:solidFill>
+            <a:prstDash val="dash"/>
+          </a:ln>
+        </p:spPr>
+        <p:style>
+          <a:lnRef idx="2">
+            <a:schemeClr val="accent1">
+              <a:shade val="50000"/>
+            </a:schemeClr>
+          </a:lnRef>
+          <a:fillRef idx="1">
+            <a:schemeClr val="accent1"/>
+          </a:fillRef>
+          <a:effectRef idx="0">
+            <a:schemeClr val="accent1"/>
+          </a:effectRef>
+          <a:fontRef idx="minor">
+            <a:schemeClr val="lt1"/>
+          </a:fontRef>
+        </p:style>
+        <p:txBody>
+          <a:bodyPr rtlCol="0" anchor="ctr"/>
+          <a:lstStyle/>
+          <a:p>
+            <a:pPr algn="ctr"/>
+            <a:endParaRPr lang="fr-FR"/>
+          </a:p>
+        </p:txBody>
+      </p:sp>
+      <p:sp>
+        <p:nvSpPr>
+          <p:cNvPr id="91" name="ZoneTexte 90">
+            <a:extLst>
+              <a:ext uri="{FF2B5EF4-FFF2-40B4-BE49-F238E27FC236}">
+                <a16:creationId xmlns:a16="http://schemas.microsoft.com/office/drawing/2014/main" id="{2A8E7ACE-8249-4DAE-8E20-8295FD03B98F}"/>
+              </a:ext>
+            </a:extLst>
+          </p:cNvPr>
+          <p:cNvSpPr txBox="1"/>
+          <p:nvPr/>
+        </p:nvSpPr>
+        <p:spPr>
+          <a:xfrm>
+            <a:off x="11535772" y="8405225"/>
+            <a:ext cx="3335259" cy="369332"/>
+          </a:xfrm>
+          <a:prstGeom prst="rect">
+            <a:avLst/>
+          </a:prstGeom>
+          <a:noFill/>
+        </p:spPr>
+        <p:txBody>
+          <a:bodyPr wrap="square" rtlCol="0">
+            <a:spAutoFit/>
+          </a:bodyPr>
+          <a:lstStyle/>
+          <a:p>
+            <a:pPr algn="ctr"/>
+            <a:r>
+              <a:rPr lang="fr-FR" b="1" dirty="0"/>
+              <a:t>Limites de cette modélisation</a:t>
+            </a:r>
+          </a:p>
+        </p:txBody>
+      </p:sp>
+      <p:sp>
+        <p:nvSpPr>
+          <p:cNvPr id="56" name="ZoneTexte 55"/>
+          <p:cNvSpPr txBox="1"/>
+          <p:nvPr/>
+        </p:nvSpPr>
+        <p:spPr>
+          <a:xfrm rot="20700000">
+            <a:off x="4114796" y="3273081"/>
+            <a:ext cx="6105352" cy="954107"/>
+          </a:xfrm>
+          <a:prstGeom prst="rect">
+            <a:avLst/>
+          </a:prstGeom>
+          <a:noFill/>
+        </p:spPr>
+        <p:txBody>
+          <a:bodyPr wrap="square" rtlCol="0">
+            <a:spAutoFit/>
+          </a:bodyPr>
+          <a:lstStyle/>
+          <a:p>
+            <a:pPr algn="ctr"/>
+            <a:r>
+              <a:rPr lang="fr-FR" sz="2800" b="1" dirty="0" smtClean="0">
+                <a:solidFill>
+                  <a:srgbClr val="FF7C80"/>
+                </a:solidFill>
+              </a:rPr>
+              <a:t>ARCHITECTURE MODIFIABLE EN FONCTION DU SYSTEME</a:t>
+            </a:r>
+            <a:endParaRPr lang="fr-FR" sz="2800" b="1" dirty="0">
+              <a:solidFill>
+                <a:srgbClr val="FF7C80"/>
+              </a:solidFill>
+            </a:endParaRPr>
+          </a:p>
+        </p:txBody>
+      </p:sp>
+    </p:spTree>
+    <p:extLst>
+      <p:ext uri="{BB962C8B-B14F-4D97-AF65-F5344CB8AC3E}">
+        <p14:creationId xmlns:p14="http://schemas.microsoft.com/office/powerpoint/2010/main" val="2583870606"/>
       </p:ext>
     </p:extLst>
   </p:cSld>

--- a/Ch_01_Modelisation_Multiphysique/TP/TP_01_Modelisation_DR.pptx
+++ b/Ch_01_Modelisation_Multiphysique/TP/TP_01_Modelisation_DR.pptx
@@ -9,6 +9,7 @@
     <p:sldId id="256" r:id="rId3"/>
     <p:sldId id="258" r:id="rId4"/>
     <p:sldId id="259" r:id="rId5"/>
+    <p:sldId id="260" r:id="rId6"/>
   </p:sldIdLst>
   <p:sldSz cx="15119350" cy="10691813"/>
   <p:notesSz cx="9144000" cy="6858000"/>
@@ -14804,6 +14805,2983 @@
 </p:sld>
 </file>
 
+<file path=ppt/slides/slide5.xml><?xml version="1.0" encoding="utf-8"?>
+<p:sld xmlns:a="http://schemas.openxmlformats.org/drawingml/2006/main" xmlns:r="http://schemas.openxmlformats.org/officeDocument/2006/relationships" xmlns:p="http://schemas.openxmlformats.org/presentationml/2006/main">
+  <p:cSld>
+    <p:spTree>
+      <p:nvGrpSpPr>
+        <p:cNvPr id="1" name=""/>
+        <p:cNvGrpSpPr/>
+        <p:nvPr/>
+      </p:nvGrpSpPr>
+      <p:grpSpPr>
+        <a:xfrm>
+          <a:off x="0" y="0"/>
+          <a:ext cx="0" cy="0"/>
+          <a:chOff x="0" y="0"/>
+          <a:chExt cx="0" cy="0"/>
+        </a:xfrm>
+      </p:grpSpPr>
+      <p:sp>
+        <p:nvSpPr>
+          <p:cNvPr id="4" name="ZoneTexte 3">
+            <a:extLst>
+              <a:ext uri="{FF2B5EF4-FFF2-40B4-BE49-F238E27FC236}">
+                <a16:creationId xmlns:a16="http://schemas.microsoft.com/office/drawing/2014/main" id="{05DB4AE3-7E1A-45F5-80F4-0916155AE2DC}"/>
+              </a:ext>
+            </a:extLst>
+          </p:cNvPr>
+          <p:cNvSpPr txBox="1"/>
+          <p:nvPr/>
+        </p:nvSpPr>
+        <p:spPr>
+          <a:xfrm rot="16200000">
+            <a:off x="-5083579" y="5084297"/>
+            <a:ext cx="10691813" cy="523220"/>
+          </a:xfrm>
+          <a:prstGeom prst="rect">
+            <a:avLst/>
+          </a:prstGeom>
+          <a:solidFill>
+            <a:schemeClr val="accent1">
+              <a:lumMod val="60000"/>
+              <a:lumOff val="40000"/>
+            </a:schemeClr>
+          </a:solidFill>
+        </p:spPr>
+        <p:txBody>
+          <a:bodyPr wrap="square" rtlCol="0">
+            <a:spAutoFit/>
+          </a:bodyPr>
+          <a:lstStyle/>
+          <a:p>
+            <a:pPr algn="ctr"/>
+            <a:r>
+              <a:rPr lang="fr-FR" sz="2800" b="1" dirty="0" smtClean="0"/>
+              <a:t>CHEVILLE NAO</a:t>
+            </a:r>
+            <a:endParaRPr lang="fr-FR" sz="2800" b="1" dirty="0"/>
+          </a:p>
+        </p:txBody>
+      </p:sp>
+      <p:sp>
+        <p:nvSpPr>
+          <p:cNvPr id="5" name="ZoneTexte 4">
+            <a:extLst>
+              <a:ext uri="{FF2B5EF4-FFF2-40B4-BE49-F238E27FC236}">
+                <a16:creationId xmlns:a16="http://schemas.microsoft.com/office/drawing/2014/main" id="{66F0031F-446B-4F7F-9CC7-7C15A923D095}"/>
+              </a:ext>
+            </a:extLst>
+          </p:cNvPr>
+          <p:cNvSpPr txBox="1"/>
+          <p:nvPr/>
+        </p:nvSpPr>
+        <p:spPr>
+          <a:xfrm>
+            <a:off x="1783110" y="-1"/>
+            <a:ext cx="14594695" cy="369332"/>
+          </a:xfrm>
+          <a:prstGeom prst="rect">
+            <a:avLst/>
+          </a:prstGeom>
+          <a:noFill/>
+        </p:spPr>
+        <p:txBody>
+          <a:bodyPr wrap="square" rtlCol="0">
+            <a:spAutoFit/>
+          </a:bodyPr>
+          <a:lstStyle/>
+          <a:p>
+            <a:r>
+              <a:rPr lang="fr-FR" dirty="0"/>
+              <a:t>Fonctionnement en BF – Grandeur asservie :								</a:t>
+            </a:r>
+          </a:p>
+        </p:txBody>
+      </p:sp>
+      <p:sp>
+        <p:nvSpPr>
+          <p:cNvPr id="8" name="ZoneTexte 7">
+            <a:extLst>
+              <a:ext uri="{FF2B5EF4-FFF2-40B4-BE49-F238E27FC236}">
+                <a16:creationId xmlns:a16="http://schemas.microsoft.com/office/drawing/2014/main" id="{D66373C0-C132-4FE8-AB0D-72CEE8711022}"/>
+              </a:ext>
+            </a:extLst>
+          </p:cNvPr>
+          <p:cNvSpPr txBox="1"/>
+          <p:nvPr/>
+        </p:nvSpPr>
+        <p:spPr>
+          <a:xfrm>
+            <a:off x="1783827" y="369331"/>
+            <a:ext cx="14594695" cy="369332"/>
+          </a:xfrm>
+          <a:prstGeom prst="rect">
+            <a:avLst/>
+          </a:prstGeom>
+          <a:noFill/>
+        </p:spPr>
+        <p:txBody>
+          <a:bodyPr wrap="square" rtlCol="0">
+            <a:spAutoFit/>
+          </a:bodyPr>
+          <a:lstStyle/>
+          <a:p>
+            <a:r>
+              <a:rPr lang="fr-FR" dirty="0"/>
+              <a:t>Fonctionnement en BO – Grandeur commandée :							Grandeur mesurée :</a:t>
+            </a:r>
+          </a:p>
+        </p:txBody>
+      </p:sp>
+      <p:sp>
+        <p:nvSpPr>
+          <p:cNvPr id="9" name="ZoneTexte 8">
+            <a:extLst>
+              <a:ext uri="{FF2B5EF4-FFF2-40B4-BE49-F238E27FC236}">
+                <a16:creationId xmlns:a16="http://schemas.microsoft.com/office/drawing/2014/main" id="{52427274-5C4C-44DB-BE01-08188F1A8CF5}"/>
+              </a:ext>
+            </a:extLst>
+          </p:cNvPr>
+          <p:cNvSpPr txBox="1"/>
+          <p:nvPr/>
+        </p:nvSpPr>
+        <p:spPr>
+          <a:xfrm>
+            <a:off x="1783109" y="738662"/>
+            <a:ext cx="14594695" cy="1200329"/>
+          </a:xfrm>
+          <a:prstGeom prst="rect">
+            <a:avLst/>
+          </a:prstGeom>
+          <a:noFill/>
+        </p:spPr>
+        <p:txBody>
+          <a:bodyPr wrap="square" rtlCol="0">
+            <a:spAutoFit/>
+          </a:bodyPr>
+          <a:lstStyle/>
+          <a:p>
+            <a:r>
+              <a:rPr lang="fr-FR" dirty="0"/>
+              <a:t>Modes de fonctionnements alternatifs (Description et grandeur asservie)</a:t>
+            </a:r>
+          </a:p>
+          <a:p>
+            <a:pPr marL="342900" indent="-342900">
+              <a:buFont typeface="+mj-lt"/>
+              <a:buAutoNum type="arabicPeriod"/>
+            </a:pPr>
+            <a:r>
+              <a:rPr lang="fr-FR" dirty="0"/>
+              <a:t> </a:t>
+            </a:r>
+          </a:p>
+          <a:p>
+            <a:pPr marL="342900" indent="-342900">
+              <a:buFont typeface="+mj-lt"/>
+              <a:buAutoNum type="arabicPeriod"/>
+            </a:pPr>
+            <a:r>
+              <a:rPr lang="fr-FR" dirty="0"/>
+              <a:t> </a:t>
+            </a:r>
+          </a:p>
+          <a:p>
+            <a:r>
+              <a:rPr lang="fr-FR" dirty="0"/>
+              <a:t>   </a:t>
+            </a:r>
+          </a:p>
+        </p:txBody>
+      </p:sp>
+      <p:sp>
+        <p:nvSpPr>
+          <p:cNvPr id="13" name="Flèche vers le bas 3">
+            <a:extLst>
+              <a:ext uri="{FF2B5EF4-FFF2-40B4-BE49-F238E27FC236}">
+                <a16:creationId xmlns:a16="http://schemas.microsoft.com/office/drawing/2014/main" id="{927A0572-9CDD-4441-9C9B-0B23B7AEA0A6}"/>
+              </a:ext>
+            </a:extLst>
+          </p:cNvPr>
+          <p:cNvSpPr/>
+          <p:nvPr/>
+        </p:nvSpPr>
+        <p:spPr>
+          <a:xfrm>
+            <a:off x="11853346" y="5217032"/>
+            <a:ext cx="405180" cy="642228"/>
+          </a:xfrm>
+          <a:prstGeom prst="downArrow">
+            <a:avLst/>
+          </a:prstGeom>
+          <a:solidFill>
+            <a:sysClr val="window" lastClr="FFFFFF"/>
+          </a:solidFill>
+          <a:ln w="25400" cap="flat" cmpd="sng" algn="ctr">
+            <a:solidFill>
+              <a:srgbClr val="C0504D"/>
+            </a:solidFill>
+            <a:prstDash val="solid"/>
+          </a:ln>
+          <a:effectLst/>
+        </p:spPr>
+        <p:txBody>
+          <a:bodyPr rtlCol="0" anchor="ctr"/>
+          <a:lstStyle/>
+          <a:p>
+            <a:pPr marL="0" marR="0" lvl="0" indent="0" algn="ctr" defTabSz="914400" eaLnBrk="1" fontAlgn="auto" latinLnBrk="0" hangingPunct="1">
+              <a:lnSpc>
+                <a:spcPct val="100000"/>
+              </a:lnSpc>
+              <a:spcBef>
+                <a:spcPts val="0"/>
+              </a:spcBef>
+              <a:spcAft>
+                <a:spcPts val="0"/>
+              </a:spcAft>
+              <a:buClrTx/>
+              <a:buSzTx/>
+              <a:buFontTx/>
+              <a:buNone/>
+              <a:tabLst/>
+              <a:defRPr/>
+            </a:pPr>
+            <a:endParaRPr kumimoji="0" lang="fr-FR" sz="1600" b="0" i="0" u="none" strike="noStrike" kern="0" cap="none" spc="0" normalizeH="0" baseline="0" noProof="0">
+              <a:ln>
+                <a:noFill/>
+              </a:ln>
+              <a:solidFill>
+                <a:prstClr val="black"/>
+              </a:solidFill>
+              <a:effectLst/>
+              <a:uLnTx/>
+              <a:uFillTx/>
+              <a:latin typeface="Calibri"/>
+              <a:ea typeface="+mn-ea"/>
+              <a:cs typeface="+mn-cs"/>
+            </a:endParaRPr>
+          </a:p>
+        </p:txBody>
+      </p:sp>
+      <p:sp>
+        <p:nvSpPr>
+          <p:cNvPr id="14" name="Rectangle à coins arrondis 4">
+            <a:extLst>
+              <a:ext uri="{FF2B5EF4-FFF2-40B4-BE49-F238E27FC236}">
+                <a16:creationId xmlns:a16="http://schemas.microsoft.com/office/drawing/2014/main" id="{20DF305C-5BDC-4310-9334-9CFC793F28D9}"/>
+              </a:ext>
+            </a:extLst>
+          </p:cNvPr>
+          <p:cNvSpPr/>
+          <p:nvPr/>
+        </p:nvSpPr>
+        <p:spPr>
+          <a:xfrm>
+            <a:off x="2743208" y="3735544"/>
+            <a:ext cx="10446944" cy="1254096"/>
+          </a:xfrm>
+          <a:prstGeom prst="roundRect">
+            <a:avLst/>
+          </a:prstGeom>
+          <a:solidFill>
+            <a:sysClr val="window" lastClr="FFFFFF"/>
+          </a:solidFill>
+          <a:ln w="25400" cap="flat" cmpd="sng" algn="ctr">
+            <a:solidFill>
+              <a:srgbClr val="C0504D"/>
+            </a:solidFill>
+            <a:prstDash val="solid"/>
+          </a:ln>
+          <a:effectLst/>
+        </p:spPr>
+        <p:txBody>
+          <a:bodyPr rtlCol="0" anchor="b"/>
+          <a:lstStyle/>
+          <a:p>
+            <a:pPr marL="0" marR="0" lvl="0" indent="0" algn="ctr" defTabSz="914400" eaLnBrk="1" fontAlgn="auto" latinLnBrk="0" hangingPunct="1">
+              <a:lnSpc>
+                <a:spcPct val="100000"/>
+              </a:lnSpc>
+              <a:spcBef>
+                <a:spcPts val="0"/>
+              </a:spcBef>
+              <a:spcAft>
+                <a:spcPts val="0"/>
+              </a:spcAft>
+              <a:buClrTx/>
+              <a:buSzTx/>
+              <a:buFontTx/>
+              <a:buNone/>
+              <a:tabLst/>
+              <a:defRPr/>
+            </a:pPr>
+            <a:r>
+              <a:rPr kumimoji="0" lang="fr-FR" sz="1400" b="0" i="1" u="none" strike="noStrike" kern="0" cap="none" spc="0" normalizeH="0" baseline="0" noProof="0" dirty="0">
+                <a:ln>
+                  <a:noFill/>
+                </a:ln>
+                <a:solidFill>
+                  <a:prstClr val="black"/>
+                </a:solidFill>
+                <a:effectLst/>
+                <a:uLnTx/>
+                <a:uFillTx/>
+                <a:latin typeface="Calibri"/>
+                <a:ea typeface="+mn-ea"/>
+                <a:cs typeface="+mn-cs"/>
+              </a:rPr>
+              <a:t>Chaîne d’énergie</a:t>
+            </a:r>
+          </a:p>
+        </p:txBody>
+      </p:sp>
+      <p:sp>
+        <p:nvSpPr>
+          <p:cNvPr id="15" name="Rectangle à coins arrondis 5">
+            <a:extLst>
+              <a:ext uri="{FF2B5EF4-FFF2-40B4-BE49-F238E27FC236}">
+                <a16:creationId xmlns:a16="http://schemas.microsoft.com/office/drawing/2014/main" id="{CEC2EBBC-4853-4474-91DE-4E09110AAB19}"/>
+              </a:ext>
+            </a:extLst>
+          </p:cNvPr>
+          <p:cNvSpPr/>
+          <p:nvPr/>
+        </p:nvSpPr>
+        <p:spPr>
+          <a:xfrm>
+            <a:off x="2743208" y="2193863"/>
+            <a:ext cx="6189637" cy="1121386"/>
+          </a:xfrm>
+          <a:prstGeom prst="roundRect">
+            <a:avLst/>
+          </a:prstGeom>
+          <a:solidFill>
+            <a:sysClr val="window" lastClr="FFFFFF"/>
+          </a:solidFill>
+          <a:ln w="25400" cap="flat" cmpd="sng" algn="ctr">
+            <a:solidFill>
+              <a:srgbClr val="4F81BD"/>
+            </a:solidFill>
+            <a:prstDash val="solid"/>
+          </a:ln>
+          <a:effectLst/>
+        </p:spPr>
+        <p:txBody>
+          <a:bodyPr rtlCol="0" anchor="t"/>
+          <a:lstStyle/>
+          <a:p>
+            <a:pPr marL="0" marR="0" lvl="0" indent="0" algn="ctr" defTabSz="914400" eaLnBrk="1" fontAlgn="auto" latinLnBrk="0" hangingPunct="1">
+              <a:lnSpc>
+                <a:spcPct val="100000"/>
+              </a:lnSpc>
+              <a:spcBef>
+                <a:spcPts val="0"/>
+              </a:spcBef>
+              <a:spcAft>
+                <a:spcPts val="0"/>
+              </a:spcAft>
+              <a:buClrTx/>
+              <a:buSzTx/>
+              <a:buFontTx/>
+              <a:buNone/>
+              <a:tabLst/>
+              <a:defRPr/>
+            </a:pPr>
+            <a:r>
+              <a:rPr kumimoji="0" lang="fr-FR" sz="1400" b="0" i="1" u="none" strike="noStrike" kern="0" cap="none" spc="0" normalizeH="0" baseline="0" noProof="0" dirty="0">
+                <a:ln>
+                  <a:noFill/>
+                </a:ln>
+                <a:solidFill>
+                  <a:prstClr val="black"/>
+                </a:solidFill>
+                <a:effectLst/>
+                <a:uLnTx/>
+                <a:uFillTx/>
+                <a:latin typeface="Calibri"/>
+                <a:ea typeface="+mn-ea"/>
+                <a:cs typeface="+mn-cs"/>
+              </a:rPr>
+              <a:t>Chaîne d’information</a:t>
+            </a:r>
+          </a:p>
+        </p:txBody>
+      </p:sp>
+      <p:sp>
+        <p:nvSpPr>
+          <p:cNvPr id="16" name="Rectangle 15">
+            <a:extLst>
+              <a:ext uri="{FF2B5EF4-FFF2-40B4-BE49-F238E27FC236}">
+                <a16:creationId xmlns:a16="http://schemas.microsoft.com/office/drawing/2014/main" id="{14F2C736-94BA-4F27-BFDA-C3C7AD0446AE}"/>
+              </a:ext>
+            </a:extLst>
+          </p:cNvPr>
+          <p:cNvSpPr/>
+          <p:nvPr/>
+        </p:nvSpPr>
+        <p:spPr>
+          <a:xfrm>
+            <a:off x="2946938" y="2511054"/>
+            <a:ext cx="1620000" cy="694102"/>
+          </a:xfrm>
+          <a:prstGeom prst="rect">
+            <a:avLst/>
+          </a:prstGeom>
+          <a:gradFill rotWithShape="1">
+            <a:gsLst>
+              <a:gs pos="0">
+                <a:srgbClr val="4F81BD">
+                  <a:tint val="50000"/>
+                  <a:satMod val="300000"/>
+                </a:srgbClr>
+              </a:gs>
+              <a:gs pos="35000">
+                <a:srgbClr val="4F81BD">
+                  <a:tint val="37000"/>
+                  <a:satMod val="300000"/>
+                </a:srgbClr>
+              </a:gs>
+              <a:gs pos="100000">
+                <a:srgbClr val="4F81BD">
+                  <a:tint val="15000"/>
+                  <a:satMod val="350000"/>
+                </a:srgbClr>
+              </a:gs>
+            </a:gsLst>
+            <a:lin ang="16200000" scaled="1"/>
+          </a:gradFill>
+          <a:ln w="9525" cap="flat" cmpd="sng" algn="ctr">
+            <a:solidFill>
+              <a:srgbClr val="4F81BD">
+                <a:shade val="95000"/>
+                <a:satMod val="105000"/>
+              </a:srgbClr>
+            </a:solidFill>
+            <a:prstDash val="solid"/>
+          </a:ln>
+          <a:effectLst>
+            <a:outerShdw blurRad="40000" dist="20000" dir="5400000" rotWithShape="0">
+              <a:srgbClr val="000000">
+                <a:alpha val="38000"/>
+              </a:srgbClr>
+            </a:outerShdw>
+          </a:effectLst>
+        </p:spPr>
+        <p:txBody>
+          <a:bodyPr rtlCol="0" anchor="t"/>
+          <a:lstStyle/>
+          <a:p>
+            <a:pPr marL="0" marR="0" lvl="0" indent="0" algn="ctr" defTabSz="914400" eaLnBrk="1" fontAlgn="auto" latinLnBrk="0" hangingPunct="1">
+              <a:lnSpc>
+                <a:spcPct val="100000"/>
+              </a:lnSpc>
+              <a:spcBef>
+                <a:spcPts val="0"/>
+              </a:spcBef>
+              <a:spcAft>
+                <a:spcPts val="0"/>
+              </a:spcAft>
+              <a:buClrTx/>
+              <a:buSzTx/>
+              <a:buFontTx/>
+              <a:buNone/>
+              <a:tabLst/>
+              <a:defRPr/>
+            </a:pPr>
+            <a:r>
+              <a:rPr kumimoji="0" lang="fr-FR" sz="1400" b="0" i="0" u="none" strike="noStrike" kern="0" cap="none" spc="0" normalizeH="0" baseline="0" noProof="0" dirty="0">
+                <a:ln>
+                  <a:noFill/>
+                </a:ln>
+                <a:solidFill>
+                  <a:prstClr val="black"/>
+                </a:solidFill>
+                <a:effectLst/>
+                <a:uLnTx/>
+                <a:uFillTx/>
+                <a:latin typeface="Calibri"/>
+                <a:ea typeface="+mn-ea"/>
+                <a:cs typeface="+mn-cs"/>
+              </a:rPr>
+              <a:t>ACQUERIR</a:t>
+            </a:r>
+          </a:p>
+        </p:txBody>
+      </p:sp>
+      <p:sp>
+        <p:nvSpPr>
+          <p:cNvPr id="17" name="Rectangle 16">
+            <a:extLst>
+              <a:ext uri="{FF2B5EF4-FFF2-40B4-BE49-F238E27FC236}">
+                <a16:creationId xmlns:a16="http://schemas.microsoft.com/office/drawing/2014/main" id="{350E394D-E25A-4447-B59A-3DC839DBA0C9}"/>
+              </a:ext>
+            </a:extLst>
+          </p:cNvPr>
+          <p:cNvSpPr/>
+          <p:nvPr/>
+        </p:nvSpPr>
+        <p:spPr>
+          <a:xfrm>
+            <a:off x="5053248" y="2511054"/>
+            <a:ext cx="1620000" cy="694102"/>
+          </a:xfrm>
+          <a:prstGeom prst="rect">
+            <a:avLst/>
+          </a:prstGeom>
+          <a:gradFill rotWithShape="1">
+            <a:gsLst>
+              <a:gs pos="0">
+                <a:srgbClr val="4F81BD">
+                  <a:tint val="50000"/>
+                  <a:satMod val="300000"/>
+                </a:srgbClr>
+              </a:gs>
+              <a:gs pos="35000">
+                <a:srgbClr val="4F81BD">
+                  <a:tint val="37000"/>
+                  <a:satMod val="300000"/>
+                </a:srgbClr>
+              </a:gs>
+              <a:gs pos="100000">
+                <a:srgbClr val="4F81BD">
+                  <a:tint val="15000"/>
+                  <a:satMod val="350000"/>
+                </a:srgbClr>
+              </a:gs>
+            </a:gsLst>
+            <a:lin ang="16200000" scaled="1"/>
+          </a:gradFill>
+          <a:ln w="9525" cap="flat" cmpd="sng" algn="ctr">
+            <a:solidFill>
+              <a:srgbClr val="4F81BD">
+                <a:shade val="95000"/>
+                <a:satMod val="105000"/>
+              </a:srgbClr>
+            </a:solidFill>
+            <a:prstDash val="solid"/>
+          </a:ln>
+          <a:effectLst>
+            <a:outerShdw blurRad="40000" dist="20000" dir="5400000" rotWithShape="0">
+              <a:srgbClr val="000000">
+                <a:alpha val="38000"/>
+              </a:srgbClr>
+            </a:outerShdw>
+          </a:effectLst>
+        </p:spPr>
+        <p:txBody>
+          <a:bodyPr rtlCol="0" anchor="t"/>
+          <a:lstStyle/>
+          <a:p>
+            <a:pPr marL="0" marR="0" lvl="0" indent="0" algn="ctr" defTabSz="914400" eaLnBrk="1" fontAlgn="auto" latinLnBrk="0" hangingPunct="1">
+              <a:lnSpc>
+                <a:spcPct val="100000"/>
+              </a:lnSpc>
+              <a:spcBef>
+                <a:spcPts val="0"/>
+              </a:spcBef>
+              <a:spcAft>
+                <a:spcPts val="0"/>
+              </a:spcAft>
+              <a:buClrTx/>
+              <a:buSzTx/>
+              <a:buFontTx/>
+              <a:buNone/>
+              <a:tabLst/>
+              <a:defRPr/>
+            </a:pPr>
+            <a:r>
+              <a:rPr kumimoji="0" lang="fr-FR" sz="1400" b="0" i="0" u="none" strike="noStrike" kern="0" cap="none" spc="0" normalizeH="0" baseline="0" noProof="0" dirty="0">
+                <a:ln>
+                  <a:noFill/>
+                </a:ln>
+                <a:solidFill>
+                  <a:prstClr val="black"/>
+                </a:solidFill>
+                <a:effectLst/>
+                <a:uLnTx/>
+                <a:uFillTx/>
+                <a:latin typeface="Calibri"/>
+                <a:ea typeface="+mn-ea"/>
+                <a:cs typeface="+mn-cs"/>
+              </a:rPr>
+              <a:t>TRAITER</a:t>
+            </a:r>
+          </a:p>
+        </p:txBody>
+      </p:sp>
+      <p:sp>
+        <p:nvSpPr>
+          <p:cNvPr id="18" name="Rectangle 17">
+            <a:extLst>
+              <a:ext uri="{FF2B5EF4-FFF2-40B4-BE49-F238E27FC236}">
+                <a16:creationId xmlns:a16="http://schemas.microsoft.com/office/drawing/2014/main" id="{C8EAA6CF-7989-4D62-9EF5-BF94B892E314}"/>
+              </a:ext>
+            </a:extLst>
+          </p:cNvPr>
+          <p:cNvSpPr/>
+          <p:nvPr/>
+        </p:nvSpPr>
+        <p:spPr>
+          <a:xfrm>
+            <a:off x="7157713" y="2511054"/>
+            <a:ext cx="1620000" cy="709738"/>
+          </a:xfrm>
+          <a:prstGeom prst="rect">
+            <a:avLst/>
+          </a:prstGeom>
+          <a:gradFill rotWithShape="1">
+            <a:gsLst>
+              <a:gs pos="0">
+                <a:srgbClr val="4F81BD">
+                  <a:tint val="50000"/>
+                  <a:satMod val="300000"/>
+                </a:srgbClr>
+              </a:gs>
+              <a:gs pos="35000">
+                <a:srgbClr val="4F81BD">
+                  <a:tint val="37000"/>
+                  <a:satMod val="300000"/>
+                </a:srgbClr>
+              </a:gs>
+              <a:gs pos="100000">
+                <a:srgbClr val="4F81BD">
+                  <a:tint val="15000"/>
+                  <a:satMod val="350000"/>
+                </a:srgbClr>
+              </a:gs>
+            </a:gsLst>
+            <a:lin ang="16200000" scaled="1"/>
+          </a:gradFill>
+          <a:ln w="9525" cap="flat" cmpd="sng" algn="ctr">
+            <a:solidFill>
+              <a:srgbClr val="4F81BD">
+                <a:shade val="95000"/>
+                <a:satMod val="105000"/>
+              </a:srgbClr>
+            </a:solidFill>
+            <a:prstDash val="solid"/>
+          </a:ln>
+          <a:effectLst>
+            <a:outerShdw blurRad="40000" dist="20000" dir="5400000" rotWithShape="0">
+              <a:srgbClr val="000000">
+                <a:alpha val="38000"/>
+              </a:srgbClr>
+            </a:outerShdw>
+          </a:effectLst>
+        </p:spPr>
+        <p:txBody>
+          <a:bodyPr rtlCol="0" anchor="t"/>
+          <a:lstStyle/>
+          <a:p>
+            <a:pPr marL="0" marR="0" lvl="0" indent="0" algn="ctr" defTabSz="914400" eaLnBrk="1" fontAlgn="auto" latinLnBrk="0" hangingPunct="1">
+              <a:lnSpc>
+                <a:spcPct val="100000"/>
+              </a:lnSpc>
+              <a:spcBef>
+                <a:spcPts val="0"/>
+              </a:spcBef>
+              <a:spcAft>
+                <a:spcPts val="0"/>
+              </a:spcAft>
+              <a:buClrTx/>
+              <a:buSzTx/>
+              <a:buFontTx/>
+              <a:buNone/>
+              <a:tabLst/>
+              <a:defRPr/>
+            </a:pPr>
+            <a:r>
+              <a:rPr kumimoji="0" lang="fr-FR" sz="1400" b="0" i="0" u="none" strike="noStrike" kern="0" cap="none" spc="0" normalizeH="0" baseline="0" noProof="0" dirty="0">
+                <a:ln>
+                  <a:noFill/>
+                </a:ln>
+                <a:solidFill>
+                  <a:prstClr val="black"/>
+                </a:solidFill>
+                <a:effectLst/>
+                <a:uLnTx/>
+                <a:uFillTx/>
+                <a:latin typeface="Calibri"/>
+                <a:ea typeface="+mn-ea"/>
+                <a:cs typeface="+mn-cs"/>
+              </a:rPr>
+              <a:t>COMMUNIQUER</a:t>
+            </a:r>
+          </a:p>
+        </p:txBody>
+      </p:sp>
+      <p:sp>
+        <p:nvSpPr>
+          <p:cNvPr id="19" name="Rectangle 18">
+            <a:extLst>
+              <a:ext uri="{FF2B5EF4-FFF2-40B4-BE49-F238E27FC236}">
+                <a16:creationId xmlns:a16="http://schemas.microsoft.com/office/drawing/2014/main" id="{5B3BCA64-8AFA-4E5E-9CDA-539981DEA2F7}"/>
+              </a:ext>
+            </a:extLst>
+          </p:cNvPr>
+          <p:cNvSpPr/>
+          <p:nvPr/>
+        </p:nvSpPr>
+        <p:spPr>
+          <a:xfrm>
+            <a:off x="2946938" y="3934966"/>
+            <a:ext cx="1620000" cy="687554"/>
+          </a:xfrm>
+          <a:prstGeom prst="rect">
+            <a:avLst/>
+          </a:prstGeom>
+          <a:gradFill rotWithShape="1">
+            <a:gsLst>
+              <a:gs pos="0">
+                <a:srgbClr val="C0504D">
+                  <a:tint val="50000"/>
+                  <a:satMod val="300000"/>
+                </a:srgbClr>
+              </a:gs>
+              <a:gs pos="35000">
+                <a:srgbClr val="C0504D">
+                  <a:tint val="37000"/>
+                  <a:satMod val="300000"/>
+                </a:srgbClr>
+              </a:gs>
+              <a:gs pos="100000">
+                <a:srgbClr val="C0504D">
+                  <a:tint val="15000"/>
+                  <a:satMod val="350000"/>
+                </a:srgbClr>
+              </a:gs>
+            </a:gsLst>
+            <a:lin ang="16200000" scaled="1"/>
+          </a:gradFill>
+          <a:ln w="9525" cap="flat" cmpd="sng" algn="ctr">
+            <a:solidFill>
+              <a:srgbClr val="C0504D">
+                <a:shade val="95000"/>
+                <a:satMod val="105000"/>
+              </a:srgbClr>
+            </a:solidFill>
+            <a:prstDash val="solid"/>
+          </a:ln>
+          <a:effectLst>
+            <a:outerShdw blurRad="40000" dist="20000" dir="5400000" rotWithShape="0">
+              <a:srgbClr val="000000">
+                <a:alpha val="38000"/>
+              </a:srgbClr>
+            </a:outerShdw>
+          </a:effectLst>
+        </p:spPr>
+        <p:txBody>
+          <a:bodyPr rtlCol="0" anchor="t"/>
+          <a:lstStyle/>
+          <a:p>
+            <a:pPr marL="0" marR="0" lvl="0" indent="0" algn="ctr" defTabSz="914400" eaLnBrk="1" fontAlgn="auto" latinLnBrk="0" hangingPunct="1">
+              <a:lnSpc>
+                <a:spcPct val="100000"/>
+              </a:lnSpc>
+              <a:spcBef>
+                <a:spcPts val="0"/>
+              </a:spcBef>
+              <a:spcAft>
+                <a:spcPts val="0"/>
+              </a:spcAft>
+              <a:buClrTx/>
+              <a:buSzTx/>
+              <a:buFontTx/>
+              <a:buNone/>
+              <a:tabLst/>
+              <a:defRPr/>
+            </a:pPr>
+            <a:r>
+              <a:rPr kumimoji="0" lang="fr-FR" sz="1400" b="0" i="0" u="none" strike="noStrike" kern="0" cap="none" spc="0" normalizeH="0" baseline="0" noProof="0" dirty="0">
+                <a:ln>
+                  <a:noFill/>
+                </a:ln>
+                <a:solidFill>
+                  <a:prstClr val="black"/>
+                </a:solidFill>
+                <a:effectLst/>
+                <a:uLnTx/>
+                <a:uFillTx/>
+                <a:latin typeface="Calibri"/>
+                <a:ea typeface="+mn-ea"/>
+                <a:cs typeface="+mn-cs"/>
+              </a:rPr>
+              <a:t>ALIMENTER</a:t>
+            </a:r>
+          </a:p>
+        </p:txBody>
+      </p:sp>
+      <p:sp>
+        <p:nvSpPr>
+          <p:cNvPr id="20" name="Rectangle 19">
+            <a:extLst>
+              <a:ext uri="{FF2B5EF4-FFF2-40B4-BE49-F238E27FC236}">
+                <a16:creationId xmlns:a16="http://schemas.microsoft.com/office/drawing/2014/main" id="{E9B69189-B2EF-4111-8F93-CC055A1C37AB}"/>
+              </a:ext>
+            </a:extLst>
+          </p:cNvPr>
+          <p:cNvSpPr/>
+          <p:nvPr/>
+        </p:nvSpPr>
+        <p:spPr>
+          <a:xfrm>
+            <a:off x="5053248" y="3934966"/>
+            <a:ext cx="1620000" cy="687554"/>
+          </a:xfrm>
+          <a:prstGeom prst="rect">
+            <a:avLst/>
+          </a:prstGeom>
+          <a:gradFill rotWithShape="1">
+            <a:gsLst>
+              <a:gs pos="0">
+                <a:srgbClr val="C0504D">
+                  <a:tint val="50000"/>
+                  <a:satMod val="300000"/>
+                </a:srgbClr>
+              </a:gs>
+              <a:gs pos="35000">
+                <a:srgbClr val="C0504D">
+                  <a:tint val="37000"/>
+                  <a:satMod val="300000"/>
+                </a:srgbClr>
+              </a:gs>
+              <a:gs pos="100000">
+                <a:srgbClr val="C0504D">
+                  <a:tint val="15000"/>
+                  <a:satMod val="350000"/>
+                </a:srgbClr>
+              </a:gs>
+            </a:gsLst>
+            <a:lin ang="16200000" scaled="1"/>
+          </a:gradFill>
+          <a:ln w="9525" cap="flat" cmpd="sng" algn="ctr">
+            <a:solidFill>
+              <a:srgbClr val="C0504D">
+                <a:shade val="95000"/>
+                <a:satMod val="105000"/>
+              </a:srgbClr>
+            </a:solidFill>
+            <a:prstDash val="solid"/>
+          </a:ln>
+          <a:effectLst>
+            <a:outerShdw blurRad="40000" dist="20000" dir="5400000" rotWithShape="0">
+              <a:srgbClr val="000000">
+                <a:alpha val="38000"/>
+              </a:srgbClr>
+            </a:outerShdw>
+          </a:effectLst>
+        </p:spPr>
+        <p:txBody>
+          <a:bodyPr rtlCol="0" anchor="t"/>
+          <a:lstStyle/>
+          <a:p>
+            <a:pPr marL="0" marR="0" lvl="0" indent="0" algn="ctr" defTabSz="914400" eaLnBrk="1" fontAlgn="auto" latinLnBrk="0" hangingPunct="1">
+              <a:lnSpc>
+                <a:spcPct val="100000"/>
+              </a:lnSpc>
+              <a:spcBef>
+                <a:spcPts val="0"/>
+              </a:spcBef>
+              <a:spcAft>
+                <a:spcPts val="0"/>
+              </a:spcAft>
+              <a:buClrTx/>
+              <a:buSzTx/>
+              <a:buFontTx/>
+              <a:buNone/>
+              <a:tabLst/>
+              <a:defRPr/>
+            </a:pPr>
+            <a:r>
+              <a:rPr kumimoji="0" lang="fr-FR" sz="1400" b="0" i="0" u="none" strike="noStrike" kern="0" cap="none" spc="0" normalizeH="0" baseline="0" noProof="0" dirty="0">
+                <a:ln>
+                  <a:noFill/>
+                </a:ln>
+                <a:solidFill>
+                  <a:prstClr val="black"/>
+                </a:solidFill>
+                <a:effectLst/>
+                <a:uLnTx/>
+                <a:uFillTx/>
+                <a:latin typeface="Calibri"/>
+                <a:ea typeface="+mn-ea"/>
+                <a:cs typeface="+mn-cs"/>
+              </a:rPr>
+              <a:t>DISTRIBUER</a:t>
+            </a:r>
+          </a:p>
+        </p:txBody>
+      </p:sp>
+      <p:sp>
+        <p:nvSpPr>
+          <p:cNvPr id="21" name="Rectangle 20">
+            <a:extLst>
+              <a:ext uri="{FF2B5EF4-FFF2-40B4-BE49-F238E27FC236}">
+                <a16:creationId xmlns:a16="http://schemas.microsoft.com/office/drawing/2014/main" id="{5DFC4BE2-563D-40D7-935A-6ECB7AA1F7A7}"/>
+              </a:ext>
+            </a:extLst>
+          </p:cNvPr>
+          <p:cNvSpPr/>
+          <p:nvPr/>
+        </p:nvSpPr>
+        <p:spPr>
+          <a:xfrm>
+            <a:off x="7157713" y="3934966"/>
+            <a:ext cx="1620000" cy="687554"/>
+          </a:xfrm>
+          <a:prstGeom prst="rect">
+            <a:avLst/>
+          </a:prstGeom>
+          <a:gradFill rotWithShape="1">
+            <a:gsLst>
+              <a:gs pos="0">
+                <a:srgbClr val="C0504D">
+                  <a:tint val="50000"/>
+                  <a:satMod val="300000"/>
+                </a:srgbClr>
+              </a:gs>
+              <a:gs pos="35000">
+                <a:srgbClr val="C0504D">
+                  <a:tint val="37000"/>
+                  <a:satMod val="300000"/>
+                </a:srgbClr>
+              </a:gs>
+              <a:gs pos="100000">
+                <a:srgbClr val="C0504D">
+                  <a:tint val="15000"/>
+                  <a:satMod val="350000"/>
+                </a:srgbClr>
+              </a:gs>
+            </a:gsLst>
+            <a:lin ang="16200000" scaled="1"/>
+          </a:gradFill>
+          <a:ln w="9525" cap="flat" cmpd="sng" algn="ctr">
+            <a:solidFill>
+              <a:srgbClr val="C0504D">
+                <a:shade val="95000"/>
+                <a:satMod val="105000"/>
+              </a:srgbClr>
+            </a:solidFill>
+            <a:prstDash val="solid"/>
+          </a:ln>
+          <a:effectLst>
+            <a:outerShdw blurRad="40000" dist="20000" dir="5400000" rotWithShape="0">
+              <a:srgbClr val="000000">
+                <a:alpha val="38000"/>
+              </a:srgbClr>
+            </a:outerShdw>
+          </a:effectLst>
+        </p:spPr>
+        <p:txBody>
+          <a:bodyPr rtlCol="0" anchor="t"/>
+          <a:lstStyle/>
+          <a:p>
+            <a:pPr marL="0" marR="0" lvl="0" indent="0" algn="ctr" defTabSz="914400" eaLnBrk="1" fontAlgn="auto" latinLnBrk="0" hangingPunct="1">
+              <a:lnSpc>
+                <a:spcPct val="100000"/>
+              </a:lnSpc>
+              <a:spcBef>
+                <a:spcPts val="0"/>
+              </a:spcBef>
+              <a:spcAft>
+                <a:spcPts val="0"/>
+              </a:spcAft>
+              <a:buClrTx/>
+              <a:buSzTx/>
+              <a:buFontTx/>
+              <a:buNone/>
+              <a:tabLst/>
+              <a:defRPr/>
+            </a:pPr>
+            <a:r>
+              <a:rPr kumimoji="0" lang="fr-FR" sz="1400" b="0" i="0" u="none" strike="noStrike" kern="0" cap="none" spc="0" normalizeH="0" baseline="0" noProof="0" dirty="0">
+                <a:ln>
+                  <a:noFill/>
+                </a:ln>
+                <a:solidFill>
+                  <a:prstClr val="black"/>
+                </a:solidFill>
+                <a:effectLst/>
+                <a:uLnTx/>
+                <a:uFillTx/>
+                <a:latin typeface="Calibri"/>
+                <a:ea typeface="+mn-ea"/>
+                <a:cs typeface="+mn-cs"/>
+              </a:rPr>
+              <a:t>CONVERTIR</a:t>
+            </a:r>
+          </a:p>
+        </p:txBody>
+      </p:sp>
+      <p:sp>
+        <p:nvSpPr>
+          <p:cNvPr id="22" name="Rectangle 21">
+            <a:extLst>
+              <a:ext uri="{FF2B5EF4-FFF2-40B4-BE49-F238E27FC236}">
+                <a16:creationId xmlns:a16="http://schemas.microsoft.com/office/drawing/2014/main" id="{4A9336DD-FA8E-4DCF-913B-43AF1DBE70A2}"/>
+              </a:ext>
+            </a:extLst>
+          </p:cNvPr>
+          <p:cNvSpPr/>
+          <p:nvPr/>
+        </p:nvSpPr>
+        <p:spPr>
+          <a:xfrm>
+            <a:off x="9216898" y="3934966"/>
+            <a:ext cx="1620000" cy="687554"/>
+          </a:xfrm>
+          <a:prstGeom prst="rect">
+            <a:avLst/>
+          </a:prstGeom>
+          <a:gradFill rotWithShape="1">
+            <a:gsLst>
+              <a:gs pos="0">
+                <a:srgbClr val="C0504D">
+                  <a:tint val="50000"/>
+                  <a:satMod val="300000"/>
+                </a:srgbClr>
+              </a:gs>
+              <a:gs pos="35000">
+                <a:srgbClr val="C0504D">
+                  <a:tint val="37000"/>
+                  <a:satMod val="300000"/>
+                </a:srgbClr>
+              </a:gs>
+              <a:gs pos="100000">
+                <a:srgbClr val="C0504D">
+                  <a:tint val="15000"/>
+                  <a:satMod val="350000"/>
+                </a:srgbClr>
+              </a:gs>
+            </a:gsLst>
+            <a:lin ang="16200000" scaled="1"/>
+          </a:gradFill>
+          <a:ln w="9525" cap="flat" cmpd="sng" algn="ctr">
+            <a:solidFill>
+              <a:srgbClr val="C0504D">
+                <a:shade val="95000"/>
+                <a:satMod val="105000"/>
+              </a:srgbClr>
+            </a:solidFill>
+            <a:prstDash val="solid"/>
+          </a:ln>
+          <a:effectLst>
+            <a:outerShdw blurRad="40000" dist="20000" dir="5400000" rotWithShape="0">
+              <a:srgbClr val="000000">
+                <a:alpha val="38000"/>
+              </a:srgbClr>
+            </a:outerShdw>
+          </a:effectLst>
+        </p:spPr>
+        <p:txBody>
+          <a:bodyPr rtlCol="0" anchor="t"/>
+          <a:lstStyle/>
+          <a:p>
+            <a:pPr marL="0" marR="0" lvl="0" indent="0" algn="ctr" defTabSz="914400" eaLnBrk="1" fontAlgn="auto" latinLnBrk="0" hangingPunct="1">
+              <a:lnSpc>
+                <a:spcPct val="100000"/>
+              </a:lnSpc>
+              <a:spcBef>
+                <a:spcPts val="0"/>
+              </a:spcBef>
+              <a:spcAft>
+                <a:spcPts val="0"/>
+              </a:spcAft>
+              <a:buClrTx/>
+              <a:buSzTx/>
+              <a:buFontTx/>
+              <a:buNone/>
+              <a:tabLst/>
+              <a:defRPr/>
+            </a:pPr>
+            <a:r>
+              <a:rPr kumimoji="0" lang="fr-FR" sz="1400" b="0" i="0" u="none" strike="noStrike" kern="0" cap="none" spc="0" normalizeH="0" baseline="0" noProof="0" dirty="0">
+                <a:ln>
+                  <a:noFill/>
+                </a:ln>
+                <a:solidFill>
+                  <a:prstClr val="black"/>
+                </a:solidFill>
+                <a:effectLst/>
+                <a:uLnTx/>
+                <a:uFillTx/>
+                <a:latin typeface="Calibri"/>
+                <a:ea typeface="+mn-ea"/>
+                <a:cs typeface="+mn-cs"/>
+              </a:rPr>
+              <a:t>TRANSMETTRE</a:t>
+            </a:r>
+          </a:p>
+        </p:txBody>
+      </p:sp>
+      <p:sp>
+        <p:nvSpPr>
+          <p:cNvPr id="23" name="Rectangle 22">
+            <a:extLst>
+              <a:ext uri="{FF2B5EF4-FFF2-40B4-BE49-F238E27FC236}">
+                <a16:creationId xmlns:a16="http://schemas.microsoft.com/office/drawing/2014/main" id="{FD4A7BAB-62AD-481C-9AF7-2A8B5EC966FD}"/>
+              </a:ext>
+            </a:extLst>
+          </p:cNvPr>
+          <p:cNvSpPr/>
+          <p:nvPr/>
+        </p:nvSpPr>
+        <p:spPr>
+          <a:xfrm>
+            <a:off x="11245936" y="3365829"/>
+            <a:ext cx="1620000" cy="1840580"/>
+          </a:xfrm>
+          <a:prstGeom prst="rect">
+            <a:avLst/>
+          </a:prstGeom>
+          <a:gradFill rotWithShape="1">
+            <a:gsLst>
+              <a:gs pos="0">
+                <a:srgbClr val="F79646">
+                  <a:tint val="50000"/>
+                  <a:satMod val="300000"/>
+                </a:srgbClr>
+              </a:gs>
+              <a:gs pos="35000">
+                <a:srgbClr val="F79646">
+                  <a:tint val="37000"/>
+                  <a:satMod val="300000"/>
+                </a:srgbClr>
+              </a:gs>
+              <a:gs pos="100000">
+                <a:srgbClr val="F79646">
+                  <a:tint val="15000"/>
+                  <a:satMod val="350000"/>
+                </a:srgbClr>
+              </a:gs>
+            </a:gsLst>
+            <a:lin ang="16200000" scaled="1"/>
+          </a:gradFill>
+          <a:ln w="9525" cap="flat" cmpd="sng" algn="ctr">
+            <a:solidFill>
+              <a:srgbClr val="F79646">
+                <a:shade val="95000"/>
+                <a:satMod val="105000"/>
+              </a:srgbClr>
+            </a:solidFill>
+            <a:prstDash val="solid"/>
+          </a:ln>
+          <a:effectLst>
+            <a:outerShdw blurRad="40000" dist="20000" dir="5400000" rotWithShape="0">
+              <a:srgbClr val="000000">
+                <a:alpha val="38000"/>
+              </a:srgbClr>
+            </a:outerShdw>
+          </a:effectLst>
+        </p:spPr>
+        <p:txBody>
+          <a:bodyPr rtlCol="0" anchor="ctr"/>
+          <a:lstStyle/>
+          <a:p>
+            <a:pPr marL="0" marR="0" lvl="0" indent="0" algn="ctr" defTabSz="914400" eaLnBrk="1" fontAlgn="auto" latinLnBrk="0" hangingPunct="1">
+              <a:lnSpc>
+                <a:spcPct val="100000"/>
+              </a:lnSpc>
+              <a:spcBef>
+                <a:spcPts val="0"/>
+              </a:spcBef>
+              <a:spcAft>
+                <a:spcPts val="0"/>
+              </a:spcAft>
+              <a:buClrTx/>
+              <a:buSzTx/>
+              <a:buFontTx/>
+              <a:buNone/>
+              <a:tabLst/>
+              <a:defRPr/>
+            </a:pPr>
+            <a:r>
+              <a:rPr kumimoji="0" lang="fr-FR" sz="1400" b="0" i="0" u="none" strike="noStrike" kern="0" cap="none" spc="0" normalizeH="0" baseline="0" noProof="0" dirty="0">
+                <a:ln>
+                  <a:noFill/>
+                </a:ln>
+                <a:solidFill>
+                  <a:prstClr val="black"/>
+                </a:solidFill>
+                <a:effectLst/>
+                <a:uLnTx/>
+                <a:uFillTx/>
+                <a:latin typeface="Calibri"/>
+                <a:ea typeface="+mn-ea"/>
+                <a:cs typeface="+mn-cs"/>
+              </a:rPr>
+              <a:t>ACTION</a:t>
+            </a:r>
+          </a:p>
+        </p:txBody>
+      </p:sp>
+      <p:cxnSp>
+        <p:nvCxnSpPr>
+          <p:cNvPr id="24" name="Connecteur droit avec flèche 23">
+            <a:extLst>
+              <a:ext uri="{FF2B5EF4-FFF2-40B4-BE49-F238E27FC236}">
+                <a16:creationId xmlns:a16="http://schemas.microsoft.com/office/drawing/2014/main" id="{5F27A41C-9140-4D16-A82E-D1DB427DC6A3}"/>
+              </a:ext>
+            </a:extLst>
+          </p:cNvPr>
+          <p:cNvCxnSpPr>
+            <a:cxnSpLocks/>
+          </p:cNvCxnSpPr>
+          <p:nvPr/>
+        </p:nvCxnSpPr>
+        <p:spPr>
+          <a:xfrm>
+            <a:off x="2460628" y="3078433"/>
+            <a:ext cx="486310" cy="0"/>
+          </a:xfrm>
+          <a:prstGeom prst="straightConnector1">
+            <a:avLst/>
+          </a:prstGeom>
+          <a:noFill/>
+          <a:ln w="28575" cap="flat" cmpd="sng" algn="ctr">
+            <a:solidFill>
+              <a:srgbClr val="4F81BD">
+                <a:shade val="95000"/>
+                <a:satMod val="105000"/>
+              </a:srgbClr>
+            </a:solidFill>
+            <a:prstDash val="solid"/>
+            <a:tailEnd type="arrow"/>
+          </a:ln>
+          <a:effectLst/>
+        </p:spPr>
+      </p:cxnSp>
+      <p:cxnSp>
+        <p:nvCxnSpPr>
+          <p:cNvPr id="25" name="Connecteur droit avec flèche 24">
+            <a:extLst>
+              <a:ext uri="{FF2B5EF4-FFF2-40B4-BE49-F238E27FC236}">
+                <a16:creationId xmlns:a16="http://schemas.microsoft.com/office/drawing/2014/main" id="{E4B05A1B-A360-4F3B-9AA9-B5B711A74016}"/>
+              </a:ext>
+            </a:extLst>
+          </p:cNvPr>
+          <p:cNvCxnSpPr>
+            <a:stCxn id="16" idx="3"/>
+            <a:endCxn id="17" idx="1"/>
+          </p:cNvCxnSpPr>
+          <p:nvPr/>
+        </p:nvCxnSpPr>
+        <p:spPr>
+          <a:xfrm>
+            <a:off x="4566938" y="2858105"/>
+            <a:ext cx="486310" cy="0"/>
+          </a:xfrm>
+          <a:prstGeom prst="straightConnector1">
+            <a:avLst/>
+          </a:prstGeom>
+          <a:noFill/>
+          <a:ln w="28575" cap="flat" cmpd="sng" algn="ctr">
+            <a:solidFill>
+              <a:srgbClr val="4F81BD">
+                <a:shade val="95000"/>
+                <a:satMod val="105000"/>
+              </a:srgbClr>
+            </a:solidFill>
+            <a:prstDash val="solid"/>
+            <a:tailEnd type="arrow"/>
+          </a:ln>
+          <a:effectLst/>
+        </p:spPr>
+      </p:cxnSp>
+      <p:cxnSp>
+        <p:nvCxnSpPr>
+          <p:cNvPr id="26" name="Connecteur droit avec flèche 25">
+            <a:extLst>
+              <a:ext uri="{FF2B5EF4-FFF2-40B4-BE49-F238E27FC236}">
+                <a16:creationId xmlns:a16="http://schemas.microsoft.com/office/drawing/2014/main" id="{273435B1-3176-4DE3-9EDB-371F6572D2D4}"/>
+              </a:ext>
+            </a:extLst>
+          </p:cNvPr>
+          <p:cNvCxnSpPr>
+            <a:stCxn id="17" idx="3"/>
+            <a:endCxn id="18" idx="1"/>
+          </p:cNvCxnSpPr>
+          <p:nvPr/>
+        </p:nvCxnSpPr>
+        <p:spPr>
+          <a:xfrm>
+            <a:off x="6673248" y="2858105"/>
+            <a:ext cx="484465" cy="7818"/>
+          </a:xfrm>
+          <a:prstGeom prst="straightConnector1">
+            <a:avLst/>
+          </a:prstGeom>
+          <a:noFill/>
+          <a:ln w="28575" cap="flat" cmpd="sng" algn="ctr">
+            <a:solidFill>
+              <a:srgbClr val="4F81BD">
+                <a:shade val="95000"/>
+                <a:satMod val="105000"/>
+              </a:srgbClr>
+            </a:solidFill>
+            <a:prstDash val="solid"/>
+            <a:tailEnd type="arrow"/>
+          </a:ln>
+          <a:effectLst/>
+        </p:spPr>
+      </p:cxnSp>
+      <p:cxnSp>
+        <p:nvCxnSpPr>
+          <p:cNvPr id="27" name="Connecteur droit avec flèche 26">
+            <a:extLst>
+              <a:ext uri="{FF2B5EF4-FFF2-40B4-BE49-F238E27FC236}">
+                <a16:creationId xmlns:a16="http://schemas.microsoft.com/office/drawing/2014/main" id="{123E4F42-80B8-4E1D-917C-B15FF5EF4A0B}"/>
+              </a:ext>
+            </a:extLst>
+          </p:cNvPr>
+          <p:cNvCxnSpPr>
+            <a:stCxn id="18" idx="3"/>
+          </p:cNvCxnSpPr>
+          <p:nvPr/>
+        </p:nvCxnSpPr>
+        <p:spPr>
+          <a:xfrm>
+            <a:off x="8777713" y="2865923"/>
+            <a:ext cx="1249185" cy="0"/>
+          </a:xfrm>
+          <a:prstGeom prst="straightConnector1">
+            <a:avLst/>
+          </a:prstGeom>
+          <a:noFill/>
+          <a:ln w="28575" cap="flat" cmpd="sng" algn="ctr">
+            <a:solidFill>
+              <a:srgbClr val="4F81BD">
+                <a:shade val="95000"/>
+                <a:satMod val="105000"/>
+              </a:srgbClr>
+            </a:solidFill>
+            <a:prstDash val="solid"/>
+            <a:tailEnd type="arrow"/>
+          </a:ln>
+          <a:effectLst/>
+        </p:spPr>
+      </p:cxnSp>
+      <p:cxnSp>
+        <p:nvCxnSpPr>
+          <p:cNvPr id="31" name="Connecteur droit 30">
+            <a:extLst>
+              <a:ext uri="{FF2B5EF4-FFF2-40B4-BE49-F238E27FC236}">
+                <a16:creationId xmlns:a16="http://schemas.microsoft.com/office/drawing/2014/main" id="{92217C9D-1B81-4A94-985F-8506A2A7EE34}"/>
+              </a:ext>
+            </a:extLst>
+          </p:cNvPr>
+          <p:cNvCxnSpPr>
+            <a:cxnSpLocks/>
+          </p:cNvCxnSpPr>
+          <p:nvPr/>
+        </p:nvCxnSpPr>
+        <p:spPr>
+          <a:xfrm flipV="1">
+            <a:off x="4810093" y="3315249"/>
+            <a:ext cx="0" cy="765542"/>
+          </a:xfrm>
+          <a:prstGeom prst="line">
+            <a:avLst/>
+          </a:prstGeom>
+          <a:noFill/>
+          <a:ln w="28575" cap="flat" cmpd="sng" algn="ctr">
+            <a:solidFill>
+              <a:srgbClr val="C0504D">
+                <a:shade val="95000"/>
+                <a:satMod val="105000"/>
+              </a:srgbClr>
+            </a:solidFill>
+            <a:prstDash val="solid"/>
+          </a:ln>
+          <a:effectLst/>
+        </p:spPr>
+      </p:cxnSp>
+      <p:cxnSp>
+        <p:nvCxnSpPr>
+          <p:cNvPr id="32" name="Connecteur droit 31">
+            <a:extLst>
+              <a:ext uri="{FF2B5EF4-FFF2-40B4-BE49-F238E27FC236}">
+                <a16:creationId xmlns:a16="http://schemas.microsoft.com/office/drawing/2014/main" id="{3C944A46-BA15-4A06-AE32-C4A56FC2AFAA}"/>
+              </a:ext>
+            </a:extLst>
+          </p:cNvPr>
+          <p:cNvCxnSpPr>
+            <a:cxnSpLocks/>
+          </p:cNvCxnSpPr>
+          <p:nvPr/>
+        </p:nvCxnSpPr>
+        <p:spPr>
+          <a:xfrm>
+            <a:off x="4810093" y="4080791"/>
+            <a:ext cx="243155" cy="0"/>
+          </a:xfrm>
+          <a:prstGeom prst="line">
+            <a:avLst/>
+          </a:prstGeom>
+          <a:noFill/>
+          <a:ln w="28575" cap="flat" cmpd="sng" algn="ctr">
+            <a:solidFill>
+              <a:srgbClr val="C0504D">
+                <a:shade val="95000"/>
+                <a:satMod val="105000"/>
+              </a:srgbClr>
+            </a:solidFill>
+            <a:prstDash val="solid"/>
+            <a:headEnd type="none" w="med" len="med"/>
+            <a:tailEnd type="arrow" w="med" len="med"/>
+          </a:ln>
+          <a:effectLst/>
+        </p:spPr>
+      </p:cxnSp>
+      <p:cxnSp>
+        <p:nvCxnSpPr>
+          <p:cNvPr id="33" name="Connecteur droit 32">
+            <a:extLst>
+              <a:ext uri="{FF2B5EF4-FFF2-40B4-BE49-F238E27FC236}">
+                <a16:creationId xmlns:a16="http://schemas.microsoft.com/office/drawing/2014/main" id="{81A2943E-F942-42D5-9842-C8A9C916D913}"/>
+              </a:ext>
+            </a:extLst>
+          </p:cNvPr>
+          <p:cNvCxnSpPr>
+            <a:stCxn id="19" idx="3"/>
+            <a:endCxn id="20" idx="1"/>
+          </p:cNvCxnSpPr>
+          <p:nvPr/>
+        </p:nvCxnSpPr>
+        <p:spPr>
+          <a:xfrm>
+            <a:off x="4566938" y="4278743"/>
+            <a:ext cx="486310" cy="0"/>
+          </a:xfrm>
+          <a:prstGeom prst="line">
+            <a:avLst/>
+          </a:prstGeom>
+          <a:noFill/>
+          <a:ln w="28575" cap="flat" cmpd="sng" algn="ctr">
+            <a:solidFill>
+              <a:srgbClr val="C0504D">
+                <a:shade val="95000"/>
+                <a:satMod val="105000"/>
+              </a:srgbClr>
+            </a:solidFill>
+            <a:prstDash val="solid"/>
+            <a:headEnd type="none" w="med" len="med"/>
+            <a:tailEnd type="arrow" w="med" len="med"/>
+          </a:ln>
+          <a:effectLst/>
+        </p:spPr>
+      </p:cxnSp>
+      <p:cxnSp>
+        <p:nvCxnSpPr>
+          <p:cNvPr id="34" name="Connecteur droit 33">
+            <a:extLst>
+              <a:ext uri="{FF2B5EF4-FFF2-40B4-BE49-F238E27FC236}">
+                <a16:creationId xmlns:a16="http://schemas.microsoft.com/office/drawing/2014/main" id="{5BBD142F-6083-4954-A15F-52E9A6A63A83}"/>
+              </a:ext>
+            </a:extLst>
+          </p:cNvPr>
+          <p:cNvCxnSpPr>
+            <a:stCxn id="20" idx="3"/>
+            <a:endCxn id="21" idx="1"/>
+          </p:cNvCxnSpPr>
+          <p:nvPr/>
+        </p:nvCxnSpPr>
+        <p:spPr>
+          <a:xfrm>
+            <a:off x="6673248" y="4278743"/>
+            <a:ext cx="484465" cy="0"/>
+          </a:xfrm>
+          <a:prstGeom prst="line">
+            <a:avLst/>
+          </a:prstGeom>
+          <a:noFill/>
+          <a:ln w="28575" cap="flat" cmpd="sng" algn="ctr">
+            <a:solidFill>
+              <a:srgbClr val="C0504D">
+                <a:shade val="95000"/>
+                <a:satMod val="105000"/>
+              </a:srgbClr>
+            </a:solidFill>
+            <a:prstDash val="solid"/>
+            <a:headEnd type="none" w="med" len="med"/>
+            <a:tailEnd type="arrow" w="med" len="med"/>
+          </a:ln>
+          <a:effectLst/>
+        </p:spPr>
+      </p:cxnSp>
+      <p:cxnSp>
+        <p:nvCxnSpPr>
+          <p:cNvPr id="35" name="Connecteur droit 34">
+            <a:extLst>
+              <a:ext uri="{FF2B5EF4-FFF2-40B4-BE49-F238E27FC236}">
+                <a16:creationId xmlns:a16="http://schemas.microsoft.com/office/drawing/2014/main" id="{4270298D-A902-465D-BEE3-C94B1803F788}"/>
+              </a:ext>
+            </a:extLst>
+          </p:cNvPr>
+          <p:cNvCxnSpPr>
+            <a:stCxn id="21" idx="3"/>
+            <a:endCxn id="22" idx="1"/>
+          </p:cNvCxnSpPr>
+          <p:nvPr/>
+        </p:nvCxnSpPr>
+        <p:spPr>
+          <a:xfrm>
+            <a:off x="8777713" y="4278743"/>
+            <a:ext cx="439185" cy="0"/>
+          </a:xfrm>
+          <a:prstGeom prst="line">
+            <a:avLst/>
+          </a:prstGeom>
+          <a:noFill/>
+          <a:ln w="28575" cap="flat" cmpd="sng" algn="ctr">
+            <a:solidFill>
+              <a:srgbClr val="C0504D">
+                <a:shade val="95000"/>
+                <a:satMod val="105000"/>
+              </a:srgbClr>
+            </a:solidFill>
+            <a:prstDash val="solid"/>
+            <a:headEnd type="none" w="med" len="med"/>
+            <a:tailEnd type="arrow" w="med" len="med"/>
+          </a:ln>
+          <a:effectLst/>
+        </p:spPr>
+      </p:cxnSp>
+      <p:cxnSp>
+        <p:nvCxnSpPr>
+          <p:cNvPr id="36" name="Connecteur droit 35">
+            <a:extLst>
+              <a:ext uri="{FF2B5EF4-FFF2-40B4-BE49-F238E27FC236}">
+                <a16:creationId xmlns:a16="http://schemas.microsoft.com/office/drawing/2014/main" id="{8E4D8189-F404-4230-A802-A02E5E356597}"/>
+              </a:ext>
+            </a:extLst>
+          </p:cNvPr>
+          <p:cNvCxnSpPr>
+            <a:cxnSpLocks/>
+            <a:stCxn id="22" idx="3"/>
+            <a:endCxn id="23" idx="1"/>
+          </p:cNvCxnSpPr>
+          <p:nvPr/>
+        </p:nvCxnSpPr>
+        <p:spPr>
+          <a:xfrm>
+            <a:off x="10836898" y="4278743"/>
+            <a:ext cx="409038" cy="7376"/>
+          </a:xfrm>
+          <a:prstGeom prst="line">
+            <a:avLst/>
+          </a:prstGeom>
+          <a:noFill/>
+          <a:ln w="28575" cap="flat" cmpd="sng" algn="ctr">
+            <a:solidFill>
+              <a:srgbClr val="C0504D">
+                <a:shade val="95000"/>
+                <a:satMod val="105000"/>
+              </a:srgbClr>
+            </a:solidFill>
+            <a:prstDash val="solid"/>
+            <a:headEnd type="none" w="med" len="med"/>
+            <a:tailEnd type="arrow" w="med" len="med"/>
+          </a:ln>
+          <a:effectLst/>
+        </p:spPr>
+      </p:cxnSp>
+      <p:cxnSp>
+        <p:nvCxnSpPr>
+          <p:cNvPr id="37" name="Connecteur droit 36">
+            <a:extLst>
+              <a:ext uri="{FF2B5EF4-FFF2-40B4-BE49-F238E27FC236}">
+                <a16:creationId xmlns:a16="http://schemas.microsoft.com/office/drawing/2014/main" id="{578546EE-400C-40E0-AE65-8A15AAC3E048}"/>
+              </a:ext>
+            </a:extLst>
+          </p:cNvPr>
+          <p:cNvCxnSpPr>
+            <a:cxnSpLocks/>
+          </p:cNvCxnSpPr>
+          <p:nvPr/>
+        </p:nvCxnSpPr>
+        <p:spPr>
+          <a:xfrm>
+            <a:off x="2460628" y="4278743"/>
+            <a:ext cx="486310" cy="0"/>
+          </a:xfrm>
+          <a:prstGeom prst="line">
+            <a:avLst/>
+          </a:prstGeom>
+          <a:noFill/>
+          <a:ln w="28575" cap="flat" cmpd="sng" algn="ctr">
+            <a:solidFill>
+              <a:srgbClr val="C0504D">
+                <a:shade val="95000"/>
+                <a:satMod val="105000"/>
+              </a:srgbClr>
+            </a:solidFill>
+            <a:prstDash val="solid"/>
+            <a:headEnd type="none" w="med" len="med"/>
+            <a:tailEnd type="arrow" w="med" len="med"/>
+          </a:ln>
+          <a:effectLst/>
+        </p:spPr>
+      </p:cxnSp>
+      <p:cxnSp>
+        <p:nvCxnSpPr>
+          <p:cNvPr id="38" name="Connecteur droit 37">
+            <a:extLst>
+              <a:ext uri="{FF2B5EF4-FFF2-40B4-BE49-F238E27FC236}">
+                <a16:creationId xmlns:a16="http://schemas.microsoft.com/office/drawing/2014/main" id="{282C3255-4151-4578-8E5D-2D7B78DC286F}"/>
+              </a:ext>
+            </a:extLst>
+          </p:cNvPr>
+          <p:cNvCxnSpPr>
+            <a:cxnSpLocks/>
+          </p:cNvCxnSpPr>
+          <p:nvPr/>
+        </p:nvCxnSpPr>
+        <p:spPr>
+          <a:xfrm flipV="1">
+            <a:off x="10630157" y="1887145"/>
+            <a:ext cx="0" cy="1840580"/>
+          </a:xfrm>
+          <a:prstGeom prst="line">
+            <a:avLst/>
+          </a:prstGeom>
+          <a:noFill/>
+          <a:ln w="28575" cap="flat" cmpd="sng" algn="ctr">
+            <a:solidFill>
+              <a:srgbClr val="92D050"/>
+            </a:solidFill>
+            <a:prstDash val="solid"/>
+          </a:ln>
+          <a:effectLst/>
+        </p:spPr>
+      </p:cxnSp>
+      <p:cxnSp>
+        <p:nvCxnSpPr>
+          <p:cNvPr id="39" name="Connecteur droit 38">
+            <a:extLst>
+              <a:ext uri="{FF2B5EF4-FFF2-40B4-BE49-F238E27FC236}">
+                <a16:creationId xmlns:a16="http://schemas.microsoft.com/office/drawing/2014/main" id="{9CFE3312-7FD0-4FBA-B81F-621772F4A246}"/>
+              </a:ext>
+            </a:extLst>
+          </p:cNvPr>
+          <p:cNvCxnSpPr>
+            <a:cxnSpLocks/>
+          </p:cNvCxnSpPr>
+          <p:nvPr/>
+        </p:nvCxnSpPr>
+        <p:spPr>
+          <a:xfrm flipH="1">
+            <a:off x="2460628" y="1887144"/>
+            <a:ext cx="8195247" cy="0"/>
+          </a:xfrm>
+          <a:prstGeom prst="line">
+            <a:avLst/>
+          </a:prstGeom>
+          <a:noFill/>
+          <a:ln w="28575" cap="flat" cmpd="sng" algn="ctr">
+            <a:solidFill>
+              <a:srgbClr val="92D050"/>
+            </a:solidFill>
+            <a:prstDash val="solid"/>
+          </a:ln>
+          <a:effectLst/>
+        </p:spPr>
+      </p:cxnSp>
+      <p:cxnSp>
+        <p:nvCxnSpPr>
+          <p:cNvPr id="40" name="Connecteur droit 39">
+            <a:extLst>
+              <a:ext uri="{FF2B5EF4-FFF2-40B4-BE49-F238E27FC236}">
+                <a16:creationId xmlns:a16="http://schemas.microsoft.com/office/drawing/2014/main" id="{725CDBAA-00DA-4016-9A63-34084FD0E113}"/>
+              </a:ext>
+            </a:extLst>
+          </p:cNvPr>
+          <p:cNvCxnSpPr>
+            <a:cxnSpLocks/>
+          </p:cNvCxnSpPr>
+          <p:nvPr/>
+        </p:nvCxnSpPr>
+        <p:spPr>
+          <a:xfrm>
+            <a:off x="2460628" y="2645981"/>
+            <a:ext cx="486310" cy="0"/>
+          </a:xfrm>
+          <a:prstGeom prst="line">
+            <a:avLst/>
+          </a:prstGeom>
+          <a:noFill/>
+          <a:ln w="28575" cap="flat" cmpd="sng" algn="ctr">
+            <a:solidFill>
+              <a:srgbClr val="92D050"/>
+            </a:solidFill>
+            <a:prstDash val="solid"/>
+            <a:headEnd type="none" w="med" len="med"/>
+            <a:tailEnd type="arrow" w="med" len="med"/>
+          </a:ln>
+          <a:effectLst/>
+        </p:spPr>
+      </p:cxnSp>
+      <p:cxnSp>
+        <p:nvCxnSpPr>
+          <p:cNvPr id="41" name="Connecteur droit 40">
+            <a:extLst>
+              <a:ext uri="{FF2B5EF4-FFF2-40B4-BE49-F238E27FC236}">
+                <a16:creationId xmlns:a16="http://schemas.microsoft.com/office/drawing/2014/main" id="{1A1DF33F-0D3A-4B30-8705-EDD22861E35C}"/>
+              </a:ext>
+            </a:extLst>
+          </p:cNvPr>
+          <p:cNvCxnSpPr>
+            <a:cxnSpLocks/>
+          </p:cNvCxnSpPr>
+          <p:nvPr/>
+        </p:nvCxnSpPr>
+        <p:spPr>
+          <a:xfrm flipV="1">
+            <a:off x="2460628" y="1887144"/>
+            <a:ext cx="0" cy="758838"/>
+          </a:xfrm>
+          <a:prstGeom prst="line">
+            <a:avLst/>
+          </a:prstGeom>
+          <a:noFill/>
+          <a:ln w="28575" cap="flat" cmpd="sng" algn="ctr">
+            <a:solidFill>
+              <a:srgbClr val="92D050"/>
+            </a:solidFill>
+            <a:prstDash val="solid"/>
+          </a:ln>
+          <a:effectLst/>
+        </p:spPr>
+      </p:cxnSp>
+      <p:cxnSp>
+        <p:nvCxnSpPr>
+          <p:cNvPr id="42" name="Connecteur droit 41">
+            <a:extLst>
+              <a:ext uri="{FF2B5EF4-FFF2-40B4-BE49-F238E27FC236}">
+                <a16:creationId xmlns:a16="http://schemas.microsoft.com/office/drawing/2014/main" id="{2ACDABC4-31F8-4BD9-A720-5802A8BAB497}"/>
+              </a:ext>
+            </a:extLst>
+          </p:cNvPr>
+          <p:cNvCxnSpPr>
+            <a:cxnSpLocks/>
+          </p:cNvCxnSpPr>
+          <p:nvPr/>
+        </p:nvCxnSpPr>
+        <p:spPr>
+          <a:xfrm>
+            <a:off x="12873762" y="3542167"/>
+            <a:ext cx="409038" cy="2542"/>
+          </a:xfrm>
+          <a:prstGeom prst="line">
+            <a:avLst/>
+          </a:prstGeom>
+          <a:noFill/>
+          <a:ln w="28575" cap="flat" cmpd="sng" algn="ctr">
+            <a:solidFill>
+              <a:srgbClr val="C0504D">
+                <a:shade val="95000"/>
+                <a:satMod val="105000"/>
+              </a:srgbClr>
+            </a:solidFill>
+            <a:prstDash val="solid"/>
+            <a:headEnd type="none" w="med" len="med"/>
+            <a:tailEnd type="arrow" w="med" len="med"/>
+          </a:ln>
+          <a:effectLst/>
+        </p:spPr>
+      </p:cxnSp>
+      <p:sp>
+        <p:nvSpPr>
+          <p:cNvPr id="43" name="Flèche vers le bas 33">
+            <a:extLst>
+              <a:ext uri="{FF2B5EF4-FFF2-40B4-BE49-F238E27FC236}">
+                <a16:creationId xmlns:a16="http://schemas.microsoft.com/office/drawing/2014/main" id="{F3468FBD-8897-4A42-9B06-CE4F01ED9F02}"/>
+              </a:ext>
+            </a:extLst>
+          </p:cNvPr>
+          <p:cNvSpPr/>
+          <p:nvPr/>
+        </p:nvSpPr>
+        <p:spPr>
+          <a:xfrm>
+            <a:off x="11853346" y="2563828"/>
+            <a:ext cx="405180" cy="819344"/>
+          </a:xfrm>
+          <a:prstGeom prst="downArrow">
+            <a:avLst/>
+          </a:prstGeom>
+          <a:solidFill>
+            <a:sysClr val="window" lastClr="FFFFFF"/>
+          </a:solidFill>
+          <a:ln w="25400" cap="flat" cmpd="sng" algn="ctr">
+            <a:solidFill>
+              <a:srgbClr val="C0504D"/>
+            </a:solidFill>
+            <a:prstDash val="solid"/>
+          </a:ln>
+          <a:effectLst/>
+        </p:spPr>
+        <p:txBody>
+          <a:bodyPr rtlCol="0" anchor="ctr"/>
+          <a:lstStyle/>
+          <a:p>
+            <a:pPr marL="0" marR="0" lvl="0" indent="0" algn="ctr" defTabSz="914400" eaLnBrk="1" fontAlgn="auto" latinLnBrk="0" hangingPunct="1">
+              <a:lnSpc>
+                <a:spcPct val="100000"/>
+              </a:lnSpc>
+              <a:spcBef>
+                <a:spcPts val="0"/>
+              </a:spcBef>
+              <a:spcAft>
+                <a:spcPts val="0"/>
+              </a:spcAft>
+              <a:buClrTx/>
+              <a:buSzTx/>
+              <a:buFontTx/>
+              <a:buNone/>
+              <a:tabLst/>
+              <a:defRPr/>
+            </a:pPr>
+            <a:endParaRPr kumimoji="0" lang="fr-FR" sz="1600" b="0" i="0" u="none" strike="noStrike" kern="0" cap="none" spc="0" normalizeH="0" baseline="0" noProof="0">
+              <a:ln>
+                <a:noFill/>
+              </a:ln>
+              <a:solidFill>
+                <a:prstClr val="black"/>
+              </a:solidFill>
+              <a:effectLst/>
+              <a:uLnTx/>
+              <a:uFillTx/>
+              <a:latin typeface="Calibri"/>
+              <a:ea typeface="+mn-ea"/>
+              <a:cs typeface="+mn-cs"/>
+            </a:endParaRPr>
+          </a:p>
+        </p:txBody>
+      </p:sp>
+      <p:sp>
+        <p:nvSpPr>
+          <p:cNvPr id="44" name="Rectangle 43">
+            <a:extLst>
+              <a:ext uri="{FF2B5EF4-FFF2-40B4-BE49-F238E27FC236}">
+                <a16:creationId xmlns:a16="http://schemas.microsoft.com/office/drawing/2014/main" id="{04B2C3EC-633C-4735-82B8-DC39A9D879EE}"/>
+              </a:ext>
+            </a:extLst>
+          </p:cNvPr>
+          <p:cNvSpPr/>
+          <p:nvPr/>
+        </p:nvSpPr>
+        <p:spPr>
+          <a:xfrm>
+            <a:off x="5980053" y="3318053"/>
+            <a:ext cx="1482684" cy="409672"/>
+          </a:xfrm>
+          <a:prstGeom prst="rect">
+            <a:avLst/>
+          </a:prstGeom>
+          <a:noFill/>
+          <a:ln w="9525" cap="flat" cmpd="sng" algn="ctr">
+            <a:noFill/>
+            <a:prstDash val="solid"/>
+          </a:ln>
+          <a:effectLst/>
+        </p:spPr>
+        <p:txBody>
+          <a:bodyPr rtlCol="0" anchor="ctr"/>
+          <a:lstStyle/>
+          <a:p>
+            <a:pPr marL="0" marR="0" lvl="0" indent="0" algn="ctr" defTabSz="914400" eaLnBrk="1" fontAlgn="auto" latinLnBrk="0" hangingPunct="1">
+              <a:lnSpc>
+                <a:spcPct val="100000"/>
+              </a:lnSpc>
+              <a:spcBef>
+                <a:spcPts val="0"/>
+              </a:spcBef>
+              <a:spcAft>
+                <a:spcPts val="0"/>
+              </a:spcAft>
+              <a:buClrTx/>
+              <a:buSzTx/>
+              <a:buFontTx/>
+              <a:buNone/>
+              <a:tabLst/>
+              <a:defRPr/>
+            </a:pPr>
+            <a:r>
+              <a:rPr kumimoji="0" lang="fr-FR" sz="1600" b="1" i="0" u="none" strike="noStrike" kern="0" cap="none" spc="0" normalizeH="0" baseline="0" noProof="0" dirty="0">
+                <a:ln>
+                  <a:noFill/>
+                </a:ln>
+                <a:solidFill>
+                  <a:srgbClr val="C00000"/>
+                </a:solidFill>
+                <a:effectLst/>
+                <a:uLnTx/>
+                <a:uFillTx/>
+                <a:latin typeface="Calibri"/>
+                <a:ea typeface="+mn-ea"/>
+                <a:cs typeface="+mn-cs"/>
+              </a:rPr>
+              <a:t>Ordres</a:t>
+            </a:r>
+          </a:p>
+        </p:txBody>
+      </p:sp>
+      <p:sp>
+        <p:nvSpPr>
+          <p:cNvPr id="45" name="Rectangle 44">
+            <a:extLst>
+              <a:ext uri="{FF2B5EF4-FFF2-40B4-BE49-F238E27FC236}">
+                <a16:creationId xmlns:a16="http://schemas.microsoft.com/office/drawing/2014/main" id="{67319993-505A-4042-AD65-168EC6EDDABF}"/>
+              </a:ext>
+            </a:extLst>
+          </p:cNvPr>
+          <p:cNvSpPr/>
+          <p:nvPr/>
+        </p:nvSpPr>
+        <p:spPr>
+          <a:xfrm>
+            <a:off x="10467491" y="1718966"/>
+            <a:ext cx="1482684" cy="949795"/>
+          </a:xfrm>
+          <a:prstGeom prst="rect">
+            <a:avLst/>
+          </a:prstGeom>
+          <a:noFill/>
+          <a:ln w="9525" cap="flat" cmpd="sng" algn="ctr">
+            <a:noFill/>
+            <a:prstDash val="solid"/>
+          </a:ln>
+          <a:effectLst/>
+        </p:spPr>
+        <p:txBody>
+          <a:bodyPr rtlCol="0" anchor="ctr"/>
+          <a:lstStyle/>
+          <a:p>
+            <a:pPr marL="0" marR="0" lvl="0" indent="0" algn="ctr" defTabSz="914400" eaLnBrk="1" fontAlgn="auto" latinLnBrk="0" hangingPunct="1">
+              <a:lnSpc>
+                <a:spcPct val="100000"/>
+              </a:lnSpc>
+              <a:spcBef>
+                <a:spcPts val="0"/>
+              </a:spcBef>
+              <a:spcAft>
+                <a:spcPts val="0"/>
+              </a:spcAft>
+              <a:buClrTx/>
+              <a:buSzTx/>
+              <a:buFontTx/>
+              <a:buNone/>
+              <a:tabLst/>
+              <a:defRPr/>
+            </a:pPr>
+            <a:r>
+              <a:rPr kumimoji="0" lang="fr-FR" sz="1400" b="1" i="0" u="none" strike="noStrike" kern="0" cap="none" spc="0" normalizeH="0" baseline="0" noProof="0" dirty="0">
+                <a:ln>
+                  <a:noFill/>
+                </a:ln>
+                <a:solidFill>
+                  <a:srgbClr val="92D050"/>
+                </a:solidFill>
+                <a:effectLst/>
+                <a:uLnTx/>
+                <a:uFillTx/>
+                <a:latin typeface="Calibri"/>
+                <a:ea typeface="+mn-ea"/>
+                <a:cs typeface="+mn-cs"/>
+              </a:rPr>
+              <a:t>Grandeurs physiques à acquérir</a:t>
+            </a:r>
+          </a:p>
+        </p:txBody>
+      </p:sp>
+      <p:sp>
+        <p:nvSpPr>
+          <p:cNvPr id="46" name="Rectangle 45">
+            <a:extLst>
+              <a:ext uri="{FF2B5EF4-FFF2-40B4-BE49-F238E27FC236}">
+                <a16:creationId xmlns:a16="http://schemas.microsoft.com/office/drawing/2014/main" id="{3782BBB0-4BB9-49D7-B70B-94BF2A96AFD1}"/>
+              </a:ext>
+            </a:extLst>
+          </p:cNvPr>
+          <p:cNvSpPr/>
+          <p:nvPr/>
+        </p:nvSpPr>
+        <p:spPr>
+          <a:xfrm>
+            <a:off x="9177183" y="1908310"/>
+            <a:ext cx="1452974" cy="949795"/>
+          </a:xfrm>
+          <a:prstGeom prst="rect">
+            <a:avLst/>
+          </a:prstGeom>
+          <a:noFill/>
+          <a:ln w="9525" cap="flat" cmpd="sng" algn="ctr">
+            <a:noFill/>
+            <a:prstDash val="solid"/>
+          </a:ln>
+          <a:effectLst/>
+        </p:spPr>
+        <p:txBody>
+          <a:bodyPr rtlCol="0" anchor="ctr"/>
+          <a:lstStyle/>
+          <a:p>
+            <a:pPr marL="0" marR="0" lvl="0" indent="0" algn="ctr" defTabSz="914400" eaLnBrk="1" fontAlgn="auto" latinLnBrk="0" hangingPunct="1">
+              <a:lnSpc>
+                <a:spcPct val="100000"/>
+              </a:lnSpc>
+              <a:spcBef>
+                <a:spcPts val="0"/>
+              </a:spcBef>
+              <a:spcAft>
+                <a:spcPts val="0"/>
+              </a:spcAft>
+              <a:buClrTx/>
+              <a:buSzTx/>
+              <a:buFontTx/>
+              <a:buNone/>
+              <a:tabLst/>
+              <a:defRPr/>
+            </a:pPr>
+            <a:r>
+              <a:rPr kumimoji="0" lang="fr-FR" sz="1200" b="1" i="0" u="none" strike="noStrike" kern="0" cap="none" spc="0" normalizeH="0" baseline="0" noProof="0" dirty="0">
+                <a:ln>
+                  <a:noFill/>
+                </a:ln>
+                <a:solidFill>
+                  <a:srgbClr val="00B0F0"/>
+                </a:solidFill>
+                <a:effectLst/>
+                <a:uLnTx/>
+                <a:uFillTx/>
+                <a:latin typeface="Calibri"/>
+                <a:ea typeface="+mn-ea"/>
+                <a:cs typeface="+mn-cs"/>
+              </a:rPr>
+              <a:t>Infos destinées à d’autres interfaces H/M</a:t>
+            </a:r>
+          </a:p>
+        </p:txBody>
+      </p:sp>
+      <p:sp>
+        <p:nvSpPr>
+          <p:cNvPr id="47" name="Rectangle 46">
+            <a:extLst>
+              <a:ext uri="{FF2B5EF4-FFF2-40B4-BE49-F238E27FC236}">
+                <a16:creationId xmlns:a16="http://schemas.microsoft.com/office/drawing/2014/main" id="{E3A8E074-50FA-4330-B2CC-A4E01D900625}"/>
+              </a:ext>
+            </a:extLst>
+          </p:cNvPr>
+          <p:cNvSpPr/>
+          <p:nvPr/>
+        </p:nvSpPr>
+        <p:spPr>
+          <a:xfrm>
+            <a:off x="1164816" y="2655070"/>
+            <a:ext cx="1452974" cy="949795"/>
+          </a:xfrm>
+          <a:prstGeom prst="rect">
+            <a:avLst/>
+          </a:prstGeom>
+          <a:noFill/>
+          <a:ln w="9525" cap="flat" cmpd="sng" algn="ctr">
+            <a:noFill/>
+            <a:prstDash val="solid"/>
+          </a:ln>
+          <a:effectLst/>
+        </p:spPr>
+        <p:txBody>
+          <a:bodyPr rtlCol="0" anchor="ctr"/>
+          <a:lstStyle/>
+          <a:p>
+            <a:pPr marL="0" marR="0" lvl="0" indent="0" algn="ctr" defTabSz="914400" eaLnBrk="1" fontAlgn="auto" latinLnBrk="0" hangingPunct="1">
+              <a:lnSpc>
+                <a:spcPct val="100000"/>
+              </a:lnSpc>
+              <a:spcBef>
+                <a:spcPts val="0"/>
+              </a:spcBef>
+              <a:spcAft>
+                <a:spcPts val="0"/>
+              </a:spcAft>
+              <a:buClrTx/>
+              <a:buSzTx/>
+              <a:buFontTx/>
+              <a:buNone/>
+              <a:tabLst/>
+              <a:defRPr/>
+            </a:pPr>
+            <a:r>
+              <a:rPr kumimoji="0" lang="fr-FR" sz="1200" b="1" i="0" u="none" strike="noStrike" kern="0" cap="none" spc="0" normalizeH="0" baseline="0" noProof="0" dirty="0">
+                <a:ln>
+                  <a:noFill/>
+                </a:ln>
+                <a:solidFill>
+                  <a:srgbClr val="00B0F0"/>
+                </a:solidFill>
+                <a:effectLst/>
+                <a:uLnTx/>
+                <a:uFillTx/>
+                <a:latin typeface="Calibri"/>
+                <a:ea typeface="+mn-ea"/>
+                <a:cs typeface="+mn-cs"/>
+              </a:rPr>
+              <a:t>Infos issues de d’autres interfaces H/M</a:t>
+            </a:r>
+          </a:p>
+        </p:txBody>
+      </p:sp>
+      <p:sp>
+        <p:nvSpPr>
+          <p:cNvPr id="48" name="Rectangle 47">
+            <a:extLst>
+              <a:ext uri="{FF2B5EF4-FFF2-40B4-BE49-F238E27FC236}">
+                <a16:creationId xmlns:a16="http://schemas.microsoft.com/office/drawing/2014/main" id="{A4613641-972A-40E3-875F-7959BA4CA987}"/>
+              </a:ext>
+            </a:extLst>
+          </p:cNvPr>
+          <p:cNvSpPr/>
+          <p:nvPr/>
+        </p:nvSpPr>
+        <p:spPr>
+          <a:xfrm>
+            <a:off x="11920465" y="1862255"/>
+            <a:ext cx="1794861" cy="379169"/>
+          </a:xfrm>
+          <a:prstGeom prst="rect">
+            <a:avLst/>
+          </a:prstGeom>
+          <a:noFill/>
+          <a:ln w="9525" cap="flat" cmpd="sng" algn="ctr">
+            <a:noFill/>
+            <a:prstDash val="solid"/>
+          </a:ln>
+          <a:effectLst/>
+        </p:spPr>
+        <p:txBody>
+          <a:bodyPr rtlCol="0" anchor="ctr"/>
+          <a:lstStyle/>
+          <a:p>
+            <a:pPr marL="0" marR="0" lvl="0" indent="0" algn="ctr" defTabSz="914400" eaLnBrk="1" fontAlgn="auto" latinLnBrk="0" hangingPunct="1">
+              <a:lnSpc>
+                <a:spcPct val="100000"/>
+              </a:lnSpc>
+              <a:spcBef>
+                <a:spcPts val="0"/>
+              </a:spcBef>
+              <a:spcAft>
+                <a:spcPts val="0"/>
+              </a:spcAft>
+              <a:buClrTx/>
+              <a:buSzTx/>
+              <a:buFontTx/>
+              <a:buNone/>
+              <a:tabLst/>
+              <a:defRPr/>
+            </a:pPr>
+            <a:r>
+              <a:rPr kumimoji="0" lang="fr-FR" sz="1200" b="1" i="0" u="none" strike="noStrike" kern="0" cap="none" spc="0" normalizeH="0" baseline="0" noProof="0" dirty="0">
+                <a:ln>
+                  <a:noFill/>
+                </a:ln>
+                <a:solidFill>
+                  <a:srgbClr val="00B0F0"/>
+                </a:solidFill>
+                <a:effectLst/>
+                <a:uLnTx/>
+                <a:uFillTx/>
+                <a:latin typeface="Calibri"/>
+                <a:ea typeface="+mn-ea"/>
+                <a:cs typeface="+mn-cs"/>
+              </a:rPr>
+              <a:t>H/M : Homme – Machine </a:t>
+            </a:r>
+          </a:p>
+        </p:txBody>
+      </p:sp>
+      <p:sp>
+        <p:nvSpPr>
+          <p:cNvPr id="49" name="Rectangle 48">
+            <a:extLst>
+              <a:ext uri="{FF2B5EF4-FFF2-40B4-BE49-F238E27FC236}">
+                <a16:creationId xmlns:a16="http://schemas.microsoft.com/office/drawing/2014/main" id="{FCA989E8-2F5C-4330-A910-27D160C36F19}"/>
+              </a:ext>
+            </a:extLst>
+          </p:cNvPr>
+          <p:cNvSpPr/>
+          <p:nvPr/>
+        </p:nvSpPr>
+        <p:spPr>
+          <a:xfrm>
+            <a:off x="11314594" y="2193863"/>
+            <a:ext cx="1482684" cy="409672"/>
+          </a:xfrm>
+          <a:prstGeom prst="rect">
+            <a:avLst/>
+          </a:prstGeom>
+          <a:noFill/>
+          <a:ln w="9525" cap="flat" cmpd="sng" algn="ctr">
+            <a:noFill/>
+            <a:prstDash val="solid"/>
+          </a:ln>
+          <a:effectLst/>
+        </p:spPr>
+        <p:txBody>
+          <a:bodyPr rtlCol="0" anchor="ctr"/>
+          <a:lstStyle/>
+          <a:p>
+            <a:pPr marL="0" marR="0" lvl="0" indent="0" algn="ctr" defTabSz="914400" eaLnBrk="1" fontAlgn="auto" latinLnBrk="0" hangingPunct="1">
+              <a:lnSpc>
+                <a:spcPct val="100000"/>
+              </a:lnSpc>
+              <a:spcBef>
+                <a:spcPts val="0"/>
+              </a:spcBef>
+              <a:spcAft>
+                <a:spcPts val="0"/>
+              </a:spcAft>
+              <a:buClrTx/>
+              <a:buSzTx/>
+              <a:buFontTx/>
+              <a:buNone/>
+              <a:tabLst/>
+              <a:defRPr/>
+            </a:pPr>
+            <a:endParaRPr kumimoji="0" lang="fr-FR" sz="1600" b="1" i="0" u="none" strike="noStrike" kern="0" cap="none" spc="0" normalizeH="0" baseline="0" noProof="0" dirty="0">
+              <a:ln>
+                <a:noFill/>
+              </a:ln>
+              <a:solidFill>
+                <a:srgbClr val="C00000"/>
+              </a:solidFill>
+              <a:effectLst/>
+              <a:uLnTx/>
+              <a:uFillTx/>
+              <a:latin typeface="Calibri"/>
+              <a:ea typeface="+mn-ea"/>
+              <a:cs typeface="+mn-cs"/>
+            </a:endParaRPr>
+          </a:p>
+        </p:txBody>
+      </p:sp>
+      <p:grpSp>
+        <p:nvGrpSpPr>
+          <p:cNvPr id="77" name="Groupe 76">
+            <a:extLst>
+              <a:ext uri="{FF2B5EF4-FFF2-40B4-BE49-F238E27FC236}">
+                <a16:creationId xmlns:a16="http://schemas.microsoft.com/office/drawing/2014/main" id="{457D46D3-EEBE-4E56-B8EE-D53CFB72D255}"/>
+              </a:ext>
+            </a:extLst>
+          </p:cNvPr>
+          <p:cNvGrpSpPr/>
+          <p:nvPr/>
+        </p:nvGrpSpPr>
+        <p:grpSpPr>
+          <a:xfrm>
+            <a:off x="523938" y="0"/>
+            <a:ext cx="504000" cy="5994188"/>
+            <a:chOff x="523938" y="0"/>
+            <a:chExt cx="504000" cy="5994188"/>
+          </a:xfrm>
+        </p:grpSpPr>
+        <p:sp>
+          <p:nvSpPr>
+            <p:cNvPr id="70" name="ZoneTexte 69">
+              <a:extLst>
+                <a:ext uri="{FF2B5EF4-FFF2-40B4-BE49-F238E27FC236}">
+                  <a16:creationId xmlns:a16="http://schemas.microsoft.com/office/drawing/2014/main" id="{B59EDDAC-DFDA-43F4-9825-964B975AA672}"/>
+                </a:ext>
+              </a:extLst>
+            </p:cNvPr>
+            <p:cNvSpPr txBox="1"/>
+            <p:nvPr/>
+          </p:nvSpPr>
+          <p:spPr>
+            <a:xfrm rot="16200000">
+              <a:off x="-88062" y="612000"/>
+              <a:ext cx="1728000" cy="504000"/>
+            </a:xfrm>
+            <a:prstGeom prst="rect">
+              <a:avLst/>
+            </a:prstGeom>
+            <a:solidFill>
+              <a:schemeClr val="accent1">
+                <a:lumMod val="20000"/>
+                <a:lumOff val="80000"/>
+              </a:schemeClr>
+            </a:solidFill>
+          </p:spPr>
+          <p:txBody>
+            <a:bodyPr wrap="square" lIns="0" tIns="0" rIns="0" bIns="0" rtlCol="0">
+              <a:spAutoFit/>
+            </a:bodyPr>
+            <a:lstStyle/>
+            <a:p>
+              <a:pPr algn="ctr"/>
+              <a:r>
+                <a:rPr lang="fr-FR" sz="2400" b="1" dirty="0"/>
+                <a:t>Découverte</a:t>
+              </a:r>
+            </a:p>
+          </p:txBody>
+        </p:sp>
+        <p:sp>
+          <p:nvSpPr>
+            <p:cNvPr id="75" name="ZoneTexte 74">
+              <a:extLst>
+                <a:ext uri="{FF2B5EF4-FFF2-40B4-BE49-F238E27FC236}">
+                  <a16:creationId xmlns:a16="http://schemas.microsoft.com/office/drawing/2014/main" id="{A583E446-C069-4E6A-8CC6-690556346DC2}"/>
+                </a:ext>
+              </a:extLst>
+            </p:cNvPr>
+            <p:cNvSpPr txBox="1"/>
+            <p:nvPr/>
+          </p:nvSpPr>
+          <p:spPr>
+            <a:xfrm rot="16200000">
+              <a:off x="-1357156" y="3609094"/>
+              <a:ext cx="4266188" cy="504000"/>
+            </a:xfrm>
+            <a:prstGeom prst="rect">
+              <a:avLst/>
+            </a:prstGeom>
+            <a:solidFill>
+              <a:schemeClr val="accent1">
+                <a:lumMod val="20000"/>
+                <a:lumOff val="80000"/>
+              </a:schemeClr>
+            </a:solidFill>
+          </p:spPr>
+          <p:txBody>
+            <a:bodyPr wrap="square" lIns="0" tIns="0" rIns="0" bIns="0" rtlCol="0">
+              <a:spAutoFit/>
+            </a:bodyPr>
+            <a:lstStyle/>
+            <a:p>
+              <a:pPr algn="ctr"/>
+              <a:r>
+                <a:rPr lang="fr-FR" sz="2400" b="1" dirty="0"/>
+                <a:t>Chaine fonctionnelle</a:t>
+              </a:r>
+            </a:p>
+          </p:txBody>
+        </p:sp>
+      </p:grpSp>
+      <p:cxnSp>
+        <p:nvCxnSpPr>
+          <p:cNvPr id="72" name="Connecteur droit 71">
+            <a:extLst>
+              <a:ext uri="{FF2B5EF4-FFF2-40B4-BE49-F238E27FC236}">
+                <a16:creationId xmlns:a16="http://schemas.microsoft.com/office/drawing/2014/main" id="{45A44BA3-10B3-4FE6-8D0E-E92C288247C4}"/>
+              </a:ext>
+            </a:extLst>
+          </p:cNvPr>
+          <p:cNvCxnSpPr>
+            <a:cxnSpLocks/>
+          </p:cNvCxnSpPr>
+          <p:nvPr/>
+        </p:nvCxnSpPr>
+        <p:spPr>
+          <a:xfrm>
+            <a:off x="523937" y="1718966"/>
+            <a:ext cx="14594696" cy="0"/>
+          </a:xfrm>
+          <a:prstGeom prst="line">
+            <a:avLst/>
+          </a:prstGeom>
+        </p:spPr>
+        <p:style>
+          <a:lnRef idx="1">
+            <a:schemeClr val="accent1"/>
+          </a:lnRef>
+          <a:fillRef idx="0">
+            <a:schemeClr val="accent1"/>
+          </a:fillRef>
+          <a:effectRef idx="0">
+            <a:schemeClr val="accent1"/>
+          </a:effectRef>
+          <a:fontRef idx="minor">
+            <a:schemeClr val="tx1"/>
+          </a:fontRef>
+        </p:style>
+      </p:cxnSp>
+      <p:cxnSp>
+        <p:nvCxnSpPr>
+          <p:cNvPr id="76" name="Connecteur droit 75">
+            <a:extLst>
+              <a:ext uri="{FF2B5EF4-FFF2-40B4-BE49-F238E27FC236}">
+                <a16:creationId xmlns:a16="http://schemas.microsoft.com/office/drawing/2014/main" id="{91B2922F-3DE4-4D32-B9AA-8BD8B5BB674B}"/>
+              </a:ext>
+            </a:extLst>
+          </p:cNvPr>
+          <p:cNvCxnSpPr>
+            <a:cxnSpLocks/>
+          </p:cNvCxnSpPr>
+          <p:nvPr/>
+        </p:nvCxnSpPr>
+        <p:spPr>
+          <a:xfrm>
+            <a:off x="523937" y="5994187"/>
+            <a:ext cx="14594696" cy="0"/>
+          </a:xfrm>
+          <a:prstGeom prst="line">
+            <a:avLst/>
+          </a:prstGeom>
+        </p:spPr>
+        <p:style>
+          <a:lnRef idx="1">
+            <a:schemeClr val="accent1"/>
+          </a:lnRef>
+          <a:fillRef idx="0">
+            <a:schemeClr val="accent1"/>
+          </a:fillRef>
+          <a:effectRef idx="0">
+            <a:schemeClr val="accent1"/>
+          </a:effectRef>
+          <a:fontRef idx="minor">
+            <a:schemeClr val="tx1"/>
+          </a:fontRef>
+        </p:style>
+      </p:cxnSp>
+      <p:sp>
+        <p:nvSpPr>
+          <p:cNvPr id="79" name="ZoneTexte 78">
+            <a:extLst>
+              <a:ext uri="{FF2B5EF4-FFF2-40B4-BE49-F238E27FC236}">
+                <a16:creationId xmlns:a16="http://schemas.microsoft.com/office/drawing/2014/main" id="{854598CD-977F-4600-B29C-75033871E02C}"/>
+              </a:ext>
+            </a:extLst>
+          </p:cNvPr>
+          <p:cNvSpPr txBox="1"/>
+          <p:nvPr/>
+        </p:nvSpPr>
+        <p:spPr>
+          <a:xfrm rot="16200000">
+            <a:off x="-1576142" y="8090998"/>
+            <a:ext cx="4697624" cy="504000"/>
+          </a:xfrm>
+          <a:prstGeom prst="rect">
+            <a:avLst/>
+          </a:prstGeom>
+          <a:solidFill>
+            <a:schemeClr val="accent1">
+              <a:lumMod val="20000"/>
+              <a:lumOff val="80000"/>
+            </a:schemeClr>
+          </a:solidFill>
+        </p:spPr>
+        <p:txBody>
+          <a:bodyPr wrap="square" lIns="0" tIns="0" rIns="0" bIns="0" rtlCol="0">
+            <a:spAutoFit/>
+          </a:bodyPr>
+          <a:lstStyle/>
+          <a:p>
+            <a:pPr algn="ctr"/>
+            <a:r>
+              <a:rPr lang="fr-FR" sz="2400" b="1" dirty="0"/>
+              <a:t>Modélisation</a:t>
+            </a:r>
+          </a:p>
+        </p:txBody>
+      </p:sp>
+      <p:sp>
+        <p:nvSpPr>
+          <p:cNvPr id="80" name="Rectangle 79">
+            <a:extLst>
+              <a:ext uri="{FF2B5EF4-FFF2-40B4-BE49-F238E27FC236}">
+                <a16:creationId xmlns:a16="http://schemas.microsoft.com/office/drawing/2014/main" id="{CAC86B23-75D6-40C6-8451-84212018E167}"/>
+              </a:ext>
+            </a:extLst>
+          </p:cNvPr>
+          <p:cNvSpPr/>
+          <p:nvPr/>
+        </p:nvSpPr>
+        <p:spPr>
+          <a:xfrm>
+            <a:off x="1435278" y="6175695"/>
+            <a:ext cx="3496392" cy="2072885"/>
+          </a:xfrm>
+          <a:prstGeom prst="rect">
+            <a:avLst/>
+          </a:prstGeom>
+          <a:noFill/>
+          <a:ln>
+            <a:solidFill>
+              <a:schemeClr val="accent1"/>
+            </a:solidFill>
+            <a:prstDash val="dash"/>
+          </a:ln>
+        </p:spPr>
+        <p:style>
+          <a:lnRef idx="2">
+            <a:schemeClr val="accent1">
+              <a:shade val="50000"/>
+            </a:schemeClr>
+          </a:lnRef>
+          <a:fillRef idx="1">
+            <a:schemeClr val="accent1"/>
+          </a:fillRef>
+          <a:effectRef idx="0">
+            <a:schemeClr val="accent1"/>
+          </a:effectRef>
+          <a:fontRef idx="minor">
+            <a:schemeClr val="lt1"/>
+          </a:fontRef>
+        </p:style>
+        <p:txBody>
+          <a:bodyPr rtlCol="0" anchor="ctr"/>
+          <a:lstStyle/>
+          <a:p>
+            <a:pPr algn="ctr"/>
+            <a:endParaRPr lang="fr-FR"/>
+          </a:p>
+        </p:txBody>
+      </p:sp>
+      <p:sp>
+        <p:nvSpPr>
+          <p:cNvPr id="82" name="ZoneTexte 81">
+            <a:extLst>
+              <a:ext uri="{FF2B5EF4-FFF2-40B4-BE49-F238E27FC236}">
+                <a16:creationId xmlns:a16="http://schemas.microsoft.com/office/drawing/2014/main" id="{2B4852CF-F717-4642-B4FE-1F482B8C1BC3}"/>
+              </a:ext>
+            </a:extLst>
+          </p:cNvPr>
+          <p:cNvSpPr txBox="1"/>
+          <p:nvPr/>
+        </p:nvSpPr>
+        <p:spPr>
+          <a:xfrm>
+            <a:off x="1435278" y="6198834"/>
+            <a:ext cx="3496392" cy="369332"/>
+          </a:xfrm>
+          <a:prstGeom prst="rect">
+            <a:avLst/>
+          </a:prstGeom>
+          <a:noFill/>
+        </p:spPr>
+        <p:txBody>
+          <a:bodyPr wrap="square" rtlCol="0">
+            <a:spAutoFit/>
+          </a:bodyPr>
+          <a:lstStyle/>
+          <a:p>
+            <a:pPr algn="ctr"/>
+            <a:r>
+              <a:rPr lang="fr-FR" b="1" dirty="0"/>
+              <a:t>Conditions expérimentales</a:t>
+            </a:r>
+          </a:p>
+        </p:txBody>
+      </p:sp>
+      <p:sp>
+        <p:nvSpPr>
+          <p:cNvPr id="83" name="Rectangle 82">
+            <a:extLst>
+              <a:ext uri="{FF2B5EF4-FFF2-40B4-BE49-F238E27FC236}">
+                <a16:creationId xmlns:a16="http://schemas.microsoft.com/office/drawing/2014/main" id="{E4E153B5-D706-4818-8125-673D8F37C389}"/>
+              </a:ext>
+            </a:extLst>
+          </p:cNvPr>
+          <p:cNvSpPr/>
+          <p:nvPr/>
+        </p:nvSpPr>
+        <p:spPr>
+          <a:xfrm>
+            <a:off x="1435278" y="8413429"/>
+            <a:ext cx="3496392" cy="2026168"/>
+          </a:xfrm>
+          <a:prstGeom prst="rect">
+            <a:avLst/>
+          </a:prstGeom>
+          <a:noFill/>
+          <a:ln>
+            <a:solidFill>
+              <a:schemeClr val="accent1"/>
+            </a:solidFill>
+            <a:prstDash val="dash"/>
+          </a:ln>
+        </p:spPr>
+        <p:style>
+          <a:lnRef idx="2">
+            <a:schemeClr val="accent1">
+              <a:shade val="50000"/>
+            </a:schemeClr>
+          </a:lnRef>
+          <a:fillRef idx="1">
+            <a:schemeClr val="accent1"/>
+          </a:fillRef>
+          <a:effectRef idx="0">
+            <a:schemeClr val="accent1"/>
+          </a:effectRef>
+          <a:fontRef idx="minor">
+            <a:schemeClr val="lt1"/>
+          </a:fontRef>
+        </p:style>
+        <p:txBody>
+          <a:bodyPr rtlCol="0" anchor="ctr"/>
+          <a:lstStyle/>
+          <a:p>
+            <a:pPr algn="ctr"/>
+            <a:endParaRPr lang="fr-FR"/>
+          </a:p>
+        </p:txBody>
+      </p:sp>
+      <p:sp>
+        <p:nvSpPr>
+          <p:cNvPr id="84" name="ZoneTexte 83">
+            <a:extLst>
+              <a:ext uri="{FF2B5EF4-FFF2-40B4-BE49-F238E27FC236}">
+                <a16:creationId xmlns:a16="http://schemas.microsoft.com/office/drawing/2014/main" id="{5C3FCBC9-279B-491B-9FDE-F97221E0721E}"/>
+              </a:ext>
+            </a:extLst>
+          </p:cNvPr>
+          <p:cNvSpPr txBox="1"/>
+          <p:nvPr/>
+        </p:nvSpPr>
+        <p:spPr>
+          <a:xfrm>
+            <a:off x="1435278" y="8436568"/>
+            <a:ext cx="3496392" cy="369332"/>
+          </a:xfrm>
+          <a:prstGeom prst="rect">
+            <a:avLst/>
+          </a:prstGeom>
+          <a:noFill/>
+        </p:spPr>
+        <p:txBody>
+          <a:bodyPr wrap="square" rtlCol="0">
+            <a:spAutoFit/>
+          </a:bodyPr>
+          <a:lstStyle/>
+          <a:p>
+            <a:pPr algn="ctr"/>
+            <a:r>
+              <a:rPr lang="fr-FR" b="1" dirty="0"/>
+              <a:t>Fonction de transfert/Schéma-bloc</a:t>
+            </a:r>
+          </a:p>
+        </p:txBody>
+      </p:sp>
+      <p:sp>
+        <p:nvSpPr>
+          <p:cNvPr id="85" name="Rectangle 84">
+            <a:extLst>
+              <a:ext uri="{FF2B5EF4-FFF2-40B4-BE49-F238E27FC236}">
+                <a16:creationId xmlns:a16="http://schemas.microsoft.com/office/drawing/2014/main" id="{7619BF8D-E205-49A8-BA96-B04728B5687C}"/>
+              </a:ext>
+            </a:extLst>
+          </p:cNvPr>
+          <p:cNvSpPr/>
+          <p:nvPr/>
+        </p:nvSpPr>
+        <p:spPr>
+          <a:xfrm>
+            <a:off x="5221925" y="6199935"/>
+            <a:ext cx="6023593" cy="4243459"/>
+          </a:xfrm>
+          <a:prstGeom prst="rect">
+            <a:avLst/>
+          </a:prstGeom>
+          <a:noFill/>
+          <a:ln>
+            <a:solidFill>
+              <a:schemeClr val="accent1"/>
+            </a:solidFill>
+            <a:prstDash val="dash"/>
+          </a:ln>
+        </p:spPr>
+        <p:style>
+          <a:lnRef idx="2">
+            <a:schemeClr val="accent1">
+              <a:shade val="50000"/>
+            </a:schemeClr>
+          </a:lnRef>
+          <a:fillRef idx="1">
+            <a:schemeClr val="accent1"/>
+          </a:fillRef>
+          <a:effectRef idx="0">
+            <a:schemeClr val="accent1"/>
+          </a:effectRef>
+          <a:fontRef idx="minor">
+            <a:schemeClr val="lt1"/>
+          </a:fontRef>
+        </p:style>
+        <p:txBody>
+          <a:bodyPr rtlCol="0" anchor="ctr"/>
+          <a:lstStyle/>
+          <a:p>
+            <a:pPr algn="ctr"/>
+            <a:endParaRPr lang="fr-FR"/>
+          </a:p>
+        </p:txBody>
+      </p:sp>
+      <p:sp>
+        <p:nvSpPr>
+          <p:cNvPr id="87" name="ZoneTexte 86">
+            <a:extLst>
+              <a:ext uri="{FF2B5EF4-FFF2-40B4-BE49-F238E27FC236}">
+                <a16:creationId xmlns:a16="http://schemas.microsoft.com/office/drawing/2014/main" id="{E5755DE0-3DC4-44C1-8BAE-509B85D403A2}"/>
+              </a:ext>
+            </a:extLst>
+          </p:cNvPr>
+          <p:cNvSpPr txBox="1"/>
+          <p:nvPr/>
+        </p:nvSpPr>
+        <p:spPr>
+          <a:xfrm>
+            <a:off x="5221924" y="6207294"/>
+            <a:ext cx="6023593" cy="369332"/>
+          </a:xfrm>
+          <a:prstGeom prst="rect">
+            <a:avLst/>
+          </a:prstGeom>
+          <a:noFill/>
+        </p:spPr>
+        <p:txBody>
+          <a:bodyPr wrap="square" rtlCol="0">
+            <a:spAutoFit/>
+          </a:bodyPr>
+          <a:lstStyle/>
+          <a:p>
+            <a:pPr algn="ctr"/>
+            <a:r>
+              <a:rPr lang="fr-FR" b="1" dirty="0"/>
+              <a:t>Courbes essai/modèle</a:t>
+            </a:r>
+          </a:p>
+        </p:txBody>
+      </p:sp>
+      <p:sp>
+        <p:nvSpPr>
+          <p:cNvPr id="88" name="Rectangle 87">
+            <a:extLst>
+              <a:ext uri="{FF2B5EF4-FFF2-40B4-BE49-F238E27FC236}">
+                <a16:creationId xmlns:a16="http://schemas.microsoft.com/office/drawing/2014/main" id="{B04CEC9D-AAFD-4A3A-9C6D-B09C947903CE}"/>
+              </a:ext>
+            </a:extLst>
+          </p:cNvPr>
+          <p:cNvSpPr/>
+          <p:nvPr/>
+        </p:nvSpPr>
+        <p:spPr>
+          <a:xfrm>
+            <a:off x="11535773" y="6206853"/>
+            <a:ext cx="3335259" cy="2041730"/>
+          </a:xfrm>
+          <a:prstGeom prst="rect">
+            <a:avLst/>
+          </a:prstGeom>
+          <a:noFill/>
+          <a:ln>
+            <a:solidFill>
+              <a:schemeClr val="accent1"/>
+            </a:solidFill>
+            <a:prstDash val="dash"/>
+          </a:ln>
+        </p:spPr>
+        <p:style>
+          <a:lnRef idx="2">
+            <a:schemeClr val="accent1">
+              <a:shade val="50000"/>
+            </a:schemeClr>
+          </a:lnRef>
+          <a:fillRef idx="1">
+            <a:schemeClr val="accent1"/>
+          </a:fillRef>
+          <a:effectRef idx="0">
+            <a:schemeClr val="accent1"/>
+          </a:effectRef>
+          <a:fontRef idx="minor">
+            <a:schemeClr val="lt1"/>
+          </a:fontRef>
+        </p:style>
+        <p:txBody>
+          <a:bodyPr rtlCol="0" anchor="ctr"/>
+          <a:lstStyle/>
+          <a:p>
+            <a:pPr algn="ctr"/>
+            <a:endParaRPr lang="fr-FR"/>
+          </a:p>
+        </p:txBody>
+      </p:sp>
+      <p:sp>
+        <p:nvSpPr>
+          <p:cNvPr id="89" name="ZoneTexte 88">
+            <a:extLst>
+              <a:ext uri="{FF2B5EF4-FFF2-40B4-BE49-F238E27FC236}">
+                <a16:creationId xmlns:a16="http://schemas.microsoft.com/office/drawing/2014/main" id="{6F050C5B-C6EE-4FF2-A55F-1344F3A6FED6}"/>
+              </a:ext>
+            </a:extLst>
+          </p:cNvPr>
+          <p:cNvSpPr txBox="1"/>
+          <p:nvPr/>
+        </p:nvSpPr>
+        <p:spPr>
+          <a:xfrm>
+            <a:off x="11535772" y="6214211"/>
+            <a:ext cx="3335259" cy="369332"/>
+          </a:xfrm>
+          <a:prstGeom prst="rect">
+            <a:avLst/>
+          </a:prstGeom>
+          <a:noFill/>
+        </p:spPr>
+        <p:txBody>
+          <a:bodyPr wrap="square" rtlCol="0">
+            <a:spAutoFit/>
+          </a:bodyPr>
+          <a:lstStyle/>
+          <a:p>
+            <a:pPr algn="ctr"/>
+            <a:r>
+              <a:rPr lang="fr-FR" b="1" dirty="0"/>
+              <a:t>Validation du CDCF</a:t>
+            </a:r>
+          </a:p>
+        </p:txBody>
+      </p:sp>
+      <p:sp>
+        <p:nvSpPr>
+          <p:cNvPr id="90" name="Rectangle 89">
+            <a:extLst>
+              <a:ext uri="{FF2B5EF4-FFF2-40B4-BE49-F238E27FC236}">
+                <a16:creationId xmlns:a16="http://schemas.microsoft.com/office/drawing/2014/main" id="{892001F3-9DFB-409B-9BF8-AAD079718D2E}"/>
+              </a:ext>
+            </a:extLst>
+          </p:cNvPr>
+          <p:cNvSpPr/>
+          <p:nvPr/>
+        </p:nvSpPr>
+        <p:spPr>
+          <a:xfrm>
+            <a:off x="11535773" y="8397867"/>
+            <a:ext cx="3335259" cy="2041730"/>
+          </a:xfrm>
+          <a:prstGeom prst="rect">
+            <a:avLst/>
+          </a:prstGeom>
+          <a:noFill/>
+          <a:ln>
+            <a:solidFill>
+              <a:schemeClr val="accent1"/>
+            </a:solidFill>
+            <a:prstDash val="dash"/>
+          </a:ln>
+        </p:spPr>
+        <p:style>
+          <a:lnRef idx="2">
+            <a:schemeClr val="accent1">
+              <a:shade val="50000"/>
+            </a:schemeClr>
+          </a:lnRef>
+          <a:fillRef idx="1">
+            <a:schemeClr val="accent1"/>
+          </a:fillRef>
+          <a:effectRef idx="0">
+            <a:schemeClr val="accent1"/>
+          </a:effectRef>
+          <a:fontRef idx="minor">
+            <a:schemeClr val="lt1"/>
+          </a:fontRef>
+        </p:style>
+        <p:txBody>
+          <a:bodyPr rtlCol="0" anchor="ctr"/>
+          <a:lstStyle/>
+          <a:p>
+            <a:pPr algn="ctr"/>
+            <a:endParaRPr lang="fr-FR"/>
+          </a:p>
+        </p:txBody>
+      </p:sp>
+      <p:sp>
+        <p:nvSpPr>
+          <p:cNvPr id="91" name="ZoneTexte 90">
+            <a:extLst>
+              <a:ext uri="{FF2B5EF4-FFF2-40B4-BE49-F238E27FC236}">
+                <a16:creationId xmlns:a16="http://schemas.microsoft.com/office/drawing/2014/main" id="{2A8E7ACE-8249-4DAE-8E20-8295FD03B98F}"/>
+              </a:ext>
+            </a:extLst>
+          </p:cNvPr>
+          <p:cNvSpPr txBox="1"/>
+          <p:nvPr/>
+        </p:nvSpPr>
+        <p:spPr>
+          <a:xfrm>
+            <a:off x="11535772" y="8405225"/>
+            <a:ext cx="3335259" cy="369332"/>
+          </a:xfrm>
+          <a:prstGeom prst="rect">
+            <a:avLst/>
+          </a:prstGeom>
+          <a:noFill/>
+        </p:spPr>
+        <p:txBody>
+          <a:bodyPr wrap="square" rtlCol="0">
+            <a:spAutoFit/>
+          </a:bodyPr>
+          <a:lstStyle/>
+          <a:p>
+            <a:pPr algn="ctr"/>
+            <a:r>
+              <a:rPr lang="fr-FR" b="1" dirty="0"/>
+              <a:t>Limites de cette modélisation</a:t>
+            </a:r>
+          </a:p>
+        </p:txBody>
+      </p:sp>
+      <p:sp>
+        <p:nvSpPr>
+          <p:cNvPr id="56" name="ZoneTexte 55"/>
+          <p:cNvSpPr txBox="1"/>
+          <p:nvPr/>
+        </p:nvSpPr>
+        <p:spPr>
+          <a:xfrm rot="20700000">
+            <a:off x="4114796" y="3273081"/>
+            <a:ext cx="6105352" cy="954107"/>
+          </a:xfrm>
+          <a:prstGeom prst="rect">
+            <a:avLst/>
+          </a:prstGeom>
+          <a:noFill/>
+        </p:spPr>
+        <p:txBody>
+          <a:bodyPr wrap="square" rtlCol="0">
+            <a:spAutoFit/>
+          </a:bodyPr>
+          <a:lstStyle/>
+          <a:p>
+            <a:pPr algn="ctr"/>
+            <a:r>
+              <a:rPr lang="fr-FR" sz="2800" b="1" dirty="0" smtClean="0">
+                <a:solidFill>
+                  <a:srgbClr val="FF7C80"/>
+                </a:solidFill>
+              </a:rPr>
+              <a:t>ARCHITECTURE MODIFIABLE EN FONCTION DU SYSTEME</a:t>
+            </a:r>
+            <a:endParaRPr lang="fr-FR" sz="2800" b="1" dirty="0">
+              <a:solidFill>
+                <a:srgbClr val="FF7C80"/>
+              </a:solidFill>
+            </a:endParaRPr>
+          </a:p>
+        </p:txBody>
+      </p:sp>
+    </p:spTree>
+    <p:extLst>
+      <p:ext uri="{BB962C8B-B14F-4D97-AF65-F5344CB8AC3E}">
+        <p14:creationId xmlns:p14="http://schemas.microsoft.com/office/powerpoint/2010/main" val="3780125105"/>
+      </p:ext>
+    </p:extLst>
+  </p:cSld>
+  <p:clrMapOvr>
+    <a:masterClrMapping/>
+  </p:clrMapOvr>
+</p:sld>
+</file>
+
 <file path=ppt/theme/theme1.xml><?xml version="1.0" encoding="utf-8"?>
 <a:theme xmlns:a="http://schemas.openxmlformats.org/drawingml/2006/main" name="Thème Office">
   <a:themeElements>

--- a/Ch_01_Modelisation_Multiphysique/TP/TP_01_Modelisation_DR.pptx
+++ b/Ch_01_Modelisation_Multiphysique/TP/TP_01_Modelisation_DR.pptx
@@ -10,6 +10,7 @@
     <p:sldId id="258" r:id="rId4"/>
     <p:sldId id="259" r:id="rId5"/>
     <p:sldId id="260" r:id="rId6"/>
+    <p:sldId id="261" r:id="rId7"/>
   </p:sldIdLst>
   <p:sldSz cx="15119350" cy="10691813"/>
   <p:notesSz cx="9144000" cy="6858000"/>
@@ -5907,18 +5908,13 @@
           <a:p>
             <a:pPr algn="ctr"/>
             <a:r>
-              <a:rPr lang="fr-FR" sz="2800" b="1" dirty="0" smtClean="0">
+              <a:rPr lang="fr-FR" sz="2800" b="1" dirty="0">
                 <a:solidFill>
                   <a:srgbClr val="FF7C80"/>
                 </a:solidFill>
               </a:rPr>
               <a:t>ARCHITECTURE MODIFIABLE EN FONCTION DU SYSTEME</a:t>
             </a:r>
-            <a:endParaRPr lang="fr-FR" sz="2800" b="1" dirty="0">
-              <a:solidFill>
-                <a:srgbClr val="FF7C80"/>
-              </a:solidFill>
-            </a:endParaRPr>
           </a:p>
         </p:txBody>
       </p:sp>
@@ -8823,18 +8819,13 @@
           <a:p>
             <a:pPr algn="ctr"/>
             <a:r>
-              <a:rPr lang="fr-FR" sz="2800" b="1" dirty="0" smtClean="0">
+              <a:rPr lang="fr-FR" sz="2800" b="1" dirty="0">
                 <a:solidFill>
                   <a:srgbClr val="FF7C80"/>
                 </a:solidFill>
               </a:rPr>
               <a:t>ARCHITECTURE MODIFIABLE EN FONCTION DU SYSTEME</a:t>
             </a:r>
-            <a:endParaRPr lang="fr-FR" sz="2800" b="1" dirty="0">
-              <a:solidFill>
-                <a:srgbClr val="FF7C80"/>
-              </a:solidFill>
-            </a:endParaRPr>
           </a:p>
         </p:txBody>
       </p:sp>
@@ -11800,18 +11791,13 @@
           <a:p>
             <a:pPr algn="ctr"/>
             <a:r>
-              <a:rPr lang="fr-FR" sz="2800" b="1" dirty="0" smtClean="0">
+              <a:rPr lang="fr-FR" sz="2800" b="1" dirty="0">
                 <a:solidFill>
                   <a:srgbClr val="FF7C80"/>
                 </a:solidFill>
               </a:rPr>
               <a:t>ARCHITECTURE MODIFIABLE EN FONCTION DU SYSTEME</a:t>
             </a:r>
-            <a:endParaRPr lang="fr-FR" sz="2800" b="1" dirty="0">
-              <a:solidFill>
-                <a:srgbClr val="FF7C80"/>
-              </a:solidFill>
-            </a:endParaRPr>
           </a:p>
         </p:txBody>
       </p:sp>
@@ -11880,10 +11866,9 @@
           <a:p>
             <a:pPr algn="ctr"/>
             <a:r>
-              <a:rPr lang="fr-FR" sz="2800" b="1" dirty="0" smtClean="0"/>
+              <a:rPr lang="fr-FR" sz="2800" b="1" dirty="0"/>
               <a:t>BGR-300</a:t>
             </a:r>
-            <a:endParaRPr lang="fr-FR" sz="2800" b="1" dirty="0"/>
           </a:p>
         </p:txBody>
       </p:sp>
@@ -14777,18 +14762,13 @@
           <a:p>
             <a:pPr algn="ctr"/>
             <a:r>
-              <a:rPr lang="fr-FR" sz="2800" b="1" dirty="0" smtClean="0">
+              <a:rPr lang="fr-FR" sz="2800" b="1" dirty="0">
                 <a:solidFill>
                   <a:srgbClr val="FF7C80"/>
                 </a:solidFill>
               </a:rPr>
               <a:t>ARCHITECTURE MODIFIABLE EN FONCTION DU SYSTEME</a:t>
             </a:r>
-            <a:endParaRPr lang="fr-FR" sz="2800" b="1" dirty="0">
-              <a:solidFill>
-                <a:srgbClr val="FF7C80"/>
-              </a:solidFill>
-            </a:endParaRPr>
           </a:p>
         </p:txBody>
       </p:sp>
@@ -14857,10 +14837,9 @@
           <a:p>
             <a:pPr algn="ctr"/>
             <a:r>
-              <a:rPr lang="fr-FR" sz="2800" b="1" dirty="0" smtClean="0"/>
+              <a:rPr lang="fr-FR" sz="2800" b="1" dirty="0"/>
               <a:t>CHEVILLE NAO</a:t>
             </a:r>
-            <a:endParaRPr lang="fr-FR" sz="2800" b="1" dirty="0"/>
           </a:p>
         </p:txBody>
       </p:sp>
@@ -14895,102 +14874,6 @@
             <a:r>
               <a:rPr lang="fr-FR" dirty="0"/>
               <a:t>Fonctionnement en BF – Grandeur asservie :								</a:t>
-            </a:r>
-          </a:p>
-        </p:txBody>
-      </p:sp>
-      <p:sp>
-        <p:nvSpPr>
-          <p:cNvPr id="8" name="ZoneTexte 7">
-            <a:extLst>
-              <a:ext uri="{FF2B5EF4-FFF2-40B4-BE49-F238E27FC236}">
-                <a16:creationId xmlns:a16="http://schemas.microsoft.com/office/drawing/2014/main" id="{D66373C0-C132-4FE8-AB0D-72CEE8711022}"/>
-              </a:ext>
-            </a:extLst>
-          </p:cNvPr>
-          <p:cNvSpPr txBox="1"/>
-          <p:nvPr/>
-        </p:nvSpPr>
-        <p:spPr>
-          <a:xfrm>
-            <a:off x="1783827" y="369331"/>
-            <a:ext cx="14594695" cy="369332"/>
-          </a:xfrm>
-          <a:prstGeom prst="rect">
-            <a:avLst/>
-          </a:prstGeom>
-          <a:noFill/>
-        </p:spPr>
-        <p:txBody>
-          <a:bodyPr wrap="square" rtlCol="0">
-            <a:spAutoFit/>
-          </a:bodyPr>
-          <a:lstStyle/>
-          <a:p>
-            <a:r>
-              <a:rPr lang="fr-FR" dirty="0"/>
-              <a:t>Fonctionnement en BO – Grandeur commandée :							Grandeur mesurée :</a:t>
-            </a:r>
-          </a:p>
-        </p:txBody>
-      </p:sp>
-      <p:sp>
-        <p:nvSpPr>
-          <p:cNvPr id="9" name="ZoneTexte 8">
-            <a:extLst>
-              <a:ext uri="{FF2B5EF4-FFF2-40B4-BE49-F238E27FC236}">
-                <a16:creationId xmlns:a16="http://schemas.microsoft.com/office/drawing/2014/main" id="{52427274-5C4C-44DB-BE01-08188F1A8CF5}"/>
-              </a:ext>
-            </a:extLst>
-          </p:cNvPr>
-          <p:cNvSpPr txBox="1"/>
-          <p:nvPr/>
-        </p:nvSpPr>
-        <p:spPr>
-          <a:xfrm>
-            <a:off x="1783109" y="738662"/>
-            <a:ext cx="14594695" cy="1200329"/>
-          </a:xfrm>
-          <a:prstGeom prst="rect">
-            <a:avLst/>
-          </a:prstGeom>
-          <a:noFill/>
-        </p:spPr>
-        <p:txBody>
-          <a:bodyPr wrap="square" rtlCol="0">
-            <a:spAutoFit/>
-          </a:bodyPr>
-          <a:lstStyle/>
-          <a:p>
-            <a:r>
-              <a:rPr lang="fr-FR" dirty="0"/>
-              <a:t>Modes de fonctionnements alternatifs (Description et grandeur asservie)</a:t>
-            </a:r>
-          </a:p>
-          <a:p>
-            <a:pPr marL="342900" indent="-342900">
-              <a:buFont typeface="+mj-lt"/>
-              <a:buAutoNum type="arabicPeriod"/>
-            </a:pPr>
-            <a:r>
-              <a:rPr lang="fr-FR" dirty="0"/>
-              <a:t> </a:t>
-            </a:r>
-          </a:p>
-          <a:p>
-            <a:pPr marL="342900" indent="-342900">
-              <a:buFont typeface="+mj-lt"/>
-              <a:buAutoNum type="arabicPeriod"/>
-            </a:pPr>
-            <a:r>
-              <a:rPr lang="fr-FR" dirty="0"/>
-              <a:t> </a:t>
-            </a:r>
-          </a:p>
-          <a:p>
-            <a:r>
-              <a:rPr lang="fr-FR" dirty="0"/>
-              <a:t>   </a:t>
             </a:r>
           </a:p>
         </p:txBody>
@@ -17754,18 +17637,83 @@
           <a:p>
             <a:pPr algn="ctr"/>
             <a:r>
-              <a:rPr lang="fr-FR" sz="2800" b="1" dirty="0" smtClean="0">
+              <a:rPr lang="fr-FR" sz="2800" b="1" dirty="0">
                 <a:solidFill>
                   <a:srgbClr val="FF7C80"/>
                 </a:solidFill>
               </a:rPr>
               <a:t>ARCHITECTURE MODIFIABLE EN FONCTION DU SYSTEME</a:t>
             </a:r>
-            <a:endParaRPr lang="fr-FR" sz="2800" b="1" dirty="0">
-              <a:solidFill>
-                <a:srgbClr val="FF7C80"/>
-              </a:solidFill>
-            </a:endParaRPr>
+          </a:p>
+        </p:txBody>
+      </p:sp>
+      <p:sp>
+        <p:nvSpPr>
+          <p:cNvPr id="2" name="ZoneTexte 1">
+            <a:extLst>
+              <a:ext uri="{FF2B5EF4-FFF2-40B4-BE49-F238E27FC236}">
+                <a16:creationId xmlns:a16="http://schemas.microsoft.com/office/drawing/2014/main" id="{09BBF896-1716-4889-8CE2-BEFE90B085D6}"/>
+              </a:ext>
+            </a:extLst>
+          </p:cNvPr>
+          <p:cNvSpPr txBox="1"/>
+          <p:nvPr/>
+        </p:nvSpPr>
+        <p:spPr>
+          <a:xfrm>
+            <a:off x="1783110" y="-1"/>
+            <a:ext cx="14594695" cy="369332"/>
+          </a:xfrm>
+          <a:prstGeom prst="rect">
+            <a:avLst/>
+          </a:prstGeom>
+          <a:noFill/>
+        </p:spPr>
+        <p:txBody>
+          <a:bodyPr wrap="square" rtlCol="0">
+            <a:spAutoFit/>
+          </a:bodyPr>
+          <a:lstStyle/>
+          <a:p>
+            <a:r>
+              <a:rPr lang="fr-FR" dirty="0"/>
+              <a:t>Fonctionnement en BF – Grandeur asservie :								</a:t>
+            </a:r>
+          </a:p>
+        </p:txBody>
+      </p:sp>
+      <p:sp>
+        <p:nvSpPr>
+          <p:cNvPr id="3" name="ZoneTexte 2">
+            <a:extLst>
+              <a:ext uri="{FF2B5EF4-FFF2-40B4-BE49-F238E27FC236}">
+                <a16:creationId xmlns:a16="http://schemas.microsoft.com/office/drawing/2014/main" id="{00A7437C-E4E9-4D99-A554-984E992CDC3C}"/>
+              </a:ext>
+            </a:extLst>
+          </p:cNvPr>
+          <p:cNvSpPr txBox="1"/>
+          <p:nvPr/>
+        </p:nvSpPr>
+        <p:spPr>
+          <a:xfrm>
+            <a:off x="1784971" y="738783"/>
+            <a:ext cx="14594695" cy="369332"/>
+          </a:xfrm>
+          <a:prstGeom prst="rect">
+            <a:avLst/>
+          </a:prstGeom>
+          <a:noFill/>
+        </p:spPr>
+        <p:txBody>
+          <a:bodyPr wrap="square" rtlCol="0">
+            <a:spAutoFit/>
+          </a:bodyPr>
+          <a:lstStyle/>
+          <a:p>
+            <a:r>
+              <a:rPr lang="fr-FR" dirty="0"/>
+              <a:t>Fonctionnement en BO – Grandeur commandée :							Grandeur mesurée :</a:t>
+            </a:r>
           </a:p>
         </p:txBody>
       </p:sp>
@@ -17773,6 +17721,2977 @@
     <p:extLst>
       <p:ext uri="{BB962C8B-B14F-4D97-AF65-F5344CB8AC3E}">
         <p14:creationId xmlns:p14="http://schemas.microsoft.com/office/powerpoint/2010/main" val="3780125105"/>
+      </p:ext>
+    </p:extLst>
+  </p:cSld>
+  <p:clrMapOvr>
+    <a:masterClrMapping/>
+  </p:clrMapOvr>
+</p:sld>
+</file>
+
+<file path=ppt/slides/slide6.xml><?xml version="1.0" encoding="utf-8"?>
+<p:sld xmlns:a="http://schemas.openxmlformats.org/drawingml/2006/main" xmlns:r="http://schemas.openxmlformats.org/officeDocument/2006/relationships" xmlns:p="http://schemas.openxmlformats.org/presentationml/2006/main">
+  <p:cSld>
+    <p:spTree>
+      <p:nvGrpSpPr>
+        <p:cNvPr id="1" name=""/>
+        <p:cNvGrpSpPr/>
+        <p:nvPr/>
+      </p:nvGrpSpPr>
+      <p:grpSpPr>
+        <a:xfrm>
+          <a:off x="0" y="0"/>
+          <a:ext cx="0" cy="0"/>
+          <a:chOff x="0" y="0"/>
+          <a:chExt cx="0" cy="0"/>
+        </a:xfrm>
+      </p:grpSpPr>
+      <p:sp>
+        <p:nvSpPr>
+          <p:cNvPr id="4" name="ZoneTexte 3">
+            <a:extLst>
+              <a:ext uri="{FF2B5EF4-FFF2-40B4-BE49-F238E27FC236}">
+                <a16:creationId xmlns:a16="http://schemas.microsoft.com/office/drawing/2014/main" id="{05DB4AE3-7E1A-45F5-80F4-0916155AE2DC}"/>
+              </a:ext>
+            </a:extLst>
+          </p:cNvPr>
+          <p:cNvSpPr txBox="1"/>
+          <p:nvPr/>
+        </p:nvSpPr>
+        <p:spPr>
+          <a:xfrm rot="16200000">
+            <a:off x="-5083579" y="5084297"/>
+            <a:ext cx="10691813" cy="523220"/>
+          </a:xfrm>
+          <a:prstGeom prst="rect">
+            <a:avLst/>
+          </a:prstGeom>
+          <a:solidFill>
+            <a:schemeClr val="accent1">
+              <a:lumMod val="60000"/>
+              <a:lumOff val="40000"/>
+            </a:schemeClr>
+          </a:solidFill>
+        </p:spPr>
+        <p:txBody>
+          <a:bodyPr wrap="square" rtlCol="0">
+            <a:spAutoFit/>
+          </a:bodyPr>
+          <a:lstStyle/>
+          <a:p>
+            <a:pPr algn="ctr"/>
+            <a:r>
+              <a:rPr lang="fr-FR" sz="2800" b="1" dirty="0"/>
+              <a:t>DRONE D2C</a:t>
+            </a:r>
+          </a:p>
+        </p:txBody>
+      </p:sp>
+      <p:sp>
+        <p:nvSpPr>
+          <p:cNvPr id="5" name="ZoneTexte 4">
+            <a:extLst>
+              <a:ext uri="{FF2B5EF4-FFF2-40B4-BE49-F238E27FC236}">
+                <a16:creationId xmlns:a16="http://schemas.microsoft.com/office/drawing/2014/main" id="{66F0031F-446B-4F7F-9CC7-7C15A923D095}"/>
+              </a:ext>
+            </a:extLst>
+          </p:cNvPr>
+          <p:cNvSpPr txBox="1"/>
+          <p:nvPr/>
+        </p:nvSpPr>
+        <p:spPr>
+          <a:xfrm>
+            <a:off x="1783110" y="-1"/>
+            <a:ext cx="14594695" cy="369332"/>
+          </a:xfrm>
+          <a:prstGeom prst="rect">
+            <a:avLst/>
+          </a:prstGeom>
+          <a:noFill/>
+        </p:spPr>
+        <p:txBody>
+          <a:bodyPr wrap="square" rtlCol="0">
+            <a:spAutoFit/>
+          </a:bodyPr>
+          <a:lstStyle/>
+          <a:p>
+            <a:r>
+              <a:rPr lang="fr-FR" dirty="0"/>
+              <a:t>Fonctionnement en BF – Grandeur asservie :								</a:t>
+            </a:r>
+          </a:p>
+        </p:txBody>
+      </p:sp>
+      <p:sp>
+        <p:nvSpPr>
+          <p:cNvPr id="8" name="ZoneTexte 7">
+            <a:extLst>
+              <a:ext uri="{FF2B5EF4-FFF2-40B4-BE49-F238E27FC236}">
+                <a16:creationId xmlns:a16="http://schemas.microsoft.com/office/drawing/2014/main" id="{D66373C0-C132-4FE8-AB0D-72CEE8711022}"/>
+              </a:ext>
+            </a:extLst>
+          </p:cNvPr>
+          <p:cNvSpPr txBox="1"/>
+          <p:nvPr/>
+        </p:nvSpPr>
+        <p:spPr>
+          <a:xfrm>
+            <a:off x="1783827" y="369331"/>
+            <a:ext cx="14594695" cy="369332"/>
+          </a:xfrm>
+          <a:prstGeom prst="rect">
+            <a:avLst/>
+          </a:prstGeom>
+          <a:noFill/>
+        </p:spPr>
+        <p:txBody>
+          <a:bodyPr wrap="square" rtlCol="0">
+            <a:spAutoFit/>
+          </a:bodyPr>
+          <a:lstStyle/>
+          <a:p>
+            <a:r>
+              <a:rPr lang="fr-FR" dirty="0"/>
+              <a:t>Fonctionnement en BO – Grandeur commandée :							Grandeur mesurée :</a:t>
+            </a:r>
+          </a:p>
+        </p:txBody>
+      </p:sp>
+      <p:sp>
+        <p:nvSpPr>
+          <p:cNvPr id="9" name="ZoneTexte 8">
+            <a:extLst>
+              <a:ext uri="{FF2B5EF4-FFF2-40B4-BE49-F238E27FC236}">
+                <a16:creationId xmlns:a16="http://schemas.microsoft.com/office/drawing/2014/main" id="{52427274-5C4C-44DB-BE01-08188F1A8CF5}"/>
+              </a:ext>
+            </a:extLst>
+          </p:cNvPr>
+          <p:cNvSpPr txBox="1"/>
+          <p:nvPr/>
+        </p:nvSpPr>
+        <p:spPr>
+          <a:xfrm>
+            <a:off x="1783109" y="738662"/>
+            <a:ext cx="14594695" cy="1200329"/>
+          </a:xfrm>
+          <a:prstGeom prst="rect">
+            <a:avLst/>
+          </a:prstGeom>
+          <a:noFill/>
+        </p:spPr>
+        <p:txBody>
+          <a:bodyPr wrap="square" rtlCol="0">
+            <a:spAutoFit/>
+          </a:bodyPr>
+          <a:lstStyle/>
+          <a:p>
+            <a:r>
+              <a:rPr lang="fr-FR" dirty="0"/>
+              <a:t>Modes de fonctionnements alternatifs (Description et grandeur asservie)</a:t>
+            </a:r>
+          </a:p>
+          <a:p>
+            <a:pPr marL="342900" indent="-342900">
+              <a:buFont typeface="+mj-lt"/>
+              <a:buAutoNum type="arabicPeriod"/>
+            </a:pPr>
+            <a:r>
+              <a:rPr lang="fr-FR" dirty="0"/>
+              <a:t> </a:t>
+            </a:r>
+          </a:p>
+          <a:p>
+            <a:pPr marL="342900" indent="-342900">
+              <a:buFont typeface="+mj-lt"/>
+              <a:buAutoNum type="arabicPeriod"/>
+            </a:pPr>
+            <a:r>
+              <a:rPr lang="fr-FR" dirty="0"/>
+              <a:t> </a:t>
+            </a:r>
+          </a:p>
+          <a:p>
+            <a:r>
+              <a:rPr lang="fr-FR" dirty="0"/>
+              <a:t>   </a:t>
+            </a:r>
+          </a:p>
+        </p:txBody>
+      </p:sp>
+      <p:sp>
+        <p:nvSpPr>
+          <p:cNvPr id="13" name="Flèche vers le bas 3">
+            <a:extLst>
+              <a:ext uri="{FF2B5EF4-FFF2-40B4-BE49-F238E27FC236}">
+                <a16:creationId xmlns:a16="http://schemas.microsoft.com/office/drawing/2014/main" id="{927A0572-9CDD-4441-9C9B-0B23B7AEA0A6}"/>
+              </a:ext>
+            </a:extLst>
+          </p:cNvPr>
+          <p:cNvSpPr/>
+          <p:nvPr/>
+        </p:nvSpPr>
+        <p:spPr>
+          <a:xfrm>
+            <a:off x="11853346" y="5217032"/>
+            <a:ext cx="405180" cy="642228"/>
+          </a:xfrm>
+          <a:prstGeom prst="downArrow">
+            <a:avLst/>
+          </a:prstGeom>
+          <a:solidFill>
+            <a:sysClr val="window" lastClr="FFFFFF"/>
+          </a:solidFill>
+          <a:ln w="25400" cap="flat" cmpd="sng" algn="ctr">
+            <a:solidFill>
+              <a:srgbClr val="C0504D"/>
+            </a:solidFill>
+            <a:prstDash val="solid"/>
+          </a:ln>
+          <a:effectLst/>
+        </p:spPr>
+        <p:txBody>
+          <a:bodyPr rtlCol="0" anchor="ctr"/>
+          <a:lstStyle/>
+          <a:p>
+            <a:pPr marL="0" marR="0" lvl="0" indent="0" algn="ctr" defTabSz="914400" eaLnBrk="1" fontAlgn="auto" latinLnBrk="0" hangingPunct="1">
+              <a:lnSpc>
+                <a:spcPct val="100000"/>
+              </a:lnSpc>
+              <a:spcBef>
+                <a:spcPts val="0"/>
+              </a:spcBef>
+              <a:spcAft>
+                <a:spcPts val="0"/>
+              </a:spcAft>
+              <a:buClrTx/>
+              <a:buSzTx/>
+              <a:buFontTx/>
+              <a:buNone/>
+              <a:tabLst/>
+              <a:defRPr/>
+            </a:pPr>
+            <a:endParaRPr kumimoji="0" lang="fr-FR" sz="1600" b="0" i="0" u="none" strike="noStrike" kern="0" cap="none" spc="0" normalizeH="0" baseline="0" noProof="0">
+              <a:ln>
+                <a:noFill/>
+              </a:ln>
+              <a:solidFill>
+                <a:prstClr val="black"/>
+              </a:solidFill>
+              <a:effectLst/>
+              <a:uLnTx/>
+              <a:uFillTx/>
+              <a:latin typeface="Calibri"/>
+              <a:ea typeface="+mn-ea"/>
+              <a:cs typeface="+mn-cs"/>
+            </a:endParaRPr>
+          </a:p>
+        </p:txBody>
+      </p:sp>
+      <p:sp>
+        <p:nvSpPr>
+          <p:cNvPr id="14" name="Rectangle à coins arrondis 4">
+            <a:extLst>
+              <a:ext uri="{FF2B5EF4-FFF2-40B4-BE49-F238E27FC236}">
+                <a16:creationId xmlns:a16="http://schemas.microsoft.com/office/drawing/2014/main" id="{20DF305C-5BDC-4310-9334-9CFC793F28D9}"/>
+              </a:ext>
+            </a:extLst>
+          </p:cNvPr>
+          <p:cNvSpPr/>
+          <p:nvPr/>
+        </p:nvSpPr>
+        <p:spPr>
+          <a:xfrm>
+            <a:off x="2743208" y="3735544"/>
+            <a:ext cx="10446944" cy="1254096"/>
+          </a:xfrm>
+          <a:prstGeom prst="roundRect">
+            <a:avLst/>
+          </a:prstGeom>
+          <a:solidFill>
+            <a:sysClr val="window" lastClr="FFFFFF"/>
+          </a:solidFill>
+          <a:ln w="25400" cap="flat" cmpd="sng" algn="ctr">
+            <a:solidFill>
+              <a:srgbClr val="C0504D"/>
+            </a:solidFill>
+            <a:prstDash val="solid"/>
+          </a:ln>
+          <a:effectLst/>
+        </p:spPr>
+        <p:txBody>
+          <a:bodyPr rtlCol="0" anchor="b"/>
+          <a:lstStyle/>
+          <a:p>
+            <a:pPr marL="0" marR="0" lvl="0" indent="0" algn="ctr" defTabSz="914400" eaLnBrk="1" fontAlgn="auto" latinLnBrk="0" hangingPunct="1">
+              <a:lnSpc>
+                <a:spcPct val="100000"/>
+              </a:lnSpc>
+              <a:spcBef>
+                <a:spcPts val="0"/>
+              </a:spcBef>
+              <a:spcAft>
+                <a:spcPts val="0"/>
+              </a:spcAft>
+              <a:buClrTx/>
+              <a:buSzTx/>
+              <a:buFontTx/>
+              <a:buNone/>
+              <a:tabLst/>
+              <a:defRPr/>
+            </a:pPr>
+            <a:r>
+              <a:rPr kumimoji="0" lang="fr-FR" sz="1400" b="0" i="1" u="none" strike="noStrike" kern="0" cap="none" spc="0" normalizeH="0" baseline="0" noProof="0" dirty="0">
+                <a:ln>
+                  <a:noFill/>
+                </a:ln>
+                <a:solidFill>
+                  <a:prstClr val="black"/>
+                </a:solidFill>
+                <a:effectLst/>
+                <a:uLnTx/>
+                <a:uFillTx/>
+                <a:latin typeface="Calibri"/>
+                <a:ea typeface="+mn-ea"/>
+                <a:cs typeface="+mn-cs"/>
+              </a:rPr>
+              <a:t>Chaîne d’énergie</a:t>
+            </a:r>
+          </a:p>
+        </p:txBody>
+      </p:sp>
+      <p:sp>
+        <p:nvSpPr>
+          <p:cNvPr id="15" name="Rectangle à coins arrondis 5">
+            <a:extLst>
+              <a:ext uri="{FF2B5EF4-FFF2-40B4-BE49-F238E27FC236}">
+                <a16:creationId xmlns:a16="http://schemas.microsoft.com/office/drawing/2014/main" id="{CEC2EBBC-4853-4474-91DE-4E09110AAB19}"/>
+              </a:ext>
+            </a:extLst>
+          </p:cNvPr>
+          <p:cNvSpPr/>
+          <p:nvPr/>
+        </p:nvSpPr>
+        <p:spPr>
+          <a:xfrm>
+            <a:off x="2743208" y="2193863"/>
+            <a:ext cx="6189637" cy="1121386"/>
+          </a:xfrm>
+          <a:prstGeom prst="roundRect">
+            <a:avLst/>
+          </a:prstGeom>
+          <a:solidFill>
+            <a:sysClr val="window" lastClr="FFFFFF"/>
+          </a:solidFill>
+          <a:ln w="25400" cap="flat" cmpd="sng" algn="ctr">
+            <a:solidFill>
+              <a:srgbClr val="4F81BD"/>
+            </a:solidFill>
+            <a:prstDash val="solid"/>
+          </a:ln>
+          <a:effectLst/>
+        </p:spPr>
+        <p:txBody>
+          <a:bodyPr rtlCol="0" anchor="t"/>
+          <a:lstStyle/>
+          <a:p>
+            <a:pPr marL="0" marR="0" lvl="0" indent="0" algn="ctr" defTabSz="914400" eaLnBrk="1" fontAlgn="auto" latinLnBrk="0" hangingPunct="1">
+              <a:lnSpc>
+                <a:spcPct val="100000"/>
+              </a:lnSpc>
+              <a:spcBef>
+                <a:spcPts val="0"/>
+              </a:spcBef>
+              <a:spcAft>
+                <a:spcPts val="0"/>
+              </a:spcAft>
+              <a:buClrTx/>
+              <a:buSzTx/>
+              <a:buFontTx/>
+              <a:buNone/>
+              <a:tabLst/>
+              <a:defRPr/>
+            </a:pPr>
+            <a:r>
+              <a:rPr kumimoji="0" lang="fr-FR" sz="1400" b="0" i="1" u="none" strike="noStrike" kern="0" cap="none" spc="0" normalizeH="0" baseline="0" noProof="0" dirty="0">
+                <a:ln>
+                  <a:noFill/>
+                </a:ln>
+                <a:solidFill>
+                  <a:prstClr val="black"/>
+                </a:solidFill>
+                <a:effectLst/>
+                <a:uLnTx/>
+                <a:uFillTx/>
+                <a:latin typeface="Calibri"/>
+                <a:ea typeface="+mn-ea"/>
+                <a:cs typeface="+mn-cs"/>
+              </a:rPr>
+              <a:t>Chaîne d’information</a:t>
+            </a:r>
+          </a:p>
+        </p:txBody>
+      </p:sp>
+      <p:sp>
+        <p:nvSpPr>
+          <p:cNvPr id="16" name="Rectangle 15">
+            <a:extLst>
+              <a:ext uri="{FF2B5EF4-FFF2-40B4-BE49-F238E27FC236}">
+                <a16:creationId xmlns:a16="http://schemas.microsoft.com/office/drawing/2014/main" id="{14F2C736-94BA-4F27-BFDA-C3C7AD0446AE}"/>
+              </a:ext>
+            </a:extLst>
+          </p:cNvPr>
+          <p:cNvSpPr/>
+          <p:nvPr/>
+        </p:nvSpPr>
+        <p:spPr>
+          <a:xfrm>
+            <a:off x="2946938" y="2511054"/>
+            <a:ext cx="1620000" cy="694102"/>
+          </a:xfrm>
+          <a:prstGeom prst="rect">
+            <a:avLst/>
+          </a:prstGeom>
+          <a:gradFill rotWithShape="1">
+            <a:gsLst>
+              <a:gs pos="0">
+                <a:srgbClr val="4F81BD">
+                  <a:tint val="50000"/>
+                  <a:satMod val="300000"/>
+                </a:srgbClr>
+              </a:gs>
+              <a:gs pos="35000">
+                <a:srgbClr val="4F81BD">
+                  <a:tint val="37000"/>
+                  <a:satMod val="300000"/>
+                </a:srgbClr>
+              </a:gs>
+              <a:gs pos="100000">
+                <a:srgbClr val="4F81BD">
+                  <a:tint val="15000"/>
+                  <a:satMod val="350000"/>
+                </a:srgbClr>
+              </a:gs>
+            </a:gsLst>
+            <a:lin ang="16200000" scaled="1"/>
+          </a:gradFill>
+          <a:ln w="9525" cap="flat" cmpd="sng" algn="ctr">
+            <a:solidFill>
+              <a:srgbClr val="4F81BD">
+                <a:shade val="95000"/>
+                <a:satMod val="105000"/>
+              </a:srgbClr>
+            </a:solidFill>
+            <a:prstDash val="solid"/>
+          </a:ln>
+          <a:effectLst>
+            <a:outerShdw blurRad="40000" dist="20000" dir="5400000" rotWithShape="0">
+              <a:srgbClr val="000000">
+                <a:alpha val="38000"/>
+              </a:srgbClr>
+            </a:outerShdw>
+          </a:effectLst>
+        </p:spPr>
+        <p:txBody>
+          <a:bodyPr rtlCol="0" anchor="t"/>
+          <a:lstStyle/>
+          <a:p>
+            <a:pPr marL="0" marR="0" lvl="0" indent="0" algn="ctr" defTabSz="914400" eaLnBrk="1" fontAlgn="auto" latinLnBrk="0" hangingPunct="1">
+              <a:lnSpc>
+                <a:spcPct val="100000"/>
+              </a:lnSpc>
+              <a:spcBef>
+                <a:spcPts val="0"/>
+              </a:spcBef>
+              <a:spcAft>
+                <a:spcPts val="0"/>
+              </a:spcAft>
+              <a:buClrTx/>
+              <a:buSzTx/>
+              <a:buFontTx/>
+              <a:buNone/>
+              <a:tabLst/>
+              <a:defRPr/>
+            </a:pPr>
+            <a:r>
+              <a:rPr kumimoji="0" lang="fr-FR" sz="1400" b="0" i="0" u="none" strike="noStrike" kern="0" cap="none" spc="0" normalizeH="0" baseline="0" noProof="0" dirty="0">
+                <a:ln>
+                  <a:noFill/>
+                </a:ln>
+                <a:solidFill>
+                  <a:prstClr val="black"/>
+                </a:solidFill>
+                <a:effectLst/>
+                <a:uLnTx/>
+                <a:uFillTx/>
+                <a:latin typeface="Calibri"/>
+                <a:ea typeface="+mn-ea"/>
+                <a:cs typeface="+mn-cs"/>
+              </a:rPr>
+              <a:t>ACQUERIR</a:t>
+            </a:r>
+          </a:p>
+        </p:txBody>
+      </p:sp>
+      <p:sp>
+        <p:nvSpPr>
+          <p:cNvPr id="17" name="Rectangle 16">
+            <a:extLst>
+              <a:ext uri="{FF2B5EF4-FFF2-40B4-BE49-F238E27FC236}">
+                <a16:creationId xmlns:a16="http://schemas.microsoft.com/office/drawing/2014/main" id="{350E394D-E25A-4447-B59A-3DC839DBA0C9}"/>
+              </a:ext>
+            </a:extLst>
+          </p:cNvPr>
+          <p:cNvSpPr/>
+          <p:nvPr/>
+        </p:nvSpPr>
+        <p:spPr>
+          <a:xfrm>
+            <a:off x="5053248" y="2511054"/>
+            <a:ext cx="1620000" cy="694102"/>
+          </a:xfrm>
+          <a:prstGeom prst="rect">
+            <a:avLst/>
+          </a:prstGeom>
+          <a:gradFill rotWithShape="1">
+            <a:gsLst>
+              <a:gs pos="0">
+                <a:srgbClr val="4F81BD">
+                  <a:tint val="50000"/>
+                  <a:satMod val="300000"/>
+                </a:srgbClr>
+              </a:gs>
+              <a:gs pos="35000">
+                <a:srgbClr val="4F81BD">
+                  <a:tint val="37000"/>
+                  <a:satMod val="300000"/>
+                </a:srgbClr>
+              </a:gs>
+              <a:gs pos="100000">
+                <a:srgbClr val="4F81BD">
+                  <a:tint val="15000"/>
+                  <a:satMod val="350000"/>
+                </a:srgbClr>
+              </a:gs>
+            </a:gsLst>
+            <a:lin ang="16200000" scaled="1"/>
+          </a:gradFill>
+          <a:ln w="9525" cap="flat" cmpd="sng" algn="ctr">
+            <a:solidFill>
+              <a:srgbClr val="4F81BD">
+                <a:shade val="95000"/>
+                <a:satMod val="105000"/>
+              </a:srgbClr>
+            </a:solidFill>
+            <a:prstDash val="solid"/>
+          </a:ln>
+          <a:effectLst>
+            <a:outerShdw blurRad="40000" dist="20000" dir="5400000" rotWithShape="0">
+              <a:srgbClr val="000000">
+                <a:alpha val="38000"/>
+              </a:srgbClr>
+            </a:outerShdw>
+          </a:effectLst>
+        </p:spPr>
+        <p:txBody>
+          <a:bodyPr rtlCol="0" anchor="t"/>
+          <a:lstStyle/>
+          <a:p>
+            <a:pPr marL="0" marR="0" lvl="0" indent="0" algn="ctr" defTabSz="914400" eaLnBrk="1" fontAlgn="auto" latinLnBrk="0" hangingPunct="1">
+              <a:lnSpc>
+                <a:spcPct val="100000"/>
+              </a:lnSpc>
+              <a:spcBef>
+                <a:spcPts val="0"/>
+              </a:spcBef>
+              <a:spcAft>
+                <a:spcPts val="0"/>
+              </a:spcAft>
+              <a:buClrTx/>
+              <a:buSzTx/>
+              <a:buFontTx/>
+              <a:buNone/>
+              <a:tabLst/>
+              <a:defRPr/>
+            </a:pPr>
+            <a:r>
+              <a:rPr kumimoji="0" lang="fr-FR" sz="1400" b="0" i="0" u="none" strike="noStrike" kern="0" cap="none" spc="0" normalizeH="0" baseline="0" noProof="0" dirty="0">
+                <a:ln>
+                  <a:noFill/>
+                </a:ln>
+                <a:solidFill>
+                  <a:prstClr val="black"/>
+                </a:solidFill>
+                <a:effectLst/>
+                <a:uLnTx/>
+                <a:uFillTx/>
+                <a:latin typeface="Calibri"/>
+                <a:ea typeface="+mn-ea"/>
+                <a:cs typeface="+mn-cs"/>
+              </a:rPr>
+              <a:t>TRAITER</a:t>
+            </a:r>
+          </a:p>
+        </p:txBody>
+      </p:sp>
+      <p:sp>
+        <p:nvSpPr>
+          <p:cNvPr id="18" name="Rectangle 17">
+            <a:extLst>
+              <a:ext uri="{FF2B5EF4-FFF2-40B4-BE49-F238E27FC236}">
+                <a16:creationId xmlns:a16="http://schemas.microsoft.com/office/drawing/2014/main" id="{C8EAA6CF-7989-4D62-9EF5-BF94B892E314}"/>
+              </a:ext>
+            </a:extLst>
+          </p:cNvPr>
+          <p:cNvSpPr/>
+          <p:nvPr/>
+        </p:nvSpPr>
+        <p:spPr>
+          <a:xfrm>
+            <a:off x="7157713" y="2511054"/>
+            <a:ext cx="1620000" cy="709738"/>
+          </a:xfrm>
+          <a:prstGeom prst="rect">
+            <a:avLst/>
+          </a:prstGeom>
+          <a:gradFill rotWithShape="1">
+            <a:gsLst>
+              <a:gs pos="0">
+                <a:srgbClr val="4F81BD">
+                  <a:tint val="50000"/>
+                  <a:satMod val="300000"/>
+                </a:srgbClr>
+              </a:gs>
+              <a:gs pos="35000">
+                <a:srgbClr val="4F81BD">
+                  <a:tint val="37000"/>
+                  <a:satMod val="300000"/>
+                </a:srgbClr>
+              </a:gs>
+              <a:gs pos="100000">
+                <a:srgbClr val="4F81BD">
+                  <a:tint val="15000"/>
+                  <a:satMod val="350000"/>
+                </a:srgbClr>
+              </a:gs>
+            </a:gsLst>
+            <a:lin ang="16200000" scaled="1"/>
+          </a:gradFill>
+          <a:ln w="9525" cap="flat" cmpd="sng" algn="ctr">
+            <a:solidFill>
+              <a:srgbClr val="4F81BD">
+                <a:shade val="95000"/>
+                <a:satMod val="105000"/>
+              </a:srgbClr>
+            </a:solidFill>
+            <a:prstDash val="solid"/>
+          </a:ln>
+          <a:effectLst>
+            <a:outerShdw blurRad="40000" dist="20000" dir="5400000" rotWithShape="0">
+              <a:srgbClr val="000000">
+                <a:alpha val="38000"/>
+              </a:srgbClr>
+            </a:outerShdw>
+          </a:effectLst>
+        </p:spPr>
+        <p:txBody>
+          <a:bodyPr rtlCol="0" anchor="t"/>
+          <a:lstStyle/>
+          <a:p>
+            <a:pPr marL="0" marR="0" lvl="0" indent="0" algn="ctr" defTabSz="914400" eaLnBrk="1" fontAlgn="auto" latinLnBrk="0" hangingPunct="1">
+              <a:lnSpc>
+                <a:spcPct val="100000"/>
+              </a:lnSpc>
+              <a:spcBef>
+                <a:spcPts val="0"/>
+              </a:spcBef>
+              <a:spcAft>
+                <a:spcPts val="0"/>
+              </a:spcAft>
+              <a:buClrTx/>
+              <a:buSzTx/>
+              <a:buFontTx/>
+              <a:buNone/>
+              <a:tabLst/>
+              <a:defRPr/>
+            </a:pPr>
+            <a:r>
+              <a:rPr kumimoji="0" lang="fr-FR" sz="1400" b="0" i="0" u="none" strike="noStrike" kern="0" cap="none" spc="0" normalizeH="0" baseline="0" noProof="0" dirty="0">
+                <a:ln>
+                  <a:noFill/>
+                </a:ln>
+                <a:solidFill>
+                  <a:prstClr val="black"/>
+                </a:solidFill>
+                <a:effectLst/>
+                <a:uLnTx/>
+                <a:uFillTx/>
+                <a:latin typeface="Calibri"/>
+                <a:ea typeface="+mn-ea"/>
+                <a:cs typeface="+mn-cs"/>
+              </a:rPr>
+              <a:t>COMMUNIQUER</a:t>
+            </a:r>
+          </a:p>
+        </p:txBody>
+      </p:sp>
+      <p:sp>
+        <p:nvSpPr>
+          <p:cNvPr id="19" name="Rectangle 18">
+            <a:extLst>
+              <a:ext uri="{FF2B5EF4-FFF2-40B4-BE49-F238E27FC236}">
+                <a16:creationId xmlns:a16="http://schemas.microsoft.com/office/drawing/2014/main" id="{5B3BCA64-8AFA-4E5E-9CDA-539981DEA2F7}"/>
+              </a:ext>
+            </a:extLst>
+          </p:cNvPr>
+          <p:cNvSpPr/>
+          <p:nvPr/>
+        </p:nvSpPr>
+        <p:spPr>
+          <a:xfrm>
+            <a:off x="2946938" y="3934966"/>
+            <a:ext cx="1620000" cy="687554"/>
+          </a:xfrm>
+          <a:prstGeom prst="rect">
+            <a:avLst/>
+          </a:prstGeom>
+          <a:gradFill rotWithShape="1">
+            <a:gsLst>
+              <a:gs pos="0">
+                <a:srgbClr val="C0504D">
+                  <a:tint val="50000"/>
+                  <a:satMod val="300000"/>
+                </a:srgbClr>
+              </a:gs>
+              <a:gs pos="35000">
+                <a:srgbClr val="C0504D">
+                  <a:tint val="37000"/>
+                  <a:satMod val="300000"/>
+                </a:srgbClr>
+              </a:gs>
+              <a:gs pos="100000">
+                <a:srgbClr val="C0504D">
+                  <a:tint val="15000"/>
+                  <a:satMod val="350000"/>
+                </a:srgbClr>
+              </a:gs>
+            </a:gsLst>
+            <a:lin ang="16200000" scaled="1"/>
+          </a:gradFill>
+          <a:ln w="9525" cap="flat" cmpd="sng" algn="ctr">
+            <a:solidFill>
+              <a:srgbClr val="C0504D">
+                <a:shade val="95000"/>
+                <a:satMod val="105000"/>
+              </a:srgbClr>
+            </a:solidFill>
+            <a:prstDash val="solid"/>
+          </a:ln>
+          <a:effectLst>
+            <a:outerShdw blurRad="40000" dist="20000" dir="5400000" rotWithShape="0">
+              <a:srgbClr val="000000">
+                <a:alpha val="38000"/>
+              </a:srgbClr>
+            </a:outerShdw>
+          </a:effectLst>
+        </p:spPr>
+        <p:txBody>
+          <a:bodyPr rtlCol="0" anchor="t"/>
+          <a:lstStyle/>
+          <a:p>
+            <a:pPr marL="0" marR="0" lvl="0" indent="0" algn="ctr" defTabSz="914400" eaLnBrk="1" fontAlgn="auto" latinLnBrk="0" hangingPunct="1">
+              <a:lnSpc>
+                <a:spcPct val="100000"/>
+              </a:lnSpc>
+              <a:spcBef>
+                <a:spcPts val="0"/>
+              </a:spcBef>
+              <a:spcAft>
+                <a:spcPts val="0"/>
+              </a:spcAft>
+              <a:buClrTx/>
+              <a:buSzTx/>
+              <a:buFontTx/>
+              <a:buNone/>
+              <a:tabLst/>
+              <a:defRPr/>
+            </a:pPr>
+            <a:r>
+              <a:rPr kumimoji="0" lang="fr-FR" sz="1400" b="0" i="0" u="none" strike="noStrike" kern="0" cap="none" spc="0" normalizeH="0" baseline="0" noProof="0" dirty="0">
+                <a:ln>
+                  <a:noFill/>
+                </a:ln>
+                <a:solidFill>
+                  <a:prstClr val="black"/>
+                </a:solidFill>
+                <a:effectLst/>
+                <a:uLnTx/>
+                <a:uFillTx/>
+                <a:latin typeface="Calibri"/>
+                <a:ea typeface="+mn-ea"/>
+                <a:cs typeface="+mn-cs"/>
+              </a:rPr>
+              <a:t>ALIMENTER</a:t>
+            </a:r>
+          </a:p>
+        </p:txBody>
+      </p:sp>
+      <p:sp>
+        <p:nvSpPr>
+          <p:cNvPr id="20" name="Rectangle 19">
+            <a:extLst>
+              <a:ext uri="{FF2B5EF4-FFF2-40B4-BE49-F238E27FC236}">
+                <a16:creationId xmlns:a16="http://schemas.microsoft.com/office/drawing/2014/main" id="{E9B69189-B2EF-4111-8F93-CC055A1C37AB}"/>
+              </a:ext>
+            </a:extLst>
+          </p:cNvPr>
+          <p:cNvSpPr/>
+          <p:nvPr/>
+        </p:nvSpPr>
+        <p:spPr>
+          <a:xfrm>
+            <a:off x="5053248" y="3934966"/>
+            <a:ext cx="1620000" cy="687554"/>
+          </a:xfrm>
+          <a:prstGeom prst="rect">
+            <a:avLst/>
+          </a:prstGeom>
+          <a:gradFill rotWithShape="1">
+            <a:gsLst>
+              <a:gs pos="0">
+                <a:srgbClr val="C0504D">
+                  <a:tint val="50000"/>
+                  <a:satMod val="300000"/>
+                </a:srgbClr>
+              </a:gs>
+              <a:gs pos="35000">
+                <a:srgbClr val="C0504D">
+                  <a:tint val="37000"/>
+                  <a:satMod val="300000"/>
+                </a:srgbClr>
+              </a:gs>
+              <a:gs pos="100000">
+                <a:srgbClr val="C0504D">
+                  <a:tint val="15000"/>
+                  <a:satMod val="350000"/>
+                </a:srgbClr>
+              </a:gs>
+            </a:gsLst>
+            <a:lin ang="16200000" scaled="1"/>
+          </a:gradFill>
+          <a:ln w="9525" cap="flat" cmpd="sng" algn="ctr">
+            <a:solidFill>
+              <a:srgbClr val="C0504D">
+                <a:shade val="95000"/>
+                <a:satMod val="105000"/>
+              </a:srgbClr>
+            </a:solidFill>
+            <a:prstDash val="solid"/>
+          </a:ln>
+          <a:effectLst>
+            <a:outerShdw blurRad="40000" dist="20000" dir="5400000" rotWithShape="0">
+              <a:srgbClr val="000000">
+                <a:alpha val="38000"/>
+              </a:srgbClr>
+            </a:outerShdw>
+          </a:effectLst>
+        </p:spPr>
+        <p:txBody>
+          <a:bodyPr rtlCol="0" anchor="t"/>
+          <a:lstStyle/>
+          <a:p>
+            <a:pPr marL="0" marR="0" lvl="0" indent="0" algn="ctr" defTabSz="914400" eaLnBrk="1" fontAlgn="auto" latinLnBrk="0" hangingPunct="1">
+              <a:lnSpc>
+                <a:spcPct val="100000"/>
+              </a:lnSpc>
+              <a:spcBef>
+                <a:spcPts val="0"/>
+              </a:spcBef>
+              <a:spcAft>
+                <a:spcPts val="0"/>
+              </a:spcAft>
+              <a:buClrTx/>
+              <a:buSzTx/>
+              <a:buFontTx/>
+              <a:buNone/>
+              <a:tabLst/>
+              <a:defRPr/>
+            </a:pPr>
+            <a:r>
+              <a:rPr kumimoji="0" lang="fr-FR" sz="1400" b="0" i="0" u="none" strike="noStrike" kern="0" cap="none" spc="0" normalizeH="0" baseline="0" noProof="0" dirty="0">
+                <a:ln>
+                  <a:noFill/>
+                </a:ln>
+                <a:solidFill>
+                  <a:prstClr val="black"/>
+                </a:solidFill>
+                <a:effectLst/>
+                <a:uLnTx/>
+                <a:uFillTx/>
+                <a:latin typeface="Calibri"/>
+                <a:ea typeface="+mn-ea"/>
+                <a:cs typeface="+mn-cs"/>
+              </a:rPr>
+              <a:t>DISTRIBUER</a:t>
+            </a:r>
+          </a:p>
+        </p:txBody>
+      </p:sp>
+      <p:sp>
+        <p:nvSpPr>
+          <p:cNvPr id="21" name="Rectangle 20">
+            <a:extLst>
+              <a:ext uri="{FF2B5EF4-FFF2-40B4-BE49-F238E27FC236}">
+                <a16:creationId xmlns:a16="http://schemas.microsoft.com/office/drawing/2014/main" id="{5DFC4BE2-563D-40D7-935A-6ECB7AA1F7A7}"/>
+              </a:ext>
+            </a:extLst>
+          </p:cNvPr>
+          <p:cNvSpPr/>
+          <p:nvPr/>
+        </p:nvSpPr>
+        <p:spPr>
+          <a:xfrm>
+            <a:off x="7157713" y="3934966"/>
+            <a:ext cx="1620000" cy="687554"/>
+          </a:xfrm>
+          <a:prstGeom prst="rect">
+            <a:avLst/>
+          </a:prstGeom>
+          <a:gradFill rotWithShape="1">
+            <a:gsLst>
+              <a:gs pos="0">
+                <a:srgbClr val="C0504D">
+                  <a:tint val="50000"/>
+                  <a:satMod val="300000"/>
+                </a:srgbClr>
+              </a:gs>
+              <a:gs pos="35000">
+                <a:srgbClr val="C0504D">
+                  <a:tint val="37000"/>
+                  <a:satMod val="300000"/>
+                </a:srgbClr>
+              </a:gs>
+              <a:gs pos="100000">
+                <a:srgbClr val="C0504D">
+                  <a:tint val="15000"/>
+                  <a:satMod val="350000"/>
+                </a:srgbClr>
+              </a:gs>
+            </a:gsLst>
+            <a:lin ang="16200000" scaled="1"/>
+          </a:gradFill>
+          <a:ln w="9525" cap="flat" cmpd="sng" algn="ctr">
+            <a:solidFill>
+              <a:srgbClr val="C0504D">
+                <a:shade val="95000"/>
+                <a:satMod val="105000"/>
+              </a:srgbClr>
+            </a:solidFill>
+            <a:prstDash val="solid"/>
+          </a:ln>
+          <a:effectLst>
+            <a:outerShdw blurRad="40000" dist="20000" dir="5400000" rotWithShape="0">
+              <a:srgbClr val="000000">
+                <a:alpha val="38000"/>
+              </a:srgbClr>
+            </a:outerShdw>
+          </a:effectLst>
+        </p:spPr>
+        <p:txBody>
+          <a:bodyPr rtlCol="0" anchor="t"/>
+          <a:lstStyle/>
+          <a:p>
+            <a:pPr marL="0" marR="0" lvl="0" indent="0" algn="ctr" defTabSz="914400" eaLnBrk="1" fontAlgn="auto" latinLnBrk="0" hangingPunct="1">
+              <a:lnSpc>
+                <a:spcPct val="100000"/>
+              </a:lnSpc>
+              <a:spcBef>
+                <a:spcPts val="0"/>
+              </a:spcBef>
+              <a:spcAft>
+                <a:spcPts val="0"/>
+              </a:spcAft>
+              <a:buClrTx/>
+              <a:buSzTx/>
+              <a:buFontTx/>
+              <a:buNone/>
+              <a:tabLst/>
+              <a:defRPr/>
+            </a:pPr>
+            <a:r>
+              <a:rPr kumimoji="0" lang="fr-FR" sz="1400" b="0" i="0" u="none" strike="noStrike" kern="0" cap="none" spc="0" normalizeH="0" baseline="0" noProof="0" dirty="0">
+                <a:ln>
+                  <a:noFill/>
+                </a:ln>
+                <a:solidFill>
+                  <a:prstClr val="black"/>
+                </a:solidFill>
+                <a:effectLst/>
+                <a:uLnTx/>
+                <a:uFillTx/>
+                <a:latin typeface="Calibri"/>
+                <a:ea typeface="+mn-ea"/>
+                <a:cs typeface="+mn-cs"/>
+              </a:rPr>
+              <a:t>CONVERTIR</a:t>
+            </a:r>
+          </a:p>
+        </p:txBody>
+      </p:sp>
+      <p:sp>
+        <p:nvSpPr>
+          <p:cNvPr id="22" name="Rectangle 21">
+            <a:extLst>
+              <a:ext uri="{FF2B5EF4-FFF2-40B4-BE49-F238E27FC236}">
+                <a16:creationId xmlns:a16="http://schemas.microsoft.com/office/drawing/2014/main" id="{4A9336DD-FA8E-4DCF-913B-43AF1DBE70A2}"/>
+              </a:ext>
+            </a:extLst>
+          </p:cNvPr>
+          <p:cNvSpPr/>
+          <p:nvPr/>
+        </p:nvSpPr>
+        <p:spPr>
+          <a:xfrm>
+            <a:off x="9216898" y="3934966"/>
+            <a:ext cx="1620000" cy="687554"/>
+          </a:xfrm>
+          <a:prstGeom prst="rect">
+            <a:avLst/>
+          </a:prstGeom>
+          <a:gradFill rotWithShape="1">
+            <a:gsLst>
+              <a:gs pos="0">
+                <a:srgbClr val="C0504D">
+                  <a:tint val="50000"/>
+                  <a:satMod val="300000"/>
+                </a:srgbClr>
+              </a:gs>
+              <a:gs pos="35000">
+                <a:srgbClr val="C0504D">
+                  <a:tint val="37000"/>
+                  <a:satMod val="300000"/>
+                </a:srgbClr>
+              </a:gs>
+              <a:gs pos="100000">
+                <a:srgbClr val="C0504D">
+                  <a:tint val="15000"/>
+                  <a:satMod val="350000"/>
+                </a:srgbClr>
+              </a:gs>
+            </a:gsLst>
+            <a:lin ang="16200000" scaled="1"/>
+          </a:gradFill>
+          <a:ln w="9525" cap="flat" cmpd="sng" algn="ctr">
+            <a:solidFill>
+              <a:srgbClr val="C0504D">
+                <a:shade val="95000"/>
+                <a:satMod val="105000"/>
+              </a:srgbClr>
+            </a:solidFill>
+            <a:prstDash val="solid"/>
+          </a:ln>
+          <a:effectLst>
+            <a:outerShdw blurRad="40000" dist="20000" dir="5400000" rotWithShape="0">
+              <a:srgbClr val="000000">
+                <a:alpha val="38000"/>
+              </a:srgbClr>
+            </a:outerShdw>
+          </a:effectLst>
+        </p:spPr>
+        <p:txBody>
+          <a:bodyPr rtlCol="0" anchor="t"/>
+          <a:lstStyle/>
+          <a:p>
+            <a:pPr marL="0" marR="0" lvl="0" indent="0" algn="ctr" defTabSz="914400" eaLnBrk="1" fontAlgn="auto" latinLnBrk="0" hangingPunct="1">
+              <a:lnSpc>
+                <a:spcPct val="100000"/>
+              </a:lnSpc>
+              <a:spcBef>
+                <a:spcPts val="0"/>
+              </a:spcBef>
+              <a:spcAft>
+                <a:spcPts val="0"/>
+              </a:spcAft>
+              <a:buClrTx/>
+              <a:buSzTx/>
+              <a:buFontTx/>
+              <a:buNone/>
+              <a:tabLst/>
+              <a:defRPr/>
+            </a:pPr>
+            <a:r>
+              <a:rPr kumimoji="0" lang="fr-FR" sz="1400" b="0" i="0" u="none" strike="noStrike" kern="0" cap="none" spc="0" normalizeH="0" baseline="0" noProof="0" dirty="0">
+                <a:ln>
+                  <a:noFill/>
+                </a:ln>
+                <a:solidFill>
+                  <a:prstClr val="black"/>
+                </a:solidFill>
+                <a:effectLst/>
+                <a:uLnTx/>
+                <a:uFillTx/>
+                <a:latin typeface="Calibri"/>
+                <a:ea typeface="+mn-ea"/>
+                <a:cs typeface="+mn-cs"/>
+              </a:rPr>
+              <a:t>TRANSMETTRE</a:t>
+            </a:r>
+          </a:p>
+        </p:txBody>
+      </p:sp>
+      <p:sp>
+        <p:nvSpPr>
+          <p:cNvPr id="23" name="Rectangle 22">
+            <a:extLst>
+              <a:ext uri="{FF2B5EF4-FFF2-40B4-BE49-F238E27FC236}">
+                <a16:creationId xmlns:a16="http://schemas.microsoft.com/office/drawing/2014/main" id="{FD4A7BAB-62AD-481C-9AF7-2A8B5EC966FD}"/>
+              </a:ext>
+            </a:extLst>
+          </p:cNvPr>
+          <p:cNvSpPr/>
+          <p:nvPr/>
+        </p:nvSpPr>
+        <p:spPr>
+          <a:xfrm>
+            <a:off x="11245936" y="3365829"/>
+            <a:ext cx="1620000" cy="1840580"/>
+          </a:xfrm>
+          <a:prstGeom prst="rect">
+            <a:avLst/>
+          </a:prstGeom>
+          <a:gradFill rotWithShape="1">
+            <a:gsLst>
+              <a:gs pos="0">
+                <a:srgbClr val="F79646">
+                  <a:tint val="50000"/>
+                  <a:satMod val="300000"/>
+                </a:srgbClr>
+              </a:gs>
+              <a:gs pos="35000">
+                <a:srgbClr val="F79646">
+                  <a:tint val="37000"/>
+                  <a:satMod val="300000"/>
+                </a:srgbClr>
+              </a:gs>
+              <a:gs pos="100000">
+                <a:srgbClr val="F79646">
+                  <a:tint val="15000"/>
+                  <a:satMod val="350000"/>
+                </a:srgbClr>
+              </a:gs>
+            </a:gsLst>
+            <a:lin ang="16200000" scaled="1"/>
+          </a:gradFill>
+          <a:ln w="9525" cap="flat" cmpd="sng" algn="ctr">
+            <a:solidFill>
+              <a:srgbClr val="F79646">
+                <a:shade val="95000"/>
+                <a:satMod val="105000"/>
+              </a:srgbClr>
+            </a:solidFill>
+            <a:prstDash val="solid"/>
+          </a:ln>
+          <a:effectLst>
+            <a:outerShdw blurRad="40000" dist="20000" dir="5400000" rotWithShape="0">
+              <a:srgbClr val="000000">
+                <a:alpha val="38000"/>
+              </a:srgbClr>
+            </a:outerShdw>
+          </a:effectLst>
+        </p:spPr>
+        <p:txBody>
+          <a:bodyPr rtlCol="0" anchor="ctr"/>
+          <a:lstStyle/>
+          <a:p>
+            <a:pPr marL="0" marR="0" lvl="0" indent="0" algn="ctr" defTabSz="914400" eaLnBrk="1" fontAlgn="auto" latinLnBrk="0" hangingPunct="1">
+              <a:lnSpc>
+                <a:spcPct val="100000"/>
+              </a:lnSpc>
+              <a:spcBef>
+                <a:spcPts val="0"/>
+              </a:spcBef>
+              <a:spcAft>
+                <a:spcPts val="0"/>
+              </a:spcAft>
+              <a:buClrTx/>
+              <a:buSzTx/>
+              <a:buFontTx/>
+              <a:buNone/>
+              <a:tabLst/>
+              <a:defRPr/>
+            </a:pPr>
+            <a:r>
+              <a:rPr kumimoji="0" lang="fr-FR" sz="1400" b="0" i="0" u="none" strike="noStrike" kern="0" cap="none" spc="0" normalizeH="0" baseline="0" noProof="0" dirty="0">
+                <a:ln>
+                  <a:noFill/>
+                </a:ln>
+                <a:solidFill>
+                  <a:prstClr val="black"/>
+                </a:solidFill>
+                <a:effectLst/>
+                <a:uLnTx/>
+                <a:uFillTx/>
+                <a:latin typeface="Calibri"/>
+                <a:ea typeface="+mn-ea"/>
+                <a:cs typeface="+mn-cs"/>
+              </a:rPr>
+              <a:t>ACTION</a:t>
+            </a:r>
+          </a:p>
+        </p:txBody>
+      </p:sp>
+      <p:cxnSp>
+        <p:nvCxnSpPr>
+          <p:cNvPr id="24" name="Connecteur droit avec flèche 23">
+            <a:extLst>
+              <a:ext uri="{FF2B5EF4-FFF2-40B4-BE49-F238E27FC236}">
+                <a16:creationId xmlns:a16="http://schemas.microsoft.com/office/drawing/2014/main" id="{5F27A41C-9140-4D16-A82E-D1DB427DC6A3}"/>
+              </a:ext>
+            </a:extLst>
+          </p:cNvPr>
+          <p:cNvCxnSpPr>
+            <a:cxnSpLocks/>
+          </p:cNvCxnSpPr>
+          <p:nvPr/>
+        </p:nvCxnSpPr>
+        <p:spPr>
+          <a:xfrm>
+            <a:off x="2460628" y="3078433"/>
+            <a:ext cx="486310" cy="0"/>
+          </a:xfrm>
+          <a:prstGeom prst="straightConnector1">
+            <a:avLst/>
+          </a:prstGeom>
+          <a:noFill/>
+          <a:ln w="28575" cap="flat" cmpd="sng" algn="ctr">
+            <a:solidFill>
+              <a:srgbClr val="4F81BD">
+                <a:shade val="95000"/>
+                <a:satMod val="105000"/>
+              </a:srgbClr>
+            </a:solidFill>
+            <a:prstDash val="solid"/>
+            <a:tailEnd type="arrow"/>
+          </a:ln>
+          <a:effectLst/>
+        </p:spPr>
+      </p:cxnSp>
+      <p:cxnSp>
+        <p:nvCxnSpPr>
+          <p:cNvPr id="25" name="Connecteur droit avec flèche 24">
+            <a:extLst>
+              <a:ext uri="{FF2B5EF4-FFF2-40B4-BE49-F238E27FC236}">
+                <a16:creationId xmlns:a16="http://schemas.microsoft.com/office/drawing/2014/main" id="{E4B05A1B-A360-4F3B-9AA9-B5B711A74016}"/>
+              </a:ext>
+            </a:extLst>
+          </p:cNvPr>
+          <p:cNvCxnSpPr>
+            <a:stCxn id="16" idx="3"/>
+            <a:endCxn id="17" idx="1"/>
+          </p:cNvCxnSpPr>
+          <p:nvPr/>
+        </p:nvCxnSpPr>
+        <p:spPr>
+          <a:xfrm>
+            <a:off x="4566938" y="2858105"/>
+            <a:ext cx="486310" cy="0"/>
+          </a:xfrm>
+          <a:prstGeom prst="straightConnector1">
+            <a:avLst/>
+          </a:prstGeom>
+          <a:noFill/>
+          <a:ln w="28575" cap="flat" cmpd="sng" algn="ctr">
+            <a:solidFill>
+              <a:srgbClr val="4F81BD">
+                <a:shade val="95000"/>
+                <a:satMod val="105000"/>
+              </a:srgbClr>
+            </a:solidFill>
+            <a:prstDash val="solid"/>
+            <a:tailEnd type="arrow"/>
+          </a:ln>
+          <a:effectLst/>
+        </p:spPr>
+      </p:cxnSp>
+      <p:cxnSp>
+        <p:nvCxnSpPr>
+          <p:cNvPr id="26" name="Connecteur droit avec flèche 25">
+            <a:extLst>
+              <a:ext uri="{FF2B5EF4-FFF2-40B4-BE49-F238E27FC236}">
+                <a16:creationId xmlns:a16="http://schemas.microsoft.com/office/drawing/2014/main" id="{273435B1-3176-4DE3-9EDB-371F6572D2D4}"/>
+              </a:ext>
+            </a:extLst>
+          </p:cNvPr>
+          <p:cNvCxnSpPr>
+            <a:stCxn id="17" idx="3"/>
+            <a:endCxn id="18" idx="1"/>
+          </p:cNvCxnSpPr>
+          <p:nvPr/>
+        </p:nvCxnSpPr>
+        <p:spPr>
+          <a:xfrm>
+            <a:off x="6673248" y="2858105"/>
+            <a:ext cx="484465" cy="7818"/>
+          </a:xfrm>
+          <a:prstGeom prst="straightConnector1">
+            <a:avLst/>
+          </a:prstGeom>
+          <a:noFill/>
+          <a:ln w="28575" cap="flat" cmpd="sng" algn="ctr">
+            <a:solidFill>
+              <a:srgbClr val="4F81BD">
+                <a:shade val="95000"/>
+                <a:satMod val="105000"/>
+              </a:srgbClr>
+            </a:solidFill>
+            <a:prstDash val="solid"/>
+            <a:tailEnd type="arrow"/>
+          </a:ln>
+          <a:effectLst/>
+        </p:spPr>
+      </p:cxnSp>
+      <p:cxnSp>
+        <p:nvCxnSpPr>
+          <p:cNvPr id="27" name="Connecteur droit avec flèche 26">
+            <a:extLst>
+              <a:ext uri="{FF2B5EF4-FFF2-40B4-BE49-F238E27FC236}">
+                <a16:creationId xmlns:a16="http://schemas.microsoft.com/office/drawing/2014/main" id="{123E4F42-80B8-4E1D-917C-B15FF5EF4A0B}"/>
+              </a:ext>
+            </a:extLst>
+          </p:cNvPr>
+          <p:cNvCxnSpPr>
+            <a:stCxn id="18" idx="3"/>
+          </p:cNvCxnSpPr>
+          <p:nvPr/>
+        </p:nvCxnSpPr>
+        <p:spPr>
+          <a:xfrm>
+            <a:off x="8777713" y="2865923"/>
+            <a:ext cx="1249185" cy="0"/>
+          </a:xfrm>
+          <a:prstGeom prst="straightConnector1">
+            <a:avLst/>
+          </a:prstGeom>
+          <a:noFill/>
+          <a:ln w="28575" cap="flat" cmpd="sng" algn="ctr">
+            <a:solidFill>
+              <a:srgbClr val="4F81BD">
+                <a:shade val="95000"/>
+                <a:satMod val="105000"/>
+              </a:srgbClr>
+            </a:solidFill>
+            <a:prstDash val="solid"/>
+            <a:tailEnd type="arrow"/>
+          </a:ln>
+          <a:effectLst/>
+        </p:spPr>
+      </p:cxnSp>
+      <p:cxnSp>
+        <p:nvCxnSpPr>
+          <p:cNvPr id="31" name="Connecteur droit 30">
+            <a:extLst>
+              <a:ext uri="{FF2B5EF4-FFF2-40B4-BE49-F238E27FC236}">
+                <a16:creationId xmlns:a16="http://schemas.microsoft.com/office/drawing/2014/main" id="{92217C9D-1B81-4A94-985F-8506A2A7EE34}"/>
+              </a:ext>
+            </a:extLst>
+          </p:cNvPr>
+          <p:cNvCxnSpPr>
+            <a:cxnSpLocks/>
+          </p:cNvCxnSpPr>
+          <p:nvPr/>
+        </p:nvCxnSpPr>
+        <p:spPr>
+          <a:xfrm flipV="1">
+            <a:off x="4810093" y="3315249"/>
+            <a:ext cx="0" cy="765542"/>
+          </a:xfrm>
+          <a:prstGeom prst="line">
+            <a:avLst/>
+          </a:prstGeom>
+          <a:noFill/>
+          <a:ln w="28575" cap="flat" cmpd="sng" algn="ctr">
+            <a:solidFill>
+              <a:srgbClr val="C0504D">
+                <a:shade val="95000"/>
+                <a:satMod val="105000"/>
+              </a:srgbClr>
+            </a:solidFill>
+            <a:prstDash val="solid"/>
+          </a:ln>
+          <a:effectLst/>
+        </p:spPr>
+      </p:cxnSp>
+      <p:cxnSp>
+        <p:nvCxnSpPr>
+          <p:cNvPr id="32" name="Connecteur droit 31">
+            <a:extLst>
+              <a:ext uri="{FF2B5EF4-FFF2-40B4-BE49-F238E27FC236}">
+                <a16:creationId xmlns:a16="http://schemas.microsoft.com/office/drawing/2014/main" id="{3C944A46-BA15-4A06-AE32-C4A56FC2AFAA}"/>
+              </a:ext>
+            </a:extLst>
+          </p:cNvPr>
+          <p:cNvCxnSpPr>
+            <a:cxnSpLocks/>
+          </p:cNvCxnSpPr>
+          <p:nvPr/>
+        </p:nvCxnSpPr>
+        <p:spPr>
+          <a:xfrm>
+            <a:off x="4810093" y="4080791"/>
+            <a:ext cx="243155" cy="0"/>
+          </a:xfrm>
+          <a:prstGeom prst="line">
+            <a:avLst/>
+          </a:prstGeom>
+          <a:noFill/>
+          <a:ln w="28575" cap="flat" cmpd="sng" algn="ctr">
+            <a:solidFill>
+              <a:srgbClr val="C0504D">
+                <a:shade val="95000"/>
+                <a:satMod val="105000"/>
+              </a:srgbClr>
+            </a:solidFill>
+            <a:prstDash val="solid"/>
+            <a:headEnd type="none" w="med" len="med"/>
+            <a:tailEnd type="arrow" w="med" len="med"/>
+          </a:ln>
+          <a:effectLst/>
+        </p:spPr>
+      </p:cxnSp>
+      <p:cxnSp>
+        <p:nvCxnSpPr>
+          <p:cNvPr id="33" name="Connecteur droit 32">
+            <a:extLst>
+              <a:ext uri="{FF2B5EF4-FFF2-40B4-BE49-F238E27FC236}">
+                <a16:creationId xmlns:a16="http://schemas.microsoft.com/office/drawing/2014/main" id="{81A2943E-F942-42D5-9842-C8A9C916D913}"/>
+              </a:ext>
+            </a:extLst>
+          </p:cNvPr>
+          <p:cNvCxnSpPr>
+            <a:stCxn id="19" idx="3"/>
+            <a:endCxn id="20" idx="1"/>
+          </p:cNvCxnSpPr>
+          <p:nvPr/>
+        </p:nvCxnSpPr>
+        <p:spPr>
+          <a:xfrm>
+            <a:off x="4566938" y="4278743"/>
+            <a:ext cx="486310" cy="0"/>
+          </a:xfrm>
+          <a:prstGeom prst="line">
+            <a:avLst/>
+          </a:prstGeom>
+          <a:noFill/>
+          <a:ln w="28575" cap="flat" cmpd="sng" algn="ctr">
+            <a:solidFill>
+              <a:srgbClr val="C0504D">
+                <a:shade val="95000"/>
+                <a:satMod val="105000"/>
+              </a:srgbClr>
+            </a:solidFill>
+            <a:prstDash val="solid"/>
+            <a:headEnd type="none" w="med" len="med"/>
+            <a:tailEnd type="arrow" w="med" len="med"/>
+          </a:ln>
+          <a:effectLst/>
+        </p:spPr>
+      </p:cxnSp>
+      <p:cxnSp>
+        <p:nvCxnSpPr>
+          <p:cNvPr id="34" name="Connecteur droit 33">
+            <a:extLst>
+              <a:ext uri="{FF2B5EF4-FFF2-40B4-BE49-F238E27FC236}">
+                <a16:creationId xmlns:a16="http://schemas.microsoft.com/office/drawing/2014/main" id="{5BBD142F-6083-4954-A15F-52E9A6A63A83}"/>
+              </a:ext>
+            </a:extLst>
+          </p:cNvPr>
+          <p:cNvCxnSpPr>
+            <a:stCxn id="20" idx="3"/>
+            <a:endCxn id="21" idx="1"/>
+          </p:cNvCxnSpPr>
+          <p:nvPr/>
+        </p:nvCxnSpPr>
+        <p:spPr>
+          <a:xfrm>
+            <a:off x="6673248" y="4278743"/>
+            <a:ext cx="484465" cy="0"/>
+          </a:xfrm>
+          <a:prstGeom prst="line">
+            <a:avLst/>
+          </a:prstGeom>
+          <a:noFill/>
+          <a:ln w="28575" cap="flat" cmpd="sng" algn="ctr">
+            <a:solidFill>
+              <a:srgbClr val="C0504D">
+                <a:shade val="95000"/>
+                <a:satMod val="105000"/>
+              </a:srgbClr>
+            </a:solidFill>
+            <a:prstDash val="solid"/>
+            <a:headEnd type="none" w="med" len="med"/>
+            <a:tailEnd type="arrow" w="med" len="med"/>
+          </a:ln>
+          <a:effectLst/>
+        </p:spPr>
+      </p:cxnSp>
+      <p:cxnSp>
+        <p:nvCxnSpPr>
+          <p:cNvPr id="35" name="Connecteur droit 34">
+            <a:extLst>
+              <a:ext uri="{FF2B5EF4-FFF2-40B4-BE49-F238E27FC236}">
+                <a16:creationId xmlns:a16="http://schemas.microsoft.com/office/drawing/2014/main" id="{4270298D-A902-465D-BEE3-C94B1803F788}"/>
+              </a:ext>
+            </a:extLst>
+          </p:cNvPr>
+          <p:cNvCxnSpPr>
+            <a:stCxn id="21" idx="3"/>
+            <a:endCxn id="22" idx="1"/>
+          </p:cNvCxnSpPr>
+          <p:nvPr/>
+        </p:nvCxnSpPr>
+        <p:spPr>
+          <a:xfrm>
+            <a:off x="8777713" y="4278743"/>
+            <a:ext cx="439185" cy="0"/>
+          </a:xfrm>
+          <a:prstGeom prst="line">
+            <a:avLst/>
+          </a:prstGeom>
+          <a:noFill/>
+          <a:ln w="28575" cap="flat" cmpd="sng" algn="ctr">
+            <a:solidFill>
+              <a:srgbClr val="C0504D">
+                <a:shade val="95000"/>
+                <a:satMod val="105000"/>
+              </a:srgbClr>
+            </a:solidFill>
+            <a:prstDash val="solid"/>
+            <a:headEnd type="none" w="med" len="med"/>
+            <a:tailEnd type="arrow" w="med" len="med"/>
+          </a:ln>
+          <a:effectLst/>
+        </p:spPr>
+      </p:cxnSp>
+      <p:cxnSp>
+        <p:nvCxnSpPr>
+          <p:cNvPr id="36" name="Connecteur droit 35">
+            <a:extLst>
+              <a:ext uri="{FF2B5EF4-FFF2-40B4-BE49-F238E27FC236}">
+                <a16:creationId xmlns:a16="http://schemas.microsoft.com/office/drawing/2014/main" id="{8E4D8189-F404-4230-A802-A02E5E356597}"/>
+              </a:ext>
+            </a:extLst>
+          </p:cNvPr>
+          <p:cNvCxnSpPr>
+            <a:cxnSpLocks/>
+            <a:stCxn id="22" idx="3"/>
+            <a:endCxn id="23" idx="1"/>
+          </p:cNvCxnSpPr>
+          <p:nvPr/>
+        </p:nvCxnSpPr>
+        <p:spPr>
+          <a:xfrm>
+            <a:off x="10836898" y="4278743"/>
+            <a:ext cx="409038" cy="7376"/>
+          </a:xfrm>
+          <a:prstGeom prst="line">
+            <a:avLst/>
+          </a:prstGeom>
+          <a:noFill/>
+          <a:ln w="28575" cap="flat" cmpd="sng" algn="ctr">
+            <a:solidFill>
+              <a:srgbClr val="C0504D">
+                <a:shade val="95000"/>
+                <a:satMod val="105000"/>
+              </a:srgbClr>
+            </a:solidFill>
+            <a:prstDash val="solid"/>
+            <a:headEnd type="none" w="med" len="med"/>
+            <a:tailEnd type="arrow" w="med" len="med"/>
+          </a:ln>
+          <a:effectLst/>
+        </p:spPr>
+      </p:cxnSp>
+      <p:cxnSp>
+        <p:nvCxnSpPr>
+          <p:cNvPr id="37" name="Connecteur droit 36">
+            <a:extLst>
+              <a:ext uri="{FF2B5EF4-FFF2-40B4-BE49-F238E27FC236}">
+                <a16:creationId xmlns:a16="http://schemas.microsoft.com/office/drawing/2014/main" id="{578546EE-400C-40E0-AE65-8A15AAC3E048}"/>
+              </a:ext>
+            </a:extLst>
+          </p:cNvPr>
+          <p:cNvCxnSpPr>
+            <a:cxnSpLocks/>
+          </p:cNvCxnSpPr>
+          <p:nvPr/>
+        </p:nvCxnSpPr>
+        <p:spPr>
+          <a:xfrm>
+            <a:off x="2460628" y="4278743"/>
+            <a:ext cx="486310" cy="0"/>
+          </a:xfrm>
+          <a:prstGeom prst="line">
+            <a:avLst/>
+          </a:prstGeom>
+          <a:noFill/>
+          <a:ln w="28575" cap="flat" cmpd="sng" algn="ctr">
+            <a:solidFill>
+              <a:srgbClr val="C0504D">
+                <a:shade val="95000"/>
+                <a:satMod val="105000"/>
+              </a:srgbClr>
+            </a:solidFill>
+            <a:prstDash val="solid"/>
+            <a:headEnd type="none" w="med" len="med"/>
+            <a:tailEnd type="arrow" w="med" len="med"/>
+          </a:ln>
+          <a:effectLst/>
+        </p:spPr>
+      </p:cxnSp>
+      <p:cxnSp>
+        <p:nvCxnSpPr>
+          <p:cNvPr id="38" name="Connecteur droit 37">
+            <a:extLst>
+              <a:ext uri="{FF2B5EF4-FFF2-40B4-BE49-F238E27FC236}">
+                <a16:creationId xmlns:a16="http://schemas.microsoft.com/office/drawing/2014/main" id="{282C3255-4151-4578-8E5D-2D7B78DC286F}"/>
+              </a:ext>
+            </a:extLst>
+          </p:cNvPr>
+          <p:cNvCxnSpPr>
+            <a:cxnSpLocks/>
+          </p:cNvCxnSpPr>
+          <p:nvPr/>
+        </p:nvCxnSpPr>
+        <p:spPr>
+          <a:xfrm flipV="1">
+            <a:off x="10630157" y="1887145"/>
+            <a:ext cx="0" cy="1840580"/>
+          </a:xfrm>
+          <a:prstGeom prst="line">
+            <a:avLst/>
+          </a:prstGeom>
+          <a:noFill/>
+          <a:ln w="28575" cap="flat" cmpd="sng" algn="ctr">
+            <a:solidFill>
+              <a:srgbClr val="92D050"/>
+            </a:solidFill>
+            <a:prstDash val="solid"/>
+          </a:ln>
+          <a:effectLst/>
+        </p:spPr>
+      </p:cxnSp>
+      <p:cxnSp>
+        <p:nvCxnSpPr>
+          <p:cNvPr id="39" name="Connecteur droit 38">
+            <a:extLst>
+              <a:ext uri="{FF2B5EF4-FFF2-40B4-BE49-F238E27FC236}">
+                <a16:creationId xmlns:a16="http://schemas.microsoft.com/office/drawing/2014/main" id="{9CFE3312-7FD0-4FBA-B81F-621772F4A246}"/>
+              </a:ext>
+            </a:extLst>
+          </p:cNvPr>
+          <p:cNvCxnSpPr>
+            <a:cxnSpLocks/>
+          </p:cNvCxnSpPr>
+          <p:nvPr/>
+        </p:nvCxnSpPr>
+        <p:spPr>
+          <a:xfrm flipH="1">
+            <a:off x="2460628" y="1887144"/>
+            <a:ext cx="8195247" cy="0"/>
+          </a:xfrm>
+          <a:prstGeom prst="line">
+            <a:avLst/>
+          </a:prstGeom>
+          <a:noFill/>
+          <a:ln w="28575" cap="flat" cmpd="sng" algn="ctr">
+            <a:solidFill>
+              <a:srgbClr val="92D050"/>
+            </a:solidFill>
+            <a:prstDash val="solid"/>
+          </a:ln>
+          <a:effectLst/>
+        </p:spPr>
+      </p:cxnSp>
+      <p:cxnSp>
+        <p:nvCxnSpPr>
+          <p:cNvPr id="40" name="Connecteur droit 39">
+            <a:extLst>
+              <a:ext uri="{FF2B5EF4-FFF2-40B4-BE49-F238E27FC236}">
+                <a16:creationId xmlns:a16="http://schemas.microsoft.com/office/drawing/2014/main" id="{725CDBAA-00DA-4016-9A63-34084FD0E113}"/>
+              </a:ext>
+            </a:extLst>
+          </p:cNvPr>
+          <p:cNvCxnSpPr>
+            <a:cxnSpLocks/>
+          </p:cNvCxnSpPr>
+          <p:nvPr/>
+        </p:nvCxnSpPr>
+        <p:spPr>
+          <a:xfrm>
+            <a:off x="2460628" y="2645981"/>
+            <a:ext cx="486310" cy="0"/>
+          </a:xfrm>
+          <a:prstGeom prst="line">
+            <a:avLst/>
+          </a:prstGeom>
+          <a:noFill/>
+          <a:ln w="28575" cap="flat" cmpd="sng" algn="ctr">
+            <a:solidFill>
+              <a:srgbClr val="92D050"/>
+            </a:solidFill>
+            <a:prstDash val="solid"/>
+            <a:headEnd type="none" w="med" len="med"/>
+            <a:tailEnd type="arrow" w="med" len="med"/>
+          </a:ln>
+          <a:effectLst/>
+        </p:spPr>
+      </p:cxnSp>
+      <p:cxnSp>
+        <p:nvCxnSpPr>
+          <p:cNvPr id="41" name="Connecteur droit 40">
+            <a:extLst>
+              <a:ext uri="{FF2B5EF4-FFF2-40B4-BE49-F238E27FC236}">
+                <a16:creationId xmlns:a16="http://schemas.microsoft.com/office/drawing/2014/main" id="{1A1DF33F-0D3A-4B30-8705-EDD22861E35C}"/>
+              </a:ext>
+            </a:extLst>
+          </p:cNvPr>
+          <p:cNvCxnSpPr>
+            <a:cxnSpLocks/>
+          </p:cNvCxnSpPr>
+          <p:nvPr/>
+        </p:nvCxnSpPr>
+        <p:spPr>
+          <a:xfrm flipV="1">
+            <a:off x="2460628" y="1887144"/>
+            <a:ext cx="0" cy="758838"/>
+          </a:xfrm>
+          <a:prstGeom prst="line">
+            <a:avLst/>
+          </a:prstGeom>
+          <a:noFill/>
+          <a:ln w="28575" cap="flat" cmpd="sng" algn="ctr">
+            <a:solidFill>
+              <a:srgbClr val="92D050"/>
+            </a:solidFill>
+            <a:prstDash val="solid"/>
+          </a:ln>
+          <a:effectLst/>
+        </p:spPr>
+      </p:cxnSp>
+      <p:cxnSp>
+        <p:nvCxnSpPr>
+          <p:cNvPr id="42" name="Connecteur droit 41">
+            <a:extLst>
+              <a:ext uri="{FF2B5EF4-FFF2-40B4-BE49-F238E27FC236}">
+                <a16:creationId xmlns:a16="http://schemas.microsoft.com/office/drawing/2014/main" id="{2ACDABC4-31F8-4BD9-A720-5802A8BAB497}"/>
+              </a:ext>
+            </a:extLst>
+          </p:cNvPr>
+          <p:cNvCxnSpPr>
+            <a:cxnSpLocks/>
+          </p:cNvCxnSpPr>
+          <p:nvPr/>
+        </p:nvCxnSpPr>
+        <p:spPr>
+          <a:xfrm>
+            <a:off x="12873762" y="3542167"/>
+            <a:ext cx="409038" cy="2542"/>
+          </a:xfrm>
+          <a:prstGeom prst="line">
+            <a:avLst/>
+          </a:prstGeom>
+          <a:noFill/>
+          <a:ln w="28575" cap="flat" cmpd="sng" algn="ctr">
+            <a:solidFill>
+              <a:srgbClr val="C0504D">
+                <a:shade val="95000"/>
+                <a:satMod val="105000"/>
+              </a:srgbClr>
+            </a:solidFill>
+            <a:prstDash val="solid"/>
+            <a:headEnd type="none" w="med" len="med"/>
+            <a:tailEnd type="arrow" w="med" len="med"/>
+          </a:ln>
+          <a:effectLst/>
+        </p:spPr>
+      </p:cxnSp>
+      <p:sp>
+        <p:nvSpPr>
+          <p:cNvPr id="43" name="Flèche vers le bas 33">
+            <a:extLst>
+              <a:ext uri="{FF2B5EF4-FFF2-40B4-BE49-F238E27FC236}">
+                <a16:creationId xmlns:a16="http://schemas.microsoft.com/office/drawing/2014/main" id="{F3468FBD-8897-4A42-9B06-CE4F01ED9F02}"/>
+              </a:ext>
+            </a:extLst>
+          </p:cNvPr>
+          <p:cNvSpPr/>
+          <p:nvPr/>
+        </p:nvSpPr>
+        <p:spPr>
+          <a:xfrm>
+            <a:off x="11853346" y="2563828"/>
+            <a:ext cx="405180" cy="819344"/>
+          </a:xfrm>
+          <a:prstGeom prst="downArrow">
+            <a:avLst/>
+          </a:prstGeom>
+          <a:solidFill>
+            <a:sysClr val="window" lastClr="FFFFFF"/>
+          </a:solidFill>
+          <a:ln w="25400" cap="flat" cmpd="sng" algn="ctr">
+            <a:solidFill>
+              <a:srgbClr val="C0504D"/>
+            </a:solidFill>
+            <a:prstDash val="solid"/>
+          </a:ln>
+          <a:effectLst/>
+        </p:spPr>
+        <p:txBody>
+          <a:bodyPr rtlCol="0" anchor="ctr"/>
+          <a:lstStyle/>
+          <a:p>
+            <a:pPr marL="0" marR="0" lvl="0" indent="0" algn="ctr" defTabSz="914400" eaLnBrk="1" fontAlgn="auto" latinLnBrk="0" hangingPunct="1">
+              <a:lnSpc>
+                <a:spcPct val="100000"/>
+              </a:lnSpc>
+              <a:spcBef>
+                <a:spcPts val="0"/>
+              </a:spcBef>
+              <a:spcAft>
+                <a:spcPts val="0"/>
+              </a:spcAft>
+              <a:buClrTx/>
+              <a:buSzTx/>
+              <a:buFontTx/>
+              <a:buNone/>
+              <a:tabLst/>
+              <a:defRPr/>
+            </a:pPr>
+            <a:endParaRPr kumimoji="0" lang="fr-FR" sz="1600" b="0" i="0" u="none" strike="noStrike" kern="0" cap="none" spc="0" normalizeH="0" baseline="0" noProof="0">
+              <a:ln>
+                <a:noFill/>
+              </a:ln>
+              <a:solidFill>
+                <a:prstClr val="black"/>
+              </a:solidFill>
+              <a:effectLst/>
+              <a:uLnTx/>
+              <a:uFillTx/>
+              <a:latin typeface="Calibri"/>
+              <a:ea typeface="+mn-ea"/>
+              <a:cs typeface="+mn-cs"/>
+            </a:endParaRPr>
+          </a:p>
+        </p:txBody>
+      </p:sp>
+      <p:sp>
+        <p:nvSpPr>
+          <p:cNvPr id="44" name="Rectangle 43">
+            <a:extLst>
+              <a:ext uri="{FF2B5EF4-FFF2-40B4-BE49-F238E27FC236}">
+                <a16:creationId xmlns:a16="http://schemas.microsoft.com/office/drawing/2014/main" id="{04B2C3EC-633C-4735-82B8-DC39A9D879EE}"/>
+              </a:ext>
+            </a:extLst>
+          </p:cNvPr>
+          <p:cNvSpPr/>
+          <p:nvPr/>
+        </p:nvSpPr>
+        <p:spPr>
+          <a:xfrm>
+            <a:off x="5980053" y="3318053"/>
+            <a:ext cx="1482684" cy="409672"/>
+          </a:xfrm>
+          <a:prstGeom prst="rect">
+            <a:avLst/>
+          </a:prstGeom>
+          <a:noFill/>
+          <a:ln w="9525" cap="flat" cmpd="sng" algn="ctr">
+            <a:noFill/>
+            <a:prstDash val="solid"/>
+          </a:ln>
+          <a:effectLst/>
+        </p:spPr>
+        <p:txBody>
+          <a:bodyPr rtlCol="0" anchor="ctr"/>
+          <a:lstStyle/>
+          <a:p>
+            <a:pPr marL="0" marR="0" lvl="0" indent="0" algn="ctr" defTabSz="914400" eaLnBrk="1" fontAlgn="auto" latinLnBrk="0" hangingPunct="1">
+              <a:lnSpc>
+                <a:spcPct val="100000"/>
+              </a:lnSpc>
+              <a:spcBef>
+                <a:spcPts val="0"/>
+              </a:spcBef>
+              <a:spcAft>
+                <a:spcPts val="0"/>
+              </a:spcAft>
+              <a:buClrTx/>
+              <a:buSzTx/>
+              <a:buFontTx/>
+              <a:buNone/>
+              <a:tabLst/>
+              <a:defRPr/>
+            </a:pPr>
+            <a:r>
+              <a:rPr kumimoji="0" lang="fr-FR" sz="1600" b="1" i="0" u="none" strike="noStrike" kern="0" cap="none" spc="0" normalizeH="0" baseline="0" noProof="0" dirty="0">
+                <a:ln>
+                  <a:noFill/>
+                </a:ln>
+                <a:solidFill>
+                  <a:srgbClr val="C00000"/>
+                </a:solidFill>
+                <a:effectLst/>
+                <a:uLnTx/>
+                <a:uFillTx/>
+                <a:latin typeface="Calibri"/>
+                <a:ea typeface="+mn-ea"/>
+                <a:cs typeface="+mn-cs"/>
+              </a:rPr>
+              <a:t>Ordres</a:t>
+            </a:r>
+          </a:p>
+        </p:txBody>
+      </p:sp>
+      <p:sp>
+        <p:nvSpPr>
+          <p:cNvPr id="45" name="Rectangle 44">
+            <a:extLst>
+              <a:ext uri="{FF2B5EF4-FFF2-40B4-BE49-F238E27FC236}">
+                <a16:creationId xmlns:a16="http://schemas.microsoft.com/office/drawing/2014/main" id="{67319993-505A-4042-AD65-168EC6EDDABF}"/>
+              </a:ext>
+            </a:extLst>
+          </p:cNvPr>
+          <p:cNvSpPr/>
+          <p:nvPr/>
+        </p:nvSpPr>
+        <p:spPr>
+          <a:xfrm>
+            <a:off x="10467491" y="1718966"/>
+            <a:ext cx="1482684" cy="949795"/>
+          </a:xfrm>
+          <a:prstGeom prst="rect">
+            <a:avLst/>
+          </a:prstGeom>
+          <a:noFill/>
+          <a:ln w="9525" cap="flat" cmpd="sng" algn="ctr">
+            <a:noFill/>
+            <a:prstDash val="solid"/>
+          </a:ln>
+          <a:effectLst/>
+        </p:spPr>
+        <p:txBody>
+          <a:bodyPr rtlCol="0" anchor="ctr"/>
+          <a:lstStyle/>
+          <a:p>
+            <a:pPr marL="0" marR="0" lvl="0" indent="0" algn="ctr" defTabSz="914400" eaLnBrk="1" fontAlgn="auto" latinLnBrk="0" hangingPunct="1">
+              <a:lnSpc>
+                <a:spcPct val="100000"/>
+              </a:lnSpc>
+              <a:spcBef>
+                <a:spcPts val="0"/>
+              </a:spcBef>
+              <a:spcAft>
+                <a:spcPts val="0"/>
+              </a:spcAft>
+              <a:buClrTx/>
+              <a:buSzTx/>
+              <a:buFontTx/>
+              <a:buNone/>
+              <a:tabLst/>
+              <a:defRPr/>
+            </a:pPr>
+            <a:r>
+              <a:rPr kumimoji="0" lang="fr-FR" sz="1400" b="1" i="0" u="none" strike="noStrike" kern="0" cap="none" spc="0" normalizeH="0" baseline="0" noProof="0" dirty="0">
+                <a:ln>
+                  <a:noFill/>
+                </a:ln>
+                <a:solidFill>
+                  <a:srgbClr val="92D050"/>
+                </a:solidFill>
+                <a:effectLst/>
+                <a:uLnTx/>
+                <a:uFillTx/>
+                <a:latin typeface="Calibri"/>
+                <a:ea typeface="+mn-ea"/>
+                <a:cs typeface="+mn-cs"/>
+              </a:rPr>
+              <a:t>Grandeurs physiques à acquérir</a:t>
+            </a:r>
+          </a:p>
+        </p:txBody>
+      </p:sp>
+      <p:sp>
+        <p:nvSpPr>
+          <p:cNvPr id="46" name="Rectangle 45">
+            <a:extLst>
+              <a:ext uri="{FF2B5EF4-FFF2-40B4-BE49-F238E27FC236}">
+                <a16:creationId xmlns:a16="http://schemas.microsoft.com/office/drawing/2014/main" id="{3782BBB0-4BB9-49D7-B70B-94BF2A96AFD1}"/>
+              </a:ext>
+            </a:extLst>
+          </p:cNvPr>
+          <p:cNvSpPr/>
+          <p:nvPr/>
+        </p:nvSpPr>
+        <p:spPr>
+          <a:xfrm>
+            <a:off x="9177183" y="1908310"/>
+            <a:ext cx="1452974" cy="949795"/>
+          </a:xfrm>
+          <a:prstGeom prst="rect">
+            <a:avLst/>
+          </a:prstGeom>
+          <a:noFill/>
+          <a:ln w="9525" cap="flat" cmpd="sng" algn="ctr">
+            <a:noFill/>
+            <a:prstDash val="solid"/>
+          </a:ln>
+          <a:effectLst/>
+        </p:spPr>
+        <p:txBody>
+          <a:bodyPr rtlCol="0" anchor="ctr"/>
+          <a:lstStyle/>
+          <a:p>
+            <a:pPr marL="0" marR="0" lvl="0" indent="0" algn="ctr" defTabSz="914400" eaLnBrk="1" fontAlgn="auto" latinLnBrk="0" hangingPunct="1">
+              <a:lnSpc>
+                <a:spcPct val="100000"/>
+              </a:lnSpc>
+              <a:spcBef>
+                <a:spcPts val="0"/>
+              </a:spcBef>
+              <a:spcAft>
+                <a:spcPts val="0"/>
+              </a:spcAft>
+              <a:buClrTx/>
+              <a:buSzTx/>
+              <a:buFontTx/>
+              <a:buNone/>
+              <a:tabLst/>
+              <a:defRPr/>
+            </a:pPr>
+            <a:r>
+              <a:rPr kumimoji="0" lang="fr-FR" sz="1200" b="1" i="0" u="none" strike="noStrike" kern="0" cap="none" spc="0" normalizeH="0" baseline="0" noProof="0" dirty="0">
+                <a:ln>
+                  <a:noFill/>
+                </a:ln>
+                <a:solidFill>
+                  <a:srgbClr val="00B0F0"/>
+                </a:solidFill>
+                <a:effectLst/>
+                <a:uLnTx/>
+                <a:uFillTx/>
+                <a:latin typeface="Calibri"/>
+                <a:ea typeface="+mn-ea"/>
+                <a:cs typeface="+mn-cs"/>
+              </a:rPr>
+              <a:t>Infos destinées à d’autres interfaces H/M</a:t>
+            </a:r>
+          </a:p>
+        </p:txBody>
+      </p:sp>
+      <p:sp>
+        <p:nvSpPr>
+          <p:cNvPr id="47" name="Rectangle 46">
+            <a:extLst>
+              <a:ext uri="{FF2B5EF4-FFF2-40B4-BE49-F238E27FC236}">
+                <a16:creationId xmlns:a16="http://schemas.microsoft.com/office/drawing/2014/main" id="{E3A8E074-50FA-4330-B2CC-A4E01D900625}"/>
+              </a:ext>
+            </a:extLst>
+          </p:cNvPr>
+          <p:cNvSpPr/>
+          <p:nvPr/>
+        </p:nvSpPr>
+        <p:spPr>
+          <a:xfrm>
+            <a:off x="1164816" y="2655070"/>
+            <a:ext cx="1452974" cy="949795"/>
+          </a:xfrm>
+          <a:prstGeom prst="rect">
+            <a:avLst/>
+          </a:prstGeom>
+          <a:noFill/>
+          <a:ln w="9525" cap="flat" cmpd="sng" algn="ctr">
+            <a:noFill/>
+            <a:prstDash val="solid"/>
+          </a:ln>
+          <a:effectLst/>
+        </p:spPr>
+        <p:txBody>
+          <a:bodyPr rtlCol="0" anchor="ctr"/>
+          <a:lstStyle/>
+          <a:p>
+            <a:pPr marL="0" marR="0" lvl="0" indent="0" algn="ctr" defTabSz="914400" eaLnBrk="1" fontAlgn="auto" latinLnBrk="0" hangingPunct="1">
+              <a:lnSpc>
+                <a:spcPct val="100000"/>
+              </a:lnSpc>
+              <a:spcBef>
+                <a:spcPts val="0"/>
+              </a:spcBef>
+              <a:spcAft>
+                <a:spcPts val="0"/>
+              </a:spcAft>
+              <a:buClrTx/>
+              <a:buSzTx/>
+              <a:buFontTx/>
+              <a:buNone/>
+              <a:tabLst/>
+              <a:defRPr/>
+            </a:pPr>
+            <a:r>
+              <a:rPr kumimoji="0" lang="fr-FR" sz="1200" b="1" i="0" u="none" strike="noStrike" kern="0" cap="none" spc="0" normalizeH="0" baseline="0" noProof="0" dirty="0">
+                <a:ln>
+                  <a:noFill/>
+                </a:ln>
+                <a:solidFill>
+                  <a:srgbClr val="00B0F0"/>
+                </a:solidFill>
+                <a:effectLst/>
+                <a:uLnTx/>
+                <a:uFillTx/>
+                <a:latin typeface="Calibri"/>
+                <a:ea typeface="+mn-ea"/>
+                <a:cs typeface="+mn-cs"/>
+              </a:rPr>
+              <a:t>Infos issues de d’autres interfaces H/M</a:t>
+            </a:r>
+          </a:p>
+        </p:txBody>
+      </p:sp>
+      <p:sp>
+        <p:nvSpPr>
+          <p:cNvPr id="48" name="Rectangle 47">
+            <a:extLst>
+              <a:ext uri="{FF2B5EF4-FFF2-40B4-BE49-F238E27FC236}">
+                <a16:creationId xmlns:a16="http://schemas.microsoft.com/office/drawing/2014/main" id="{A4613641-972A-40E3-875F-7959BA4CA987}"/>
+              </a:ext>
+            </a:extLst>
+          </p:cNvPr>
+          <p:cNvSpPr/>
+          <p:nvPr/>
+        </p:nvSpPr>
+        <p:spPr>
+          <a:xfrm>
+            <a:off x="11920465" y="1862255"/>
+            <a:ext cx="1794861" cy="379169"/>
+          </a:xfrm>
+          <a:prstGeom prst="rect">
+            <a:avLst/>
+          </a:prstGeom>
+          <a:noFill/>
+          <a:ln w="9525" cap="flat" cmpd="sng" algn="ctr">
+            <a:noFill/>
+            <a:prstDash val="solid"/>
+          </a:ln>
+          <a:effectLst/>
+        </p:spPr>
+        <p:txBody>
+          <a:bodyPr rtlCol="0" anchor="ctr"/>
+          <a:lstStyle/>
+          <a:p>
+            <a:pPr marL="0" marR="0" lvl="0" indent="0" algn="ctr" defTabSz="914400" eaLnBrk="1" fontAlgn="auto" latinLnBrk="0" hangingPunct="1">
+              <a:lnSpc>
+                <a:spcPct val="100000"/>
+              </a:lnSpc>
+              <a:spcBef>
+                <a:spcPts val="0"/>
+              </a:spcBef>
+              <a:spcAft>
+                <a:spcPts val="0"/>
+              </a:spcAft>
+              <a:buClrTx/>
+              <a:buSzTx/>
+              <a:buFontTx/>
+              <a:buNone/>
+              <a:tabLst/>
+              <a:defRPr/>
+            </a:pPr>
+            <a:r>
+              <a:rPr kumimoji="0" lang="fr-FR" sz="1200" b="1" i="0" u="none" strike="noStrike" kern="0" cap="none" spc="0" normalizeH="0" baseline="0" noProof="0" dirty="0">
+                <a:ln>
+                  <a:noFill/>
+                </a:ln>
+                <a:solidFill>
+                  <a:srgbClr val="00B0F0"/>
+                </a:solidFill>
+                <a:effectLst/>
+                <a:uLnTx/>
+                <a:uFillTx/>
+                <a:latin typeface="Calibri"/>
+                <a:ea typeface="+mn-ea"/>
+                <a:cs typeface="+mn-cs"/>
+              </a:rPr>
+              <a:t>H/M : Homme – Machine </a:t>
+            </a:r>
+          </a:p>
+        </p:txBody>
+      </p:sp>
+      <p:sp>
+        <p:nvSpPr>
+          <p:cNvPr id="49" name="Rectangle 48">
+            <a:extLst>
+              <a:ext uri="{FF2B5EF4-FFF2-40B4-BE49-F238E27FC236}">
+                <a16:creationId xmlns:a16="http://schemas.microsoft.com/office/drawing/2014/main" id="{FCA989E8-2F5C-4330-A910-27D160C36F19}"/>
+              </a:ext>
+            </a:extLst>
+          </p:cNvPr>
+          <p:cNvSpPr/>
+          <p:nvPr/>
+        </p:nvSpPr>
+        <p:spPr>
+          <a:xfrm>
+            <a:off x="11314594" y="2193863"/>
+            <a:ext cx="1482684" cy="409672"/>
+          </a:xfrm>
+          <a:prstGeom prst="rect">
+            <a:avLst/>
+          </a:prstGeom>
+          <a:noFill/>
+          <a:ln w="9525" cap="flat" cmpd="sng" algn="ctr">
+            <a:noFill/>
+            <a:prstDash val="solid"/>
+          </a:ln>
+          <a:effectLst/>
+        </p:spPr>
+        <p:txBody>
+          <a:bodyPr rtlCol="0" anchor="ctr"/>
+          <a:lstStyle/>
+          <a:p>
+            <a:pPr marL="0" marR="0" lvl="0" indent="0" algn="ctr" defTabSz="914400" eaLnBrk="1" fontAlgn="auto" latinLnBrk="0" hangingPunct="1">
+              <a:lnSpc>
+                <a:spcPct val="100000"/>
+              </a:lnSpc>
+              <a:spcBef>
+                <a:spcPts val="0"/>
+              </a:spcBef>
+              <a:spcAft>
+                <a:spcPts val="0"/>
+              </a:spcAft>
+              <a:buClrTx/>
+              <a:buSzTx/>
+              <a:buFontTx/>
+              <a:buNone/>
+              <a:tabLst/>
+              <a:defRPr/>
+            </a:pPr>
+            <a:endParaRPr kumimoji="0" lang="fr-FR" sz="1600" b="1" i="0" u="none" strike="noStrike" kern="0" cap="none" spc="0" normalizeH="0" baseline="0" noProof="0" dirty="0">
+              <a:ln>
+                <a:noFill/>
+              </a:ln>
+              <a:solidFill>
+                <a:srgbClr val="C00000"/>
+              </a:solidFill>
+              <a:effectLst/>
+              <a:uLnTx/>
+              <a:uFillTx/>
+              <a:latin typeface="Calibri"/>
+              <a:ea typeface="+mn-ea"/>
+              <a:cs typeface="+mn-cs"/>
+            </a:endParaRPr>
+          </a:p>
+        </p:txBody>
+      </p:sp>
+      <p:grpSp>
+        <p:nvGrpSpPr>
+          <p:cNvPr id="77" name="Groupe 76">
+            <a:extLst>
+              <a:ext uri="{FF2B5EF4-FFF2-40B4-BE49-F238E27FC236}">
+                <a16:creationId xmlns:a16="http://schemas.microsoft.com/office/drawing/2014/main" id="{457D46D3-EEBE-4E56-B8EE-D53CFB72D255}"/>
+              </a:ext>
+            </a:extLst>
+          </p:cNvPr>
+          <p:cNvGrpSpPr/>
+          <p:nvPr/>
+        </p:nvGrpSpPr>
+        <p:grpSpPr>
+          <a:xfrm>
+            <a:off x="523938" y="0"/>
+            <a:ext cx="504000" cy="5994188"/>
+            <a:chOff x="523938" y="0"/>
+            <a:chExt cx="504000" cy="5994188"/>
+          </a:xfrm>
+        </p:grpSpPr>
+        <p:sp>
+          <p:nvSpPr>
+            <p:cNvPr id="70" name="ZoneTexte 69">
+              <a:extLst>
+                <a:ext uri="{FF2B5EF4-FFF2-40B4-BE49-F238E27FC236}">
+                  <a16:creationId xmlns:a16="http://schemas.microsoft.com/office/drawing/2014/main" id="{B59EDDAC-DFDA-43F4-9825-964B975AA672}"/>
+                </a:ext>
+              </a:extLst>
+            </p:cNvPr>
+            <p:cNvSpPr txBox="1"/>
+            <p:nvPr/>
+          </p:nvSpPr>
+          <p:spPr>
+            <a:xfrm rot="16200000">
+              <a:off x="-88062" y="612000"/>
+              <a:ext cx="1728000" cy="504000"/>
+            </a:xfrm>
+            <a:prstGeom prst="rect">
+              <a:avLst/>
+            </a:prstGeom>
+            <a:solidFill>
+              <a:schemeClr val="accent1">
+                <a:lumMod val="20000"/>
+                <a:lumOff val="80000"/>
+              </a:schemeClr>
+            </a:solidFill>
+          </p:spPr>
+          <p:txBody>
+            <a:bodyPr wrap="square" lIns="0" tIns="0" rIns="0" bIns="0" rtlCol="0">
+              <a:spAutoFit/>
+            </a:bodyPr>
+            <a:lstStyle/>
+            <a:p>
+              <a:pPr algn="ctr"/>
+              <a:r>
+                <a:rPr lang="fr-FR" sz="2400" b="1" dirty="0"/>
+                <a:t>Découverte</a:t>
+              </a:r>
+            </a:p>
+          </p:txBody>
+        </p:sp>
+        <p:sp>
+          <p:nvSpPr>
+            <p:cNvPr id="75" name="ZoneTexte 74">
+              <a:extLst>
+                <a:ext uri="{FF2B5EF4-FFF2-40B4-BE49-F238E27FC236}">
+                  <a16:creationId xmlns:a16="http://schemas.microsoft.com/office/drawing/2014/main" id="{A583E446-C069-4E6A-8CC6-690556346DC2}"/>
+                </a:ext>
+              </a:extLst>
+            </p:cNvPr>
+            <p:cNvSpPr txBox="1"/>
+            <p:nvPr/>
+          </p:nvSpPr>
+          <p:spPr>
+            <a:xfrm rot="16200000">
+              <a:off x="-1357156" y="3609094"/>
+              <a:ext cx="4266188" cy="504000"/>
+            </a:xfrm>
+            <a:prstGeom prst="rect">
+              <a:avLst/>
+            </a:prstGeom>
+            <a:solidFill>
+              <a:schemeClr val="accent1">
+                <a:lumMod val="20000"/>
+                <a:lumOff val="80000"/>
+              </a:schemeClr>
+            </a:solidFill>
+          </p:spPr>
+          <p:txBody>
+            <a:bodyPr wrap="square" lIns="0" tIns="0" rIns="0" bIns="0" rtlCol="0">
+              <a:spAutoFit/>
+            </a:bodyPr>
+            <a:lstStyle/>
+            <a:p>
+              <a:pPr algn="ctr"/>
+              <a:r>
+                <a:rPr lang="fr-FR" sz="2400" b="1" dirty="0"/>
+                <a:t>Chaine fonctionnelle</a:t>
+              </a:r>
+            </a:p>
+          </p:txBody>
+        </p:sp>
+      </p:grpSp>
+      <p:cxnSp>
+        <p:nvCxnSpPr>
+          <p:cNvPr id="72" name="Connecteur droit 71">
+            <a:extLst>
+              <a:ext uri="{FF2B5EF4-FFF2-40B4-BE49-F238E27FC236}">
+                <a16:creationId xmlns:a16="http://schemas.microsoft.com/office/drawing/2014/main" id="{45A44BA3-10B3-4FE6-8D0E-E92C288247C4}"/>
+              </a:ext>
+            </a:extLst>
+          </p:cNvPr>
+          <p:cNvCxnSpPr>
+            <a:cxnSpLocks/>
+          </p:cNvCxnSpPr>
+          <p:nvPr/>
+        </p:nvCxnSpPr>
+        <p:spPr>
+          <a:xfrm>
+            <a:off x="523937" y="1718966"/>
+            <a:ext cx="14594696" cy="0"/>
+          </a:xfrm>
+          <a:prstGeom prst="line">
+            <a:avLst/>
+          </a:prstGeom>
+        </p:spPr>
+        <p:style>
+          <a:lnRef idx="1">
+            <a:schemeClr val="accent1"/>
+          </a:lnRef>
+          <a:fillRef idx="0">
+            <a:schemeClr val="accent1"/>
+          </a:fillRef>
+          <a:effectRef idx="0">
+            <a:schemeClr val="accent1"/>
+          </a:effectRef>
+          <a:fontRef idx="minor">
+            <a:schemeClr val="tx1"/>
+          </a:fontRef>
+        </p:style>
+      </p:cxnSp>
+      <p:cxnSp>
+        <p:nvCxnSpPr>
+          <p:cNvPr id="76" name="Connecteur droit 75">
+            <a:extLst>
+              <a:ext uri="{FF2B5EF4-FFF2-40B4-BE49-F238E27FC236}">
+                <a16:creationId xmlns:a16="http://schemas.microsoft.com/office/drawing/2014/main" id="{91B2922F-3DE4-4D32-B9AA-8BD8B5BB674B}"/>
+              </a:ext>
+            </a:extLst>
+          </p:cNvPr>
+          <p:cNvCxnSpPr>
+            <a:cxnSpLocks/>
+          </p:cNvCxnSpPr>
+          <p:nvPr/>
+        </p:nvCxnSpPr>
+        <p:spPr>
+          <a:xfrm>
+            <a:off x="523937" y="5994187"/>
+            <a:ext cx="14594696" cy="0"/>
+          </a:xfrm>
+          <a:prstGeom prst="line">
+            <a:avLst/>
+          </a:prstGeom>
+        </p:spPr>
+        <p:style>
+          <a:lnRef idx="1">
+            <a:schemeClr val="accent1"/>
+          </a:lnRef>
+          <a:fillRef idx="0">
+            <a:schemeClr val="accent1"/>
+          </a:fillRef>
+          <a:effectRef idx="0">
+            <a:schemeClr val="accent1"/>
+          </a:effectRef>
+          <a:fontRef idx="minor">
+            <a:schemeClr val="tx1"/>
+          </a:fontRef>
+        </p:style>
+      </p:cxnSp>
+      <p:sp>
+        <p:nvSpPr>
+          <p:cNvPr id="79" name="ZoneTexte 78">
+            <a:extLst>
+              <a:ext uri="{FF2B5EF4-FFF2-40B4-BE49-F238E27FC236}">
+                <a16:creationId xmlns:a16="http://schemas.microsoft.com/office/drawing/2014/main" id="{854598CD-977F-4600-B29C-75033871E02C}"/>
+              </a:ext>
+            </a:extLst>
+          </p:cNvPr>
+          <p:cNvSpPr txBox="1"/>
+          <p:nvPr/>
+        </p:nvSpPr>
+        <p:spPr>
+          <a:xfrm rot="16200000">
+            <a:off x="-1576142" y="8090998"/>
+            <a:ext cx="4697624" cy="504000"/>
+          </a:xfrm>
+          <a:prstGeom prst="rect">
+            <a:avLst/>
+          </a:prstGeom>
+          <a:solidFill>
+            <a:schemeClr val="accent1">
+              <a:lumMod val="20000"/>
+              <a:lumOff val="80000"/>
+            </a:schemeClr>
+          </a:solidFill>
+        </p:spPr>
+        <p:txBody>
+          <a:bodyPr wrap="square" lIns="0" tIns="0" rIns="0" bIns="0" rtlCol="0">
+            <a:spAutoFit/>
+          </a:bodyPr>
+          <a:lstStyle/>
+          <a:p>
+            <a:pPr algn="ctr"/>
+            <a:r>
+              <a:rPr lang="fr-FR" sz="2400" b="1" dirty="0"/>
+              <a:t>Modélisation</a:t>
+            </a:r>
+          </a:p>
+        </p:txBody>
+      </p:sp>
+      <p:sp>
+        <p:nvSpPr>
+          <p:cNvPr id="80" name="Rectangle 79">
+            <a:extLst>
+              <a:ext uri="{FF2B5EF4-FFF2-40B4-BE49-F238E27FC236}">
+                <a16:creationId xmlns:a16="http://schemas.microsoft.com/office/drawing/2014/main" id="{CAC86B23-75D6-40C6-8451-84212018E167}"/>
+              </a:ext>
+            </a:extLst>
+          </p:cNvPr>
+          <p:cNvSpPr/>
+          <p:nvPr/>
+        </p:nvSpPr>
+        <p:spPr>
+          <a:xfrm>
+            <a:off x="1435278" y="6175695"/>
+            <a:ext cx="3496392" cy="2072885"/>
+          </a:xfrm>
+          <a:prstGeom prst="rect">
+            <a:avLst/>
+          </a:prstGeom>
+          <a:noFill/>
+          <a:ln>
+            <a:solidFill>
+              <a:schemeClr val="accent1"/>
+            </a:solidFill>
+            <a:prstDash val="dash"/>
+          </a:ln>
+        </p:spPr>
+        <p:style>
+          <a:lnRef idx="2">
+            <a:schemeClr val="accent1">
+              <a:shade val="50000"/>
+            </a:schemeClr>
+          </a:lnRef>
+          <a:fillRef idx="1">
+            <a:schemeClr val="accent1"/>
+          </a:fillRef>
+          <a:effectRef idx="0">
+            <a:schemeClr val="accent1"/>
+          </a:effectRef>
+          <a:fontRef idx="minor">
+            <a:schemeClr val="lt1"/>
+          </a:fontRef>
+        </p:style>
+        <p:txBody>
+          <a:bodyPr rtlCol="0" anchor="ctr"/>
+          <a:lstStyle/>
+          <a:p>
+            <a:pPr algn="ctr"/>
+            <a:endParaRPr lang="fr-FR"/>
+          </a:p>
+        </p:txBody>
+      </p:sp>
+      <p:sp>
+        <p:nvSpPr>
+          <p:cNvPr id="82" name="ZoneTexte 81">
+            <a:extLst>
+              <a:ext uri="{FF2B5EF4-FFF2-40B4-BE49-F238E27FC236}">
+                <a16:creationId xmlns:a16="http://schemas.microsoft.com/office/drawing/2014/main" id="{2B4852CF-F717-4642-B4FE-1F482B8C1BC3}"/>
+              </a:ext>
+            </a:extLst>
+          </p:cNvPr>
+          <p:cNvSpPr txBox="1"/>
+          <p:nvPr/>
+        </p:nvSpPr>
+        <p:spPr>
+          <a:xfrm>
+            <a:off x="1435278" y="6198834"/>
+            <a:ext cx="3496392" cy="369332"/>
+          </a:xfrm>
+          <a:prstGeom prst="rect">
+            <a:avLst/>
+          </a:prstGeom>
+          <a:noFill/>
+        </p:spPr>
+        <p:txBody>
+          <a:bodyPr wrap="square" rtlCol="0">
+            <a:spAutoFit/>
+          </a:bodyPr>
+          <a:lstStyle/>
+          <a:p>
+            <a:pPr algn="ctr"/>
+            <a:r>
+              <a:rPr lang="fr-FR" b="1" dirty="0"/>
+              <a:t>Conditions expérimentales</a:t>
+            </a:r>
+          </a:p>
+        </p:txBody>
+      </p:sp>
+      <p:sp>
+        <p:nvSpPr>
+          <p:cNvPr id="83" name="Rectangle 82">
+            <a:extLst>
+              <a:ext uri="{FF2B5EF4-FFF2-40B4-BE49-F238E27FC236}">
+                <a16:creationId xmlns:a16="http://schemas.microsoft.com/office/drawing/2014/main" id="{E4E153B5-D706-4818-8125-673D8F37C389}"/>
+              </a:ext>
+            </a:extLst>
+          </p:cNvPr>
+          <p:cNvSpPr/>
+          <p:nvPr/>
+        </p:nvSpPr>
+        <p:spPr>
+          <a:xfrm>
+            <a:off x="1435278" y="8413429"/>
+            <a:ext cx="3496392" cy="2026168"/>
+          </a:xfrm>
+          <a:prstGeom prst="rect">
+            <a:avLst/>
+          </a:prstGeom>
+          <a:noFill/>
+          <a:ln>
+            <a:solidFill>
+              <a:schemeClr val="accent1"/>
+            </a:solidFill>
+            <a:prstDash val="dash"/>
+          </a:ln>
+        </p:spPr>
+        <p:style>
+          <a:lnRef idx="2">
+            <a:schemeClr val="accent1">
+              <a:shade val="50000"/>
+            </a:schemeClr>
+          </a:lnRef>
+          <a:fillRef idx="1">
+            <a:schemeClr val="accent1"/>
+          </a:fillRef>
+          <a:effectRef idx="0">
+            <a:schemeClr val="accent1"/>
+          </a:effectRef>
+          <a:fontRef idx="minor">
+            <a:schemeClr val="lt1"/>
+          </a:fontRef>
+        </p:style>
+        <p:txBody>
+          <a:bodyPr rtlCol="0" anchor="ctr"/>
+          <a:lstStyle/>
+          <a:p>
+            <a:pPr algn="ctr"/>
+            <a:endParaRPr lang="fr-FR"/>
+          </a:p>
+        </p:txBody>
+      </p:sp>
+      <p:sp>
+        <p:nvSpPr>
+          <p:cNvPr id="84" name="ZoneTexte 83">
+            <a:extLst>
+              <a:ext uri="{FF2B5EF4-FFF2-40B4-BE49-F238E27FC236}">
+                <a16:creationId xmlns:a16="http://schemas.microsoft.com/office/drawing/2014/main" id="{5C3FCBC9-279B-491B-9FDE-F97221E0721E}"/>
+              </a:ext>
+            </a:extLst>
+          </p:cNvPr>
+          <p:cNvSpPr txBox="1"/>
+          <p:nvPr/>
+        </p:nvSpPr>
+        <p:spPr>
+          <a:xfrm>
+            <a:off x="1435278" y="8436568"/>
+            <a:ext cx="3496392" cy="369332"/>
+          </a:xfrm>
+          <a:prstGeom prst="rect">
+            <a:avLst/>
+          </a:prstGeom>
+          <a:noFill/>
+        </p:spPr>
+        <p:txBody>
+          <a:bodyPr wrap="square" rtlCol="0">
+            <a:spAutoFit/>
+          </a:bodyPr>
+          <a:lstStyle/>
+          <a:p>
+            <a:pPr algn="ctr"/>
+            <a:r>
+              <a:rPr lang="fr-FR" b="1" dirty="0"/>
+              <a:t>Fonction de transfert/Schéma-bloc</a:t>
+            </a:r>
+          </a:p>
+        </p:txBody>
+      </p:sp>
+      <p:sp>
+        <p:nvSpPr>
+          <p:cNvPr id="85" name="Rectangle 84">
+            <a:extLst>
+              <a:ext uri="{FF2B5EF4-FFF2-40B4-BE49-F238E27FC236}">
+                <a16:creationId xmlns:a16="http://schemas.microsoft.com/office/drawing/2014/main" id="{7619BF8D-E205-49A8-BA96-B04728B5687C}"/>
+              </a:ext>
+            </a:extLst>
+          </p:cNvPr>
+          <p:cNvSpPr/>
+          <p:nvPr/>
+        </p:nvSpPr>
+        <p:spPr>
+          <a:xfrm>
+            <a:off x="5221925" y="6199935"/>
+            <a:ext cx="6023593" cy="4243459"/>
+          </a:xfrm>
+          <a:prstGeom prst="rect">
+            <a:avLst/>
+          </a:prstGeom>
+          <a:noFill/>
+          <a:ln>
+            <a:solidFill>
+              <a:schemeClr val="accent1"/>
+            </a:solidFill>
+            <a:prstDash val="dash"/>
+          </a:ln>
+        </p:spPr>
+        <p:style>
+          <a:lnRef idx="2">
+            <a:schemeClr val="accent1">
+              <a:shade val="50000"/>
+            </a:schemeClr>
+          </a:lnRef>
+          <a:fillRef idx="1">
+            <a:schemeClr val="accent1"/>
+          </a:fillRef>
+          <a:effectRef idx="0">
+            <a:schemeClr val="accent1"/>
+          </a:effectRef>
+          <a:fontRef idx="minor">
+            <a:schemeClr val="lt1"/>
+          </a:fontRef>
+        </p:style>
+        <p:txBody>
+          <a:bodyPr rtlCol="0" anchor="ctr"/>
+          <a:lstStyle/>
+          <a:p>
+            <a:pPr algn="ctr"/>
+            <a:endParaRPr lang="fr-FR"/>
+          </a:p>
+        </p:txBody>
+      </p:sp>
+      <p:sp>
+        <p:nvSpPr>
+          <p:cNvPr id="87" name="ZoneTexte 86">
+            <a:extLst>
+              <a:ext uri="{FF2B5EF4-FFF2-40B4-BE49-F238E27FC236}">
+                <a16:creationId xmlns:a16="http://schemas.microsoft.com/office/drawing/2014/main" id="{E5755DE0-3DC4-44C1-8BAE-509B85D403A2}"/>
+              </a:ext>
+            </a:extLst>
+          </p:cNvPr>
+          <p:cNvSpPr txBox="1"/>
+          <p:nvPr/>
+        </p:nvSpPr>
+        <p:spPr>
+          <a:xfrm>
+            <a:off x="5221924" y="6207294"/>
+            <a:ext cx="6023593" cy="369332"/>
+          </a:xfrm>
+          <a:prstGeom prst="rect">
+            <a:avLst/>
+          </a:prstGeom>
+          <a:noFill/>
+        </p:spPr>
+        <p:txBody>
+          <a:bodyPr wrap="square" rtlCol="0">
+            <a:spAutoFit/>
+          </a:bodyPr>
+          <a:lstStyle/>
+          <a:p>
+            <a:pPr algn="ctr"/>
+            <a:r>
+              <a:rPr lang="fr-FR" b="1" dirty="0"/>
+              <a:t>Courbes essai/modèle</a:t>
+            </a:r>
+          </a:p>
+        </p:txBody>
+      </p:sp>
+      <p:sp>
+        <p:nvSpPr>
+          <p:cNvPr id="88" name="Rectangle 87">
+            <a:extLst>
+              <a:ext uri="{FF2B5EF4-FFF2-40B4-BE49-F238E27FC236}">
+                <a16:creationId xmlns:a16="http://schemas.microsoft.com/office/drawing/2014/main" id="{B04CEC9D-AAFD-4A3A-9C6D-B09C947903CE}"/>
+              </a:ext>
+            </a:extLst>
+          </p:cNvPr>
+          <p:cNvSpPr/>
+          <p:nvPr/>
+        </p:nvSpPr>
+        <p:spPr>
+          <a:xfrm>
+            <a:off x="11535773" y="6206853"/>
+            <a:ext cx="3335259" cy="2041730"/>
+          </a:xfrm>
+          <a:prstGeom prst="rect">
+            <a:avLst/>
+          </a:prstGeom>
+          <a:noFill/>
+          <a:ln>
+            <a:solidFill>
+              <a:schemeClr val="accent1"/>
+            </a:solidFill>
+            <a:prstDash val="dash"/>
+          </a:ln>
+        </p:spPr>
+        <p:style>
+          <a:lnRef idx="2">
+            <a:schemeClr val="accent1">
+              <a:shade val="50000"/>
+            </a:schemeClr>
+          </a:lnRef>
+          <a:fillRef idx="1">
+            <a:schemeClr val="accent1"/>
+          </a:fillRef>
+          <a:effectRef idx="0">
+            <a:schemeClr val="accent1"/>
+          </a:effectRef>
+          <a:fontRef idx="minor">
+            <a:schemeClr val="lt1"/>
+          </a:fontRef>
+        </p:style>
+        <p:txBody>
+          <a:bodyPr rtlCol="0" anchor="ctr"/>
+          <a:lstStyle/>
+          <a:p>
+            <a:pPr algn="ctr"/>
+            <a:endParaRPr lang="fr-FR"/>
+          </a:p>
+        </p:txBody>
+      </p:sp>
+      <p:sp>
+        <p:nvSpPr>
+          <p:cNvPr id="89" name="ZoneTexte 88">
+            <a:extLst>
+              <a:ext uri="{FF2B5EF4-FFF2-40B4-BE49-F238E27FC236}">
+                <a16:creationId xmlns:a16="http://schemas.microsoft.com/office/drawing/2014/main" id="{6F050C5B-C6EE-4FF2-A55F-1344F3A6FED6}"/>
+              </a:ext>
+            </a:extLst>
+          </p:cNvPr>
+          <p:cNvSpPr txBox="1"/>
+          <p:nvPr/>
+        </p:nvSpPr>
+        <p:spPr>
+          <a:xfrm>
+            <a:off x="11535772" y="6214211"/>
+            <a:ext cx="3335259" cy="369332"/>
+          </a:xfrm>
+          <a:prstGeom prst="rect">
+            <a:avLst/>
+          </a:prstGeom>
+          <a:noFill/>
+        </p:spPr>
+        <p:txBody>
+          <a:bodyPr wrap="square" rtlCol="0">
+            <a:spAutoFit/>
+          </a:bodyPr>
+          <a:lstStyle/>
+          <a:p>
+            <a:pPr algn="ctr"/>
+            <a:r>
+              <a:rPr lang="fr-FR" b="1" dirty="0"/>
+              <a:t>Validation du CDCF</a:t>
+            </a:r>
+          </a:p>
+        </p:txBody>
+      </p:sp>
+      <p:sp>
+        <p:nvSpPr>
+          <p:cNvPr id="90" name="Rectangle 89">
+            <a:extLst>
+              <a:ext uri="{FF2B5EF4-FFF2-40B4-BE49-F238E27FC236}">
+                <a16:creationId xmlns:a16="http://schemas.microsoft.com/office/drawing/2014/main" id="{892001F3-9DFB-409B-9BF8-AAD079718D2E}"/>
+              </a:ext>
+            </a:extLst>
+          </p:cNvPr>
+          <p:cNvSpPr/>
+          <p:nvPr/>
+        </p:nvSpPr>
+        <p:spPr>
+          <a:xfrm>
+            <a:off x="11535773" y="8397867"/>
+            <a:ext cx="3335259" cy="2041730"/>
+          </a:xfrm>
+          <a:prstGeom prst="rect">
+            <a:avLst/>
+          </a:prstGeom>
+          <a:noFill/>
+          <a:ln>
+            <a:solidFill>
+              <a:schemeClr val="accent1"/>
+            </a:solidFill>
+            <a:prstDash val="dash"/>
+          </a:ln>
+        </p:spPr>
+        <p:style>
+          <a:lnRef idx="2">
+            <a:schemeClr val="accent1">
+              <a:shade val="50000"/>
+            </a:schemeClr>
+          </a:lnRef>
+          <a:fillRef idx="1">
+            <a:schemeClr val="accent1"/>
+          </a:fillRef>
+          <a:effectRef idx="0">
+            <a:schemeClr val="accent1"/>
+          </a:effectRef>
+          <a:fontRef idx="minor">
+            <a:schemeClr val="lt1"/>
+          </a:fontRef>
+        </p:style>
+        <p:txBody>
+          <a:bodyPr rtlCol="0" anchor="ctr"/>
+          <a:lstStyle/>
+          <a:p>
+            <a:pPr algn="ctr"/>
+            <a:endParaRPr lang="fr-FR"/>
+          </a:p>
+        </p:txBody>
+      </p:sp>
+      <p:sp>
+        <p:nvSpPr>
+          <p:cNvPr id="91" name="ZoneTexte 90">
+            <a:extLst>
+              <a:ext uri="{FF2B5EF4-FFF2-40B4-BE49-F238E27FC236}">
+                <a16:creationId xmlns:a16="http://schemas.microsoft.com/office/drawing/2014/main" id="{2A8E7ACE-8249-4DAE-8E20-8295FD03B98F}"/>
+              </a:ext>
+            </a:extLst>
+          </p:cNvPr>
+          <p:cNvSpPr txBox="1"/>
+          <p:nvPr/>
+        </p:nvSpPr>
+        <p:spPr>
+          <a:xfrm>
+            <a:off x="11535772" y="8405225"/>
+            <a:ext cx="3335259" cy="369332"/>
+          </a:xfrm>
+          <a:prstGeom prst="rect">
+            <a:avLst/>
+          </a:prstGeom>
+          <a:noFill/>
+        </p:spPr>
+        <p:txBody>
+          <a:bodyPr wrap="square" rtlCol="0">
+            <a:spAutoFit/>
+          </a:bodyPr>
+          <a:lstStyle/>
+          <a:p>
+            <a:pPr algn="ctr"/>
+            <a:r>
+              <a:rPr lang="fr-FR" b="1" dirty="0"/>
+              <a:t>Limites de cette modélisation</a:t>
+            </a:r>
+          </a:p>
+        </p:txBody>
+      </p:sp>
+      <p:sp>
+        <p:nvSpPr>
+          <p:cNvPr id="56" name="ZoneTexte 55"/>
+          <p:cNvSpPr txBox="1"/>
+          <p:nvPr/>
+        </p:nvSpPr>
+        <p:spPr>
+          <a:xfrm rot="20700000">
+            <a:off x="4114796" y="3273081"/>
+            <a:ext cx="6105352" cy="954107"/>
+          </a:xfrm>
+          <a:prstGeom prst="rect">
+            <a:avLst/>
+          </a:prstGeom>
+          <a:noFill/>
+        </p:spPr>
+        <p:txBody>
+          <a:bodyPr wrap="square" rtlCol="0">
+            <a:spAutoFit/>
+          </a:bodyPr>
+          <a:lstStyle/>
+          <a:p>
+            <a:pPr algn="ctr"/>
+            <a:r>
+              <a:rPr lang="fr-FR" sz="2800" b="1" dirty="0">
+                <a:solidFill>
+                  <a:srgbClr val="FF7C80"/>
+                </a:solidFill>
+              </a:rPr>
+              <a:t>ARCHITECTURE MODIFIABLE EN FONCTION DU SYSTEME</a:t>
+            </a:r>
+          </a:p>
+        </p:txBody>
+      </p:sp>
+    </p:spTree>
+    <p:extLst>
+      <p:ext uri="{BB962C8B-B14F-4D97-AF65-F5344CB8AC3E}">
+        <p14:creationId xmlns:p14="http://schemas.microsoft.com/office/powerpoint/2010/main" val="612915181"/>
       </p:ext>
     </p:extLst>
   </p:cSld>
